--- a/Presentación.pptx
+++ b/Presentación.pptx
@@ -1,22 +1,22 @@
 
 <file path=ppt/presentation.xml><?xml version="1.0" encoding="utf-8"?>
-<p:presentation xmlns:a="http://schemas.openxmlformats.org/drawingml/2006/main" xmlns:r="http://schemas.openxmlformats.org/officeDocument/2006/relationships" xmlns:p="http://schemas.openxmlformats.org/presentationml/2006/main" saveSubsetFonts="1">
+<p:presentation xmlns:a="http://schemas.openxmlformats.org/drawingml/2006/main" xmlns:r="http://schemas.openxmlformats.org/officeDocument/2006/relationships" xmlns:p="http://schemas.openxmlformats.org/presentationml/2006/main">
   <p:sldMasterIdLst>
     <p:sldMasterId id="2147483648" r:id="rId1"/>
   </p:sldMasterIdLst>
   <p:sldIdLst>
-    <p:sldId id="256" r:id="rId2"/>
-    <p:sldId id="257" r:id="rId3"/>
-    <p:sldId id="264" r:id="rId4"/>
-    <p:sldId id="265" r:id="rId5"/>
-    <p:sldId id="258" r:id="rId6"/>
-    <p:sldId id="259" r:id="rId7"/>
-    <p:sldId id="260" r:id="rId8"/>
-    <p:sldId id="261" r:id="rId9"/>
-    <p:sldId id="262" r:id="rId10"/>
-    <p:sldId id="263" r:id="rId11"/>
-    <p:sldId id="266" r:id="rId12"/>
-    <p:sldId id="267" r:id="rId13"/>
+    <p:sldId id="256" r:id="rId3"/>
+    <p:sldId id="257" r:id="rId4"/>
+    <p:sldId id="264" r:id="rId5"/>
+    <p:sldId id="265" r:id="rId6"/>
+    <p:sldId id="258" r:id="rId7"/>
+    <p:sldId id="259" r:id="rId8"/>
+    <p:sldId id="260" r:id="rId9"/>
+    <p:sldId id="261" r:id="rId10"/>
+    <p:sldId id="262" r:id="rId11"/>
+    <p:sldId id="263" r:id="rId12"/>
+    <p:sldId id="266" r:id="rId13"/>
+    <p:sldId id="267" r:id="rId14"/>
   </p:sldIdLst>
   <p:sldSz cx="12192000" cy="6858000"/>
   <p:notesSz cx="6858000" cy="9144000"/>
@@ -137,13 +137,7 @@
       </p:grpSpPr>
       <p:sp>
         <p:nvSpPr>
-          <p:cNvPr id="2" name="Título 1">
-            <a:extLst>
-              <a:ext uri="{FF2B5EF4-FFF2-40B4-BE49-F238E27FC236}">
-                <a16:creationId xmlns:a16="http://schemas.microsoft.com/office/drawing/2014/main" id="{7AA7DF4B-A523-4A18-9D17-4DA18D3242A8}"/>
-              </a:ext>
-            </a:extLst>
-          </p:cNvPr>
+          <p:cNvPr id="2" name="Título 1"/>
           <p:cNvSpPr>
             <a:spLocks noGrp="1"/>
           </p:cNvSpPr>
@@ -169,23 +163,18 @@
               <a:rPr lang="es-ES"/>
               <a:t>Haga clic para modificar el estilo de título del patrón</a:t>
             </a:r>
-          </a:p>
-        </p:txBody>
-      </p:sp>
-      <p:sp>
-        <p:nvSpPr>
-          <p:cNvPr id="3" name="Subtítulo 2">
-            <a:extLst>
-              <a:ext uri="{FF2B5EF4-FFF2-40B4-BE49-F238E27FC236}">
-                <a16:creationId xmlns:a16="http://schemas.microsoft.com/office/drawing/2014/main" id="{8EBC8C4C-4D3E-409D-8F18-5A8B990530EF}"/>
-              </a:ext>
-            </a:extLst>
-          </p:cNvPr>
+            <a:endParaRPr lang="es-ES"/>
+          </a:p>
+        </p:txBody>
+      </p:sp>
+      <p:sp>
+        <p:nvSpPr>
+          <p:cNvPr id="3" name="Subtítulo 2"/>
           <p:cNvSpPr>
             <a:spLocks noGrp="1"/>
           </p:cNvSpPr>
           <p:nvPr>
-            <p:ph type="subTitle" idx="1"/>
+            <p:ph type="subTitle" idx="1" hasCustomPrompt="1"/>
           </p:nvPr>
         </p:nvSpPr>
         <p:spPr>
@@ -239,18 +228,13 @@
               <a:rPr lang="es-ES"/>
               <a:t>Haga clic para modificar el estilo de subtítulo del patrón</a:t>
             </a:r>
-          </a:p>
-        </p:txBody>
-      </p:sp>
-      <p:sp>
-        <p:nvSpPr>
-          <p:cNvPr id="4" name="Marcador de fecha 3">
-            <a:extLst>
-              <a:ext uri="{FF2B5EF4-FFF2-40B4-BE49-F238E27FC236}">
-                <a16:creationId xmlns:a16="http://schemas.microsoft.com/office/drawing/2014/main" id="{628845DD-7AE2-4AD2-A01D-0FF1C7140C99}"/>
-              </a:ext>
-            </a:extLst>
-          </p:cNvPr>
+            <a:endParaRPr lang="es-ES"/>
+          </a:p>
+        </p:txBody>
+      </p:sp>
+      <p:sp>
+        <p:nvSpPr>
+          <p:cNvPr id="4" name="Marcador de fecha 3"/>
           <p:cNvSpPr>
             <a:spLocks noGrp="1"/>
           </p:cNvSpPr>
@@ -265,7 +249,6 @@
           <a:p>
             <a:fld id="{6FEB4CCE-9E5C-4D7B-92E4-7FB210B21D7A}" type="datetimeFigureOut">
               <a:rPr lang="es-ES" smtClean="0"/>
-              <a:t>11/01/2026</a:t>
             </a:fld>
             <a:endParaRPr lang="es-ES"/>
           </a:p>
@@ -273,13 +256,7 @@
       </p:sp>
       <p:sp>
         <p:nvSpPr>
-          <p:cNvPr id="5" name="Marcador de pie de página 4">
-            <a:extLst>
-              <a:ext uri="{FF2B5EF4-FFF2-40B4-BE49-F238E27FC236}">
-                <a16:creationId xmlns:a16="http://schemas.microsoft.com/office/drawing/2014/main" id="{3C301B6F-2F78-47DF-BD3F-05DC3FE20107}"/>
-              </a:ext>
-            </a:extLst>
-          </p:cNvPr>
+          <p:cNvPr id="5" name="Marcador de pie de página 4"/>
           <p:cNvSpPr>
             <a:spLocks noGrp="1"/>
           </p:cNvSpPr>
@@ -298,13 +275,7 @@
       </p:sp>
       <p:sp>
         <p:nvSpPr>
-          <p:cNvPr id="6" name="Marcador de número de diapositiva 5">
-            <a:extLst>
-              <a:ext uri="{FF2B5EF4-FFF2-40B4-BE49-F238E27FC236}">
-                <a16:creationId xmlns:a16="http://schemas.microsoft.com/office/drawing/2014/main" id="{FB22F6CD-6BD7-4A39-AB26-7CB2C5395DA6}"/>
-              </a:ext>
-            </a:extLst>
-          </p:cNvPr>
+          <p:cNvPr id="6" name="Marcador de número de diapositiva 5"/>
           <p:cNvSpPr>
             <a:spLocks noGrp="1"/>
           </p:cNvSpPr>
@@ -319,18 +290,12 @@
           <a:p>
             <a:fld id="{2C54D487-8D63-415A-B3B9-DEFE2730CE83}" type="slidenum">
               <a:rPr lang="es-ES" smtClean="0"/>
-              <a:t>‹Nº›</a:t>
             </a:fld>
             <a:endParaRPr lang="es-ES"/>
           </a:p>
         </p:txBody>
       </p:sp>
     </p:spTree>
-    <p:extLst>
-      <p:ext uri="{BB962C8B-B14F-4D97-AF65-F5344CB8AC3E}">
-        <p14:creationId xmlns:p14="http://schemas.microsoft.com/office/powerpoint/2010/main" val="3449511810"/>
-      </p:ext>
-    </p:extLst>
   </p:cSld>
   <p:clrMapOvr>
     <a:masterClrMapping/>
@@ -357,13 +322,7 @@
       </p:grpSpPr>
       <p:sp>
         <p:nvSpPr>
-          <p:cNvPr id="2" name="Título 1">
-            <a:extLst>
-              <a:ext uri="{FF2B5EF4-FFF2-40B4-BE49-F238E27FC236}">
-                <a16:creationId xmlns:a16="http://schemas.microsoft.com/office/drawing/2014/main" id="{C42868EF-54CA-4EDF-9B7E-0A95F745872D}"/>
-              </a:ext>
-            </a:extLst>
-          </p:cNvPr>
+          <p:cNvPr id="2" name="Título 1"/>
           <p:cNvSpPr>
             <a:spLocks noGrp="1"/>
           </p:cNvSpPr>
@@ -380,23 +339,18 @@
               <a:rPr lang="es-ES"/>
               <a:t>Haga clic para modificar el estilo de título del patrón</a:t>
             </a:r>
-          </a:p>
-        </p:txBody>
-      </p:sp>
-      <p:sp>
-        <p:nvSpPr>
-          <p:cNvPr id="3" name="Marcador de texto vertical 2">
-            <a:extLst>
-              <a:ext uri="{FF2B5EF4-FFF2-40B4-BE49-F238E27FC236}">
-                <a16:creationId xmlns:a16="http://schemas.microsoft.com/office/drawing/2014/main" id="{C4E58650-79B5-4EFA-BC89-4FC7184A4401}"/>
-              </a:ext>
-            </a:extLst>
-          </p:cNvPr>
+            <a:endParaRPr lang="es-ES"/>
+          </a:p>
+        </p:txBody>
+      </p:sp>
+      <p:sp>
+        <p:nvSpPr>
+          <p:cNvPr id="3" name="Marcador de texto vertical 2"/>
           <p:cNvSpPr>
             <a:spLocks noGrp="1"/>
           </p:cNvSpPr>
           <p:nvPr>
-            <p:ph type="body" orient="vert" idx="1"/>
+            <p:ph type="body" orient="vert" idx="1" hasCustomPrompt="1"/>
           </p:nvPr>
         </p:nvSpPr>
         <p:spPr/>
@@ -409,6 +363,7 @@
               <a:rPr lang="es-ES"/>
               <a:t>Haga clic para modificar los estilos de texto del patrón</a:t>
             </a:r>
+            <a:endParaRPr lang="es-ES"/>
           </a:p>
           <a:p>
             <a:pPr lvl="1"/>
@@ -416,6 +371,7 @@
               <a:rPr lang="es-ES"/>
               <a:t>Segundo nivel</a:t>
             </a:r>
+            <a:endParaRPr lang="es-ES"/>
           </a:p>
           <a:p>
             <a:pPr lvl="2"/>
@@ -423,6 +379,7 @@
               <a:rPr lang="es-ES"/>
               <a:t>Tercer nivel</a:t>
             </a:r>
+            <a:endParaRPr lang="es-ES"/>
           </a:p>
           <a:p>
             <a:pPr lvl="3"/>
@@ -430,6 +387,7 @@
               <a:rPr lang="es-ES"/>
               <a:t>Cuarto nivel</a:t>
             </a:r>
+            <a:endParaRPr lang="es-ES"/>
           </a:p>
           <a:p>
             <a:pPr lvl="4"/>
@@ -437,18 +395,13 @@
               <a:rPr lang="es-ES"/>
               <a:t>Quinto nivel</a:t>
             </a:r>
-          </a:p>
-        </p:txBody>
-      </p:sp>
-      <p:sp>
-        <p:nvSpPr>
-          <p:cNvPr id="4" name="Marcador de fecha 3">
-            <a:extLst>
-              <a:ext uri="{FF2B5EF4-FFF2-40B4-BE49-F238E27FC236}">
-                <a16:creationId xmlns:a16="http://schemas.microsoft.com/office/drawing/2014/main" id="{C6B036CB-79F9-44D8-AFE1-76A3E22D699A}"/>
-              </a:ext>
-            </a:extLst>
-          </p:cNvPr>
+            <a:endParaRPr lang="es-ES"/>
+          </a:p>
+        </p:txBody>
+      </p:sp>
+      <p:sp>
+        <p:nvSpPr>
+          <p:cNvPr id="4" name="Marcador de fecha 3"/>
           <p:cNvSpPr>
             <a:spLocks noGrp="1"/>
           </p:cNvSpPr>
@@ -463,7 +416,6 @@
           <a:p>
             <a:fld id="{6FEB4CCE-9E5C-4D7B-92E4-7FB210B21D7A}" type="datetimeFigureOut">
               <a:rPr lang="es-ES" smtClean="0"/>
-              <a:t>11/01/2026</a:t>
             </a:fld>
             <a:endParaRPr lang="es-ES"/>
           </a:p>
@@ -471,13 +423,7 @@
       </p:sp>
       <p:sp>
         <p:nvSpPr>
-          <p:cNvPr id="5" name="Marcador de pie de página 4">
-            <a:extLst>
-              <a:ext uri="{FF2B5EF4-FFF2-40B4-BE49-F238E27FC236}">
-                <a16:creationId xmlns:a16="http://schemas.microsoft.com/office/drawing/2014/main" id="{C9CEFABE-A4A7-45E4-8F26-372D86850C2E}"/>
-              </a:ext>
-            </a:extLst>
-          </p:cNvPr>
+          <p:cNvPr id="5" name="Marcador de pie de página 4"/>
           <p:cNvSpPr>
             <a:spLocks noGrp="1"/>
           </p:cNvSpPr>
@@ -496,13 +442,7 @@
       </p:sp>
       <p:sp>
         <p:nvSpPr>
-          <p:cNvPr id="6" name="Marcador de número de diapositiva 5">
-            <a:extLst>
-              <a:ext uri="{FF2B5EF4-FFF2-40B4-BE49-F238E27FC236}">
-                <a16:creationId xmlns:a16="http://schemas.microsoft.com/office/drawing/2014/main" id="{422D7F8C-A3A1-49ED-AF41-0DAE04762936}"/>
-              </a:ext>
-            </a:extLst>
-          </p:cNvPr>
+          <p:cNvPr id="6" name="Marcador de número de diapositiva 5"/>
           <p:cNvSpPr>
             <a:spLocks noGrp="1"/>
           </p:cNvSpPr>
@@ -517,18 +457,12 @@
           <a:p>
             <a:fld id="{2C54D487-8D63-415A-B3B9-DEFE2730CE83}" type="slidenum">
               <a:rPr lang="es-ES" smtClean="0"/>
-              <a:t>‹Nº›</a:t>
             </a:fld>
             <a:endParaRPr lang="es-ES"/>
           </a:p>
         </p:txBody>
       </p:sp>
     </p:spTree>
-    <p:extLst>
-      <p:ext uri="{BB962C8B-B14F-4D97-AF65-F5344CB8AC3E}">
-        <p14:creationId xmlns:p14="http://schemas.microsoft.com/office/powerpoint/2010/main" val="3066090845"/>
-      </p:ext>
-    </p:extLst>
   </p:cSld>
   <p:clrMapOvr>
     <a:masterClrMapping/>
@@ -555,13 +489,7 @@
       </p:grpSpPr>
       <p:sp>
         <p:nvSpPr>
-          <p:cNvPr id="2" name="Título vertical 1">
-            <a:extLst>
-              <a:ext uri="{FF2B5EF4-FFF2-40B4-BE49-F238E27FC236}">
-                <a16:creationId xmlns:a16="http://schemas.microsoft.com/office/drawing/2014/main" id="{5CFACECB-C714-4DC0-A43A-F59871B22E27}"/>
-              </a:ext>
-            </a:extLst>
-          </p:cNvPr>
+          <p:cNvPr id="2" name="Título vertical 1"/>
           <p:cNvSpPr>
             <a:spLocks noGrp="1"/>
           </p:cNvSpPr>
@@ -583,23 +511,18 @@
               <a:rPr lang="es-ES"/>
               <a:t>Haga clic para modificar el estilo de título del patrón</a:t>
             </a:r>
-          </a:p>
-        </p:txBody>
-      </p:sp>
-      <p:sp>
-        <p:nvSpPr>
-          <p:cNvPr id="3" name="Marcador de texto vertical 2">
-            <a:extLst>
-              <a:ext uri="{FF2B5EF4-FFF2-40B4-BE49-F238E27FC236}">
-                <a16:creationId xmlns:a16="http://schemas.microsoft.com/office/drawing/2014/main" id="{52CFE4AA-F56B-427B-8367-6C9FBC817185}"/>
-              </a:ext>
-            </a:extLst>
-          </p:cNvPr>
+            <a:endParaRPr lang="es-ES"/>
+          </a:p>
+        </p:txBody>
+      </p:sp>
+      <p:sp>
+        <p:nvSpPr>
+          <p:cNvPr id="3" name="Marcador de texto vertical 2"/>
           <p:cNvSpPr>
             <a:spLocks noGrp="1"/>
           </p:cNvSpPr>
           <p:nvPr>
-            <p:ph type="body" orient="vert" idx="1"/>
+            <p:ph type="body" orient="vert" idx="1" hasCustomPrompt="1"/>
           </p:nvPr>
         </p:nvSpPr>
         <p:spPr>
@@ -617,6 +540,7 @@
               <a:rPr lang="es-ES"/>
               <a:t>Haga clic para modificar los estilos de texto del patrón</a:t>
             </a:r>
+            <a:endParaRPr lang="es-ES"/>
           </a:p>
           <a:p>
             <a:pPr lvl="1"/>
@@ -624,6 +548,7 @@
               <a:rPr lang="es-ES"/>
               <a:t>Segundo nivel</a:t>
             </a:r>
+            <a:endParaRPr lang="es-ES"/>
           </a:p>
           <a:p>
             <a:pPr lvl="2"/>
@@ -631,6 +556,7 @@
               <a:rPr lang="es-ES"/>
               <a:t>Tercer nivel</a:t>
             </a:r>
+            <a:endParaRPr lang="es-ES"/>
           </a:p>
           <a:p>
             <a:pPr lvl="3"/>
@@ -638,6 +564,7 @@
               <a:rPr lang="es-ES"/>
               <a:t>Cuarto nivel</a:t>
             </a:r>
+            <a:endParaRPr lang="es-ES"/>
           </a:p>
           <a:p>
             <a:pPr lvl="4"/>
@@ -645,18 +572,13 @@
               <a:rPr lang="es-ES"/>
               <a:t>Quinto nivel</a:t>
             </a:r>
-          </a:p>
-        </p:txBody>
-      </p:sp>
-      <p:sp>
-        <p:nvSpPr>
-          <p:cNvPr id="4" name="Marcador de fecha 3">
-            <a:extLst>
-              <a:ext uri="{FF2B5EF4-FFF2-40B4-BE49-F238E27FC236}">
-                <a16:creationId xmlns:a16="http://schemas.microsoft.com/office/drawing/2014/main" id="{EADC82D1-07B1-4D94-9EF0-4CBDC623B7CC}"/>
-              </a:ext>
-            </a:extLst>
-          </p:cNvPr>
+            <a:endParaRPr lang="es-ES"/>
+          </a:p>
+        </p:txBody>
+      </p:sp>
+      <p:sp>
+        <p:nvSpPr>
+          <p:cNvPr id="4" name="Marcador de fecha 3"/>
           <p:cNvSpPr>
             <a:spLocks noGrp="1"/>
           </p:cNvSpPr>
@@ -671,7 +593,6 @@
           <a:p>
             <a:fld id="{6FEB4CCE-9E5C-4D7B-92E4-7FB210B21D7A}" type="datetimeFigureOut">
               <a:rPr lang="es-ES" smtClean="0"/>
-              <a:t>11/01/2026</a:t>
             </a:fld>
             <a:endParaRPr lang="es-ES"/>
           </a:p>
@@ -679,13 +600,7 @@
       </p:sp>
       <p:sp>
         <p:nvSpPr>
-          <p:cNvPr id="5" name="Marcador de pie de página 4">
-            <a:extLst>
-              <a:ext uri="{FF2B5EF4-FFF2-40B4-BE49-F238E27FC236}">
-                <a16:creationId xmlns:a16="http://schemas.microsoft.com/office/drawing/2014/main" id="{08D7B879-1D06-4857-BC0D-0B933E0FABBA}"/>
-              </a:ext>
-            </a:extLst>
-          </p:cNvPr>
+          <p:cNvPr id="5" name="Marcador de pie de página 4"/>
           <p:cNvSpPr>
             <a:spLocks noGrp="1"/>
           </p:cNvSpPr>
@@ -704,13 +619,7 @@
       </p:sp>
       <p:sp>
         <p:nvSpPr>
-          <p:cNvPr id="6" name="Marcador de número de diapositiva 5">
-            <a:extLst>
-              <a:ext uri="{FF2B5EF4-FFF2-40B4-BE49-F238E27FC236}">
-                <a16:creationId xmlns:a16="http://schemas.microsoft.com/office/drawing/2014/main" id="{6043B045-D329-4F56-A0EB-BC83F1B8D0F5}"/>
-              </a:ext>
-            </a:extLst>
-          </p:cNvPr>
+          <p:cNvPr id="6" name="Marcador de número de diapositiva 5"/>
           <p:cNvSpPr>
             <a:spLocks noGrp="1"/>
           </p:cNvSpPr>
@@ -725,18 +634,12 @@
           <a:p>
             <a:fld id="{2C54D487-8D63-415A-B3B9-DEFE2730CE83}" type="slidenum">
               <a:rPr lang="es-ES" smtClean="0"/>
-              <a:t>‹Nº›</a:t>
             </a:fld>
             <a:endParaRPr lang="es-ES"/>
           </a:p>
         </p:txBody>
       </p:sp>
     </p:spTree>
-    <p:extLst>
-      <p:ext uri="{BB962C8B-B14F-4D97-AF65-F5344CB8AC3E}">
-        <p14:creationId xmlns:p14="http://schemas.microsoft.com/office/powerpoint/2010/main" val="2844370572"/>
-      </p:ext>
-    </p:extLst>
   </p:cSld>
   <p:clrMapOvr>
     <a:masterClrMapping/>
@@ -763,13 +666,7 @@
       </p:grpSpPr>
       <p:sp>
         <p:nvSpPr>
-          <p:cNvPr id="2" name="Título 1">
-            <a:extLst>
-              <a:ext uri="{FF2B5EF4-FFF2-40B4-BE49-F238E27FC236}">
-                <a16:creationId xmlns:a16="http://schemas.microsoft.com/office/drawing/2014/main" id="{08C8252C-2A2D-4AC9-A7B9-C9F5EA7D1710}"/>
-              </a:ext>
-            </a:extLst>
-          </p:cNvPr>
+          <p:cNvPr id="2" name="Título 1"/>
           <p:cNvSpPr>
             <a:spLocks noGrp="1"/>
           </p:cNvSpPr>
@@ -786,23 +683,18 @@
               <a:rPr lang="es-ES"/>
               <a:t>Haga clic para modificar el estilo de título del patrón</a:t>
             </a:r>
-          </a:p>
-        </p:txBody>
-      </p:sp>
-      <p:sp>
-        <p:nvSpPr>
-          <p:cNvPr id="3" name="Marcador de contenido 2">
-            <a:extLst>
-              <a:ext uri="{FF2B5EF4-FFF2-40B4-BE49-F238E27FC236}">
-                <a16:creationId xmlns:a16="http://schemas.microsoft.com/office/drawing/2014/main" id="{0DAFE3C9-FF45-45A0-8FF1-BC4A3DAEE87D}"/>
-              </a:ext>
-            </a:extLst>
-          </p:cNvPr>
+            <a:endParaRPr lang="es-ES"/>
+          </a:p>
+        </p:txBody>
+      </p:sp>
+      <p:sp>
+        <p:nvSpPr>
+          <p:cNvPr id="3" name="Marcador de contenido 2"/>
           <p:cNvSpPr>
             <a:spLocks noGrp="1"/>
           </p:cNvSpPr>
           <p:nvPr>
-            <p:ph idx="1"/>
+            <p:ph idx="1" hasCustomPrompt="1"/>
           </p:nvPr>
         </p:nvSpPr>
         <p:spPr/>
@@ -815,6 +707,7 @@
               <a:rPr lang="es-ES"/>
               <a:t>Haga clic para modificar los estilos de texto del patrón</a:t>
             </a:r>
+            <a:endParaRPr lang="es-ES"/>
           </a:p>
           <a:p>
             <a:pPr lvl="1"/>
@@ -822,6 +715,7 @@
               <a:rPr lang="es-ES"/>
               <a:t>Segundo nivel</a:t>
             </a:r>
+            <a:endParaRPr lang="es-ES"/>
           </a:p>
           <a:p>
             <a:pPr lvl="2"/>
@@ -829,6 +723,7 @@
               <a:rPr lang="es-ES"/>
               <a:t>Tercer nivel</a:t>
             </a:r>
+            <a:endParaRPr lang="es-ES"/>
           </a:p>
           <a:p>
             <a:pPr lvl="3"/>
@@ -836,6 +731,7 @@
               <a:rPr lang="es-ES"/>
               <a:t>Cuarto nivel</a:t>
             </a:r>
+            <a:endParaRPr lang="es-ES"/>
           </a:p>
           <a:p>
             <a:pPr lvl="4"/>
@@ -843,18 +739,13 @@
               <a:rPr lang="es-ES"/>
               <a:t>Quinto nivel</a:t>
             </a:r>
-          </a:p>
-        </p:txBody>
-      </p:sp>
-      <p:sp>
-        <p:nvSpPr>
-          <p:cNvPr id="4" name="Marcador de fecha 3">
-            <a:extLst>
-              <a:ext uri="{FF2B5EF4-FFF2-40B4-BE49-F238E27FC236}">
-                <a16:creationId xmlns:a16="http://schemas.microsoft.com/office/drawing/2014/main" id="{1FEB036D-698C-4563-BD89-79266A630C7B}"/>
-              </a:ext>
-            </a:extLst>
-          </p:cNvPr>
+            <a:endParaRPr lang="es-ES"/>
+          </a:p>
+        </p:txBody>
+      </p:sp>
+      <p:sp>
+        <p:nvSpPr>
+          <p:cNvPr id="4" name="Marcador de fecha 3"/>
           <p:cNvSpPr>
             <a:spLocks noGrp="1"/>
           </p:cNvSpPr>
@@ -869,7 +760,6 @@
           <a:p>
             <a:fld id="{6FEB4CCE-9E5C-4D7B-92E4-7FB210B21D7A}" type="datetimeFigureOut">
               <a:rPr lang="es-ES" smtClean="0"/>
-              <a:t>11/01/2026</a:t>
             </a:fld>
             <a:endParaRPr lang="es-ES"/>
           </a:p>
@@ -877,13 +767,7 @@
       </p:sp>
       <p:sp>
         <p:nvSpPr>
-          <p:cNvPr id="5" name="Marcador de pie de página 4">
-            <a:extLst>
-              <a:ext uri="{FF2B5EF4-FFF2-40B4-BE49-F238E27FC236}">
-                <a16:creationId xmlns:a16="http://schemas.microsoft.com/office/drawing/2014/main" id="{9D623297-56CF-4F09-9DB1-3B18DFFFFDA1}"/>
-              </a:ext>
-            </a:extLst>
-          </p:cNvPr>
+          <p:cNvPr id="5" name="Marcador de pie de página 4"/>
           <p:cNvSpPr>
             <a:spLocks noGrp="1"/>
           </p:cNvSpPr>
@@ -902,13 +786,7 @@
       </p:sp>
       <p:sp>
         <p:nvSpPr>
-          <p:cNvPr id="6" name="Marcador de número de diapositiva 5">
-            <a:extLst>
-              <a:ext uri="{FF2B5EF4-FFF2-40B4-BE49-F238E27FC236}">
-                <a16:creationId xmlns:a16="http://schemas.microsoft.com/office/drawing/2014/main" id="{56A811BF-C687-4B62-8AB0-43FE966F349E}"/>
-              </a:ext>
-            </a:extLst>
-          </p:cNvPr>
+          <p:cNvPr id="6" name="Marcador de número de diapositiva 5"/>
           <p:cNvSpPr>
             <a:spLocks noGrp="1"/>
           </p:cNvSpPr>
@@ -923,18 +801,12 @@
           <a:p>
             <a:fld id="{2C54D487-8D63-415A-B3B9-DEFE2730CE83}" type="slidenum">
               <a:rPr lang="es-ES" smtClean="0"/>
-              <a:t>‹Nº›</a:t>
             </a:fld>
             <a:endParaRPr lang="es-ES"/>
           </a:p>
         </p:txBody>
       </p:sp>
     </p:spTree>
-    <p:extLst>
-      <p:ext uri="{BB962C8B-B14F-4D97-AF65-F5344CB8AC3E}">
-        <p14:creationId xmlns:p14="http://schemas.microsoft.com/office/powerpoint/2010/main" val="268132164"/>
-      </p:ext>
-    </p:extLst>
   </p:cSld>
   <p:clrMapOvr>
     <a:masterClrMapping/>
@@ -961,13 +833,7 @@
       </p:grpSpPr>
       <p:sp>
         <p:nvSpPr>
-          <p:cNvPr id="2" name="Título 1">
-            <a:extLst>
-              <a:ext uri="{FF2B5EF4-FFF2-40B4-BE49-F238E27FC236}">
-                <a16:creationId xmlns:a16="http://schemas.microsoft.com/office/drawing/2014/main" id="{FA73D955-79D2-4640-B4A6-6BA9F77658C8}"/>
-              </a:ext>
-            </a:extLst>
-          </p:cNvPr>
+          <p:cNvPr id="2" name="Título 1"/>
           <p:cNvSpPr>
             <a:spLocks noGrp="1"/>
           </p:cNvSpPr>
@@ -993,23 +859,18 @@
               <a:rPr lang="es-ES"/>
               <a:t>Haga clic para modificar el estilo de título del patrón</a:t>
             </a:r>
-          </a:p>
-        </p:txBody>
-      </p:sp>
-      <p:sp>
-        <p:nvSpPr>
-          <p:cNvPr id="3" name="Marcador de texto 2">
-            <a:extLst>
-              <a:ext uri="{FF2B5EF4-FFF2-40B4-BE49-F238E27FC236}">
-                <a16:creationId xmlns:a16="http://schemas.microsoft.com/office/drawing/2014/main" id="{18CBF0D9-2766-47D0-93E0-88EBCE16E20F}"/>
-              </a:ext>
-            </a:extLst>
-          </p:cNvPr>
+            <a:endParaRPr lang="es-ES"/>
+          </a:p>
+        </p:txBody>
+      </p:sp>
+      <p:sp>
+        <p:nvSpPr>
+          <p:cNvPr id="3" name="Marcador de texto 2"/>
           <p:cNvSpPr>
             <a:spLocks noGrp="1"/>
           </p:cNvSpPr>
           <p:nvPr>
-            <p:ph type="body" idx="1"/>
+            <p:ph type="body" idx="1" hasCustomPrompt="1"/>
           </p:nvPr>
         </p:nvSpPr>
         <p:spPr>
@@ -1118,18 +979,13 @@
               <a:rPr lang="es-ES"/>
               <a:t>Haga clic para modificar los estilos de texto del patrón</a:t>
             </a:r>
-          </a:p>
-        </p:txBody>
-      </p:sp>
-      <p:sp>
-        <p:nvSpPr>
-          <p:cNvPr id="4" name="Marcador de fecha 3">
-            <a:extLst>
-              <a:ext uri="{FF2B5EF4-FFF2-40B4-BE49-F238E27FC236}">
-                <a16:creationId xmlns:a16="http://schemas.microsoft.com/office/drawing/2014/main" id="{9D0926C9-CF08-4BC9-9275-9CDEDD83FF71}"/>
-              </a:ext>
-            </a:extLst>
-          </p:cNvPr>
+            <a:endParaRPr lang="es-ES"/>
+          </a:p>
+        </p:txBody>
+      </p:sp>
+      <p:sp>
+        <p:nvSpPr>
+          <p:cNvPr id="4" name="Marcador de fecha 3"/>
           <p:cNvSpPr>
             <a:spLocks noGrp="1"/>
           </p:cNvSpPr>
@@ -1144,7 +1000,6 @@
           <a:p>
             <a:fld id="{6FEB4CCE-9E5C-4D7B-92E4-7FB210B21D7A}" type="datetimeFigureOut">
               <a:rPr lang="es-ES" smtClean="0"/>
-              <a:t>11/01/2026</a:t>
             </a:fld>
             <a:endParaRPr lang="es-ES"/>
           </a:p>
@@ -1152,13 +1007,7 @@
       </p:sp>
       <p:sp>
         <p:nvSpPr>
-          <p:cNvPr id="5" name="Marcador de pie de página 4">
-            <a:extLst>
-              <a:ext uri="{FF2B5EF4-FFF2-40B4-BE49-F238E27FC236}">
-                <a16:creationId xmlns:a16="http://schemas.microsoft.com/office/drawing/2014/main" id="{A37B916D-B03C-4396-9A99-E4CECD17C955}"/>
-              </a:ext>
-            </a:extLst>
-          </p:cNvPr>
+          <p:cNvPr id="5" name="Marcador de pie de página 4"/>
           <p:cNvSpPr>
             <a:spLocks noGrp="1"/>
           </p:cNvSpPr>
@@ -1177,13 +1026,7 @@
       </p:sp>
       <p:sp>
         <p:nvSpPr>
-          <p:cNvPr id="6" name="Marcador de número de diapositiva 5">
-            <a:extLst>
-              <a:ext uri="{FF2B5EF4-FFF2-40B4-BE49-F238E27FC236}">
-                <a16:creationId xmlns:a16="http://schemas.microsoft.com/office/drawing/2014/main" id="{B37B7D5B-C56E-4E5F-B4D8-871EE484CF64}"/>
-              </a:ext>
-            </a:extLst>
-          </p:cNvPr>
+          <p:cNvPr id="6" name="Marcador de número de diapositiva 5"/>
           <p:cNvSpPr>
             <a:spLocks noGrp="1"/>
           </p:cNvSpPr>
@@ -1198,18 +1041,12 @@
           <a:p>
             <a:fld id="{2C54D487-8D63-415A-B3B9-DEFE2730CE83}" type="slidenum">
               <a:rPr lang="es-ES" smtClean="0"/>
-              <a:t>‹Nº›</a:t>
             </a:fld>
             <a:endParaRPr lang="es-ES"/>
           </a:p>
         </p:txBody>
       </p:sp>
     </p:spTree>
-    <p:extLst>
-      <p:ext uri="{BB962C8B-B14F-4D97-AF65-F5344CB8AC3E}">
-        <p14:creationId xmlns:p14="http://schemas.microsoft.com/office/powerpoint/2010/main" val="1890479885"/>
-      </p:ext>
-    </p:extLst>
   </p:cSld>
   <p:clrMapOvr>
     <a:masterClrMapping/>
@@ -1236,13 +1073,7 @@
       </p:grpSpPr>
       <p:sp>
         <p:nvSpPr>
-          <p:cNvPr id="2" name="Título 1">
-            <a:extLst>
-              <a:ext uri="{FF2B5EF4-FFF2-40B4-BE49-F238E27FC236}">
-                <a16:creationId xmlns:a16="http://schemas.microsoft.com/office/drawing/2014/main" id="{D313D350-054B-42C8-9683-3AD7F99CB005}"/>
-              </a:ext>
-            </a:extLst>
-          </p:cNvPr>
+          <p:cNvPr id="2" name="Título 1"/>
           <p:cNvSpPr>
             <a:spLocks noGrp="1"/>
           </p:cNvSpPr>
@@ -1259,23 +1090,18 @@
               <a:rPr lang="es-ES"/>
               <a:t>Haga clic para modificar el estilo de título del patrón</a:t>
             </a:r>
-          </a:p>
-        </p:txBody>
-      </p:sp>
-      <p:sp>
-        <p:nvSpPr>
-          <p:cNvPr id="3" name="Marcador de contenido 2">
-            <a:extLst>
-              <a:ext uri="{FF2B5EF4-FFF2-40B4-BE49-F238E27FC236}">
-                <a16:creationId xmlns:a16="http://schemas.microsoft.com/office/drawing/2014/main" id="{F49865AA-CEB8-4983-83F4-258CD5D29223}"/>
-              </a:ext>
-            </a:extLst>
-          </p:cNvPr>
+            <a:endParaRPr lang="es-ES"/>
+          </a:p>
+        </p:txBody>
+      </p:sp>
+      <p:sp>
+        <p:nvSpPr>
+          <p:cNvPr id="3" name="Marcador de contenido 2"/>
           <p:cNvSpPr>
             <a:spLocks noGrp="1"/>
           </p:cNvSpPr>
           <p:nvPr>
-            <p:ph sz="half" idx="1"/>
+            <p:ph sz="half" idx="1" hasCustomPrompt="1"/>
           </p:nvPr>
         </p:nvSpPr>
         <p:spPr>
@@ -1293,6 +1119,7 @@
               <a:rPr lang="es-ES"/>
               <a:t>Haga clic para modificar los estilos de texto del patrón</a:t>
             </a:r>
+            <a:endParaRPr lang="es-ES"/>
           </a:p>
           <a:p>
             <a:pPr lvl="1"/>
@@ -1300,6 +1127,7 @@
               <a:rPr lang="es-ES"/>
               <a:t>Segundo nivel</a:t>
             </a:r>
+            <a:endParaRPr lang="es-ES"/>
           </a:p>
           <a:p>
             <a:pPr lvl="2"/>
@@ -1307,6 +1135,7 @@
               <a:rPr lang="es-ES"/>
               <a:t>Tercer nivel</a:t>
             </a:r>
+            <a:endParaRPr lang="es-ES"/>
           </a:p>
           <a:p>
             <a:pPr lvl="3"/>
@@ -1314,6 +1143,7 @@
               <a:rPr lang="es-ES"/>
               <a:t>Cuarto nivel</a:t>
             </a:r>
+            <a:endParaRPr lang="es-ES"/>
           </a:p>
           <a:p>
             <a:pPr lvl="4"/>
@@ -1321,23 +1151,18 @@
               <a:rPr lang="es-ES"/>
               <a:t>Quinto nivel</a:t>
             </a:r>
-          </a:p>
-        </p:txBody>
-      </p:sp>
-      <p:sp>
-        <p:nvSpPr>
-          <p:cNvPr id="4" name="Marcador de contenido 3">
-            <a:extLst>
-              <a:ext uri="{FF2B5EF4-FFF2-40B4-BE49-F238E27FC236}">
-                <a16:creationId xmlns:a16="http://schemas.microsoft.com/office/drawing/2014/main" id="{11DBA1B3-53E7-4E7B-82E7-10ADC7EF36A0}"/>
-              </a:ext>
-            </a:extLst>
-          </p:cNvPr>
+            <a:endParaRPr lang="es-ES"/>
+          </a:p>
+        </p:txBody>
+      </p:sp>
+      <p:sp>
+        <p:nvSpPr>
+          <p:cNvPr id="4" name="Marcador de contenido 3"/>
           <p:cNvSpPr>
             <a:spLocks noGrp="1"/>
           </p:cNvSpPr>
           <p:nvPr>
-            <p:ph sz="half" idx="2"/>
+            <p:ph sz="half" idx="2" hasCustomPrompt="1"/>
           </p:nvPr>
         </p:nvSpPr>
         <p:spPr>
@@ -1355,6 +1180,7 @@
               <a:rPr lang="es-ES"/>
               <a:t>Haga clic para modificar los estilos de texto del patrón</a:t>
             </a:r>
+            <a:endParaRPr lang="es-ES"/>
           </a:p>
           <a:p>
             <a:pPr lvl="1"/>
@@ -1362,6 +1188,7 @@
               <a:rPr lang="es-ES"/>
               <a:t>Segundo nivel</a:t>
             </a:r>
+            <a:endParaRPr lang="es-ES"/>
           </a:p>
           <a:p>
             <a:pPr lvl="2"/>
@@ -1369,6 +1196,7 @@
               <a:rPr lang="es-ES"/>
               <a:t>Tercer nivel</a:t>
             </a:r>
+            <a:endParaRPr lang="es-ES"/>
           </a:p>
           <a:p>
             <a:pPr lvl="3"/>
@@ -1376,6 +1204,7 @@
               <a:rPr lang="es-ES"/>
               <a:t>Cuarto nivel</a:t>
             </a:r>
+            <a:endParaRPr lang="es-ES"/>
           </a:p>
           <a:p>
             <a:pPr lvl="4"/>
@@ -1383,18 +1212,13 @@
               <a:rPr lang="es-ES"/>
               <a:t>Quinto nivel</a:t>
             </a:r>
-          </a:p>
-        </p:txBody>
-      </p:sp>
-      <p:sp>
-        <p:nvSpPr>
-          <p:cNvPr id="5" name="Marcador de fecha 4">
-            <a:extLst>
-              <a:ext uri="{FF2B5EF4-FFF2-40B4-BE49-F238E27FC236}">
-                <a16:creationId xmlns:a16="http://schemas.microsoft.com/office/drawing/2014/main" id="{8B446721-D4F6-447C-8FE9-A05373D4A80F}"/>
-              </a:ext>
-            </a:extLst>
-          </p:cNvPr>
+            <a:endParaRPr lang="es-ES"/>
+          </a:p>
+        </p:txBody>
+      </p:sp>
+      <p:sp>
+        <p:nvSpPr>
+          <p:cNvPr id="5" name="Marcador de fecha 4"/>
           <p:cNvSpPr>
             <a:spLocks noGrp="1"/>
           </p:cNvSpPr>
@@ -1409,7 +1233,6 @@
           <a:p>
             <a:fld id="{6FEB4CCE-9E5C-4D7B-92E4-7FB210B21D7A}" type="datetimeFigureOut">
               <a:rPr lang="es-ES" smtClean="0"/>
-              <a:t>11/01/2026</a:t>
             </a:fld>
             <a:endParaRPr lang="es-ES"/>
           </a:p>
@@ -1417,13 +1240,7 @@
       </p:sp>
       <p:sp>
         <p:nvSpPr>
-          <p:cNvPr id="6" name="Marcador de pie de página 5">
-            <a:extLst>
-              <a:ext uri="{FF2B5EF4-FFF2-40B4-BE49-F238E27FC236}">
-                <a16:creationId xmlns:a16="http://schemas.microsoft.com/office/drawing/2014/main" id="{368F6D11-9A8F-4EB6-BADA-6519B87E0D37}"/>
-              </a:ext>
-            </a:extLst>
-          </p:cNvPr>
+          <p:cNvPr id="6" name="Marcador de pie de página 5"/>
           <p:cNvSpPr>
             <a:spLocks noGrp="1"/>
           </p:cNvSpPr>
@@ -1442,13 +1259,7 @@
       </p:sp>
       <p:sp>
         <p:nvSpPr>
-          <p:cNvPr id="7" name="Marcador de número de diapositiva 6">
-            <a:extLst>
-              <a:ext uri="{FF2B5EF4-FFF2-40B4-BE49-F238E27FC236}">
-                <a16:creationId xmlns:a16="http://schemas.microsoft.com/office/drawing/2014/main" id="{69770E71-BADF-4895-8A9D-6FC6526C1746}"/>
-              </a:ext>
-            </a:extLst>
-          </p:cNvPr>
+          <p:cNvPr id="7" name="Marcador de número de diapositiva 6"/>
           <p:cNvSpPr>
             <a:spLocks noGrp="1"/>
           </p:cNvSpPr>
@@ -1463,18 +1274,12 @@
           <a:p>
             <a:fld id="{2C54D487-8D63-415A-B3B9-DEFE2730CE83}" type="slidenum">
               <a:rPr lang="es-ES" smtClean="0"/>
-              <a:t>‹Nº›</a:t>
             </a:fld>
             <a:endParaRPr lang="es-ES"/>
           </a:p>
         </p:txBody>
       </p:sp>
     </p:spTree>
-    <p:extLst>
-      <p:ext uri="{BB962C8B-B14F-4D97-AF65-F5344CB8AC3E}">
-        <p14:creationId xmlns:p14="http://schemas.microsoft.com/office/powerpoint/2010/main" val="766742228"/>
-      </p:ext>
-    </p:extLst>
   </p:cSld>
   <p:clrMapOvr>
     <a:masterClrMapping/>
@@ -1501,13 +1306,7 @@
       </p:grpSpPr>
       <p:sp>
         <p:nvSpPr>
-          <p:cNvPr id="2" name="Título 1">
-            <a:extLst>
-              <a:ext uri="{FF2B5EF4-FFF2-40B4-BE49-F238E27FC236}">
-                <a16:creationId xmlns:a16="http://schemas.microsoft.com/office/drawing/2014/main" id="{44480E73-1B1A-4318-859C-8DE9AE2149BD}"/>
-              </a:ext>
-            </a:extLst>
-          </p:cNvPr>
+          <p:cNvPr id="2" name="Título 1"/>
           <p:cNvSpPr>
             <a:spLocks noGrp="1"/>
           </p:cNvSpPr>
@@ -1529,23 +1328,18 @@
               <a:rPr lang="es-ES"/>
               <a:t>Haga clic para modificar el estilo de título del patrón</a:t>
             </a:r>
-          </a:p>
-        </p:txBody>
-      </p:sp>
-      <p:sp>
-        <p:nvSpPr>
-          <p:cNvPr id="3" name="Marcador de texto 2">
-            <a:extLst>
-              <a:ext uri="{FF2B5EF4-FFF2-40B4-BE49-F238E27FC236}">
-                <a16:creationId xmlns:a16="http://schemas.microsoft.com/office/drawing/2014/main" id="{0690C52A-DF7B-4E01-B0B0-F6D3592526CD}"/>
-              </a:ext>
-            </a:extLst>
-          </p:cNvPr>
+            <a:endParaRPr lang="es-ES"/>
+          </a:p>
+        </p:txBody>
+      </p:sp>
+      <p:sp>
+        <p:nvSpPr>
+          <p:cNvPr id="3" name="Marcador de texto 2"/>
           <p:cNvSpPr>
             <a:spLocks noGrp="1"/>
           </p:cNvSpPr>
           <p:nvPr>
-            <p:ph type="body" idx="1"/>
+            <p:ph type="body" idx="1" hasCustomPrompt="1"/>
           </p:nvPr>
         </p:nvSpPr>
         <p:spPr>
@@ -1600,23 +1394,18 @@
               <a:rPr lang="es-ES"/>
               <a:t>Haga clic para modificar los estilos de texto del patrón</a:t>
             </a:r>
-          </a:p>
-        </p:txBody>
-      </p:sp>
-      <p:sp>
-        <p:nvSpPr>
-          <p:cNvPr id="4" name="Marcador de contenido 3">
-            <a:extLst>
-              <a:ext uri="{FF2B5EF4-FFF2-40B4-BE49-F238E27FC236}">
-                <a16:creationId xmlns:a16="http://schemas.microsoft.com/office/drawing/2014/main" id="{CE02969E-D843-4A24-92FE-CAC15CDD6967}"/>
-              </a:ext>
-            </a:extLst>
-          </p:cNvPr>
+            <a:endParaRPr lang="es-ES"/>
+          </a:p>
+        </p:txBody>
+      </p:sp>
+      <p:sp>
+        <p:nvSpPr>
+          <p:cNvPr id="4" name="Marcador de contenido 3"/>
           <p:cNvSpPr>
             <a:spLocks noGrp="1"/>
           </p:cNvSpPr>
           <p:nvPr>
-            <p:ph sz="half" idx="2"/>
+            <p:ph sz="half" idx="2" hasCustomPrompt="1"/>
           </p:nvPr>
         </p:nvSpPr>
         <p:spPr>
@@ -1634,6 +1423,7 @@
               <a:rPr lang="es-ES"/>
               <a:t>Haga clic para modificar los estilos de texto del patrón</a:t>
             </a:r>
+            <a:endParaRPr lang="es-ES"/>
           </a:p>
           <a:p>
             <a:pPr lvl="1"/>
@@ -1641,6 +1431,7 @@
               <a:rPr lang="es-ES"/>
               <a:t>Segundo nivel</a:t>
             </a:r>
+            <a:endParaRPr lang="es-ES"/>
           </a:p>
           <a:p>
             <a:pPr lvl="2"/>
@@ -1648,6 +1439,7 @@
               <a:rPr lang="es-ES"/>
               <a:t>Tercer nivel</a:t>
             </a:r>
+            <a:endParaRPr lang="es-ES"/>
           </a:p>
           <a:p>
             <a:pPr lvl="3"/>
@@ -1655,6 +1447,7 @@
               <a:rPr lang="es-ES"/>
               <a:t>Cuarto nivel</a:t>
             </a:r>
+            <a:endParaRPr lang="es-ES"/>
           </a:p>
           <a:p>
             <a:pPr lvl="4"/>
@@ -1662,23 +1455,18 @@
               <a:rPr lang="es-ES"/>
               <a:t>Quinto nivel</a:t>
             </a:r>
-          </a:p>
-        </p:txBody>
-      </p:sp>
-      <p:sp>
-        <p:nvSpPr>
-          <p:cNvPr id="5" name="Marcador de texto 4">
-            <a:extLst>
-              <a:ext uri="{FF2B5EF4-FFF2-40B4-BE49-F238E27FC236}">
-                <a16:creationId xmlns:a16="http://schemas.microsoft.com/office/drawing/2014/main" id="{0DF87644-4C20-4560-975B-52C44EAF6518}"/>
-              </a:ext>
-            </a:extLst>
-          </p:cNvPr>
+            <a:endParaRPr lang="es-ES"/>
+          </a:p>
+        </p:txBody>
+      </p:sp>
+      <p:sp>
+        <p:nvSpPr>
+          <p:cNvPr id="5" name="Marcador de texto 4"/>
           <p:cNvSpPr>
             <a:spLocks noGrp="1"/>
           </p:cNvSpPr>
           <p:nvPr>
-            <p:ph type="body" sz="quarter" idx="3"/>
+            <p:ph type="body" sz="quarter" idx="3" hasCustomPrompt="1"/>
           </p:nvPr>
         </p:nvSpPr>
         <p:spPr>
@@ -1733,23 +1521,18 @@
               <a:rPr lang="es-ES"/>
               <a:t>Haga clic para modificar los estilos de texto del patrón</a:t>
             </a:r>
-          </a:p>
-        </p:txBody>
-      </p:sp>
-      <p:sp>
-        <p:nvSpPr>
-          <p:cNvPr id="6" name="Marcador de contenido 5">
-            <a:extLst>
-              <a:ext uri="{FF2B5EF4-FFF2-40B4-BE49-F238E27FC236}">
-                <a16:creationId xmlns:a16="http://schemas.microsoft.com/office/drawing/2014/main" id="{1F74174A-C7A3-44D7-A71A-23E7732F2A5C}"/>
-              </a:ext>
-            </a:extLst>
-          </p:cNvPr>
+            <a:endParaRPr lang="es-ES"/>
+          </a:p>
+        </p:txBody>
+      </p:sp>
+      <p:sp>
+        <p:nvSpPr>
+          <p:cNvPr id="6" name="Marcador de contenido 5"/>
           <p:cNvSpPr>
             <a:spLocks noGrp="1"/>
           </p:cNvSpPr>
           <p:nvPr>
-            <p:ph sz="quarter" idx="4"/>
+            <p:ph sz="quarter" idx="4" hasCustomPrompt="1"/>
           </p:nvPr>
         </p:nvSpPr>
         <p:spPr>
@@ -1767,6 +1550,7 @@
               <a:rPr lang="es-ES"/>
               <a:t>Haga clic para modificar los estilos de texto del patrón</a:t>
             </a:r>
+            <a:endParaRPr lang="es-ES"/>
           </a:p>
           <a:p>
             <a:pPr lvl="1"/>
@@ -1774,6 +1558,7 @@
               <a:rPr lang="es-ES"/>
               <a:t>Segundo nivel</a:t>
             </a:r>
+            <a:endParaRPr lang="es-ES"/>
           </a:p>
           <a:p>
             <a:pPr lvl="2"/>
@@ -1781,6 +1566,7 @@
               <a:rPr lang="es-ES"/>
               <a:t>Tercer nivel</a:t>
             </a:r>
+            <a:endParaRPr lang="es-ES"/>
           </a:p>
           <a:p>
             <a:pPr lvl="3"/>
@@ -1788,6 +1574,7 @@
               <a:rPr lang="es-ES"/>
               <a:t>Cuarto nivel</a:t>
             </a:r>
+            <a:endParaRPr lang="es-ES"/>
           </a:p>
           <a:p>
             <a:pPr lvl="4"/>
@@ -1795,18 +1582,13 @@
               <a:rPr lang="es-ES"/>
               <a:t>Quinto nivel</a:t>
             </a:r>
-          </a:p>
-        </p:txBody>
-      </p:sp>
-      <p:sp>
-        <p:nvSpPr>
-          <p:cNvPr id="7" name="Marcador de fecha 6">
-            <a:extLst>
-              <a:ext uri="{FF2B5EF4-FFF2-40B4-BE49-F238E27FC236}">
-                <a16:creationId xmlns:a16="http://schemas.microsoft.com/office/drawing/2014/main" id="{CC70A028-C9FF-4054-8A14-D45280264734}"/>
-              </a:ext>
-            </a:extLst>
-          </p:cNvPr>
+            <a:endParaRPr lang="es-ES"/>
+          </a:p>
+        </p:txBody>
+      </p:sp>
+      <p:sp>
+        <p:nvSpPr>
+          <p:cNvPr id="7" name="Marcador de fecha 6"/>
           <p:cNvSpPr>
             <a:spLocks noGrp="1"/>
           </p:cNvSpPr>
@@ -1821,7 +1603,6 @@
           <a:p>
             <a:fld id="{6FEB4CCE-9E5C-4D7B-92E4-7FB210B21D7A}" type="datetimeFigureOut">
               <a:rPr lang="es-ES" smtClean="0"/>
-              <a:t>11/01/2026</a:t>
             </a:fld>
             <a:endParaRPr lang="es-ES"/>
           </a:p>
@@ -1829,13 +1610,7 @@
       </p:sp>
       <p:sp>
         <p:nvSpPr>
-          <p:cNvPr id="8" name="Marcador de pie de página 7">
-            <a:extLst>
-              <a:ext uri="{FF2B5EF4-FFF2-40B4-BE49-F238E27FC236}">
-                <a16:creationId xmlns:a16="http://schemas.microsoft.com/office/drawing/2014/main" id="{9B24283C-7853-44F8-A122-EA216235D949}"/>
-              </a:ext>
-            </a:extLst>
-          </p:cNvPr>
+          <p:cNvPr id="8" name="Marcador de pie de página 7"/>
           <p:cNvSpPr>
             <a:spLocks noGrp="1"/>
           </p:cNvSpPr>
@@ -1854,13 +1629,7 @@
       </p:sp>
       <p:sp>
         <p:nvSpPr>
-          <p:cNvPr id="9" name="Marcador de número de diapositiva 8">
-            <a:extLst>
-              <a:ext uri="{FF2B5EF4-FFF2-40B4-BE49-F238E27FC236}">
-                <a16:creationId xmlns:a16="http://schemas.microsoft.com/office/drawing/2014/main" id="{C0D156FE-46F5-4703-8C80-A8EF714F1A30}"/>
-              </a:ext>
-            </a:extLst>
-          </p:cNvPr>
+          <p:cNvPr id="9" name="Marcador de número de diapositiva 8"/>
           <p:cNvSpPr>
             <a:spLocks noGrp="1"/>
           </p:cNvSpPr>
@@ -1875,18 +1644,12 @@
           <a:p>
             <a:fld id="{2C54D487-8D63-415A-B3B9-DEFE2730CE83}" type="slidenum">
               <a:rPr lang="es-ES" smtClean="0"/>
-              <a:t>‹Nº›</a:t>
             </a:fld>
             <a:endParaRPr lang="es-ES"/>
           </a:p>
         </p:txBody>
       </p:sp>
     </p:spTree>
-    <p:extLst>
-      <p:ext uri="{BB962C8B-B14F-4D97-AF65-F5344CB8AC3E}">
-        <p14:creationId xmlns:p14="http://schemas.microsoft.com/office/powerpoint/2010/main" val="4080247918"/>
-      </p:ext>
-    </p:extLst>
   </p:cSld>
   <p:clrMapOvr>
     <a:masterClrMapping/>
@@ -1913,13 +1676,7 @@
       </p:grpSpPr>
       <p:sp>
         <p:nvSpPr>
-          <p:cNvPr id="2" name="Título 1">
-            <a:extLst>
-              <a:ext uri="{FF2B5EF4-FFF2-40B4-BE49-F238E27FC236}">
-                <a16:creationId xmlns:a16="http://schemas.microsoft.com/office/drawing/2014/main" id="{5A16A04F-4707-4D48-ABAD-6696D049E30E}"/>
-              </a:ext>
-            </a:extLst>
-          </p:cNvPr>
+          <p:cNvPr id="2" name="Título 1"/>
           <p:cNvSpPr>
             <a:spLocks noGrp="1"/>
           </p:cNvSpPr>
@@ -1936,18 +1693,13 @@
               <a:rPr lang="es-ES"/>
               <a:t>Haga clic para modificar el estilo de título del patrón</a:t>
             </a:r>
-          </a:p>
-        </p:txBody>
-      </p:sp>
-      <p:sp>
-        <p:nvSpPr>
-          <p:cNvPr id="3" name="Marcador de fecha 2">
-            <a:extLst>
-              <a:ext uri="{FF2B5EF4-FFF2-40B4-BE49-F238E27FC236}">
-                <a16:creationId xmlns:a16="http://schemas.microsoft.com/office/drawing/2014/main" id="{A05DEDC8-BA11-4750-9749-A9CE530A3222}"/>
-              </a:ext>
-            </a:extLst>
-          </p:cNvPr>
+            <a:endParaRPr lang="es-ES"/>
+          </a:p>
+        </p:txBody>
+      </p:sp>
+      <p:sp>
+        <p:nvSpPr>
+          <p:cNvPr id="3" name="Marcador de fecha 2"/>
           <p:cNvSpPr>
             <a:spLocks noGrp="1"/>
           </p:cNvSpPr>
@@ -1962,7 +1714,6 @@
           <a:p>
             <a:fld id="{6FEB4CCE-9E5C-4D7B-92E4-7FB210B21D7A}" type="datetimeFigureOut">
               <a:rPr lang="es-ES" smtClean="0"/>
-              <a:t>11/01/2026</a:t>
             </a:fld>
             <a:endParaRPr lang="es-ES"/>
           </a:p>
@@ -1970,13 +1721,7 @@
       </p:sp>
       <p:sp>
         <p:nvSpPr>
-          <p:cNvPr id="4" name="Marcador de pie de página 3">
-            <a:extLst>
-              <a:ext uri="{FF2B5EF4-FFF2-40B4-BE49-F238E27FC236}">
-                <a16:creationId xmlns:a16="http://schemas.microsoft.com/office/drawing/2014/main" id="{F65DF3A5-D82A-457D-B50D-F7B8C6C96EF3}"/>
-              </a:ext>
-            </a:extLst>
-          </p:cNvPr>
+          <p:cNvPr id="4" name="Marcador de pie de página 3"/>
           <p:cNvSpPr>
             <a:spLocks noGrp="1"/>
           </p:cNvSpPr>
@@ -1995,13 +1740,7 @@
       </p:sp>
       <p:sp>
         <p:nvSpPr>
-          <p:cNvPr id="5" name="Marcador de número de diapositiva 4">
-            <a:extLst>
-              <a:ext uri="{FF2B5EF4-FFF2-40B4-BE49-F238E27FC236}">
-                <a16:creationId xmlns:a16="http://schemas.microsoft.com/office/drawing/2014/main" id="{F3898B7D-7D45-4D04-9EF8-A9284FE74DBC}"/>
-              </a:ext>
-            </a:extLst>
-          </p:cNvPr>
+          <p:cNvPr id="5" name="Marcador de número de diapositiva 4"/>
           <p:cNvSpPr>
             <a:spLocks noGrp="1"/>
           </p:cNvSpPr>
@@ -2016,18 +1755,12 @@
           <a:p>
             <a:fld id="{2C54D487-8D63-415A-B3B9-DEFE2730CE83}" type="slidenum">
               <a:rPr lang="es-ES" smtClean="0"/>
-              <a:t>‹Nº›</a:t>
             </a:fld>
             <a:endParaRPr lang="es-ES"/>
           </a:p>
         </p:txBody>
       </p:sp>
     </p:spTree>
-    <p:extLst>
-      <p:ext uri="{BB962C8B-B14F-4D97-AF65-F5344CB8AC3E}">
-        <p14:creationId xmlns:p14="http://schemas.microsoft.com/office/powerpoint/2010/main" val="580351369"/>
-      </p:ext>
-    </p:extLst>
   </p:cSld>
   <p:clrMapOvr>
     <a:masterClrMapping/>
@@ -2054,13 +1787,7 @@
       </p:grpSpPr>
       <p:sp>
         <p:nvSpPr>
-          <p:cNvPr id="2" name="Marcador de fecha 1">
-            <a:extLst>
-              <a:ext uri="{FF2B5EF4-FFF2-40B4-BE49-F238E27FC236}">
-                <a16:creationId xmlns:a16="http://schemas.microsoft.com/office/drawing/2014/main" id="{BB734735-A7C5-4994-B3B7-2AB4A311FA7E}"/>
-              </a:ext>
-            </a:extLst>
-          </p:cNvPr>
+          <p:cNvPr id="2" name="Marcador de fecha 1"/>
           <p:cNvSpPr>
             <a:spLocks noGrp="1"/>
           </p:cNvSpPr>
@@ -2075,7 +1802,6 @@
           <a:p>
             <a:fld id="{6FEB4CCE-9E5C-4D7B-92E4-7FB210B21D7A}" type="datetimeFigureOut">
               <a:rPr lang="es-ES" smtClean="0"/>
-              <a:t>11/01/2026</a:t>
             </a:fld>
             <a:endParaRPr lang="es-ES"/>
           </a:p>
@@ -2083,13 +1809,7 @@
       </p:sp>
       <p:sp>
         <p:nvSpPr>
-          <p:cNvPr id="3" name="Marcador de pie de página 2">
-            <a:extLst>
-              <a:ext uri="{FF2B5EF4-FFF2-40B4-BE49-F238E27FC236}">
-                <a16:creationId xmlns:a16="http://schemas.microsoft.com/office/drawing/2014/main" id="{BD0EFEFF-9064-4A69-9BE5-0A3BE4B36013}"/>
-              </a:ext>
-            </a:extLst>
-          </p:cNvPr>
+          <p:cNvPr id="3" name="Marcador de pie de página 2"/>
           <p:cNvSpPr>
             <a:spLocks noGrp="1"/>
           </p:cNvSpPr>
@@ -2108,13 +1828,7 @@
       </p:sp>
       <p:sp>
         <p:nvSpPr>
-          <p:cNvPr id="4" name="Marcador de número de diapositiva 3">
-            <a:extLst>
-              <a:ext uri="{FF2B5EF4-FFF2-40B4-BE49-F238E27FC236}">
-                <a16:creationId xmlns:a16="http://schemas.microsoft.com/office/drawing/2014/main" id="{C26733BA-BBDA-41C2-9CB8-706E56F55684}"/>
-              </a:ext>
-            </a:extLst>
-          </p:cNvPr>
+          <p:cNvPr id="4" name="Marcador de número de diapositiva 3"/>
           <p:cNvSpPr>
             <a:spLocks noGrp="1"/>
           </p:cNvSpPr>
@@ -2129,18 +1843,12 @@
           <a:p>
             <a:fld id="{2C54D487-8D63-415A-B3B9-DEFE2730CE83}" type="slidenum">
               <a:rPr lang="es-ES" smtClean="0"/>
-              <a:t>‹Nº›</a:t>
             </a:fld>
             <a:endParaRPr lang="es-ES"/>
           </a:p>
         </p:txBody>
       </p:sp>
     </p:spTree>
-    <p:extLst>
-      <p:ext uri="{BB962C8B-B14F-4D97-AF65-F5344CB8AC3E}">
-        <p14:creationId xmlns:p14="http://schemas.microsoft.com/office/powerpoint/2010/main" val="283057715"/>
-      </p:ext>
-    </p:extLst>
   </p:cSld>
   <p:clrMapOvr>
     <a:masterClrMapping/>
@@ -2167,13 +1875,7 @@
       </p:grpSpPr>
       <p:sp>
         <p:nvSpPr>
-          <p:cNvPr id="2" name="Título 1">
-            <a:extLst>
-              <a:ext uri="{FF2B5EF4-FFF2-40B4-BE49-F238E27FC236}">
-                <a16:creationId xmlns:a16="http://schemas.microsoft.com/office/drawing/2014/main" id="{BD4BA028-9BF0-4C69-8F2A-23582BAF7BA8}"/>
-              </a:ext>
-            </a:extLst>
-          </p:cNvPr>
+          <p:cNvPr id="2" name="Título 1"/>
           <p:cNvSpPr>
             <a:spLocks noGrp="1"/>
           </p:cNvSpPr>
@@ -2199,23 +1901,18 @@
               <a:rPr lang="es-ES"/>
               <a:t>Haga clic para modificar el estilo de título del patrón</a:t>
             </a:r>
-          </a:p>
-        </p:txBody>
-      </p:sp>
-      <p:sp>
-        <p:nvSpPr>
-          <p:cNvPr id="3" name="Marcador de contenido 2">
-            <a:extLst>
-              <a:ext uri="{FF2B5EF4-FFF2-40B4-BE49-F238E27FC236}">
-                <a16:creationId xmlns:a16="http://schemas.microsoft.com/office/drawing/2014/main" id="{1AF950B2-01EE-42AA-A7EB-0774AA3C467F}"/>
-              </a:ext>
-            </a:extLst>
-          </p:cNvPr>
+            <a:endParaRPr lang="es-ES"/>
+          </a:p>
+        </p:txBody>
+      </p:sp>
+      <p:sp>
+        <p:nvSpPr>
+          <p:cNvPr id="3" name="Marcador de contenido 2"/>
           <p:cNvSpPr>
             <a:spLocks noGrp="1"/>
           </p:cNvSpPr>
           <p:nvPr>
-            <p:ph idx="1"/>
+            <p:ph idx="1" hasCustomPrompt="1"/>
           </p:nvPr>
         </p:nvSpPr>
         <p:spPr>
@@ -2261,6 +1958,7 @@
               <a:rPr lang="es-ES"/>
               <a:t>Haga clic para modificar los estilos de texto del patrón</a:t>
             </a:r>
+            <a:endParaRPr lang="es-ES"/>
           </a:p>
           <a:p>
             <a:pPr lvl="1"/>
@@ -2268,6 +1966,7 @@
               <a:rPr lang="es-ES"/>
               <a:t>Segundo nivel</a:t>
             </a:r>
+            <a:endParaRPr lang="es-ES"/>
           </a:p>
           <a:p>
             <a:pPr lvl="2"/>
@@ -2275,6 +1974,7 @@
               <a:rPr lang="es-ES"/>
               <a:t>Tercer nivel</a:t>
             </a:r>
+            <a:endParaRPr lang="es-ES"/>
           </a:p>
           <a:p>
             <a:pPr lvl="3"/>
@@ -2282,6 +1982,7 @@
               <a:rPr lang="es-ES"/>
               <a:t>Cuarto nivel</a:t>
             </a:r>
+            <a:endParaRPr lang="es-ES"/>
           </a:p>
           <a:p>
             <a:pPr lvl="4"/>
@@ -2289,23 +1990,18 @@
               <a:rPr lang="es-ES"/>
               <a:t>Quinto nivel</a:t>
             </a:r>
-          </a:p>
-        </p:txBody>
-      </p:sp>
-      <p:sp>
-        <p:nvSpPr>
-          <p:cNvPr id="4" name="Marcador de texto 3">
-            <a:extLst>
-              <a:ext uri="{FF2B5EF4-FFF2-40B4-BE49-F238E27FC236}">
-                <a16:creationId xmlns:a16="http://schemas.microsoft.com/office/drawing/2014/main" id="{A60E2857-6EAD-49EE-933E-C945662B29B3}"/>
-              </a:ext>
-            </a:extLst>
-          </p:cNvPr>
+            <a:endParaRPr lang="es-ES"/>
+          </a:p>
+        </p:txBody>
+      </p:sp>
+      <p:sp>
+        <p:nvSpPr>
+          <p:cNvPr id="4" name="Marcador de texto 3"/>
           <p:cNvSpPr>
             <a:spLocks noGrp="1"/>
           </p:cNvSpPr>
           <p:nvPr>
-            <p:ph type="body" sz="half" idx="2"/>
+            <p:ph type="body" sz="half" idx="2" hasCustomPrompt="1"/>
           </p:nvPr>
         </p:nvSpPr>
         <p:spPr>
@@ -2360,18 +2056,13 @@
               <a:rPr lang="es-ES"/>
               <a:t>Haga clic para modificar los estilos de texto del patrón</a:t>
             </a:r>
-          </a:p>
-        </p:txBody>
-      </p:sp>
-      <p:sp>
-        <p:nvSpPr>
-          <p:cNvPr id="5" name="Marcador de fecha 4">
-            <a:extLst>
-              <a:ext uri="{FF2B5EF4-FFF2-40B4-BE49-F238E27FC236}">
-                <a16:creationId xmlns:a16="http://schemas.microsoft.com/office/drawing/2014/main" id="{D9D1A88B-7318-43A5-8C30-341D58AD4700}"/>
-              </a:ext>
-            </a:extLst>
-          </p:cNvPr>
+            <a:endParaRPr lang="es-ES"/>
+          </a:p>
+        </p:txBody>
+      </p:sp>
+      <p:sp>
+        <p:nvSpPr>
+          <p:cNvPr id="5" name="Marcador de fecha 4"/>
           <p:cNvSpPr>
             <a:spLocks noGrp="1"/>
           </p:cNvSpPr>
@@ -2386,7 +2077,6 @@
           <a:p>
             <a:fld id="{6FEB4CCE-9E5C-4D7B-92E4-7FB210B21D7A}" type="datetimeFigureOut">
               <a:rPr lang="es-ES" smtClean="0"/>
-              <a:t>11/01/2026</a:t>
             </a:fld>
             <a:endParaRPr lang="es-ES"/>
           </a:p>
@@ -2394,13 +2084,7 @@
       </p:sp>
       <p:sp>
         <p:nvSpPr>
-          <p:cNvPr id="6" name="Marcador de pie de página 5">
-            <a:extLst>
-              <a:ext uri="{FF2B5EF4-FFF2-40B4-BE49-F238E27FC236}">
-                <a16:creationId xmlns:a16="http://schemas.microsoft.com/office/drawing/2014/main" id="{526F75C1-6452-4F5E-A509-90AF6248CF52}"/>
-              </a:ext>
-            </a:extLst>
-          </p:cNvPr>
+          <p:cNvPr id="6" name="Marcador de pie de página 5"/>
           <p:cNvSpPr>
             <a:spLocks noGrp="1"/>
           </p:cNvSpPr>
@@ -2419,13 +2103,7 @@
       </p:sp>
       <p:sp>
         <p:nvSpPr>
-          <p:cNvPr id="7" name="Marcador de número de diapositiva 6">
-            <a:extLst>
-              <a:ext uri="{FF2B5EF4-FFF2-40B4-BE49-F238E27FC236}">
-                <a16:creationId xmlns:a16="http://schemas.microsoft.com/office/drawing/2014/main" id="{B7E36146-0DD2-4DBF-80AC-EE609CAA2535}"/>
-              </a:ext>
-            </a:extLst>
-          </p:cNvPr>
+          <p:cNvPr id="7" name="Marcador de número de diapositiva 6"/>
           <p:cNvSpPr>
             <a:spLocks noGrp="1"/>
           </p:cNvSpPr>
@@ -2440,18 +2118,12 @@
           <a:p>
             <a:fld id="{2C54D487-8D63-415A-B3B9-DEFE2730CE83}" type="slidenum">
               <a:rPr lang="es-ES" smtClean="0"/>
-              <a:t>‹Nº›</a:t>
             </a:fld>
             <a:endParaRPr lang="es-ES"/>
           </a:p>
         </p:txBody>
       </p:sp>
     </p:spTree>
-    <p:extLst>
-      <p:ext uri="{BB962C8B-B14F-4D97-AF65-F5344CB8AC3E}">
-        <p14:creationId xmlns:p14="http://schemas.microsoft.com/office/powerpoint/2010/main" val="2480852539"/>
-      </p:ext>
-    </p:extLst>
   </p:cSld>
   <p:clrMapOvr>
     <a:masterClrMapping/>
@@ -2478,13 +2150,7 @@
       </p:grpSpPr>
       <p:sp>
         <p:nvSpPr>
-          <p:cNvPr id="2" name="Título 1">
-            <a:extLst>
-              <a:ext uri="{FF2B5EF4-FFF2-40B4-BE49-F238E27FC236}">
-                <a16:creationId xmlns:a16="http://schemas.microsoft.com/office/drawing/2014/main" id="{4360B90B-B1B0-4F39-9AB3-9373F12DFEDC}"/>
-              </a:ext>
-            </a:extLst>
-          </p:cNvPr>
+          <p:cNvPr id="2" name="Título 1"/>
           <p:cNvSpPr>
             <a:spLocks noGrp="1"/>
           </p:cNvSpPr>
@@ -2510,18 +2176,13 @@
               <a:rPr lang="es-ES"/>
               <a:t>Haga clic para modificar el estilo de título del patrón</a:t>
             </a:r>
-          </a:p>
-        </p:txBody>
-      </p:sp>
-      <p:sp>
-        <p:nvSpPr>
-          <p:cNvPr id="3" name="Marcador de posición de imagen 2">
-            <a:extLst>
-              <a:ext uri="{FF2B5EF4-FFF2-40B4-BE49-F238E27FC236}">
-                <a16:creationId xmlns:a16="http://schemas.microsoft.com/office/drawing/2014/main" id="{B86DAA2B-6E2C-4492-976D-181DE88D302E}"/>
-              </a:ext>
-            </a:extLst>
-          </p:cNvPr>
+            <a:endParaRPr lang="es-ES"/>
+          </a:p>
+        </p:txBody>
+      </p:sp>
+      <p:sp>
+        <p:nvSpPr>
+          <p:cNvPr id="3" name="Marcador de posición de imagen 2"/>
           <p:cNvSpPr>
             <a:spLocks noGrp="1"/>
           </p:cNvSpPr>
@@ -2582,18 +2243,12 @@
       </p:sp>
       <p:sp>
         <p:nvSpPr>
-          <p:cNvPr id="4" name="Marcador de texto 3">
-            <a:extLst>
-              <a:ext uri="{FF2B5EF4-FFF2-40B4-BE49-F238E27FC236}">
-                <a16:creationId xmlns:a16="http://schemas.microsoft.com/office/drawing/2014/main" id="{0262ADF6-5D79-4CC5-90A6-69543BFF2022}"/>
-              </a:ext>
-            </a:extLst>
-          </p:cNvPr>
+          <p:cNvPr id="4" name="Marcador de texto 3"/>
           <p:cNvSpPr>
             <a:spLocks noGrp="1"/>
           </p:cNvSpPr>
           <p:nvPr>
-            <p:ph type="body" sz="half" idx="2"/>
+            <p:ph type="body" sz="half" idx="2" hasCustomPrompt="1"/>
           </p:nvPr>
         </p:nvSpPr>
         <p:spPr>
@@ -2648,18 +2303,13 @@
               <a:rPr lang="es-ES"/>
               <a:t>Haga clic para modificar los estilos de texto del patrón</a:t>
             </a:r>
-          </a:p>
-        </p:txBody>
-      </p:sp>
-      <p:sp>
-        <p:nvSpPr>
-          <p:cNvPr id="5" name="Marcador de fecha 4">
-            <a:extLst>
-              <a:ext uri="{FF2B5EF4-FFF2-40B4-BE49-F238E27FC236}">
-                <a16:creationId xmlns:a16="http://schemas.microsoft.com/office/drawing/2014/main" id="{A3DA126A-A8C9-4621-AA4E-3CF51A189FD4}"/>
-              </a:ext>
-            </a:extLst>
-          </p:cNvPr>
+            <a:endParaRPr lang="es-ES"/>
+          </a:p>
+        </p:txBody>
+      </p:sp>
+      <p:sp>
+        <p:nvSpPr>
+          <p:cNvPr id="5" name="Marcador de fecha 4"/>
           <p:cNvSpPr>
             <a:spLocks noGrp="1"/>
           </p:cNvSpPr>
@@ -2674,7 +2324,6 @@
           <a:p>
             <a:fld id="{6FEB4CCE-9E5C-4D7B-92E4-7FB210B21D7A}" type="datetimeFigureOut">
               <a:rPr lang="es-ES" smtClean="0"/>
-              <a:t>11/01/2026</a:t>
             </a:fld>
             <a:endParaRPr lang="es-ES"/>
           </a:p>
@@ -2682,13 +2331,7 @@
       </p:sp>
       <p:sp>
         <p:nvSpPr>
-          <p:cNvPr id="6" name="Marcador de pie de página 5">
-            <a:extLst>
-              <a:ext uri="{FF2B5EF4-FFF2-40B4-BE49-F238E27FC236}">
-                <a16:creationId xmlns:a16="http://schemas.microsoft.com/office/drawing/2014/main" id="{269B9047-359A-47A9-8278-4E5E0C69B868}"/>
-              </a:ext>
-            </a:extLst>
-          </p:cNvPr>
+          <p:cNvPr id="6" name="Marcador de pie de página 5"/>
           <p:cNvSpPr>
             <a:spLocks noGrp="1"/>
           </p:cNvSpPr>
@@ -2707,13 +2350,7 @@
       </p:sp>
       <p:sp>
         <p:nvSpPr>
-          <p:cNvPr id="7" name="Marcador de número de diapositiva 6">
-            <a:extLst>
-              <a:ext uri="{FF2B5EF4-FFF2-40B4-BE49-F238E27FC236}">
-                <a16:creationId xmlns:a16="http://schemas.microsoft.com/office/drawing/2014/main" id="{E98651E0-40B1-478F-A342-FD2EAA50A17D}"/>
-              </a:ext>
-            </a:extLst>
-          </p:cNvPr>
+          <p:cNvPr id="7" name="Marcador de número de diapositiva 6"/>
           <p:cNvSpPr>
             <a:spLocks noGrp="1"/>
           </p:cNvSpPr>
@@ -2728,18 +2365,12 @@
           <a:p>
             <a:fld id="{2C54D487-8D63-415A-B3B9-DEFE2730CE83}" type="slidenum">
               <a:rPr lang="es-ES" smtClean="0"/>
-              <a:t>‹Nº›</a:t>
             </a:fld>
             <a:endParaRPr lang="es-ES"/>
           </a:p>
         </p:txBody>
       </p:sp>
     </p:spTree>
-    <p:extLst>
-      <p:ext uri="{BB962C8B-B14F-4D97-AF65-F5344CB8AC3E}">
-        <p14:creationId xmlns:p14="http://schemas.microsoft.com/office/powerpoint/2010/main" val="2899047950"/>
-      </p:ext>
-    </p:extLst>
   </p:cSld>
   <p:clrMapOvr>
     <a:masterClrMapping/>
@@ -2771,13 +2402,7 @@
       </p:grpSpPr>
       <p:sp>
         <p:nvSpPr>
-          <p:cNvPr id="2" name="Marcador de título 1">
-            <a:extLst>
-              <a:ext uri="{FF2B5EF4-FFF2-40B4-BE49-F238E27FC236}">
-                <a16:creationId xmlns:a16="http://schemas.microsoft.com/office/drawing/2014/main" id="{FB60F57E-9E02-4179-9496-ABAE45AC4F94}"/>
-              </a:ext>
-            </a:extLst>
-          </p:cNvPr>
+          <p:cNvPr id="2" name="Marcador de título 1"/>
           <p:cNvSpPr>
             <a:spLocks noGrp="1"/>
           </p:cNvSpPr>
@@ -2804,18 +2429,13 @@
               <a:rPr lang="es-ES"/>
               <a:t>Haga clic para modificar el estilo de título del patrón</a:t>
             </a:r>
-          </a:p>
-        </p:txBody>
-      </p:sp>
-      <p:sp>
-        <p:nvSpPr>
-          <p:cNvPr id="3" name="Marcador de texto 2">
-            <a:extLst>
-              <a:ext uri="{FF2B5EF4-FFF2-40B4-BE49-F238E27FC236}">
-                <a16:creationId xmlns:a16="http://schemas.microsoft.com/office/drawing/2014/main" id="{624F7220-4BD5-450F-9D6F-ED9BCD3BC6A2}"/>
-              </a:ext>
-            </a:extLst>
-          </p:cNvPr>
+            <a:endParaRPr lang="es-ES"/>
+          </a:p>
+        </p:txBody>
+      </p:sp>
+      <p:sp>
+        <p:nvSpPr>
+          <p:cNvPr id="3" name="Marcador de texto 2"/>
           <p:cNvSpPr>
             <a:spLocks noGrp="1"/>
           </p:cNvSpPr>
@@ -2843,6 +2463,7 @@
               <a:rPr lang="es-ES"/>
               <a:t>Haga clic para modificar los estilos de texto del patrón</a:t>
             </a:r>
+            <a:endParaRPr lang="es-ES"/>
           </a:p>
           <a:p>
             <a:pPr lvl="1"/>
@@ -2850,6 +2471,7 @@
               <a:rPr lang="es-ES"/>
               <a:t>Segundo nivel</a:t>
             </a:r>
+            <a:endParaRPr lang="es-ES"/>
           </a:p>
           <a:p>
             <a:pPr lvl="2"/>
@@ -2857,6 +2479,7 @@
               <a:rPr lang="es-ES"/>
               <a:t>Tercer nivel</a:t>
             </a:r>
+            <a:endParaRPr lang="es-ES"/>
           </a:p>
           <a:p>
             <a:pPr lvl="3"/>
@@ -2864,6 +2487,7 @@
               <a:rPr lang="es-ES"/>
               <a:t>Cuarto nivel</a:t>
             </a:r>
+            <a:endParaRPr lang="es-ES"/>
           </a:p>
           <a:p>
             <a:pPr lvl="4"/>
@@ -2871,18 +2495,13 @@
               <a:rPr lang="es-ES"/>
               <a:t>Quinto nivel</a:t>
             </a:r>
-          </a:p>
-        </p:txBody>
-      </p:sp>
-      <p:sp>
-        <p:nvSpPr>
-          <p:cNvPr id="4" name="Marcador de fecha 3">
-            <a:extLst>
-              <a:ext uri="{FF2B5EF4-FFF2-40B4-BE49-F238E27FC236}">
-                <a16:creationId xmlns:a16="http://schemas.microsoft.com/office/drawing/2014/main" id="{CDB5EF4A-A256-4262-B8FB-367949675EAA}"/>
-              </a:ext>
-            </a:extLst>
-          </p:cNvPr>
+            <a:endParaRPr lang="es-ES"/>
+          </a:p>
+        </p:txBody>
+      </p:sp>
+      <p:sp>
+        <p:nvSpPr>
+          <p:cNvPr id="4" name="Marcador de fecha 3"/>
           <p:cNvSpPr>
             <a:spLocks noGrp="1"/>
           </p:cNvSpPr>
@@ -2915,7 +2534,6 @@
           <a:p>
             <a:fld id="{6FEB4CCE-9E5C-4D7B-92E4-7FB210B21D7A}" type="datetimeFigureOut">
               <a:rPr lang="es-ES" smtClean="0"/>
-              <a:t>11/01/2026</a:t>
             </a:fld>
             <a:endParaRPr lang="es-ES"/>
           </a:p>
@@ -2923,13 +2541,7 @@
       </p:sp>
       <p:sp>
         <p:nvSpPr>
-          <p:cNvPr id="5" name="Marcador de pie de página 4">
-            <a:extLst>
-              <a:ext uri="{FF2B5EF4-FFF2-40B4-BE49-F238E27FC236}">
-                <a16:creationId xmlns:a16="http://schemas.microsoft.com/office/drawing/2014/main" id="{3397CBED-7FBB-4853-872B-1B3F9A4ED060}"/>
-              </a:ext>
-            </a:extLst>
-          </p:cNvPr>
+          <p:cNvPr id="5" name="Marcador de pie de página 4"/>
           <p:cNvSpPr>
             <a:spLocks noGrp="1"/>
           </p:cNvSpPr>
@@ -2966,13 +2578,7 @@
       </p:sp>
       <p:sp>
         <p:nvSpPr>
-          <p:cNvPr id="6" name="Marcador de número de diapositiva 5">
-            <a:extLst>
-              <a:ext uri="{FF2B5EF4-FFF2-40B4-BE49-F238E27FC236}">
-                <a16:creationId xmlns:a16="http://schemas.microsoft.com/office/drawing/2014/main" id="{98DA89DC-29A6-4D59-A980-F7A783D38AB1}"/>
-              </a:ext>
-            </a:extLst>
-          </p:cNvPr>
+          <p:cNvPr id="6" name="Marcador de número de diapositiva 5"/>
           <p:cNvSpPr>
             <a:spLocks noGrp="1"/>
           </p:cNvSpPr>
@@ -3005,18 +2611,12 @@
           <a:p>
             <a:fld id="{2C54D487-8D63-415A-B3B9-DEFE2730CE83}" type="slidenum">
               <a:rPr lang="es-ES" smtClean="0"/>
-              <a:t>‹Nº›</a:t>
             </a:fld>
             <a:endParaRPr lang="es-ES"/>
           </a:p>
         </p:txBody>
       </p:sp>
     </p:spTree>
-    <p:extLst>
-      <p:ext uri="{BB962C8B-B14F-4D97-AF65-F5344CB8AC3E}">
-        <p14:creationId xmlns:p14="http://schemas.microsoft.com/office/powerpoint/2010/main" val="1997550200"/>
-      </p:ext>
-    </p:extLst>
   </p:cSld>
   <p:clrMap bg1="lt1" tx1="dk1" bg2="lt2" tx2="dk2" accent1="accent1" accent2="accent2" accent3="accent3" accent4="accent4" accent5="accent5" accent6="accent6" hlink="hlink" folHlink="folHlink"/>
   <p:sldLayoutIdLst>
@@ -3334,13 +2934,7 @@
       </p:grpSpPr>
       <p:sp>
         <p:nvSpPr>
-          <p:cNvPr id="13" name="Rectángulo: esquinas redondeadas 12">
-            <a:extLst>
-              <a:ext uri="{FF2B5EF4-FFF2-40B4-BE49-F238E27FC236}">
-                <a16:creationId xmlns:a16="http://schemas.microsoft.com/office/drawing/2014/main" id="{8868BE85-3CB8-4F05-B851-C9F33FF86D6D}"/>
-              </a:ext>
-            </a:extLst>
-          </p:cNvPr>
+          <p:cNvPr id="13" name="Rectángulo: esquinas redondeadas 12"/>
           <p:cNvSpPr/>
           <p:nvPr/>
         </p:nvSpPr>
@@ -3389,13 +2983,7 @@
       </p:sp>
       <p:sp>
         <p:nvSpPr>
-          <p:cNvPr id="12" name="Rectángulo: esquinas redondeadas 11">
-            <a:extLst>
-              <a:ext uri="{FF2B5EF4-FFF2-40B4-BE49-F238E27FC236}">
-                <a16:creationId xmlns:a16="http://schemas.microsoft.com/office/drawing/2014/main" id="{CE9A5123-B8E8-447B-AE2D-330817E0945D}"/>
-              </a:ext>
-            </a:extLst>
-          </p:cNvPr>
+          <p:cNvPr id="12" name="Rectángulo: esquinas redondeadas 11"/>
           <p:cNvSpPr/>
           <p:nvPr/>
         </p:nvSpPr>
@@ -3444,13 +3032,7 @@
       </p:sp>
       <p:sp>
         <p:nvSpPr>
-          <p:cNvPr id="11" name="Rectángulo: esquinas redondeadas 10">
-            <a:extLst>
-              <a:ext uri="{FF2B5EF4-FFF2-40B4-BE49-F238E27FC236}">
-                <a16:creationId xmlns:a16="http://schemas.microsoft.com/office/drawing/2014/main" id="{85C2FC39-E9DC-46D8-AC43-73631DACBDA9}"/>
-              </a:ext>
-            </a:extLst>
-          </p:cNvPr>
+          <p:cNvPr id="11" name="Rectángulo: esquinas redondeadas 10"/>
           <p:cNvSpPr/>
           <p:nvPr/>
         </p:nvSpPr>
@@ -3499,13 +3081,7 @@
       </p:sp>
       <p:sp>
         <p:nvSpPr>
-          <p:cNvPr id="5" name="Rectángulo 4">
-            <a:extLst>
-              <a:ext uri="{FF2B5EF4-FFF2-40B4-BE49-F238E27FC236}">
-                <a16:creationId xmlns:a16="http://schemas.microsoft.com/office/drawing/2014/main" id="{114B768D-6924-4333-BC52-6B9CA5C18EF8}"/>
-              </a:ext>
-            </a:extLst>
-          </p:cNvPr>
+          <p:cNvPr id="5" name="Rectángulo 4"/>
           <p:cNvSpPr/>
           <p:nvPr/>
         </p:nvSpPr>
@@ -3554,13 +3130,7 @@
       </p:sp>
       <p:sp>
         <p:nvSpPr>
-          <p:cNvPr id="4" name="CuadroTexto 3">
-            <a:extLst>
-              <a:ext uri="{FF2B5EF4-FFF2-40B4-BE49-F238E27FC236}">
-                <a16:creationId xmlns:a16="http://schemas.microsoft.com/office/drawing/2014/main" id="{DC47ACBD-E5F9-4147-8934-146D072D6524}"/>
-              </a:ext>
-            </a:extLst>
-          </p:cNvPr>
+          <p:cNvPr id="4" name="CuadroTexto 3"/>
           <p:cNvSpPr txBox="1"/>
           <p:nvPr/>
         </p:nvSpPr>
@@ -3626,6 +3196,12 @@
               </a:rPr>
               <a:t> </a:t>
             </a:r>
+            <a:endParaRPr lang="en-US" sz="3200" dirty="0">
+              <a:solidFill>
+                <a:schemeClr val="bg1"/>
+              </a:solidFill>
+              <a:latin typeface="Arial Black" panose="020B0A04020102020204" pitchFamily="34" charset="0"/>
+            </a:endParaRPr>
           </a:p>
           <a:p>
             <a:pPr algn="ctr"/>
@@ -3667,13 +3243,7 @@
       </p:sp>
       <p:sp>
         <p:nvSpPr>
-          <p:cNvPr id="6" name="CuadroTexto 5">
-            <a:extLst>
-              <a:ext uri="{FF2B5EF4-FFF2-40B4-BE49-F238E27FC236}">
-                <a16:creationId xmlns:a16="http://schemas.microsoft.com/office/drawing/2014/main" id="{17BFCC81-1A5A-4BE8-A449-976111595949}"/>
-              </a:ext>
-            </a:extLst>
-          </p:cNvPr>
+          <p:cNvPr id="6" name="CuadroTexto 5"/>
           <p:cNvSpPr txBox="1"/>
           <p:nvPr/>
         </p:nvSpPr>
@@ -3703,6 +3273,12 @@
               </a:rPr>
               <a:t>Enero 2026</a:t>
             </a:r>
+            <a:endParaRPr lang="es-ES" sz="2000" dirty="0">
+              <a:solidFill>
+                <a:schemeClr val="bg1"/>
+              </a:solidFill>
+              <a:latin typeface="Arial Black" panose="020B0A04020102020204" pitchFamily="34" charset="0"/>
+            </a:endParaRPr>
           </a:p>
           <a:p>
             <a:pPr algn="ctr"/>
@@ -3724,6 +3300,12 @@
               </a:rPr>
               <a:t>Kelen Alfaro García            Adriana Boué García       Carlos Mazorra Matos</a:t>
             </a:r>
+            <a:endParaRPr lang="es-ES" sz="2000" dirty="0">
+              <a:solidFill>
+                <a:schemeClr val="bg1"/>
+              </a:solidFill>
+              <a:latin typeface="Arial Black" panose="020B0A04020102020204" pitchFamily="34" charset="0"/>
+            </a:endParaRPr>
           </a:p>
           <a:p>
             <a:pPr algn="ctr"/>
@@ -3738,13 +3320,7 @@
       </p:sp>
       <p:sp>
         <p:nvSpPr>
-          <p:cNvPr id="7" name="CuadroTexto 6">
-            <a:extLst>
-              <a:ext uri="{FF2B5EF4-FFF2-40B4-BE49-F238E27FC236}">
-                <a16:creationId xmlns:a16="http://schemas.microsoft.com/office/drawing/2014/main" id="{549013A6-6A46-47EF-B394-9A983697FE92}"/>
-              </a:ext>
-            </a:extLst>
-          </p:cNvPr>
+          <p:cNvPr id="7" name="CuadroTexto 6"/>
           <p:cNvSpPr txBox="1"/>
           <p:nvPr/>
         </p:nvSpPr>
@@ -3777,18 +3353,22 @@
               </a:rPr>
               <a:t>Preguntas de Investigación</a:t>
             </a:r>
-          </a:p>
-        </p:txBody>
-      </p:sp>
-      <p:sp>
-        <p:nvSpPr>
-          <p:cNvPr id="8" name="CuadroTexto 7">
-            <a:extLst>
-              <a:ext uri="{FF2B5EF4-FFF2-40B4-BE49-F238E27FC236}">
-                <a16:creationId xmlns:a16="http://schemas.microsoft.com/office/drawing/2014/main" id="{B1ED1E95-50BF-4A97-BEBA-DE19710EE982}"/>
-              </a:ext>
-            </a:extLst>
-          </p:cNvPr>
+            <a:endParaRPr lang="es-ES" sz="2800" b="0" dirty="0">
+              <a:solidFill>
+                <a:schemeClr val="tx1">
+                  <a:lumMod val="85000"/>
+                  <a:lumOff val="15000"/>
+                </a:schemeClr>
+              </a:solidFill>
+              <a:effectLst/>
+              <a:latin typeface="Arial Black" panose="020B0A04020102020204" pitchFamily="34" charset="0"/>
+            </a:endParaRPr>
+          </a:p>
+        </p:txBody>
+      </p:sp>
+      <p:sp>
+        <p:nvSpPr>
+          <p:cNvPr id="8" name="CuadroTexto 7"/>
           <p:cNvSpPr txBox="1"/>
           <p:nvPr/>
         </p:nvSpPr>
@@ -3819,18 +3399,19 @@
               </a:rPr>
               <a:t>¿Qué factores ambientales y temporales están más fuertemente asociados con la severidad de los accidentes de tráfico?</a:t>
             </a:r>
-          </a:p>
-        </p:txBody>
-      </p:sp>
-      <p:sp>
-        <p:nvSpPr>
-          <p:cNvPr id="9" name="CuadroTexto 8">
-            <a:extLst>
-              <a:ext uri="{FF2B5EF4-FFF2-40B4-BE49-F238E27FC236}">
-                <a16:creationId xmlns:a16="http://schemas.microsoft.com/office/drawing/2014/main" id="{BD9330E4-12E4-414A-B579-4D876D367E90}"/>
-              </a:ext>
-            </a:extLst>
-          </p:cNvPr>
+            <a:endParaRPr lang="es-ES" dirty="0">
+              <a:solidFill>
+                <a:schemeClr val="bg1"/>
+              </a:solidFill>
+              <a:effectLst/>
+              <a:latin typeface="Arial Black" panose="020B0A04020102020204" pitchFamily="34" charset="0"/>
+            </a:endParaRPr>
+          </a:p>
+        </p:txBody>
+      </p:sp>
+      <p:sp>
+        <p:nvSpPr>
+          <p:cNvPr id="9" name="CuadroTexto 8"/>
           <p:cNvSpPr txBox="1"/>
           <p:nvPr/>
         </p:nvSpPr>
@@ -3873,13 +3454,7 @@
       </p:sp>
       <p:sp>
         <p:nvSpPr>
-          <p:cNvPr id="10" name="CuadroTexto 9">
-            <a:extLst>
-              <a:ext uri="{FF2B5EF4-FFF2-40B4-BE49-F238E27FC236}">
-                <a16:creationId xmlns:a16="http://schemas.microsoft.com/office/drawing/2014/main" id="{791D2EC4-9C01-44D8-8735-0934362AA4A1}"/>
-              </a:ext>
-            </a:extLst>
-          </p:cNvPr>
+          <p:cNvPr id="10" name="CuadroTexto 9"/>
           <p:cNvSpPr txBox="1"/>
           <p:nvPr/>
         </p:nvSpPr>
@@ -3932,13 +3507,7 @@
       </p:sp>
       <p:sp>
         <p:nvSpPr>
-          <p:cNvPr id="14" name="CuadroTexto 13">
-            <a:extLst>
-              <a:ext uri="{FF2B5EF4-FFF2-40B4-BE49-F238E27FC236}">
-                <a16:creationId xmlns:a16="http://schemas.microsoft.com/office/drawing/2014/main" id="{6A60982F-D3BB-4056-885C-7C0D462AF8F7}"/>
-              </a:ext>
-            </a:extLst>
-          </p:cNvPr>
+          <p:cNvPr id="14" name="CuadroTexto 13"/>
           <p:cNvSpPr txBox="1"/>
           <p:nvPr/>
         </p:nvSpPr>
@@ -3971,18 +3540,21 @@
               </a:rPr>
               <a:t>Principales Variables</a:t>
             </a:r>
-          </a:p>
-        </p:txBody>
-      </p:sp>
-      <p:sp>
-        <p:nvSpPr>
-          <p:cNvPr id="16" name="CuadroTexto 15">
-            <a:extLst>
-              <a:ext uri="{FF2B5EF4-FFF2-40B4-BE49-F238E27FC236}">
-                <a16:creationId xmlns:a16="http://schemas.microsoft.com/office/drawing/2014/main" id="{80891F70-8855-4797-97B0-83A89B687FAA}"/>
-              </a:ext>
-            </a:extLst>
-          </p:cNvPr>
+            <a:endParaRPr lang="es-ES" sz="2800" dirty="0">
+              <a:solidFill>
+                <a:schemeClr val="tx1">
+                  <a:lumMod val="85000"/>
+                  <a:lumOff val="15000"/>
+                </a:schemeClr>
+              </a:solidFill>
+              <a:latin typeface="Arial Black" panose="020B0A04020102020204" pitchFamily="34" charset="0"/>
+            </a:endParaRPr>
+          </a:p>
+        </p:txBody>
+      </p:sp>
+      <p:sp>
+        <p:nvSpPr>
+          <p:cNvPr id="16" name="CuadroTexto 15"/>
           <p:cNvSpPr txBox="1"/>
           <p:nvPr/>
         </p:nvSpPr>
@@ -4014,7 +3586,6 @@
               </a:spcAft>
               <a:buClrTx/>
               <a:buSzTx/>
-              <a:tabLst/>
             </a:pPr>
             <a:r>
               <a:rPr kumimoji="0" lang="es-ES" altLang="es-ES" sz="1800" b="1" i="0" u="none" strike="noStrike" cap="none" normalizeH="0" baseline="0" dirty="0">
@@ -4050,13 +3621,7 @@
       </p:sp>
       <p:sp>
         <p:nvSpPr>
-          <p:cNvPr id="17" name="CuadroTexto 16">
-            <a:extLst>
-              <a:ext uri="{FF2B5EF4-FFF2-40B4-BE49-F238E27FC236}">
-                <a16:creationId xmlns:a16="http://schemas.microsoft.com/office/drawing/2014/main" id="{0227F6BA-5B03-4B4F-A210-52039DAEFE3A}"/>
-              </a:ext>
-            </a:extLst>
-          </p:cNvPr>
+          <p:cNvPr id="17" name="CuadroTexto 16"/>
           <p:cNvSpPr txBox="1"/>
           <p:nvPr/>
         </p:nvSpPr>
@@ -4088,7 +3653,6 @@
               </a:spcAft>
               <a:buClrTx/>
               <a:buSzTx/>
-              <a:tabLst/>
             </a:pPr>
             <a:r>
               <a:rPr kumimoji="0" lang="es-ES" altLang="es-ES" sz="1800" b="1" i="0" u="none" strike="noStrike" cap="none" normalizeH="0" baseline="0" dirty="0">
@@ -4124,13 +3688,7 @@
       </p:sp>
       <p:sp>
         <p:nvSpPr>
-          <p:cNvPr id="18" name="CuadroTexto 17">
-            <a:extLst>
-              <a:ext uri="{FF2B5EF4-FFF2-40B4-BE49-F238E27FC236}">
-                <a16:creationId xmlns:a16="http://schemas.microsoft.com/office/drawing/2014/main" id="{BC9EA21A-9CDE-43C4-AE66-60C237B1A57B}"/>
-              </a:ext>
-            </a:extLst>
-          </p:cNvPr>
+          <p:cNvPr id="18" name="CuadroTexto 17"/>
           <p:cNvSpPr txBox="1"/>
           <p:nvPr/>
         </p:nvSpPr>
@@ -4184,13 +3742,7 @@
       </p:sp>
       <p:sp>
         <p:nvSpPr>
-          <p:cNvPr id="19" name="CuadroTexto 18">
-            <a:extLst>
-              <a:ext uri="{FF2B5EF4-FFF2-40B4-BE49-F238E27FC236}">
-                <a16:creationId xmlns:a16="http://schemas.microsoft.com/office/drawing/2014/main" id="{3DDEDB29-B65D-459D-B673-EA96F72D68B9}"/>
-              </a:ext>
-            </a:extLst>
-          </p:cNvPr>
+          <p:cNvPr id="19" name="CuadroTexto 18"/>
           <p:cNvSpPr txBox="1"/>
           <p:nvPr/>
         </p:nvSpPr>
@@ -4222,7 +3774,6 @@
               </a:spcAft>
               <a:buClrTx/>
               <a:buSzTx/>
-              <a:tabLst/>
             </a:pPr>
             <a:r>
               <a:rPr kumimoji="0" lang="es-ES" altLang="es-ES" sz="1800" b="1" i="0" u="none" strike="noStrike" cap="none" normalizeH="0" baseline="0" dirty="0">
@@ -4258,13 +3809,7 @@
       </p:sp>
       <p:sp>
         <p:nvSpPr>
-          <p:cNvPr id="20" name="CuadroTexto 19">
-            <a:extLst>
-              <a:ext uri="{FF2B5EF4-FFF2-40B4-BE49-F238E27FC236}">
-                <a16:creationId xmlns:a16="http://schemas.microsoft.com/office/drawing/2014/main" id="{4E5D72D2-534A-4476-B19A-9E488682A20C}"/>
-              </a:ext>
-            </a:extLst>
-          </p:cNvPr>
+          <p:cNvPr id="20" name="CuadroTexto 19"/>
           <p:cNvSpPr txBox="1"/>
           <p:nvPr/>
         </p:nvSpPr>
@@ -4296,7 +3841,6 @@
               </a:spcAft>
               <a:buClrTx/>
               <a:buSzTx/>
-              <a:tabLst/>
               <a:defRPr/>
             </a:pPr>
             <a:r>
@@ -4339,31 +3883,42 @@
               </a:rPr>
               <a:t> </a:t>
             </a:r>
+            <a:endParaRPr kumimoji="0" lang="es-ES" altLang="es-ES" b="0" i="0" u="none" strike="noStrike" kern="1200" cap="none" spc="0" normalizeH="0" baseline="0" noProof="0" dirty="0">
+              <a:ln>
+                <a:noFill/>
+              </a:ln>
+              <a:solidFill>
+                <a:schemeClr val="tx1">
+                  <a:lumMod val="85000"/>
+                  <a:lumOff val="15000"/>
+                </a:schemeClr>
+              </a:solidFill>
+              <a:effectLst/>
+              <a:uLnTx/>
+              <a:uFillTx/>
+              <a:latin typeface="Arial Black" panose="020B0A04020102020204" pitchFamily="34" charset="0"/>
+              <a:ea typeface="+mn-ea"/>
+              <a:cs typeface="+mn-cs"/>
+            </a:endParaRPr>
           </a:p>
         </p:txBody>
       </p:sp>
       <p:pic>
         <p:nvPicPr>
-          <p:cNvPr id="21" name="Gráfico 20" descr="Identificación de empleado con relleno sólido">
-            <a:extLst>
-              <a:ext uri="{FF2B5EF4-FFF2-40B4-BE49-F238E27FC236}">
-                <a16:creationId xmlns:a16="http://schemas.microsoft.com/office/drawing/2014/main" id="{538D001A-C506-40E5-8850-3C0888DD237C}"/>
-              </a:ext>
-            </a:extLst>
-          </p:cNvPr>
+          <p:cNvPr id="21" name="Gráfico 20" descr="Identificación de empleado con relleno sólido"/>
           <p:cNvPicPr>
             <a:picLocks noChangeAspect="1"/>
           </p:cNvPicPr>
           <p:nvPr/>
         </p:nvPicPr>
         <p:blipFill>
-          <a:blip r:embed="rId2">
+          <a:blip r:embed="rId1">
             <a:extLst>
               <a:ext uri="{28A0092B-C50C-407E-A947-70E740481C1C}">
                 <a14:useLocalDpi xmlns:a14="http://schemas.microsoft.com/office/drawing/2010/main" val="0"/>
               </a:ext>
               <a:ext uri="{96DAC541-7B7A-43D3-8B79-37D633B846F1}">
-                <asvg:svgBlip xmlns:asvg="http://schemas.microsoft.com/office/drawing/2016/SVG/main" r:embed="rId3"/>
+                <asvg:svgBlip xmlns:asvg="http://schemas.microsoft.com/office/drawing/2016/SVG/main" r:embed="rId2"/>
               </a:ext>
             </a:extLst>
           </a:blip>
@@ -4383,26 +3938,20 @@
       </p:pic>
       <p:pic>
         <p:nvPicPr>
-          <p:cNvPr id="22" name="Gráfico 21" descr="Calendario con relleno sólido">
-            <a:extLst>
-              <a:ext uri="{FF2B5EF4-FFF2-40B4-BE49-F238E27FC236}">
-                <a16:creationId xmlns:a16="http://schemas.microsoft.com/office/drawing/2014/main" id="{F76EC155-5C7F-4E49-AE66-BD77242BCAD8}"/>
-              </a:ext>
-            </a:extLst>
-          </p:cNvPr>
+          <p:cNvPr id="22" name="Gráfico 21" descr="Calendario con relleno sólido"/>
           <p:cNvPicPr>
             <a:picLocks noChangeAspect="1"/>
           </p:cNvPicPr>
           <p:nvPr/>
         </p:nvPicPr>
         <p:blipFill>
-          <a:blip r:embed="rId4">
+          <a:blip r:embed="rId3">
             <a:extLst>
               <a:ext uri="{28A0092B-C50C-407E-A947-70E740481C1C}">
                 <a14:useLocalDpi xmlns:a14="http://schemas.microsoft.com/office/drawing/2010/main" val="0"/>
               </a:ext>
               <a:ext uri="{96DAC541-7B7A-43D3-8B79-37D633B846F1}">
-                <asvg:svgBlip xmlns:asvg="http://schemas.microsoft.com/office/drawing/2016/SVG/main" r:embed="rId5"/>
+                <asvg:svgBlip xmlns:asvg="http://schemas.microsoft.com/office/drawing/2016/SVG/main" r:embed="rId4"/>
               </a:ext>
             </a:extLst>
           </a:blip>
@@ -4422,26 +3971,20 @@
       </p:pic>
       <p:pic>
         <p:nvPicPr>
-          <p:cNvPr id="23" name="Gráfico 22" descr="Visión baja con relleno sólido">
-            <a:extLst>
-              <a:ext uri="{FF2B5EF4-FFF2-40B4-BE49-F238E27FC236}">
-                <a16:creationId xmlns:a16="http://schemas.microsoft.com/office/drawing/2014/main" id="{1466738C-393E-4A92-91D6-8AD0F4203DCA}"/>
-              </a:ext>
-            </a:extLst>
-          </p:cNvPr>
+          <p:cNvPr id="23" name="Gráfico 22" descr="Visión baja con relleno sólido"/>
           <p:cNvPicPr>
             <a:picLocks noChangeAspect="1"/>
           </p:cNvPicPr>
           <p:nvPr/>
         </p:nvPicPr>
         <p:blipFill>
-          <a:blip r:embed="rId6">
+          <a:blip r:embed="rId5">
             <a:extLst>
               <a:ext uri="{28A0092B-C50C-407E-A947-70E740481C1C}">
                 <a14:useLocalDpi xmlns:a14="http://schemas.microsoft.com/office/drawing/2010/main" val="0"/>
               </a:ext>
               <a:ext uri="{96DAC541-7B7A-43D3-8B79-37D633B846F1}">
-                <asvg:svgBlip xmlns:asvg="http://schemas.microsoft.com/office/drawing/2016/SVG/main" r:embed="rId7"/>
+                <asvg:svgBlip xmlns:asvg="http://schemas.microsoft.com/office/drawing/2016/SVG/main" r:embed="rId6"/>
               </a:ext>
             </a:extLst>
           </a:blip>
@@ -4461,26 +4004,20 @@
       </p:pic>
       <p:pic>
         <p:nvPicPr>
-          <p:cNvPr id="24" name="Gráfico 23" descr="Marcador con relleno sólido">
-            <a:extLst>
-              <a:ext uri="{FF2B5EF4-FFF2-40B4-BE49-F238E27FC236}">
-                <a16:creationId xmlns:a16="http://schemas.microsoft.com/office/drawing/2014/main" id="{C327B5E8-DC47-4308-8D58-4EF1FF867151}"/>
-              </a:ext>
-            </a:extLst>
-          </p:cNvPr>
+          <p:cNvPr id="24" name="Gráfico 23" descr="Marcador con relleno sólido"/>
           <p:cNvPicPr>
             <a:picLocks noChangeAspect="1"/>
           </p:cNvPicPr>
           <p:nvPr/>
         </p:nvPicPr>
         <p:blipFill>
-          <a:blip r:embed="rId8">
+          <a:blip r:embed="rId7">
             <a:extLst>
               <a:ext uri="{28A0092B-C50C-407E-A947-70E740481C1C}">
                 <a14:useLocalDpi xmlns:a14="http://schemas.microsoft.com/office/drawing/2010/main" val="0"/>
               </a:ext>
               <a:ext uri="{96DAC541-7B7A-43D3-8B79-37D633B846F1}">
-                <asvg:svgBlip xmlns:asvg="http://schemas.microsoft.com/office/drawing/2016/SVG/main" r:embed="rId9"/>
+                <asvg:svgBlip xmlns:asvg="http://schemas.microsoft.com/office/drawing/2016/SVG/main" r:embed="rId8"/>
               </a:ext>
             </a:extLst>
           </a:blip>
@@ -4500,26 +4037,20 @@
       </p:pic>
       <p:pic>
         <p:nvPicPr>
-          <p:cNvPr id="25" name="Gráfico 24" descr="Cráneo con relleno sólido">
-            <a:extLst>
-              <a:ext uri="{FF2B5EF4-FFF2-40B4-BE49-F238E27FC236}">
-                <a16:creationId xmlns:a16="http://schemas.microsoft.com/office/drawing/2014/main" id="{DBE99E71-39F7-47AB-A04A-F14BB930AF05}"/>
-              </a:ext>
-            </a:extLst>
-          </p:cNvPr>
+          <p:cNvPr id="25" name="Gráfico 24" descr="Cráneo con relleno sólido"/>
           <p:cNvPicPr>
             <a:picLocks noChangeAspect="1"/>
           </p:cNvPicPr>
           <p:nvPr/>
         </p:nvPicPr>
         <p:blipFill>
-          <a:blip r:embed="rId10">
+          <a:blip r:embed="rId9">
             <a:extLst>
               <a:ext uri="{28A0092B-C50C-407E-A947-70E740481C1C}">
                 <a14:useLocalDpi xmlns:a14="http://schemas.microsoft.com/office/drawing/2010/main" val="0"/>
               </a:ext>
               <a:ext uri="{96DAC541-7B7A-43D3-8B79-37D633B846F1}">
-                <asvg:svgBlip xmlns:asvg="http://schemas.microsoft.com/office/drawing/2016/SVG/main" r:embed="rId11"/>
+                <asvg:svgBlip xmlns:asvg="http://schemas.microsoft.com/office/drawing/2016/SVG/main" r:embed="rId10"/>
               </a:ext>
             </a:extLst>
           </a:blip>
@@ -4539,26 +4070,20 @@
       </p:pic>
       <p:pic>
         <p:nvPicPr>
-          <p:cNvPr id="26" name="Gráfico 25" descr="Nube con relleno sólido">
-            <a:extLst>
-              <a:ext uri="{FF2B5EF4-FFF2-40B4-BE49-F238E27FC236}">
-                <a16:creationId xmlns:a16="http://schemas.microsoft.com/office/drawing/2014/main" id="{B7936C1F-B408-46F8-A2B7-26EC7694A9E0}"/>
-              </a:ext>
-            </a:extLst>
-          </p:cNvPr>
+          <p:cNvPr id="26" name="Gráfico 25" descr="Nube con relleno sólido"/>
           <p:cNvPicPr>
             <a:picLocks noChangeAspect="1"/>
           </p:cNvPicPr>
           <p:nvPr/>
         </p:nvPicPr>
         <p:blipFill>
-          <a:blip r:embed="rId12">
+          <a:blip r:embed="rId11">
             <a:extLst>
               <a:ext uri="{28A0092B-C50C-407E-A947-70E740481C1C}">
                 <a14:useLocalDpi xmlns:a14="http://schemas.microsoft.com/office/drawing/2010/main" val="0"/>
               </a:ext>
               <a:ext uri="{96DAC541-7B7A-43D3-8B79-37D633B846F1}">
-                <asvg:svgBlip xmlns:asvg="http://schemas.microsoft.com/office/drawing/2016/SVG/main" r:embed="rId13"/>
+                <asvg:svgBlip xmlns:asvg="http://schemas.microsoft.com/office/drawing/2016/SVG/main" r:embed="rId12"/>
               </a:ext>
             </a:extLst>
           </a:blip>
@@ -4578,26 +4103,20 @@
       </p:pic>
       <p:pic>
         <p:nvPicPr>
-          <p:cNvPr id="27" name="Gráfico 26" descr="Portapapeles con relleno sólido">
-            <a:extLst>
-              <a:ext uri="{FF2B5EF4-FFF2-40B4-BE49-F238E27FC236}">
-                <a16:creationId xmlns:a16="http://schemas.microsoft.com/office/drawing/2014/main" id="{006711ED-8FE6-4D95-AB9B-5E91D9616386}"/>
-              </a:ext>
-            </a:extLst>
-          </p:cNvPr>
+          <p:cNvPr id="27" name="Gráfico 26" descr="Portapapeles con relleno sólido"/>
           <p:cNvPicPr>
             <a:picLocks noChangeAspect="1"/>
           </p:cNvPicPr>
           <p:nvPr/>
         </p:nvPicPr>
         <p:blipFill>
-          <a:blip r:embed="rId14">
+          <a:blip r:embed="rId13">
             <a:extLst>
               <a:ext uri="{28A0092B-C50C-407E-A947-70E740481C1C}">
                 <a14:useLocalDpi xmlns:a14="http://schemas.microsoft.com/office/drawing/2010/main" val="0"/>
               </a:ext>
               <a:ext uri="{96DAC541-7B7A-43D3-8B79-37D633B846F1}">
-                <asvg:svgBlip xmlns:asvg="http://schemas.microsoft.com/office/drawing/2016/SVG/main" r:embed="rId15"/>
+                <asvg:svgBlip xmlns:asvg="http://schemas.microsoft.com/office/drawing/2016/SVG/main" r:embed="rId14"/>
               </a:ext>
             </a:extLst>
           </a:blip>
@@ -4617,26 +4136,20 @@
       </p:pic>
       <p:pic>
         <p:nvPicPr>
-          <p:cNvPr id="28" name="Gráfico 27" descr="Señal de negación con relleno sólido">
-            <a:extLst>
-              <a:ext uri="{FF2B5EF4-FFF2-40B4-BE49-F238E27FC236}">
-                <a16:creationId xmlns:a16="http://schemas.microsoft.com/office/drawing/2014/main" id="{19F09D62-9E86-45A8-91F3-4CFBB43B40F2}"/>
-              </a:ext>
-            </a:extLst>
-          </p:cNvPr>
+          <p:cNvPr id="28" name="Gráfico 27" descr="Señal de negación con relleno sólido"/>
           <p:cNvPicPr>
             <a:picLocks noChangeAspect="1"/>
           </p:cNvPicPr>
           <p:nvPr/>
         </p:nvPicPr>
         <p:blipFill>
-          <a:blip r:embed="rId16">
+          <a:blip r:embed="rId15">
             <a:extLst>
               <a:ext uri="{28A0092B-C50C-407E-A947-70E740481C1C}">
                 <a14:useLocalDpi xmlns:a14="http://schemas.microsoft.com/office/drawing/2010/main" val="0"/>
               </a:ext>
               <a:ext uri="{96DAC541-7B7A-43D3-8B79-37D633B846F1}">
-                <asvg:svgBlip xmlns:asvg="http://schemas.microsoft.com/office/drawing/2016/SVG/main" r:embed="rId17"/>
+                <asvg:svgBlip xmlns:asvg="http://schemas.microsoft.com/office/drawing/2016/SVG/main" r:embed="rId16"/>
               </a:ext>
             </a:extLst>
           </a:blip>
@@ -4656,26 +4169,20 @@
       </p:pic>
       <p:pic>
         <p:nvPicPr>
-          <p:cNvPr id="29" name="Gráfico 28" descr="Do con relleno sólido">
-            <a:extLst>
-              <a:ext uri="{FF2B5EF4-FFF2-40B4-BE49-F238E27FC236}">
-                <a16:creationId xmlns:a16="http://schemas.microsoft.com/office/drawing/2014/main" id="{9B54F5AD-A591-486F-8858-E436BD830FBB}"/>
-              </a:ext>
-            </a:extLst>
-          </p:cNvPr>
+          <p:cNvPr id="29" name="Gráfico 28" descr="Do con relleno sólido"/>
           <p:cNvPicPr>
             <a:picLocks noChangeAspect="1"/>
           </p:cNvPicPr>
           <p:nvPr/>
         </p:nvPicPr>
         <p:blipFill>
-          <a:blip r:embed="rId18">
+          <a:blip r:embed="rId17">
             <a:extLst>
               <a:ext uri="{28A0092B-C50C-407E-A947-70E740481C1C}">
                 <a14:useLocalDpi xmlns:a14="http://schemas.microsoft.com/office/drawing/2010/main" val="0"/>
               </a:ext>
               <a:ext uri="{96DAC541-7B7A-43D3-8B79-37D633B846F1}">
-                <asvg:svgBlip xmlns:asvg="http://schemas.microsoft.com/office/drawing/2016/SVG/main" r:embed="rId19"/>
+                <asvg:svgBlip xmlns:asvg="http://schemas.microsoft.com/office/drawing/2016/SVG/main" r:embed="rId18"/>
               </a:ext>
             </a:extLst>
           </a:blip>
@@ -4695,13 +4202,7 @@
       </p:pic>
       <p:sp>
         <p:nvSpPr>
-          <p:cNvPr id="30" name="Rectangle 1">
-            <a:extLst>
-              <a:ext uri="{FF2B5EF4-FFF2-40B4-BE49-F238E27FC236}">
-                <a16:creationId xmlns:a16="http://schemas.microsoft.com/office/drawing/2014/main" id="{E42DAD25-20DA-44F9-A37E-900803AD508F}"/>
-              </a:ext>
-            </a:extLst>
-          </p:cNvPr>
+          <p:cNvPr id="30" name="Rectangle 1"/>
           <p:cNvSpPr>
             <a:spLocks noChangeArrowheads="1"/>
           </p:cNvSpPr>
@@ -4751,9 +4252,6 @@
         </p:spPr>
         <p:txBody>
           <a:bodyPr vert="horz" wrap="square" lIns="91440" tIns="45720" rIns="91440" bIns="45720" numCol="1" anchor="ctr" anchorCtr="0" compatLnSpc="1">
-            <a:prstTxWarp prst="textNoShape">
-              <a:avLst/>
-            </a:prstTxWarp>
             <a:spAutoFit/>
           </a:bodyPr>
           <a:lstStyle/>
@@ -4770,7 +4268,6 @@
               </a:spcAft>
               <a:buClrTx/>
               <a:buSzTx/>
-              <a:tabLst/>
             </a:pPr>
             <a:r>
               <a:rPr kumimoji="0" lang="es-ES" altLang="es-ES" b="1" i="0" u="none" strike="noStrike" cap="none" normalizeH="0" baseline="0" dirty="0">
@@ -4804,18 +4301,25 @@
               </a:rPr>
               <a:t> </a:t>
             </a:r>
-          </a:p>
-        </p:txBody>
-      </p:sp>
-      <p:sp>
-        <p:nvSpPr>
-          <p:cNvPr id="31" name="CuadroTexto 30">
-            <a:extLst>
-              <a:ext uri="{FF2B5EF4-FFF2-40B4-BE49-F238E27FC236}">
-                <a16:creationId xmlns:a16="http://schemas.microsoft.com/office/drawing/2014/main" id="{4C4174A8-6E04-47D1-98B5-FE515E6E5622}"/>
-              </a:ext>
-            </a:extLst>
-          </p:cNvPr>
+            <a:endParaRPr kumimoji="0" lang="es-ES" altLang="es-ES" b="0" i="0" u="none" strike="noStrike" cap="none" normalizeH="0" baseline="0" dirty="0">
+              <a:ln>
+                <a:noFill/>
+              </a:ln>
+              <a:solidFill>
+                <a:schemeClr val="tx1">
+                  <a:lumMod val="85000"/>
+                  <a:lumOff val="15000"/>
+                </a:schemeClr>
+              </a:solidFill>
+              <a:effectLst/>
+              <a:latin typeface="Arial Black" panose="020B0A04020102020204" pitchFamily="34" charset="0"/>
+            </a:endParaRPr>
+          </a:p>
+        </p:txBody>
+      </p:sp>
+      <p:sp>
+        <p:nvSpPr>
+          <p:cNvPr id="31" name="CuadroTexto 30"/>
           <p:cNvSpPr txBox="1"/>
           <p:nvPr/>
         </p:nvSpPr>
@@ -4847,7 +4351,6 @@
               </a:spcAft>
               <a:buClrTx/>
               <a:buSzTx/>
-              <a:tabLst/>
             </a:pPr>
             <a:r>
               <a:rPr kumimoji="0" lang="es-ES" altLang="es-ES" sz="1800" b="1" i="0" u="none" strike="noStrike" cap="none" normalizeH="0" baseline="0" dirty="0">
@@ -4880,122 +4383,6 @@
                 <a:latin typeface="Arial Black" panose="020B0A04020102020204" pitchFamily="34" charset="0"/>
               </a:rPr>
               <a:t> </a:t>
-            </a:r>
-          </a:p>
-        </p:txBody>
-      </p:sp>
-      <p:sp>
-        <p:nvSpPr>
-          <p:cNvPr id="32" name="CuadroTexto 31">
-            <a:extLst>
-              <a:ext uri="{FF2B5EF4-FFF2-40B4-BE49-F238E27FC236}">
-                <a16:creationId xmlns:a16="http://schemas.microsoft.com/office/drawing/2014/main" id="{4112AD27-30F7-4F67-A291-52BAFC99ED56}"/>
-              </a:ext>
-            </a:extLst>
-          </p:cNvPr>
-          <p:cNvSpPr txBox="1"/>
-          <p:nvPr/>
-        </p:nvSpPr>
-        <p:spPr>
-          <a:xfrm>
-            <a:off x="8732445" y="4972095"/>
-            <a:ext cx="2749882" cy="369332"/>
-          </a:xfrm>
-          <a:prstGeom prst="rect">
-            <a:avLst/>
-          </a:prstGeom>
-          <a:noFill/>
-        </p:spPr>
-        <p:txBody>
-          <a:bodyPr wrap="square" rtlCol="0">
-            <a:spAutoFit/>
-          </a:bodyPr>
-          <a:lstStyle/>
-          <a:p>
-            <a:r>
-              <a:rPr kumimoji="0" lang="es-ES" altLang="es-ES" sz="1800" b="1" i="0" u="none" strike="noStrike" cap="none" normalizeH="0" baseline="0" dirty="0">
-                <a:ln>
-                  <a:noFill/>
-                </a:ln>
-                <a:solidFill>
-                  <a:schemeClr val="tx1">
-                    <a:lumMod val="85000"/>
-                    <a:lumOff val="15000"/>
-                  </a:schemeClr>
-                </a:solidFill>
-                <a:effectLst/>
-                <a:latin typeface="Arial Black" panose="020B0A04020102020204" pitchFamily="34" charset="0"/>
-              </a:rPr>
-              <a:t>Infraestructura Vial </a:t>
-            </a:r>
-            <a:endParaRPr lang="es-ES" dirty="0">
-              <a:solidFill>
-                <a:schemeClr val="tx1">
-                  <a:lumMod val="85000"/>
-                  <a:lumOff val="15000"/>
-                </a:schemeClr>
-              </a:solidFill>
-            </a:endParaRPr>
-          </a:p>
-        </p:txBody>
-      </p:sp>
-      <p:sp>
-        <p:nvSpPr>
-          <p:cNvPr id="33" name="CuadroTexto 32">
-            <a:extLst>
-              <a:ext uri="{FF2B5EF4-FFF2-40B4-BE49-F238E27FC236}">
-                <a16:creationId xmlns:a16="http://schemas.microsoft.com/office/drawing/2014/main" id="{C76ACB1E-9566-43C0-BE41-A0691C6DDBF2}"/>
-              </a:ext>
-            </a:extLst>
-          </p:cNvPr>
-          <p:cNvSpPr txBox="1"/>
-          <p:nvPr/>
-        </p:nvSpPr>
-        <p:spPr>
-          <a:xfrm>
-            <a:off x="8710523" y="5353407"/>
-            <a:ext cx="2106277" cy="464743"/>
-          </a:xfrm>
-          <a:prstGeom prst="rect">
-            <a:avLst/>
-          </a:prstGeom>
-          <a:noFill/>
-        </p:spPr>
-        <p:txBody>
-          <a:bodyPr wrap="square" rtlCol="0">
-            <a:spAutoFit/>
-          </a:bodyPr>
-          <a:lstStyle/>
-          <a:p>
-            <a:pPr marL="0" marR="0" lvl="0" indent="0" algn="l" defTabSz="914400" rtl="0" eaLnBrk="0" fontAlgn="base" latinLnBrk="0" hangingPunct="0">
-              <a:lnSpc>
-                <a:spcPct val="150000"/>
-              </a:lnSpc>
-              <a:spcBef>
-                <a:spcPct val="0"/>
-              </a:spcBef>
-              <a:spcAft>
-                <a:spcPct val="0"/>
-              </a:spcAft>
-              <a:buClrTx/>
-              <a:buSzTx/>
-              <a:tabLst/>
-            </a:pPr>
-            <a:r>
-              <a:rPr kumimoji="0" lang="es-ES" altLang="es-ES" sz="1800" b="1" i="0" u="none" strike="noStrike" cap="none" normalizeH="0" baseline="0" dirty="0">
-                <a:ln>
-                  <a:noFill/>
-                </a:ln>
-                <a:solidFill>
-                  <a:schemeClr val="tx1">
-                    <a:lumMod val="85000"/>
-                    <a:lumOff val="15000"/>
-                  </a:schemeClr>
-                </a:solidFill>
-                <a:effectLst/>
-                <a:latin typeface="Arial Black" panose="020B0A04020102020204" pitchFamily="34" charset="0"/>
-              </a:rPr>
-              <a:t>Periodo del Día </a:t>
             </a:r>
             <a:endParaRPr kumimoji="0" lang="es-ES" altLang="es-ES" sz="1800" b="0" i="0" u="none" strike="noStrike" cap="none" normalizeH="0" baseline="0" dirty="0">
               <a:ln>
@@ -5013,12 +4400,123 @@
           </a:p>
         </p:txBody>
       </p:sp>
+      <p:sp>
+        <p:nvSpPr>
+          <p:cNvPr id="32" name="CuadroTexto 31"/>
+          <p:cNvSpPr txBox="1"/>
+          <p:nvPr/>
+        </p:nvSpPr>
+        <p:spPr>
+          <a:xfrm>
+            <a:off x="8732445" y="4972095"/>
+            <a:ext cx="2749882" cy="369332"/>
+          </a:xfrm>
+          <a:prstGeom prst="rect">
+            <a:avLst/>
+          </a:prstGeom>
+          <a:noFill/>
+        </p:spPr>
+        <p:txBody>
+          <a:bodyPr wrap="square" rtlCol="0">
+            <a:spAutoFit/>
+          </a:bodyPr>
+          <a:lstStyle/>
+          <a:p>
+            <a:r>
+              <a:rPr kumimoji="0" lang="es-ES" altLang="es-ES" sz="1800" b="1" i="0" u="none" strike="noStrike" cap="none" normalizeH="0" baseline="0" dirty="0">
+                <a:ln>
+                  <a:noFill/>
+                </a:ln>
+                <a:solidFill>
+                  <a:schemeClr val="tx1">
+                    <a:lumMod val="85000"/>
+                    <a:lumOff val="15000"/>
+                  </a:schemeClr>
+                </a:solidFill>
+                <a:effectLst/>
+                <a:latin typeface="Arial Black" panose="020B0A04020102020204" pitchFamily="34" charset="0"/>
+              </a:rPr>
+              <a:t>Infraestructura Vial </a:t>
+            </a:r>
+            <a:endParaRPr lang="es-ES" dirty="0">
+              <a:solidFill>
+                <a:schemeClr val="tx1">
+                  <a:lumMod val="85000"/>
+                  <a:lumOff val="15000"/>
+                </a:schemeClr>
+              </a:solidFill>
+            </a:endParaRPr>
+          </a:p>
+        </p:txBody>
+      </p:sp>
+      <p:sp>
+        <p:nvSpPr>
+          <p:cNvPr id="33" name="CuadroTexto 32"/>
+          <p:cNvSpPr txBox="1"/>
+          <p:nvPr/>
+        </p:nvSpPr>
+        <p:spPr>
+          <a:xfrm>
+            <a:off x="8710523" y="5353407"/>
+            <a:ext cx="2106277" cy="464743"/>
+          </a:xfrm>
+          <a:prstGeom prst="rect">
+            <a:avLst/>
+          </a:prstGeom>
+          <a:noFill/>
+        </p:spPr>
+        <p:txBody>
+          <a:bodyPr wrap="square" rtlCol="0">
+            <a:spAutoFit/>
+          </a:bodyPr>
+          <a:lstStyle/>
+          <a:p>
+            <a:pPr marL="0" marR="0" lvl="0" indent="0" algn="l" defTabSz="914400" rtl="0" eaLnBrk="0" fontAlgn="base" latinLnBrk="0" hangingPunct="0">
+              <a:lnSpc>
+                <a:spcPct val="150000"/>
+              </a:lnSpc>
+              <a:spcBef>
+                <a:spcPct val="0"/>
+              </a:spcBef>
+              <a:spcAft>
+                <a:spcPct val="0"/>
+              </a:spcAft>
+              <a:buClrTx/>
+              <a:buSzTx/>
+            </a:pPr>
+            <a:r>
+              <a:rPr kumimoji="0" lang="es-ES" altLang="es-ES" sz="1800" b="1" i="0" u="none" strike="noStrike" cap="none" normalizeH="0" baseline="0" dirty="0">
+                <a:ln>
+                  <a:noFill/>
+                </a:ln>
+                <a:solidFill>
+                  <a:schemeClr val="tx1">
+                    <a:lumMod val="85000"/>
+                    <a:lumOff val="15000"/>
+                  </a:schemeClr>
+                </a:solidFill>
+                <a:effectLst/>
+                <a:latin typeface="Arial Black" panose="020B0A04020102020204" pitchFamily="34" charset="0"/>
+              </a:rPr>
+              <a:t>Periodo del Día </a:t>
+            </a:r>
+            <a:endParaRPr kumimoji="0" lang="es-ES" altLang="es-ES" sz="1800" b="0" i="0" u="none" strike="noStrike" cap="none" normalizeH="0" baseline="0" dirty="0">
+              <a:ln>
+                <a:noFill/>
+              </a:ln>
+              <a:solidFill>
+                <a:schemeClr val="tx1">
+                  <a:lumMod val="85000"/>
+                  <a:lumOff val="15000"/>
+                </a:schemeClr>
+              </a:solidFill>
+              <a:effectLst/>
+              <a:latin typeface="Arial Black" panose="020B0A04020102020204" pitchFamily="34" charset="0"/>
+            </a:endParaRPr>
+          </a:p>
+        </p:txBody>
+      </p:sp>
     </p:spTree>
-    <p:extLst>
-      <p:ext uri="{BB962C8B-B14F-4D97-AF65-F5344CB8AC3E}">
-        <p14:creationId xmlns:p14="http://schemas.microsoft.com/office/powerpoint/2010/main" val="916705215"/>
-      </p:ext>
-    </p:extLst>
   </p:cSld>
   <p:clrMapOvr>
     <a:masterClrMapping/>
@@ -5045,13 +4543,7 @@
       </p:grpSpPr>
       <p:sp>
         <p:nvSpPr>
-          <p:cNvPr id="4" name="CuadroTexto 3">
-            <a:extLst>
-              <a:ext uri="{FF2B5EF4-FFF2-40B4-BE49-F238E27FC236}">
-                <a16:creationId xmlns:a16="http://schemas.microsoft.com/office/drawing/2014/main" id="{8112065C-CCED-4682-BE9C-1A7DAD29AA3F}"/>
-              </a:ext>
-            </a:extLst>
-          </p:cNvPr>
+          <p:cNvPr id="4" name="CuadroTexto 3"/>
           <p:cNvSpPr txBox="1"/>
           <p:nvPr/>
         </p:nvSpPr>
@@ -5095,18 +4587,21 @@
               </a:rPr>
               <a:t> de Accidentes: Método del Codo y K-Means</a:t>
             </a:r>
-          </a:p>
-        </p:txBody>
-      </p:sp>
-      <p:sp>
-        <p:nvSpPr>
-          <p:cNvPr id="5" name="CuadroTexto 4">
-            <a:extLst>
-              <a:ext uri="{FF2B5EF4-FFF2-40B4-BE49-F238E27FC236}">
-                <a16:creationId xmlns:a16="http://schemas.microsoft.com/office/drawing/2014/main" id="{FA369260-CD84-4A8C-AF4C-21DBF92343DB}"/>
-              </a:ext>
-            </a:extLst>
-          </p:cNvPr>
+            <a:endParaRPr lang="es-ES" sz="2800" dirty="0">
+              <a:solidFill>
+                <a:schemeClr val="tx1">
+                  <a:lumMod val="85000"/>
+                  <a:lumOff val="15000"/>
+                </a:schemeClr>
+              </a:solidFill>
+              <a:latin typeface="Arial Black" panose="020B0A04020102020204" pitchFamily="34" charset="0"/>
+            </a:endParaRPr>
+          </a:p>
+        </p:txBody>
+      </p:sp>
+      <p:sp>
+        <p:nvSpPr>
+          <p:cNvPr id="5" name="CuadroTexto 4"/>
           <p:cNvSpPr txBox="1"/>
           <p:nvPr/>
         </p:nvSpPr>
@@ -5139,25 +4634,28 @@
               </a:rPr>
               <a:t>El método del codo se utilizó para determinar el número óptimo de clusters, evaluando la compactación mediante el score (−WCSS). </a:t>
             </a:r>
+            <a:endParaRPr lang="es-ES" sz="1400" dirty="0">
+              <a:solidFill>
+                <a:schemeClr val="tx1">
+                  <a:lumMod val="85000"/>
+                  <a:lumOff val="15000"/>
+                </a:schemeClr>
+              </a:solidFill>
+              <a:latin typeface="Arial Black" panose="020B0A04020102020204" pitchFamily="34" charset="0"/>
+            </a:endParaRPr>
           </a:p>
         </p:txBody>
       </p:sp>
       <p:pic>
         <p:nvPicPr>
-          <p:cNvPr id="9" name="Imagen 8">
-            <a:extLst>
-              <a:ext uri="{FF2B5EF4-FFF2-40B4-BE49-F238E27FC236}">
-                <a16:creationId xmlns:a16="http://schemas.microsoft.com/office/drawing/2014/main" id="{E04A6BAD-15FB-4D27-B7B3-6A9E895F5C6D}"/>
-              </a:ext>
-            </a:extLst>
-          </p:cNvPr>
+          <p:cNvPr id="9" name="Imagen 8"/>
           <p:cNvPicPr>
             <a:picLocks noChangeAspect="1"/>
           </p:cNvPicPr>
           <p:nvPr/>
         </p:nvPicPr>
         <p:blipFill>
-          <a:blip r:embed="rId2">
+          <a:blip r:embed="rId1">
             <a:extLst>
               <a:ext uri="{28A0092B-C50C-407E-A947-70E740481C1C}">
                 <a14:useLocalDpi xmlns:a14="http://schemas.microsoft.com/office/drawing/2010/main" val="0"/>
@@ -5180,13 +4678,7 @@
       </p:pic>
       <p:sp>
         <p:nvSpPr>
-          <p:cNvPr id="10" name="CuadroTexto 9">
-            <a:extLst>
-              <a:ext uri="{FF2B5EF4-FFF2-40B4-BE49-F238E27FC236}">
-                <a16:creationId xmlns:a16="http://schemas.microsoft.com/office/drawing/2014/main" id="{3695F6F6-BA5C-4835-A212-DE5D7A2E5D87}"/>
-              </a:ext>
-            </a:extLst>
-          </p:cNvPr>
+          <p:cNvPr id="10" name="CuadroTexto 9"/>
           <p:cNvSpPr txBox="1"/>
           <p:nvPr/>
         </p:nvSpPr>
@@ -5237,6 +4729,15 @@
               </a:rPr>
               <a:t>Los clusters 1 y 3 concentran la mayor parte de las observaciones, lo que indica que el conjunto de datos representan los escenarios más comunes bajo los cuales ocurren los accidentes de tráfico.</a:t>
             </a:r>
+            <a:endParaRPr lang="es-ES" sz="1400" dirty="0">
+              <a:solidFill>
+                <a:schemeClr val="tx1">
+                  <a:lumMod val="85000"/>
+                  <a:lumOff val="15000"/>
+                </a:schemeClr>
+              </a:solidFill>
+              <a:latin typeface="Arial Black" panose="020B0A04020102020204" pitchFamily="34" charset="0"/>
+            </a:endParaRPr>
           </a:p>
           <a:p>
             <a:pPr marL="285750" indent="-285750" algn="just">
@@ -5270,6 +4771,15 @@
               </a:rPr>
               <a:t>El cluster 0 presenta un tamaño intermedio, lo que sugiere que este grupo podría estar asociado a condiciones particulares, como variaciones en la duración del evento, la infraestructura vial o el horario.</a:t>
             </a:r>
+            <a:endParaRPr lang="es-ES" sz="1400" dirty="0">
+              <a:solidFill>
+                <a:schemeClr val="tx1">
+                  <a:lumMod val="85000"/>
+                  <a:lumOff val="15000"/>
+                </a:schemeClr>
+              </a:solidFill>
+              <a:latin typeface="Arial Black" panose="020B0A04020102020204" pitchFamily="34" charset="0"/>
+            </a:endParaRPr>
           </a:p>
           <a:p>
             <a:pPr marL="285750" indent="-285750" algn="just">
@@ -5303,18 +4813,21 @@
               </a:rPr>
               <a:t>El cluster 2 agrupa un número muy reducido de observaciones, representando una fracción mínima del total. La presencia de este cluster indica la existencia de eventos atípicos o extremos que difieren significativamente del comportamiento general. </a:t>
             </a:r>
-          </a:p>
-        </p:txBody>
-      </p:sp>
-      <p:sp>
-        <p:nvSpPr>
-          <p:cNvPr id="11" name="CuadroTexto 10">
-            <a:extLst>
-              <a:ext uri="{FF2B5EF4-FFF2-40B4-BE49-F238E27FC236}">
-                <a16:creationId xmlns:a16="http://schemas.microsoft.com/office/drawing/2014/main" id="{F83813CA-D451-48EE-8E9A-171DE00F694D}"/>
-              </a:ext>
-            </a:extLst>
-          </p:cNvPr>
+            <a:endParaRPr lang="es-ES" sz="1400" dirty="0">
+              <a:solidFill>
+                <a:schemeClr val="tx1">
+                  <a:lumMod val="85000"/>
+                  <a:lumOff val="15000"/>
+                </a:schemeClr>
+              </a:solidFill>
+              <a:latin typeface="Arial Black" panose="020B0A04020102020204" pitchFamily="34" charset="0"/>
+            </a:endParaRPr>
+          </a:p>
+        </p:txBody>
+      </p:sp>
+      <p:sp>
+        <p:nvSpPr>
+          <p:cNvPr id="11" name="CuadroTexto 10"/>
           <p:cNvSpPr txBox="1"/>
           <p:nvPr/>
         </p:nvSpPr>
@@ -5347,15 +4860,19 @@
               </a:rPr>
               <a:t>El algoritmo K-Means se aplicó con k = 4 sobre datos estandarizados, agrupando los accidentes en clusters con características homogéneas. La distribución resultante es desigual:</a:t>
             </a:r>
+            <a:endParaRPr lang="es-ES" sz="1400" dirty="0">
+              <a:solidFill>
+                <a:schemeClr val="tx1">
+                  <a:lumMod val="85000"/>
+                  <a:lumOff val="15000"/>
+                </a:schemeClr>
+              </a:solidFill>
+              <a:latin typeface="Arial Black" panose="020B0A04020102020204" pitchFamily="34" charset="0"/>
+            </a:endParaRPr>
           </a:p>
         </p:txBody>
       </p:sp>
     </p:spTree>
-    <p:extLst>
-      <p:ext uri="{BB962C8B-B14F-4D97-AF65-F5344CB8AC3E}">
-        <p14:creationId xmlns:p14="http://schemas.microsoft.com/office/powerpoint/2010/main" val="796897624"/>
-      </p:ext>
-    </p:extLst>
   </p:cSld>
   <p:clrMapOvr>
     <a:masterClrMapping/>
@@ -5382,20 +4899,14 @@
       </p:grpSpPr>
       <p:pic>
         <p:nvPicPr>
-          <p:cNvPr id="5" name="Imagen 4">
-            <a:extLst>
-              <a:ext uri="{FF2B5EF4-FFF2-40B4-BE49-F238E27FC236}">
-                <a16:creationId xmlns:a16="http://schemas.microsoft.com/office/drawing/2014/main" id="{61811C15-C8F7-4D27-A9C5-E540806FC4BF}"/>
-              </a:ext>
-            </a:extLst>
-          </p:cNvPr>
+          <p:cNvPr id="5" name="Imagen 4"/>
           <p:cNvPicPr>
             <a:picLocks noChangeAspect="1"/>
           </p:cNvPicPr>
           <p:nvPr/>
         </p:nvPicPr>
         <p:blipFill>
-          <a:blip r:embed="rId2">
+          <a:blip r:embed="rId1">
             <a:extLst>
               <a:ext uri="{28A0092B-C50C-407E-A947-70E740481C1C}">
                 <a14:useLocalDpi xmlns:a14="http://schemas.microsoft.com/office/drawing/2010/main" val="0"/>
@@ -5418,13 +4929,7 @@
       </p:pic>
       <p:sp>
         <p:nvSpPr>
-          <p:cNvPr id="6" name="CuadroTexto 5">
-            <a:extLst>
-              <a:ext uri="{FF2B5EF4-FFF2-40B4-BE49-F238E27FC236}">
-                <a16:creationId xmlns:a16="http://schemas.microsoft.com/office/drawing/2014/main" id="{203C1FD1-8591-483F-949E-CA18906AAF2B}"/>
-              </a:ext>
-            </a:extLst>
-          </p:cNvPr>
+          <p:cNvPr id="6" name="CuadroTexto 5"/>
           <p:cNvSpPr txBox="1"/>
           <p:nvPr/>
         </p:nvSpPr>
@@ -5460,18 +4965,21 @@
               </a:rPr>
               <a:t>Distribución de Temperatura: El Cluster 1 tiene la base más ancha en temperaturas bajas, lo que respalda su perfil asociado a condiciones climáticas más frías o matutinas.</a:t>
             </a:r>
-          </a:p>
-        </p:txBody>
-      </p:sp>
-      <p:sp>
-        <p:nvSpPr>
-          <p:cNvPr id="7" name="CuadroTexto 6">
-            <a:extLst>
-              <a:ext uri="{FF2B5EF4-FFF2-40B4-BE49-F238E27FC236}">
-                <a16:creationId xmlns:a16="http://schemas.microsoft.com/office/drawing/2014/main" id="{7E6647FA-1C53-465E-9962-F93C73D3B4B7}"/>
-              </a:ext>
-            </a:extLst>
-          </p:cNvPr>
+            <a:endParaRPr lang="es-ES" sz="1400" dirty="0">
+              <a:solidFill>
+                <a:schemeClr val="tx1">
+                  <a:lumMod val="85000"/>
+                  <a:lumOff val="15000"/>
+                </a:schemeClr>
+              </a:solidFill>
+              <a:latin typeface="Arial Black" panose="020B0A04020102020204" pitchFamily="34" charset="0"/>
+            </a:endParaRPr>
+          </a:p>
+        </p:txBody>
+      </p:sp>
+      <p:sp>
+        <p:nvSpPr>
+          <p:cNvPr id="7" name="CuadroTexto 6"/>
           <p:cNvSpPr txBox="1"/>
           <p:nvPr/>
         </p:nvSpPr>
@@ -5504,18 +5012,21 @@
               </a:rPr>
               <a:t>La imagen muestra la distribución de variables clave por cluster mediante gráficos tipo violín, lo que permite visualizar la densidad y variabilidad interna de cada grupo:</a:t>
             </a:r>
-          </a:p>
-        </p:txBody>
-      </p:sp>
-      <p:sp>
-        <p:nvSpPr>
-          <p:cNvPr id="8" name="CuadroTexto 7">
-            <a:extLst>
-              <a:ext uri="{FF2B5EF4-FFF2-40B4-BE49-F238E27FC236}">
-                <a16:creationId xmlns:a16="http://schemas.microsoft.com/office/drawing/2014/main" id="{D4C2F4B6-990E-4C48-802A-392F80F6C207}"/>
-              </a:ext>
-            </a:extLst>
-          </p:cNvPr>
+            <a:endParaRPr lang="es-ES" sz="1400" dirty="0">
+              <a:solidFill>
+                <a:schemeClr val="tx1">
+                  <a:lumMod val="85000"/>
+                  <a:lumOff val="15000"/>
+                </a:schemeClr>
+              </a:solidFill>
+              <a:latin typeface="Arial Black" panose="020B0A04020102020204" pitchFamily="34" charset="0"/>
+            </a:endParaRPr>
+          </a:p>
+        </p:txBody>
+      </p:sp>
+      <p:sp>
+        <p:nvSpPr>
+          <p:cNvPr id="8" name="CuadroTexto 7"/>
           <p:cNvSpPr txBox="1"/>
           <p:nvPr/>
         </p:nvSpPr>
@@ -5551,18 +5062,21 @@
               </a:rPr>
               <a:t>Distribución de Severidad: Es el gráfico más revelador. Confirma que el Cluster 0 es el único enfocado en accidentes de alta gravedad (niveles 3 y 4), mientras que los clusters 1, 2 y 3 están masivamente concentrados en la severidad 2</a:t>
             </a:r>
-          </a:p>
-        </p:txBody>
-      </p:sp>
-      <p:sp>
-        <p:nvSpPr>
-          <p:cNvPr id="9" name="CuadroTexto 8">
-            <a:extLst>
-              <a:ext uri="{FF2B5EF4-FFF2-40B4-BE49-F238E27FC236}">
-                <a16:creationId xmlns:a16="http://schemas.microsoft.com/office/drawing/2014/main" id="{C908AD88-BCDB-4F65-956A-F1DC0551585D}"/>
-              </a:ext>
-            </a:extLst>
-          </p:cNvPr>
+            <a:endParaRPr lang="es-ES" sz="1400" dirty="0">
+              <a:solidFill>
+                <a:schemeClr val="tx1">
+                  <a:lumMod val="85000"/>
+                  <a:lumOff val="15000"/>
+                </a:schemeClr>
+              </a:solidFill>
+              <a:latin typeface="Arial Black" panose="020B0A04020102020204" pitchFamily="34" charset="0"/>
+            </a:endParaRPr>
+          </a:p>
+        </p:txBody>
+      </p:sp>
+      <p:sp>
+        <p:nvSpPr>
+          <p:cNvPr id="9" name="CuadroTexto 8"/>
           <p:cNvSpPr txBox="1"/>
           <p:nvPr/>
         </p:nvSpPr>
@@ -5598,18 +5112,21 @@
               </a:rPr>
               <a:t>Distribución de Humedad: El Cluster 3 se diferencia claramente por presentar los niveles de humedad más altos y constantes, lo que lo define como el perfil de accidentes en condiciones húmedas.</a:t>
             </a:r>
-          </a:p>
-        </p:txBody>
-      </p:sp>
-      <p:sp>
-        <p:nvSpPr>
-          <p:cNvPr id="10" name="CuadroTexto 9">
-            <a:extLst>
-              <a:ext uri="{FF2B5EF4-FFF2-40B4-BE49-F238E27FC236}">
-                <a16:creationId xmlns:a16="http://schemas.microsoft.com/office/drawing/2014/main" id="{CC499C16-7DBC-4A09-AB59-3ABDB9DC23E6}"/>
-              </a:ext>
-            </a:extLst>
-          </p:cNvPr>
+            <a:endParaRPr lang="es-ES" sz="1400" dirty="0">
+              <a:solidFill>
+                <a:schemeClr val="tx1">
+                  <a:lumMod val="85000"/>
+                  <a:lumOff val="15000"/>
+                </a:schemeClr>
+              </a:solidFill>
+              <a:latin typeface="Arial Black" panose="020B0A04020102020204" pitchFamily="34" charset="0"/>
+            </a:endParaRPr>
+          </a:p>
+        </p:txBody>
+      </p:sp>
+      <p:sp>
+        <p:nvSpPr>
+          <p:cNvPr id="10" name="CuadroTexto 9"/>
           <p:cNvSpPr txBox="1"/>
           <p:nvPr/>
         </p:nvSpPr>
@@ -5645,18 +5162,21 @@
               </a:rPr>
               <a:t>Distribución de duración: Aquí vemos por qué el Cluster 2 es el de "eventos atípicos". Su "cola" es mucho más larga que las demás, lo que indica accidentes que bloquearon el tráfico por tiempos extremadamente prolongados.</a:t>
             </a:r>
-          </a:p>
-        </p:txBody>
-      </p:sp>
-      <p:sp>
-        <p:nvSpPr>
-          <p:cNvPr id="11" name="CuadroTexto 10">
-            <a:extLst>
-              <a:ext uri="{FF2B5EF4-FFF2-40B4-BE49-F238E27FC236}">
-                <a16:creationId xmlns:a16="http://schemas.microsoft.com/office/drawing/2014/main" id="{9838E7E3-DF9F-4A74-8D9E-02D9648998D4}"/>
-              </a:ext>
-            </a:extLst>
-          </p:cNvPr>
+            <a:endParaRPr lang="es-ES" sz="1400" dirty="0">
+              <a:solidFill>
+                <a:schemeClr val="tx1">
+                  <a:lumMod val="85000"/>
+                  <a:lumOff val="15000"/>
+                </a:schemeClr>
+              </a:solidFill>
+              <a:latin typeface="Arial Black" panose="020B0A04020102020204" pitchFamily="34" charset="0"/>
+            </a:endParaRPr>
+          </a:p>
+        </p:txBody>
+      </p:sp>
+      <p:sp>
+        <p:nvSpPr>
+          <p:cNvPr id="11" name="CuadroTexto 10"/>
           <p:cNvSpPr txBox="1"/>
           <p:nvPr/>
         </p:nvSpPr>
@@ -5692,15 +5212,19 @@
               </a:rPr>
               <a:t>Distribución de Hora de Inicio: El Cluster 1 muestra un pico en las primeras horas de la mañana. El Cluster 0 (el más severo) ocurre predominantemente alrededor del mediodía y el Cluster 2 se inclina hacia la tarde-noche</a:t>
             </a:r>
+            <a:endParaRPr lang="es-ES" sz="1400" dirty="0">
+              <a:solidFill>
+                <a:schemeClr val="tx1">
+                  <a:lumMod val="85000"/>
+                  <a:lumOff val="15000"/>
+                </a:schemeClr>
+              </a:solidFill>
+              <a:latin typeface="Arial Black" panose="020B0A04020102020204" pitchFamily="34" charset="0"/>
+            </a:endParaRPr>
           </a:p>
         </p:txBody>
       </p:sp>
     </p:spTree>
-    <p:extLst>
-      <p:ext uri="{BB962C8B-B14F-4D97-AF65-F5344CB8AC3E}">
-        <p14:creationId xmlns:p14="http://schemas.microsoft.com/office/powerpoint/2010/main" val="3237856477"/>
-      </p:ext>
-    </p:extLst>
   </p:cSld>
   <p:clrMapOvr>
     <a:masterClrMapping/>
@@ -5727,13 +5251,7 @@
       </p:grpSpPr>
       <p:sp>
         <p:nvSpPr>
-          <p:cNvPr id="12" name="Rectángulo 11">
-            <a:extLst>
-              <a:ext uri="{FF2B5EF4-FFF2-40B4-BE49-F238E27FC236}">
-                <a16:creationId xmlns:a16="http://schemas.microsoft.com/office/drawing/2014/main" id="{6E606BC5-AE17-49E6-972E-DFE48B960D8E}"/>
-              </a:ext>
-            </a:extLst>
-          </p:cNvPr>
+          <p:cNvPr id="12" name="Rectángulo 11"/>
           <p:cNvSpPr/>
           <p:nvPr/>
         </p:nvSpPr>
@@ -5779,13 +5297,7 @@
       </p:sp>
       <p:sp>
         <p:nvSpPr>
-          <p:cNvPr id="11" name="Rectángulo 10">
-            <a:extLst>
-              <a:ext uri="{FF2B5EF4-FFF2-40B4-BE49-F238E27FC236}">
-                <a16:creationId xmlns:a16="http://schemas.microsoft.com/office/drawing/2014/main" id="{AD347F3D-CF1C-4B12-A44F-9B9AD4CB1516}"/>
-              </a:ext>
-            </a:extLst>
-          </p:cNvPr>
+          <p:cNvPr id="11" name="Rectángulo 10"/>
           <p:cNvSpPr/>
           <p:nvPr/>
         </p:nvSpPr>
@@ -5831,13 +5343,7 @@
       </p:sp>
       <p:sp>
         <p:nvSpPr>
-          <p:cNvPr id="10" name="Rectángulo 9">
-            <a:extLst>
-              <a:ext uri="{FF2B5EF4-FFF2-40B4-BE49-F238E27FC236}">
-                <a16:creationId xmlns:a16="http://schemas.microsoft.com/office/drawing/2014/main" id="{7102238F-F4A9-4E21-B5FE-49B0B867D436}"/>
-              </a:ext>
-            </a:extLst>
-          </p:cNvPr>
+          <p:cNvPr id="10" name="Rectángulo 9"/>
           <p:cNvSpPr/>
           <p:nvPr/>
         </p:nvSpPr>
@@ -5883,13 +5389,7 @@
       </p:sp>
       <p:sp>
         <p:nvSpPr>
-          <p:cNvPr id="4" name="CuadroTexto 3">
-            <a:extLst>
-              <a:ext uri="{FF2B5EF4-FFF2-40B4-BE49-F238E27FC236}">
-                <a16:creationId xmlns:a16="http://schemas.microsoft.com/office/drawing/2014/main" id="{923D1EB2-A43E-497F-B7EC-32030015EB4A}"/>
-              </a:ext>
-            </a:extLst>
-          </p:cNvPr>
+          <p:cNvPr id="4" name="CuadroTexto 3"/>
           <p:cNvSpPr txBox="1"/>
           <p:nvPr/>
         </p:nvSpPr>
@@ -5935,13 +5435,7 @@
       </p:sp>
       <p:sp>
         <p:nvSpPr>
-          <p:cNvPr id="5" name="CuadroTexto 4">
-            <a:extLst>
-              <a:ext uri="{FF2B5EF4-FFF2-40B4-BE49-F238E27FC236}">
-                <a16:creationId xmlns:a16="http://schemas.microsoft.com/office/drawing/2014/main" id="{804135B5-8E85-4E5C-9C87-EF3018F6AFC4}"/>
-              </a:ext>
-            </a:extLst>
-          </p:cNvPr>
+          <p:cNvPr id="5" name="CuadroTexto 4"/>
           <p:cNvSpPr txBox="1"/>
           <p:nvPr/>
         </p:nvSpPr>
@@ -5971,18 +5465,18 @@
               </a:rPr>
               <a:t>Pregunta 1: ¿Qué factores ambientales y temporales están más fuertemente asociados con la severidad de los accidentes de tráfico?</a:t>
             </a:r>
-          </a:p>
-        </p:txBody>
-      </p:sp>
-      <p:sp>
-        <p:nvSpPr>
-          <p:cNvPr id="6" name="CuadroTexto 5">
-            <a:extLst>
-              <a:ext uri="{FF2B5EF4-FFF2-40B4-BE49-F238E27FC236}">
-                <a16:creationId xmlns:a16="http://schemas.microsoft.com/office/drawing/2014/main" id="{FA353BF3-D248-4348-99CD-667C3EC3B2C9}"/>
-              </a:ext>
-            </a:extLst>
-          </p:cNvPr>
+            <a:endParaRPr lang="es-ES" sz="1400" dirty="0">
+              <a:solidFill>
+                <a:schemeClr val="bg1"/>
+              </a:solidFill>
+              <a:latin typeface="Arial Black" panose="020B0A04020102020204" pitchFamily="34" charset="0"/>
+            </a:endParaRPr>
+          </a:p>
+        </p:txBody>
+      </p:sp>
+      <p:sp>
+        <p:nvSpPr>
+          <p:cNvPr id="6" name="CuadroTexto 5"/>
           <p:cNvSpPr txBox="1"/>
           <p:nvPr/>
         </p:nvSpPr>
@@ -6012,18 +5506,18 @@
               </a:rPr>
               <a:t>Pregunta 2: ¿Existen patrones temporales significativos en la ocurrencia de accidentes (hora del día, día de la semana, estacionalidad)?</a:t>
             </a:r>
-          </a:p>
-        </p:txBody>
-      </p:sp>
-      <p:sp>
-        <p:nvSpPr>
-          <p:cNvPr id="7" name="CuadroTexto 6">
-            <a:extLst>
-              <a:ext uri="{FF2B5EF4-FFF2-40B4-BE49-F238E27FC236}">
-                <a16:creationId xmlns:a16="http://schemas.microsoft.com/office/drawing/2014/main" id="{3B98FE77-037C-42B9-81A7-252435821015}"/>
-              </a:ext>
-            </a:extLst>
-          </p:cNvPr>
+            <a:endParaRPr lang="es-ES" sz="1400" dirty="0">
+              <a:solidFill>
+                <a:schemeClr val="bg1"/>
+              </a:solidFill>
+              <a:latin typeface="Arial Black" panose="020B0A04020102020204" pitchFamily="34" charset="0"/>
+            </a:endParaRPr>
+          </a:p>
+        </p:txBody>
+      </p:sp>
+      <p:sp>
+        <p:nvSpPr>
+          <p:cNvPr id="7" name="CuadroTexto 6"/>
           <p:cNvSpPr txBox="1"/>
           <p:nvPr/>
         </p:nvSpPr>
@@ -6053,25 +5547,25 @@
               </a:rPr>
               <a:t>Pregunta 3: ¿Cómo varían las características de los accidentes entre diferentes estados y condiciones climáticas?</a:t>
             </a:r>
-          </a:p>
-        </p:txBody>
-      </p:sp>
-      <p:sp>
-        <p:nvSpPr>
-          <p:cNvPr id="8" name="CuadroTexto 7">
-            <a:extLst>
-              <a:ext uri="{FF2B5EF4-FFF2-40B4-BE49-F238E27FC236}">
-                <a16:creationId xmlns:a16="http://schemas.microsoft.com/office/drawing/2014/main" id="{64533C45-23FC-4852-A474-4743C19DF316}"/>
-              </a:ext>
-            </a:extLst>
-          </p:cNvPr>
+            <a:endParaRPr lang="es-ES" sz="1400" dirty="0">
+              <a:solidFill>
+                <a:schemeClr val="bg1"/>
+              </a:solidFill>
+              <a:latin typeface="Arial Black" panose="020B0A04020102020204" pitchFamily="34" charset="0"/>
+            </a:endParaRPr>
+          </a:p>
+        </p:txBody>
+      </p:sp>
+      <p:sp>
+        <p:nvSpPr>
+          <p:cNvPr id="8" name="CuadroTexto 7"/>
           <p:cNvSpPr txBox="1"/>
           <p:nvPr/>
         </p:nvSpPr>
         <p:spPr>
           <a:xfrm>
             <a:off x="477469" y="1258061"/>
-            <a:ext cx="11237061" cy="1169551"/>
+            <a:ext cx="11237061" cy="1383665"/>
           </a:xfrm>
           <a:prstGeom prst="rect">
             <a:avLst/>
@@ -6089,14 +5583,47 @@
               <a:buChar char="§"/>
             </a:pPr>
             <a:r>
+              <a:rPr lang="en-US" altLang="es-ES" sz="1400" dirty="0">
+                <a:solidFill>
+                  <a:schemeClr val="bg1"/>
+                </a:solidFill>
+                <a:latin typeface="Arial Black" panose="020B0A04020102020204" pitchFamily="34" charset="0"/>
+              </a:rPr>
+              <a:t>El mes</a:t>
+            </a:r>
+            <a:r>
               <a:rPr lang="es-ES" sz="1400" dirty="0">
                 <a:solidFill>
                   <a:schemeClr val="bg1"/>
                 </a:solidFill>
                 <a:latin typeface="Arial Black" panose="020B0A04020102020204" pitchFamily="34" charset="0"/>
               </a:rPr>
-              <a:t>La infraestructura vial (semáforos, intersecciones, cruces) es el factor dominante en la severidad de los accidentes.</a:t>
-            </a:r>
+              <a:t> es el factor dominante en la severidad de los accidentes</a:t>
+            </a:r>
+            <a:r>
+              <a:rPr lang="en-US" altLang="es-ES" sz="1400" dirty="0">
+                <a:solidFill>
+                  <a:schemeClr val="bg1"/>
+                </a:solidFill>
+                <a:latin typeface="Arial Black" panose="020B0A04020102020204" pitchFamily="34" charset="0"/>
+              </a:rPr>
+              <a:t> </a:t>
+            </a:r>
+            <a:r>
+              <a:rPr lang="en-US" altLang="en-US" sz="1400" dirty="0">
+                <a:solidFill>
+                  <a:schemeClr val="bg1"/>
+                </a:solidFill>
+                <a:latin typeface="Arial Black" panose="020B0A04020102020204" pitchFamily="34" charset="0"/>
+              </a:rPr>
+              <a:t>reflejando que los meses de mayor demanda y variabilidad climática concentran los mayores impactos</a:t>
+            </a:r>
+            <a:endParaRPr lang="en-US" altLang="en-US" sz="1400" dirty="0">
+              <a:solidFill>
+                <a:schemeClr val="bg1"/>
+              </a:solidFill>
+              <a:latin typeface="Arial Black" panose="020B0A04020102020204" pitchFamily="34" charset="0"/>
+            </a:endParaRPr>
           </a:p>
           <a:p>
             <a:pPr marL="285750" indent="-285750" algn="just">
@@ -6110,8 +5637,105 @@
                 </a:solidFill>
                 <a:latin typeface="Arial Black" panose="020B0A04020102020204" pitchFamily="34" charset="0"/>
               </a:rPr>
-              <a:t>La ubicación geográfica (estado) es el segundo predictor más importante.</a:t>
-            </a:r>
+              <a:t>La ubicación geográfica (estado)</a:t>
+            </a:r>
+            <a:r>
+              <a:rPr lang="en-US" altLang="es-ES" sz="1400" dirty="0">
+                <a:solidFill>
+                  <a:schemeClr val="bg1"/>
+                </a:solidFill>
+                <a:latin typeface="Arial Black" panose="020B0A04020102020204" pitchFamily="34" charset="0"/>
+              </a:rPr>
+              <a:t> y la </a:t>
+            </a:r>
+            <a:r>
+              <a:rPr lang="es-ES" sz="1400" dirty="0">
+                <a:solidFill>
+                  <a:schemeClr val="bg1"/>
+                </a:solidFill>
+                <a:latin typeface="Arial Black" panose="020B0A04020102020204" pitchFamily="34" charset="0"/>
+                <a:sym typeface="+mn-ea"/>
+              </a:rPr>
+              <a:t>infraestructura vial (semáforos)</a:t>
+            </a:r>
+            <a:r>
+              <a:rPr lang="en-US" altLang="es-ES" sz="1400" dirty="0">
+                <a:solidFill>
+                  <a:schemeClr val="bg1"/>
+                </a:solidFill>
+                <a:latin typeface="Arial Black" panose="020B0A04020102020204" pitchFamily="34" charset="0"/>
+              </a:rPr>
+              <a:t> conforman</a:t>
+            </a:r>
+            <a:r>
+              <a:rPr lang="es-ES" sz="1400" dirty="0">
+                <a:solidFill>
+                  <a:schemeClr val="bg1"/>
+                </a:solidFill>
+                <a:latin typeface="Arial Black" panose="020B0A04020102020204" pitchFamily="34" charset="0"/>
+              </a:rPr>
+              <a:t> el segundo</a:t>
+            </a:r>
+            <a:r>
+              <a:rPr lang="en-US" altLang="es-ES" sz="1400" dirty="0">
+                <a:solidFill>
+                  <a:schemeClr val="bg1"/>
+                </a:solidFill>
+                <a:latin typeface="Arial Black" panose="020B0A04020102020204" pitchFamily="34" charset="0"/>
+              </a:rPr>
+              <a:t> y tercer</a:t>
+            </a:r>
+            <a:r>
+              <a:rPr lang="es-ES" sz="1400" dirty="0">
+                <a:solidFill>
+                  <a:schemeClr val="bg1"/>
+                </a:solidFill>
+                <a:latin typeface="Arial Black" panose="020B0A04020102020204" pitchFamily="34" charset="0"/>
+              </a:rPr>
+              <a:t> predictor</a:t>
+            </a:r>
+            <a:r>
+              <a:rPr lang="en-US" altLang="es-ES" sz="1400" dirty="0">
+                <a:solidFill>
+                  <a:schemeClr val="bg1"/>
+                </a:solidFill>
+                <a:latin typeface="Arial Black" panose="020B0A04020102020204" pitchFamily="34" charset="0"/>
+              </a:rPr>
+              <a:t>es</a:t>
+            </a:r>
+            <a:r>
+              <a:rPr lang="es-ES" sz="1400" dirty="0">
+                <a:solidFill>
+                  <a:schemeClr val="bg1"/>
+                </a:solidFill>
+                <a:latin typeface="Arial Black" panose="020B0A04020102020204" pitchFamily="34" charset="0"/>
+              </a:rPr>
+              <a:t> más importante</a:t>
+            </a:r>
+            <a:r>
+              <a:rPr lang="en-US" altLang="es-ES" sz="1400" dirty="0">
+                <a:solidFill>
+                  <a:schemeClr val="bg1"/>
+                </a:solidFill>
+                <a:latin typeface="Arial Black" panose="020B0A04020102020204" pitchFamily="34" charset="0"/>
+              </a:rPr>
+              <a:t>s</a:t>
+            </a:r>
+            <a:r>
+              <a:rPr lang="es-ES" sz="1400" dirty="0">
+                <a:solidFill>
+                  <a:schemeClr val="bg1"/>
+                </a:solidFill>
+                <a:latin typeface="Arial Black" panose="020B0A04020102020204" pitchFamily="34" charset="0"/>
+              </a:rPr>
+              <a:t>.</a:t>
+            </a:r>
+            <a:endParaRPr lang="es-ES" sz="1400" dirty="0">
+              <a:solidFill>
+                <a:schemeClr val="bg1"/>
+              </a:solidFill>
+              <a:latin typeface="Arial Black" panose="020B0A04020102020204" pitchFamily="34" charset="0"/>
+            </a:endParaRPr>
           </a:p>
           <a:p>
             <a:pPr marL="285750" indent="-285750" algn="just">
@@ -6127,25 +5751,25 @@
               </a:rPr>
               <a:t>El clima y el tiempo no predicen severidad por sí solos; actúan como factores moderadores dentro de contextos de infraestructura.</a:t>
             </a:r>
-          </a:p>
-        </p:txBody>
-      </p:sp>
-      <p:sp>
-        <p:nvSpPr>
-          <p:cNvPr id="13" name="CuadroTexto 12">
-            <a:extLst>
-              <a:ext uri="{FF2B5EF4-FFF2-40B4-BE49-F238E27FC236}">
-                <a16:creationId xmlns:a16="http://schemas.microsoft.com/office/drawing/2014/main" id="{FC43361A-2A1E-4931-9B84-CD40322D211B}"/>
-              </a:ext>
-            </a:extLst>
-          </p:cNvPr>
+            <a:endParaRPr lang="es-ES" sz="1400" dirty="0">
+              <a:solidFill>
+                <a:schemeClr val="bg1"/>
+              </a:solidFill>
+              <a:latin typeface="Arial Black" panose="020B0A04020102020204" pitchFamily="34" charset="0"/>
+            </a:endParaRPr>
+          </a:p>
+        </p:txBody>
+      </p:sp>
+      <p:sp>
+        <p:nvSpPr>
+          <p:cNvPr id="13" name="CuadroTexto 12"/>
           <p:cNvSpPr txBox="1"/>
           <p:nvPr/>
         </p:nvSpPr>
         <p:spPr>
           <a:xfrm>
             <a:off x="477469" y="3379445"/>
-            <a:ext cx="11237060" cy="1169551"/>
+            <a:ext cx="11237060" cy="1168400"/>
           </a:xfrm>
           <a:prstGeom prst="rect">
             <a:avLst/>
@@ -6171,6 +5795,12 @@
               </a:rPr>
               <a:t>Existen patrones temporales claros en la frecuencia de accidentes (horas pico, días laborales, estacionalidad).</a:t>
             </a:r>
+            <a:endParaRPr lang="es-ES" sz="1400" dirty="0">
+              <a:solidFill>
+                <a:schemeClr val="bg1"/>
+              </a:solidFill>
+              <a:latin typeface="Arial Black" panose="020B0A04020102020204" pitchFamily="34" charset="0"/>
+            </a:endParaRPr>
           </a:p>
           <a:p>
             <a:pPr marL="285750" indent="-285750" algn="just">
@@ -6186,6 +5816,12 @@
               </a:rPr>
               <a:t>La influencia temporal en la severidad es secundaria y está mediada por el volumen de tráfico y la infraestructura.</a:t>
             </a:r>
+            <a:endParaRPr lang="es-ES" sz="1400" dirty="0">
+              <a:solidFill>
+                <a:schemeClr val="bg1"/>
+              </a:solidFill>
+              <a:latin typeface="Arial Black" panose="020B0A04020102020204" pitchFamily="34" charset="0"/>
+            </a:endParaRPr>
           </a:p>
           <a:p>
             <a:pPr marL="285750" indent="-285750" algn="just">
@@ -6199,20 +5835,20 @@
                 </a:solidFill>
                 <a:latin typeface="Arial Black" panose="020B0A04020102020204" pitchFamily="34" charset="0"/>
               </a:rPr>
-              <a:t>El tiempo explica cuándo ocurren los accidentes, no principalmente qué tan severos son.</a:t>
-            </a:r>
-          </a:p>
-        </p:txBody>
-      </p:sp>
-      <p:sp>
-        <p:nvSpPr>
-          <p:cNvPr id="14" name="CuadroTexto 13">
-            <a:extLst>
-              <a:ext uri="{FF2B5EF4-FFF2-40B4-BE49-F238E27FC236}">
-                <a16:creationId xmlns:a16="http://schemas.microsoft.com/office/drawing/2014/main" id="{3B151894-A332-429D-964B-E22512A269DD}"/>
-              </a:ext>
-            </a:extLst>
-          </p:cNvPr>
+              <a:t>El tiempo explica cuándo ocurren los accidentes, no qué tan severos son.</a:t>
+            </a:r>
+            <a:endParaRPr lang="es-ES" sz="1400" dirty="0">
+              <a:solidFill>
+                <a:schemeClr val="bg1"/>
+              </a:solidFill>
+              <a:latin typeface="Arial Black" panose="020B0A04020102020204" pitchFamily="34" charset="0"/>
+            </a:endParaRPr>
+          </a:p>
+        </p:txBody>
+      </p:sp>
+      <p:sp>
+        <p:nvSpPr>
+          <p:cNvPr id="14" name="CuadroTexto 13"/>
           <p:cNvSpPr txBox="1"/>
           <p:nvPr/>
         </p:nvSpPr>
@@ -6245,6 +5881,12 @@
               </a:rPr>
               <a:t>Hay fuertes diferencias regionales: el estado es uno de los predictores más importantes de severidad.</a:t>
             </a:r>
+            <a:endParaRPr lang="es-ES" sz="1400" dirty="0">
+              <a:solidFill>
+                <a:schemeClr val="bg1"/>
+              </a:solidFill>
+              <a:latin typeface="Arial Black" panose="020B0A04020102020204" pitchFamily="34" charset="0"/>
+            </a:endParaRPr>
           </a:p>
           <a:p>
             <a:pPr marL="285750" indent="-285750" algn="just">
@@ -6272,6 +5914,12 @@
               </a:rPr>
               <a:t>Las condiciones climáticas muestran efectos contextuales y no universales.</a:t>
             </a:r>
+            <a:endParaRPr lang="es-ES" sz="1400" dirty="0">
+              <a:solidFill>
+                <a:schemeClr val="bg1"/>
+              </a:solidFill>
+              <a:latin typeface="Arial Black" panose="020B0A04020102020204" pitchFamily="34" charset="0"/>
+            </a:endParaRPr>
           </a:p>
           <a:p>
             <a:pPr marL="285750" indent="-285750" algn="just">
@@ -6299,15 +5947,16 @@
               </a:rPr>
               <a:t>No existe una política de seguridad vial única: las intervenciones deben ser específicas por estado.</a:t>
             </a:r>
+            <a:endParaRPr lang="es-ES" sz="1400" dirty="0">
+              <a:solidFill>
+                <a:schemeClr val="bg1"/>
+              </a:solidFill>
+              <a:latin typeface="Arial Black" panose="020B0A04020102020204" pitchFamily="34" charset="0"/>
+            </a:endParaRPr>
           </a:p>
         </p:txBody>
       </p:sp>
     </p:spTree>
-    <p:extLst>
-      <p:ext uri="{BB962C8B-B14F-4D97-AF65-F5344CB8AC3E}">
-        <p14:creationId xmlns:p14="http://schemas.microsoft.com/office/powerpoint/2010/main" val="1701648638"/>
-      </p:ext>
-    </p:extLst>
   </p:cSld>
   <p:clrMapOvr>
     <a:masterClrMapping/>
@@ -6342,13 +5991,7 @@
       </p:grpSpPr>
       <p:sp>
         <p:nvSpPr>
-          <p:cNvPr id="22" name="Rectángulo 21">
-            <a:extLst>
-              <a:ext uri="{FF2B5EF4-FFF2-40B4-BE49-F238E27FC236}">
-                <a16:creationId xmlns:a16="http://schemas.microsoft.com/office/drawing/2014/main" id="{C57BD286-92B9-4122-A9B4-AAE0E76B515D}"/>
-              </a:ext>
-            </a:extLst>
-          </p:cNvPr>
+          <p:cNvPr id="22" name="Rectángulo 21"/>
           <p:cNvSpPr/>
           <p:nvPr/>
         </p:nvSpPr>
@@ -6394,13 +6037,7 @@
       </p:sp>
       <p:sp>
         <p:nvSpPr>
-          <p:cNvPr id="16" name="CuadroTexto 15">
-            <a:extLst>
-              <a:ext uri="{FF2B5EF4-FFF2-40B4-BE49-F238E27FC236}">
-                <a16:creationId xmlns:a16="http://schemas.microsoft.com/office/drawing/2014/main" id="{4EF26EFA-6BA3-43BE-A7C4-4D89DF71DC2C}"/>
-              </a:ext>
-            </a:extLst>
-          </p:cNvPr>
+          <p:cNvPr id="16" name="CuadroTexto 15"/>
           <p:cNvSpPr txBox="1"/>
           <p:nvPr/>
         </p:nvSpPr>
@@ -6432,18 +6069,51 @@
               </a:rPr>
               <a:t>Severidad y Clima: Resultados del Análisis</a:t>
             </a:r>
+            <a:endParaRPr lang="es-ES" sz="2800" b="1" dirty="0">
+              <a:solidFill>
+                <a:schemeClr val="tx1">
+                  <a:lumMod val="85000"/>
+                  <a:lumOff val="15000"/>
+                </a:schemeClr>
+              </a:solidFill>
+              <a:latin typeface="Arial Black" panose="020B0A04020102020204" pitchFamily="34" charset="0"/>
+            </a:endParaRPr>
           </a:p>
         </p:txBody>
       </p:sp>
       <p:pic>
         <p:nvPicPr>
-          <p:cNvPr id="18" name="Imagen 17">
+          <p:cNvPr id="18" name="Imagen 17"/>
+          <p:cNvPicPr>
+            <a:picLocks noChangeAspect="1"/>
+          </p:cNvPicPr>
+          <p:nvPr/>
+        </p:nvPicPr>
+        <p:blipFill>
+          <a:blip r:embed="rId1">
             <a:extLst>
-              <a:ext uri="{FF2B5EF4-FFF2-40B4-BE49-F238E27FC236}">
-                <a16:creationId xmlns:a16="http://schemas.microsoft.com/office/drawing/2014/main" id="{7B7F17DF-95D9-4091-AA62-BB305DAC3AC7}"/>
+              <a:ext uri="{28A0092B-C50C-407E-A947-70E740481C1C}">
+                <a14:useLocalDpi xmlns:a14="http://schemas.microsoft.com/office/drawing/2010/main" val="0"/>
               </a:ext>
             </a:extLst>
-          </p:cNvPr>
+          </a:blip>
+          <a:stretch>
+            <a:fillRect/>
+          </a:stretch>
+        </p:blipFill>
+        <p:spPr>
+          <a:xfrm>
+            <a:off x="137890" y="738231"/>
+            <a:ext cx="4994694" cy="3889331"/>
+          </a:xfrm>
+          <a:prstGeom prst="rect">
+            <a:avLst/>
+          </a:prstGeom>
+        </p:spPr>
+      </p:pic>
+      <p:pic>
+        <p:nvPicPr>
+          <p:cNvPr id="20" name="Imagen 19"/>
           <p:cNvPicPr>
             <a:picLocks noChangeAspect="1"/>
           </p:cNvPicPr>
@@ -6463,42 +6133,6 @@
         </p:blipFill>
         <p:spPr>
           <a:xfrm>
-            <a:off x="137890" y="738231"/>
-            <a:ext cx="4994694" cy="3889331"/>
-          </a:xfrm>
-          <a:prstGeom prst="rect">
-            <a:avLst/>
-          </a:prstGeom>
-        </p:spPr>
-      </p:pic>
-      <p:pic>
-        <p:nvPicPr>
-          <p:cNvPr id="20" name="Imagen 19">
-            <a:extLst>
-              <a:ext uri="{FF2B5EF4-FFF2-40B4-BE49-F238E27FC236}">
-                <a16:creationId xmlns:a16="http://schemas.microsoft.com/office/drawing/2014/main" id="{DE24E2BF-1DB0-4DE4-AC4C-35E2E09DF697}"/>
-              </a:ext>
-            </a:extLst>
-          </p:cNvPr>
-          <p:cNvPicPr>
-            <a:picLocks noChangeAspect="1"/>
-          </p:cNvPicPr>
-          <p:nvPr/>
-        </p:nvPicPr>
-        <p:blipFill>
-          <a:blip r:embed="rId3">
-            <a:extLst>
-              <a:ext uri="{28A0092B-C50C-407E-A947-70E740481C1C}">
-                <a14:useLocalDpi xmlns:a14="http://schemas.microsoft.com/office/drawing/2010/main" val="0"/>
-              </a:ext>
-            </a:extLst>
-          </a:blip>
-          <a:stretch>
-            <a:fillRect/>
-          </a:stretch>
-        </p:blipFill>
-        <p:spPr>
-          <a:xfrm>
             <a:off x="5270473" y="1056818"/>
             <a:ext cx="6553926" cy="3570744"/>
           </a:xfrm>
@@ -6509,13 +6143,7 @@
       </p:pic>
       <p:sp>
         <p:nvSpPr>
-          <p:cNvPr id="21" name="CuadroTexto 20">
-            <a:extLst>
-              <a:ext uri="{FF2B5EF4-FFF2-40B4-BE49-F238E27FC236}">
-                <a16:creationId xmlns:a16="http://schemas.microsoft.com/office/drawing/2014/main" id="{9ECE971D-23A4-458A-8EFF-F39C0163F3BA}"/>
-              </a:ext>
-            </a:extLst>
-          </p:cNvPr>
+          <p:cNvPr id="21" name="CuadroTexto 20"/>
           <p:cNvSpPr txBox="1"/>
           <p:nvPr/>
         </p:nvSpPr>
@@ -6551,18 +6179,21 @@
               </a:rPr>
               <a:t>El mapa de calor de correlaciones confirma que la severidad tiene correlaciones muy bajas con variables climáticas y de distancia (|r| &lt; 0.1)</a:t>
             </a:r>
-          </a:p>
-        </p:txBody>
-      </p:sp>
-      <p:sp>
-        <p:nvSpPr>
-          <p:cNvPr id="23" name="CuadroTexto 22">
-            <a:extLst>
-              <a:ext uri="{FF2B5EF4-FFF2-40B4-BE49-F238E27FC236}">
-                <a16:creationId xmlns:a16="http://schemas.microsoft.com/office/drawing/2014/main" id="{B8EFFD56-DD86-425F-A571-4AB1031A51E0}"/>
-              </a:ext>
-            </a:extLst>
-          </p:cNvPr>
+            <a:endParaRPr lang="es-ES" sz="1600" dirty="0">
+              <a:solidFill>
+                <a:schemeClr val="tx1">
+                  <a:lumMod val="85000"/>
+                  <a:lumOff val="15000"/>
+                </a:schemeClr>
+              </a:solidFill>
+              <a:latin typeface="Arial Black" panose="020B0A04020102020204" pitchFamily="34" charset="0"/>
+            </a:endParaRPr>
+          </a:p>
+        </p:txBody>
+      </p:sp>
+      <p:sp>
+        <p:nvSpPr>
+          <p:cNvPr id="23" name="CuadroTexto 22"/>
           <p:cNvSpPr txBox="1"/>
           <p:nvPr/>
         </p:nvSpPr>
@@ -6598,15 +6229,19 @@
               </a:rPr>
               <a:t>La gráfica de severidad por las 8 condiciones climáticas más frecuentes muestra que la mediana de severidad se mantiene en nivel 2 para todas las condiciones. No se observan diferencias sustanciales entre condiciones como "Fair", "Cloudy", "Rain" u otras, lo que indica que el tipo de clima registrado no discrimina significativamente la gravedad del accidente</a:t>
             </a:r>
+            <a:endParaRPr lang="es-ES" sz="1600" dirty="0">
+              <a:solidFill>
+                <a:schemeClr val="tx1">
+                  <a:lumMod val="85000"/>
+                  <a:lumOff val="15000"/>
+                </a:schemeClr>
+              </a:solidFill>
+              <a:latin typeface="Arial Black" panose="020B0A04020102020204" pitchFamily="34" charset="0"/>
+            </a:endParaRPr>
           </a:p>
         </p:txBody>
       </p:sp>
     </p:spTree>
-    <p:extLst>
-      <p:ext uri="{BB962C8B-B14F-4D97-AF65-F5344CB8AC3E}">
-        <p14:creationId xmlns:p14="http://schemas.microsoft.com/office/powerpoint/2010/main" val="1217628196"/>
-      </p:ext>
-    </p:extLst>
   </p:cSld>
   <p:clrMapOvr>
     <a:masterClrMapping/>
@@ -6633,20 +6268,14 @@
       </p:grpSpPr>
       <p:pic>
         <p:nvPicPr>
-          <p:cNvPr id="5" name="Imagen 4">
-            <a:extLst>
-              <a:ext uri="{FF2B5EF4-FFF2-40B4-BE49-F238E27FC236}">
-                <a16:creationId xmlns:a16="http://schemas.microsoft.com/office/drawing/2014/main" id="{88155C9C-5B53-48F7-9CB9-11BEDFA25C43}"/>
-              </a:ext>
-            </a:extLst>
-          </p:cNvPr>
+          <p:cNvPr id="5" name="Imagen 4"/>
           <p:cNvPicPr>
             <a:picLocks noChangeAspect="1"/>
           </p:cNvPicPr>
           <p:nvPr/>
         </p:nvPicPr>
         <p:blipFill>
-          <a:blip r:embed="rId2">
+          <a:blip r:embed="rId1">
             <a:extLst>
               <a:ext uri="{28A0092B-C50C-407E-A947-70E740481C1C}">
                 <a14:useLocalDpi xmlns:a14="http://schemas.microsoft.com/office/drawing/2010/main" val="0"/>
@@ -6669,13 +6298,7 @@
       </p:pic>
       <p:sp>
         <p:nvSpPr>
-          <p:cNvPr id="6" name="CuadroTexto 5">
-            <a:extLst>
-              <a:ext uri="{FF2B5EF4-FFF2-40B4-BE49-F238E27FC236}">
-                <a16:creationId xmlns:a16="http://schemas.microsoft.com/office/drawing/2014/main" id="{FE9ADFC7-69D4-4686-BD0A-D34FA7BA9F45}"/>
-              </a:ext>
-            </a:extLst>
-          </p:cNvPr>
+          <p:cNvPr id="6" name="CuadroTexto 5"/>
           <p:cNvSpPr txBox="1"/>
           <p:nvPr/>
         </p:nvSpPr>
@@ -6733,13 +6356,7 @@
       </p:sp>
       <p:sp>
         <p:nvSpPr>
-          <p:cNvPr id="7" name="CuadroTexto 6">
-            <a:extLst>
-              <a:ext uri="{FF2B5EF4-FFF2-40B4-BE49-F238E27FC236}">
-                <a16:creationId xmlns:a16="http://schemas.microsoft.com/office/drawing/2014/main" id="{4498A86D-783C-441D-BC92-51FB76505F0F}"/>
-              </a:ext>
-            </a:extLst>
-          </p:cNvPr>
+          <p:cNvPr id="7" name="CuadroTexto 6"/>
           <p:cNvSpPr txBox="1"/>
           <p:nvPr/>
         </p:nvSpPr>
@@ -6772,6 +6389,15 @@
               </a:rPr>
               <a:t>El conteo de accidentes por hora revela un patrón claramente asociado a los ciclos de actividad vehicular diaria. Se identifican dos picos principales:</a:t>
             </a:r>
+            <a:endParaRPr lang="es-ES" sz="1400" dirty="0">
+              <a:solidFill>
+                <a:schemeClr val="tx1">
+                  <a:lumMod val="85000"/>
+                  <a:lumOff val="15000"/>
+                </a:schemeClr>
+              </a:solidFill>
+              <a:latin typeface="Arial Black" panose="020B0A04020102020204" pitchFamily="34" charset="0"/>
+            </a:endParaRPr>
           </a:p>
           <a:p>
             <a:pPr algn="just"/>
@@ -6787,6 +6413,15 @@
               </a:rPr>
               <a:t> - Pico matutino (6:00 - 9:00): Corresponde a las horas de desplazamiento hacia el trabajo y escuelas.</a:t>
             </a:r>
+            <a:endParaRPr lang="es-ES" sz="1400" dirty="0">
+              <a:solidFill>
+                <a:schemeClr val="tx1">
+                  <a:lumMod val="85000"/>
+                  <a:lumOff val="15000"/>
+                </a:schemeClr>
+              </a:solidFill>
+              <a:latin typeface="Arial Black" panose="020B0A04020102020204" pitchFamily="34" charset="0"/>
+            </a:endParaRPr>
           </a:p>
           <a:p>
             <a:pPr algn="just"/>
@@ -6802,18 +6437,21 @@
               </a:rPr>
               <a:t> - Pico vespertino (15:00 - 18:00): Coincide con el regreso a casa y la salida de actividades laborales.</a:t>
             </a:r>
-          </a:p>
-        </p:txBody>
-      </p:sp>
-      <p:sp>
-        <p:nvSpPr>
-          <p:cNvPr id="9" name="CuadroTexto 8">
-            <a:extLst>
-              <a:ext uri="{FF2B5EF4-FFF2-40B4-BE49-F238E27FC236}">
-                <a16:creationId xmlns:a16="http://schemas.microsoft.com/office/drawing/2014/main" id="{1D3916BC-8D87-49C9-AB2D-073E7B5F796F}"/>
-              </a:ext>
-            </a:extLst>
-          </p:cNvPr>
+            <a:endParaRPr lang="es-ES" sz="1400" dirty="0">
+              <a:solidFill>
+                <a:schemeClr val="tx1">
+                  <a:lumMod val="85000"/>
+                  <a:lumOff val="15000"/>
+                </a:schemeClr>
+              </a:solidFill>
+              <a:latin typeface="Arial Black" panose="020B0A04020102020204" pitchFamily="34" charset="0"/>
+            </a:endParaRPr>
+          </a:p>
+        </p:txBody>
+      </p:sp>
+      <p:sp>
+        <p:nvSpPr>
+          <p:cNvPr id="9" name="CuadroTexto 8"/>
           <p:cNvSpPr txBox="1"/>
           <p:nvPr/>
         </p:nvSpPr>
@@ -6846,25 +6484,28 @@
               </a:rPr>
               <a:t>- La severidad 2 domina en todas las horas, manteniendo el patrón general del dataset</a:t>
             </a:r>
+            <a:endParaRPr lang="es-ES" sz="1400" dirty="0">
+              <a:solidFill>
+                <a:schemeClr val="tx1">
+                  <a:lumMod val="85000"/>
+                  <a:lumOff val="15000"/>
+                </a:schemeClr>
+              </a:solidFill>
+              <a:latin typeface="Arial Black" panose="020B0A04020102020204" pitchFamily="34" charset="0"/>
+            </a:endParaRPr>
           </a:p>
         </p:txBody>
       </p:sp>
       <p:pic>
         <p:nvPicPr>
-          <p:cNvPr id="10" name="Imagen 9">
-            <a:extLst>
-              <a:ext uri="{FF2B5EF4-FFF2-40B4-BE49-F238E27FC236}">
-                <a16:creationId xmlns:a16="http://schemas.microsoft.com/office/drawing/2014/main" id="{23FF7C82-7B35-4B5A-A3E6-FE331041622B}"/>
-              </a:ext>
-            </a:extLst>
-          </p:cNvPr>
+          <p:cNvPr id="10" name="Imagen 9"/>
           <p:cNvPicPr>
             <a:picLocks noChangeAspect="1"/>
           </p:cNvPicPr>
           <p:nvPr/>
         </p:nvPicPr>
         <p:blipFill>
-          <a:blip r:embed="rId3"/>
+          <a:blip r:embed="rId2"/>
           <a:stretch>
             <a:fillRect/>
           </a:stretch>
@@ -6881,13 +6522,7 @@
       </p:pic>
       <p:sp>
         <p:nvSpPr>
-          <p:cNvPr id="11" name="CuadroTexto 10">
-            <a:extLst>
-              <a:ext uri="{FF2B5EF4-FFF2-40B4-BE49-F238E27FC236}">
-                <a16:creationId xmlns:a16="http://schemas.microsoft.com/office/drawing/2014/main" id="{959F95FB-B65E-4CC0-8D6E-1220C7FE8A82}"/>
-              </a:ext>
-            </a:extLst>
-          </p:cNvPr>
+          <p:cNvPr id="11" name="CuadroTexto 10"/>
           <p:cNvSpPr txBox="1"/>
           <p:nvPr/>
         </p:nvSpPr>
@@ -6920,6 +6555,15 @@
               </a:rPr>
               <a:t>- La severidad promedio se mantiene cercana al nivel 2 en todos los estados, consistente con el patrón general del dataset.</a:t>
             </a:r>
+            <a:endParaRPr lang="es-ES" sz="1400" dirty="0">
+              <a:solidFill>
+                <a:schemeClr val="tx1">
+                  <a:lumMod val="85000"/>
+                  <a:lumOff val="15000"/>
+                </a:schemeClr>
+              </a:solidFill>
+              <a:latin typeface="Arial Black" panose="020B0A04020102020204" pitchFamily="34" charset="0"/>
+            </a:endParaRPr>
           </a:p>
           <a:p>
             <a:pPr algn="just"/>
@@ -6935,6 +6579,15 @@
               </a:rPr>
               <a:t> - Sin embargo, existen variaciones notables: algunos estados muestran severidad promedio ligeramente superior (más cerca de 2.3-2.4) mientras otros están más cerca de 2.0.</a:t>
             </a:r>
+            <a:endParaRPr lang="es-ES" sz="1400" dirty="0">
+              <a:solidFill>
+                <a:schemeClr val="tx1">
+                  <a:lumMod val="85000"/>
+                  <a:lumOff val="15000"/>
+                </a:schemeClr>
+              </a:solidFill>
+              <a:latin typeface="Arial Black" panose="020B0A04020102020204" pitchFamily="34" charset="0"/>
+            </a:endParaRPr>
           </a:p>
           <a:p>
             <a:pPr algn="just"/>
@@ -6950,15 +6603,19 @@
               </a:rPr>
               <a:t> - No hay una correlación directa entre el volumen de accidentes y la severidad promedio. Por ejemplo, California tiene muchos accidentes pero no necesariamente la mayor severidad promedio</a:t>
             </a:r>
+            <a:endParaRPr lang="es-ES" sz="1400" dirty="0">
+              <a:solidFill>
+                <a:schemeClr val="tx1">
+                  <a:lumMod val="85000"/>
+                  <a:lumOff val="15000"/>
+                </a:schemeClr>
+              </a:solidFill>
+              <a:latin typeface="Arial Black" panose="020B0A04020102020204" pitchFamily="34" charset="0"/>
+            </a:endParaRPr>
           </a:p>
         </p:txBody>
       </p:sp>
     </p:spTree>
-    <p:extLst>
-      <p:ext uri="{BB962C8B-B14F-4D97-AF65-F5344CB8AC3E}">
-        <p14:creationId xmlns:p14="http://schemas.microsoft.com/office/powerpoint/2010/main" val="3279125124"/>
-      </p:ext>
-    </p:extLst>
   </p:cSld>
   <p:clrMapOvr>
     <a:masterClrMapping/>
@@ -6985,13 +6642,7 @@
       </p:grpSpPr>
       <p:sp>
         <p:nvSpPr>
-          <p:cNvPr id="11" name="Rectángulo 10">
-            <a:extLst>
-              <a:ext uri="{FF2B5EF4-FFF2-40B4-BE49-F238E27FC236}">
-                <a16:creationId xmlns:a16="http://schemas.microsoft.com/office/drawing/2014/main" id="{B3A158D4-47B0-48D3-B9EF-3780CF7EEA56}"/>
-              </a:ext>
-            </a:extLst>
-          </p:cNvPr>
+          <p:cNvPr id="11" name="Rectángulo 10"/>
           <p:cNvSpPr/>
           <p:nvPr/>
         </p:nvSpPr>
@@ -7047,20 +6698,14 @@
       </p:sp>
       <p:pic>
         <p:nvPicPr>
-          <p:cNvPr id="8" name="Imagen 7">
-            <a:extLst>
-              <a:ext uri="{FF2B5EF4-FFF2-40B4-BE49-F238E27FC236}">
-                <a16:creationId xmlns:a16="http://schemas.microsoft.com/office/drawing/2014/main" id="{BA0DE006-3DBF-4702-9120-E7E3DA038E79}"/>
-              </a:ext>
-            </a:extLst>
-          </p:cNvPr>
+          <p:cNvPr id="8" name="Imagen 7"/>
           <p:cNvPicPr>
             <a:picLocks noChangeAspect="1"/>
           </p:cNvPicPr>
           <p:nvPr/>
         </p:nvPicPr>
         <p:blipFill>
-          <a:blip r:embed="rId2">
+          <a:blip r:embed="rId1">
             <a:extLst>
               <a:ext uri="{28A0092B-C50C-407E-A947-70E740481C1C}">
                 <a14:useLocalDpi xmlns:a14="http://schemas.microsoft.com/office/drawing/2010/main" val="0"/>
@@ -7083,13 +6728,7 @@
       </p:pic>
       <p:sp>
         <p:nvSpPr>
-          <p:cNvPr id="9" name="CuadroTexto 8">
-            <a:extLst>
-              <a:ext uri="{FF2B5EF4-FFF2-40B4-BE49-F238E27FC236}">
-                <a16:creationId xmlns:a16="http://schemas.microsoft.com/office/drawing/2014/main" id="{6840CB5E-C69C-457E-90D6-4A79A9C4F81D}"/>
-              </a:ext>
-            </a:extLst>
-          </p:cNvPr>
+          <p:cNvPr id="9" name="CuadroTexto 8"/>
           <p:cNvSpPr txBox="1"/>
           <p:nvPr/>
         </p:nvSpPr>
@@ -7118,18 +6757,18 @@
               </a:rPr>
               <a:t>Relación entre Severidad y Duración </a:t>
             </a:r>
-          </a:p>
-        </p:txBody>
-      </p:sp>
-      <p:sp>
-        <p:nvSpPr>
-          <p:cNvPr id="10" name="CuadroTexto 9">
-            <a:extLst>
-              <a:ext uri="{FF2B5EF4-FFF2-40B4-BE49-F238E27FC236}">
-                <a16:creationId xmlns:a16="http://schemas.microsoft.com/office/drawing/2014/main" id="{1BECB9EA-7037-4A56-B40A-741289871666}"/>
-              </a:ext>
-            </a:extLst>
-          </p:cNvPr>
+            <a:endParaRPr lang="es-ES" sz="2400" dirty="0">
+              <a:solidFill>
+                <a:schemeClr val="bg1"/>
+              </a:solidFill>
+              <a:latin typeface="Arial Black" panose="020B0A04020102020204" pitchFamily="34" charset="0"/>
+            </a:endParaRPr>
+          </a:p>
+        </p:txBody>
+      </p:sp>
+      <p:sp>
+        <p:nvSpPr>
+          <p:cNvPr id="10" name="CuadroTexto 9"/>
           <p:cNvSpPr txBox="1"/>
           <p:nvPr/>
         </p:nvSpPr>
@@ -7162,6 +6801,15 @@
               </a:rPr>
               <a:t>Observaciones principales</a:t>
             </a:r>
+            <a:endParaRPr lang="es-ES" sz="2000" dirty="0">
+              <a:solidFill>
+                <a:schemeClr val="tx1">
+                  <a:lumMod val="85000"/>
+                  <a:lumOff val="15000"/>
+                </a:schemeClr>
+              </a:solidFill>
+              <a:latin typeface="Arial Black" panose="020B0A04020102020204" pitchFamily="34" charset="0"/>
+            </a:endParaRPr>
           </a:p>
           <a:p>
             <a:pPr algn="just"/>
@@ -7189,6 +6837,15 @@
               </a:rPr>
               <a:t>- Tendencia creciente: A medida que aumenta el nivel de severidad, la duración mediana del accidente también incrementa. Los accidentes de severidad 4 tienen una duración notablemente mayor que los de severidad 1 o 2.</a:t>
             </a:r>
+            <a:endParaRPr lang="es-ES" dirty="0">
+              <a:solidFill>
+                <a:schemeClr val="tx1">
+                  <a:lumMod val="85000"/>
+                  <a:lumOff val="15000"/>
+                </a:schemeClr>
+              </a:solidFill>
+              <a:latin typeface="Arial Black" panose="020B0A04020102020204" pitchFamily="34" charset="0"/>
+            </a:endParaRPr>
           </a:p>
           <a:p>
             <a:pPr algn="just"/>
@@ -7216,6 +6873,15 @@
               </a:rPr>
               <a:t>- Mayor dispersión en severidades altas: Los accidentes más graves (severidad 3 y 4) muestran cajas más amplias y bigotes más extensos, indicando mayor variabilidad en los tiempos de resolución.</a:t>
             </a:r>
+            <a:endParaRPr lang="es-ES" dirty="0">
+              <a:solidFill>
+                <a:schemeClr val="tx1">
+                  <a:lumMod val="85000"/>
+                  <a:lumOff val="15000"/>
+                </a:schemeClr>
+              </a:solidFill>
+              <a:latin typeface="Arial Black" panose="020B0A04020102020204" pitchFamily="34" charset="0"/>
+            </a:endParaRPr>
           </a:p>
           <a:p>
             <a:pPr algn="just"/>
@@ -7243,18 +6909,21 @@
               </a:rPr>
               <a:t>- Outliers en todos los niveles: Se observan valores atípicos en todas las categorías, pero son más frecuentes y extremos en severidades bajas, posiblemente debido al mayor volumen de datos en esas categorías.</a:t>
             </a:r>
-          </a:p>
-        </p:txBody>
-      </p:sp>
-      <p:sp>
-        <p:nvSpPr>
-          <p:cNvPr id="12" name="CuadroTexto 11">
-            <a:extLst>
-              <a:ext uri="{FF2B5EF4-FFF2-40B4-BE49-F238E27FC236}">
-                <a16:creationId xmlns:a16="http://schemas.microsoft.com/office/drawing/2014/main" id="{415F2245-0C66-4FF2-AD0E-BEB6C6E99ADA}"/>
-              </a:ext>
-            </a:extLst>
-          </p:cNvPr>
+            <a:endParaRPr lang="es-ES" dirty="0">
+              <a:solidFill>
+                <a:schemeClr val="tx1">
+                  <a:lumMod val="85000"/>
+                  <a:lumOff val="15000"/>
+                </a:schemeClr>
+              </a:solidFill>
+              <a:latin typeface="Arial Black" panose="020B0A04020102020204" pitchFamily="34" charset="0"/>
+            </a:endParaRPr>
+          </a:p>
+        </p:txBody>
+      </p:sp>
+      <p:sp>
+        <p:nvSpPr>
+          <p:cNvPr id="12" name="CuadroTexto 11"/>
           <p:cNvSpPr txBox="1"/>
           <p:nvPr/>
         </p:nvSpPr>
@@ -7311,15 +6980,19 @@
               </a:rPr>
               <a:t>La duración en este dataset representa el tiempo que el incidente afectó el tráfico (desde `Start Time` hasta `End Time`), no necesariamente la gravedad de las lesiones. Por ello, esta variable podría considerarse más como una **consecuencia de la severidad** que como un predictor independiente</a:t>
             </a:r>
+            <a:endParaRPr lang="es-ES" sz="1400" dirty="0">
+              <a:solidFill>
+                <a:schemeClr val="tx1">
+                  <a:lumMod val="85000"/>
+                  <a:lumOff val="15000"/>
+                </a:schemeClr>
+              </a:solidFill>
+              <a:latin typeface="Arial Black" panose="020B0A04020102020204" pitchFamily="34" charset="0"/>
+            </a:endParaRPr>
           </a:p>
         </p:txBody>
       </p:sp>
     </p:spTree>
-    <p:extLst>
-      <p:ext uri="{BB962C8B-B14F-4D97-AF65-F5344CB8AC3E}">
-        <p14:creationId xmlns:p14="http://schemas.microsoft.com/office/powerpoint/2010/main" val="511660788"/>
-      </p:ext>
-    </p:extLst>
   </p:cSld>
   <p:clrMapOvr>
     <a:masterClrMapping/>
@@ -7344,87 +7017,9 @@
           <a:chExt cx="0" cy="0"/>
         </a:xfrm>
       </p:grpSpPr>
-      <p:pic>
-        <p:nvPicPr>
-          <p:cNvPr id="10" name="Imagen 9">
-            <a:extLst>
-              <a:ext uri="{FF2B5EF4-FFF2-40B4-BE49-F238E27FC236}">
-                <a16:creationId xmlns:a16="http://schemas.microsoft.com/office/drawing/2014/main" id="{84D0AD3E-C8E1-4043-A2F0-284C4F168FAF}"/>
-              </a:ext>
-            </a:extLst>
-          </p:cNvPr>
-          <p:cNvPicPr>
-            <a:picLocks noChangeAspect="1"/>
-          </p:cNvPicPr>
-          <p:nvPr/>
-        </p:nvPicPr>
-        <p:blipFill>
-          <a:blip r:embed="rId2">
-            <a:extLst>
-              <a:ext uri="{28A0092B-C50C-407E-A947-70E740481C1C}">
-                <a14:useLocalDpi xmlns:a14="http://schemas.microsoft.com/office/drawing/2010/main" val="0"/>
-              </a:ext>
-            </a:extLst>
-          </a:blip>
-          <a:stretch>
-            <a:fillRect/>
-          </a:stretch>
-        </p:blipFill>
-        <p:spPr>
-          <a:xfrm>
-            <a:off x="5506271" y="737019"/>
-            <a:ext cx="6644080" cy="4350774"/>
-          </a:xfrm>
-          <a:prstGeom prst="rect">
-            <a:avLst/>
-          </a:prstGeom>
-        </p:spPr>
-      </p:pic>
-      <p:pic>
-        <p:nvPicPr>
-          <p:cNvPr id="16" name="Imagen 15">
-            <a:extLst>
-              <a:ext uri="{FF2B5EF4-FFF2-40B4-BE49-F238E27FC236}">
-                <a16:creationId xmlns:a16="http://schemas.microsoft.com/office/drawing/2014/main" id="{44DE7491-C3D1-4803-8873-3F90014CB8C6}"/>
-              </a:ext>
-            </a:extLst>
-          </p:cNvPr>
-          <p:cNvPicPr>
-            <a:picLocks noChangeAspect="1"/>
-          </p:cNvPicPr>
-          <p:nvPr/>
-        </p:nvPicPr>
-        <p:blipFill>
-          <a:blip r:embed="rId3">
-            <a:extLst>
-              <a:ext uri="{28A0092B-C50C-407E-A947-70E740481C1C}">
-                <a14:useLocalDpi xmlns:a14="http://schemas.microsoft.com/office/drawing/2010/main" val="0"/>
-              </a:ext>
-            </a:extLst>
-          </a:blip>
-          <a:stretch>
-            <a:fillRect/>
-          </a:stretch>
-        </p:blipFill>
-        <p:spPr>
-          <a:xfrm>
-            <a:off x="251668" y="737710"/>
-            <a:ext cx="5002935" cy="4254380"/>
-          </a:xfrm>
-          <a:prstGeom prst="rect">
-            <a:avLst/>
-          </a:prstGeom>
-        </p:spPr>
-      </p:pic>
-      <p:sp>
-        <p:nvSpPr>
-          <p:cNvPr id="6" name="CuadroTexto 5">
-            <a:extLst>
-              <a:ext uri="{FF2B5EF4-FFF2-40B4-BE49-F238E27FC236}">
-                <a16:creationId xmlns:a16="http://schemas.microsoft.com/office/drawing/2014/main" id="{760BDEAA-FCB8-48C2-A38B-798A653DEACF}"/>
-              </a:ext>
-            </a:extLst>
-          </p:cNvPr>
+      <p:sp>
+        <p:nvSpPr>
+          <p:cNvPr id="6" name="CuadroTexto 5"/>
           <p:cNvSpPr txBox="1"/>
           <p:nvPr/>
         </p:nvSpPr>
@@ -7456,25 +7051,28 @@
               </a:rPr>
               <a:t>Árbol de Decisión, Resultados del Modelo</a:t>
             </a:r>
-          </a:p>
-        </p:txBody>
-      </p:sp>
-      <p:sp>
-        <p:nvSpPr>
-          <p:cNvPr id="11" name="CuadroTexto 10">
-            <a:extLst>
-              <a:ext uri="{FF2B5EF4-FFF2-40B4-BE49-F238E27FC236}">
-                <a16:creationId xmlns:a16="http://schemas.microsoft.com/office/drawing/2014/main" id="{C2AD3073-FE99-42C0-9955-C8E48700A0E9}"/>
-              </a:ext>
-            </a:extLst>
-          </p:cNvPr>
+            <a:endParaRPr lang="es-ES" sz="2800" dirty="0">
+              <a:solidFill>
+                <a:schemeClr val="tx1">
+                  <a:lumMod val="85000"/>
+                  <a:lumOff val="15000"/>
+                </a:schemeClr>
+              </a:solidFill>
+              <a:latin typeface="Arial Black" panose="020B0A04020102020204" pitchFamily="34" charset="0"/>
+            </a:endParaRPr>
+          </a:p>
+        </p:txBody>
+      </p:sp>
+      <p:sp>
+        <p:nvSpPr>
+          <p:cNvPr id="11" name="CuadroTexto 10"/>
           <p:cNvSpPr txBox="1"/>
           <p:nvPr/>
         </p:nvSpPr>
         <p:spPr>
           <a:xfrm>
             <a:off x="162961" y="4902317"/>
-            <a:ext cx="2522290" cy="615553"/>
+            <a:ext cx="2522290" cy="614045"/>
           </a:xfrm>
           <a:prstGeom prst="rect">
             <a:avLst/>
@@ -7513,7 +7111,55 @@
                 </a:solidFill>
                 <a:latin typeface="Arial Black" panose="020B0A04020102020204" pitchFamily="34" charset="0"/>
               </a:rPr>
-              <a:t>Exactitud: 77.9%</a:t>
+              <a:t>Exactitud: </a:t>
+            </a:r>
+            <a:r>
+              <a:rPr lang="en-US" altLang="es-ES" sz="1600" b="1" dirty="0">
+                <a:solidFill>
+                  <a:schemeClr val="tx1">
+                    <a:lumMod val="85000"/>
+                    <a:lumOff val="15000"/>
+                  </a:schemeClr>
+                </a:solidFill>
+                <a:latin typeface="Arial Black" panose="020B0A04020102020204" pitchFamily="34" charset="0"/>
+              </a:rPr>
+              <a:t>52</a:t>
+            </a:r>
+            <a:r>
+              <a:rPr lang="es-ES" sz="1600" b="1" dirty="0">
+                <a:solidFill>
+                  <a:schemeClr val="tx1">
+                    <a:lumMod val="85000"/>
+                    <a:lumOff val="15000"/>
+                  </a:schemeClr>
+                </a:solidFill>
+                <a:latin typeface="Arial Black" panose="020B0A04020102020204" pitchFamily="34" charset="0"/>
+              </a:rPr>
+              <a:t>.</a:t>
+            </a:r>
+            <a:r>
+              <a:rPr lang="en-US" altLang="es-ES" sz="1600" b="1" dirty="0">
+                <a:solidFill>
+                  <a:schemeClr val="tx1">
+                    <a:lumMod val="85000"/>
+                    <a:lumOff val="15000"/>
+                  </a:schemeClr>
+                </a:solidFill>
+                <a:latin typeface="Arial Black" panose="020B0A04020102020204" pitchFamily="34" charset="0"/>
+              </a:rPr>
+              <a:t>0</a:t>
+            </a:r>
+            <a:r>
+              <a:rPr lang="es-ES" sz="1600" b="1" dirty="0">
+                <a:solidFill>
+                  <a:schemeClr val="tx1">
+                    <a:lumMod val="85000"/>
+                    <a:lumOff val="15000"/>
+                  </a:schemeClr>
+                </a:solidFill>
+                <a:latin typeface="Arial Black" panose="020B0A04020102020204" pitchFamily="34" charset="0"/>
+              </a:rPr>
+              <a:t>9%</a:t>
             </a:r>
             <a:endParaRPr lang="es-ES" sz="1600" dirty="0">
               <a:solidFill>
@@ -7529,20 +7175,14 @@
       </p:sp>
       <p:sp>
         <p:nvSpPr>
-          <p:cNvPr id="12" name="CuadroTexto 11">
-            <a:extLst>
-              <a:ext uri="{FF2B5EF4-FFF2-40B4-BE49-F238E27FC236}">
-                <a16:creationId xmlns:a16="http://schemas.microsoft.com/office/drawing/2014/main" id="{D1F281FE-D55B-4CCD-A6A4-BA901175659E}"/>
-              </a:ext>
-            </a:extLst>
-          </p:cNvPr>
+          <p:cNvPr id="12" name="CuadroTexto 11"/>
           <p:cNvSpPr txBox="1"/>
           <p:nvPr/>
         </p:nvSpPr>
         <p:spPr>
           <a:xfrm>
             <a:off x="162961" y="5535515"/>
-            <a:ext cx="11866077" cy="584775"/>
+            <a:ext cx="11866077" cy="583565"/>
           </a:xfrm>
           <a:prstGeom prst="rect">
             <a:avLst/>
@@ -7569,11 +7209,10 @@
               <a:buSzTx/>
               <a:buFont typeface="Arial" panose="020B0604020202020204" pitchFamily="34" charset="0"/>
               <a:buChar char="•"/>
-              <a:tabLst/>
               <a:defRPr/>
             </a:pPr>
             <a:r>
-              <a:rPr kumimoji="0" lang="es-ES" sz="1600" b="0" i="0" u="none" strike="noStrike" kern="1200" cap="none" spc="0" normalizeH="0" baseline="0" noProof="0" dirty="0">
+              <a:rPr kumimoji="0" lang="en-US" altLang="es-ES" sz="1600" b="0" i="0" u="none" strike="noStrike" kern="1200" cap="none" spc="0" normalizeH="0" baseline="0" noProof="0" dirty="0">
                 <a:ln>
                   <a:noFill/>
                 </a:ln>
@@ -7590,27 +7229,98 @@
                 <a:ea typeface="+mn-ea"/>
                 <a:cs typeface="+mn-cs"/>
               </a:rPr>
-              <a:t>Logró identificar algunos casos de las clases minoritarias (Severidades 1 y 3), aunque con baja precisión debido al fuerte desbalance de los datos.</a:t>
-            </a:r>
-          </a:p>
-        </p:txBody>
-      </p:sp>
-      <p:sp>
-        <p:nvSpPr>
-          <p:cNvPr id="13" name="CuadroTexto 12">
-            <a:extLst>
-              <a:ext uri="{FF2B5EF4-FFF2-40B4-BE49-F238E27FC236}">
-                <a16:creationId xmlns:a16="http://schemas.microsoft.com/office/drawing/2014/main" id="{84C2D0CA-7B32-403F-9178-D62849D59631}"/>
-              </a:ext>
-            </a:extLst>
-          </p:cNvPr>
+              <a:t>Muestra un sesgo hacia la predicci</a:t>
+            </a:r>
+            <a:r>
+              <a:rPr kumimoji="0" lang="" altLang="es-ES" sz="1600" b="0" i="0" u="none" strike="noStrike" kern="1200" cap="none" spc="0" normalizeH="0" baseline="0" noProof="0" dirty="0">
+                <a:ln>
+                  <a:noFill/>
+                </a:ln>
+                <a:solidFill>
+                  <a:schemeClr val="tx1">
+                    <a:lumMod val="85000"/>
+                    <a:lumOff val="15000"/>
+                  </a:schemeClr>
+                </a:solidFill>
+                <a:effectLst/>
+                <a:uLnTx/>
+                <a:uFillTx/>
+                <a:latin typeface="Arial Black" panose="020B0A04020102020204" pitchFamily="34" charset="0"/>
+                <a:ea typeface="+mn-ea"/>
+                <a:cs typeface="+mn-cs"/>
+              </a:rPr>
+              <a:t>ón</a:t>
+            </a:r>
+            <a:r>
+              <a:rPr kumimoji="0" lang="en-US" altLang="es-ES" sz="1600" b="0" i="0" u="none" strike="noStrike" kern="1200" cap="none" spc="0" normalizeH="0" baseline="0" noProof="0" dirty="0">
+                <a:ln>
+                  <a:noFill/>
+                </a:ln>
+                <a:solidFill>
+                  <a:schemeClr val="tx1">
+                    <a:lumMod val="85000"/>
+                    <a:lumOff val="15000"/>
+                  </a:schemeClr>
+                </a:solidFill>
+                <a:effectLst/>
+                <a:uLnTx/>
+                <a:uFillTx/>
+                <a:latin typeface="Arial Black" panose="020B0A04020102020204" pitchFamily="34" charset="0"/>
+                <a:ea typeface="+mn-ea"/>
+                <a:cs typeface="+mn-cs"/>
+              </a:rPr>
+              <a:t> de la severidad 1 lo que </a:t>
+            </a:r>
+            <a:r>
+              <a:rPr kumimoji="0" lang="en-US" altLang="en-US" sz="1600" b="0" i="0" u="none" strike="noStrike" kern="1200" cap="none" spc="0" normalizeH="0" baseline="0" noProof="0" dirty="0">
+                <a:ln>
+                  <a:noFill/>
+                </a:ln>
+                <a:solidFill>
+                  <a:schemeClr val="tx1">
+                    <a:lumMod val="85000"/>
+                    <a:lumOff val="15000"/>
+                  </a:schemeClr>
+                </a:solidFill>
+                <a:effectLst/>
+                <a:uLnTx/>
+                <a:uFillTx/>
+                <a:latin typeface="Arial Black" panose="020B0A04020102020204" pitchFamily="34" charset="0"/>
+                <a:ea typeface="+mn-ea"/>
+                <a:cs typeface="+mn-cs"/>
+              </a:rPr>
+              <a:t>sugiere que los accidentes con menor impacto en tráfico tienen características más distintivas y predecibles que los de alto impacto</a:t>
+            </a:r>
+            <a:endParaRPr kumimoji="0" lang="en-US" altLang="en-US" sz="1600" b="0" i="0" u="none" strike="noStrike" kern="1200" cap="none" spc="0" normalizeH="0" baseline="0" noProof="0" dirty="0">
+              <a:ln>
+                <a:noFill/>
+              </a:ln>
+              <a:solidFill>
+                <a:schemeClr val="tx1">
+                  <a:lumMod val="85000"/>
+                  <a:lumOff val="15000"/>
+                </a:schemeClr>
+              </a:solidFill>
+              <a:effectLst/>
+              <a:uLnTx/>
+              <a:uFillTx/>
+              <a:latin typeface="Arial Black" panose="020B0A04020102020204" pitchFamily="34" charset="0"/>
+              <a:ea typeface="+mn-ea"/>
+              <a:cs typeface="+mn-cs"/>
+            </a:endParaRPr>
+          </a:p>
+        </p:txBody>
+      </p:sp>
+      <p:sp>
+        <p:nvSpPr>
+          <p:cNvPr id="13" name="CuadroTexto 12"/>
           <p:cNvSpPr txBox="1"/>
           <p:nvPr/>
         </p:nvSpPr>
         <p:spPr>
           <a:xfrm>
             <a:off x="162961" y="6137935"/>
-            <a:ext cx="11897350" cy="584775"/>
+            <a:ext cx="11897350" cy="583565"/>
           </a:xfrm>
           <a:prstGeom prst="rect">
             <a:avLst/>
@@ -7637,7 +7347,6 @@
               <a:buSzTx/>
               <a:buFont typeface="Arial" panose="020B0604020202020204" pitchFamily="34" charset="0"/>
               <a:buChar char="•"/>
-              <a:tabLst/>
               <a:defRPr/>
             </a:pPr>
             <a:r>
@@ -7681,6 +7390,46 @@
               <a:t> Identificó </a:t>
             </a:r>
             <a:r>
+              <a:rPr kumimoji="0" lang="en-US" altLang="es-ES" sz="1600" b="0" i="1" u="none" strike="noStrike" kern="1200" cap="none" spc="0" normalizeH="0" baseline="0" noProof="0" dirty="0">
+                <a:ln>
+                  <a:noFill/>
+                </a:ln>
+                <a:solidFill>
+                  <a:schemeClr val="tx1">
+                    <a:lumMod val="85000"/>
+                    <a:lumOff val="15000"/>
+                  </a:schemeClr>
+                </a:solidFill>
+                <a:effectLst/>
+                <a:uLnTx/>
+                <a:uFillTx/>
+                <a:latin typeface="Arial Black" panose="020B0A04020102020204" pitchFamily="34" charset="0"/>
+                <a:ea typeface="+mn-ea"/>
+                <a:cs typeface="+mn-cs"/>
+              </a:rPr>
+              <a:t>Mes</a:t>
+            </a:r>
+            <a:r>
+              <a:rPr kumimoji="0" lang="es-ES" sz="1600" b="0" i="0" u="none" strike="noStrike" kern="1200" cap="none" spc="0" normalizeH="0" baseline="0" noProof="0" dirty="0">
+                <a:ln>
+                  <a:noFill/>
+                </a:ln>
+                <a:solidFill>
+                  <a:schemeClr val="tx1">
+                    <a:lumMod val="85000"/>
+                    <a:lumOff val="15000"/>
+                  </a:schemeClr>
+                </a:solidFill>
+                <a:effectLst/>
+                <a:uLnTx/>
+                <a:uFillTx/>
+                <a:latin typeface="Arial Black" panose="020B0A04020102020204" pitchFamily="34" charset="0"/>
+                <a:ea typeface="+mn-ea"/>
+                <a:cs typeface="+mn-cs"/>
+              </a:rPr>
+              <a:t>, </a:t>
+            </a:r>
+            <a:r>
               <a:rPr kumimoji="0" lang="es-ES" sz="1600" b="0" i="1" u="none" strike="noStrike" kern="1200" cap="none" spc="0" normalizeH="0" baseline="0" noProof="0" dirty="0">
                 <a:ln>
                   <a:noFill/>
@@ -7698,7 +7447,7 @@
                 <a:ea typeface="+mn-ea"/>
                 <a:cs typeface="+mn-cs"/>
               </a:rPr>
-              <a:t>Condición Climática</a:t>
+              <a:t>Estado</a:t>
             </a:r>
             <a:r>
               <a:rPr kumimoji="0" lang="es-ES" sz="1600" b="0" i="0" u="none" strike="noStrike" kern="1200" cap="none" spc="0" normalizeH="0" baseline="0" noProof="0" dirty="0">
@@ -7718,7 +7467,7 @@
                 <a:ea typeface="+mn-ea"/>
                 <a:cs typeface="+mn-cs"/>
               </a:rPr>
-              <a:t>, </a:t>
+              <a:t> y </a:t>
             </a:r>
             <a:r>
               <a:rPr kumimoji="0" lang="es-ES" sz="1600" b="0" i="1" u="none" strike="noStrike" kern="1200" cap="none" spc="0" normalizeH="0" baseline="0" noProof="0" dirty="0">
@@ -7738,7 +7487,7 @@
                 <a:ea typeface="+mn-ea"/>
                 <a:cs typeface="+mn-cs"/>
               </a:rPr>
-              <a:t>Estado</a:t>
+              <a:t>Presencia de Semáforo</a:t>
             </a:r>
             <a:r>
               <a:rPr kumimoji="0" lang="es-ES" sz="1600" b="0" i="0" u="none" strike="noStrike" kern="1200" cap="none" spc="0" normalizeH="0" baseline="0" noProof="0" dirty="0">
@@ -7758,57 +7507,77 @@
                 <a:ea typeface="+mn-ea"/>
                 <a:cs typeface="+mn-cs"/>
               </a:rPr>
-              <a:t> y </a:t>
-            </a:r>
-            <a:r>
-              <a:rPr kumimoji="0" lang="es-ES" sz="1600" b="0" i="1" u="none" strike="noStrike" kern="1200" cap="none" spc="0" normalizeH="0" baseline="0" noProof="0" dirty="0">
-                <a:ln>
-                  <a:noFill/>
-                </a:ln>
-                <a:solidFill>
-                  <a:schemeClr val="tx1">
-                    <a:lumMod val="85000"/>
-                    <a:lumOff val="15000"/>
-                  </a:schemeClr>
-                </a:solidFill>
-                <a:effectLst/>
-                <a:uLnTx/>
-                <a:uFillTx/>
-                <a:latin typeface="Arial Black" panose="020B0A04020102020204" pitchFamily="34" charset="0"/>
-                <a:ea typeface="+mn-ea"/>
-                <a:cs typeface="+mn-cs"/>
-              </a:rPr>
-              <a:t>Presencia de Semáforo</a:t>
-            </a:r>
-            <a:r>
-              <a:rPr kumimoji="0" lang="es-ES" sz="1600" b="0" i="0" u="none" strike="noStrike" kern="1200" cap="none" spc="0" normalizeH="0" baseline="0" noProof="0" dirty="0">
-                <a:ln>
-                  <a:noFill/>
-                </a:ln>
-                <a:solidFill>
-                  <a:schemeClr val="tx1">
-                    <a:lumMod val="85000"/>
-                    <a:lumOff val="15000"/>
-                  </a:schemeClr>
-                </a:solidFill>
-                <a:effectLst/>
-                <a:uLnTx/>
-                <a:uFillTx/>
-                <a:latin typeface="Arial Black" panose="020B0A04020102020204" pitchFamily="34" charset="0"/>
-                <a:ea typeface="+mn-ea"/>
-                <a:cs typeface="+mn-cs"/>
-              </a:rPr>
               <a:t> como las variables más importantes para dividir los datos.</a:t>
             </a:r>
-          </a:p>
-        </p:txBody>
-      </p:sp>
+            <a:endParaRPr kumimoji="0" lang="es-ES" sz="1600" b="0" i="0" u="none" strike="noStrike" kern="1200" cap="none" spc="0" normalizeH="0" baseline="0" noProof="0" dirty="0">
+              <a:ln>
+                <a:noFill/>
+              </a:ln>
+              <a:solidFill>
+                <a:schemeClr val="tx1">
+                  <a:lumMod val="85000"/>
+                  <a:lumOff val="15000"/>
+                </a:schemeClr>
+              </a:solidFill>
+              <a:effectLst/>
+              <a:uLnTx/>
+              <a:uFillTx/>
+              <a:latin typeface="Arial Black" panose="020B0A04020102020204" pitchFamily="34" charset="0"/>
+              <a:ea typeface="+mn-ea"/>
+              <a:cs typeface="+mn-cs"/>
+            </a:endParaRPr>
+          </a:p>
+        </p:txBody>
+      </p:sp>
+      <p:pic>
+        <p:nvPicPr>
+          <p:cNvPr id="2" name="Picture 1"/>
+          <p:cNvPicPr>
+            <a:picLocks noChangeAspect="1"/>
+          </p:cNvPicPr>
+          <p:nvPr/>
+        </p:nvPicPr>
+        <p:blipFill>
+          <a:blip r:embed="rId1"/>
+          <a:stretch>
+            <a:fillRect/>
+          </a:stretch>
+        </p:blipFill>
+        <p:spPr>
+          <a:xfrm>
+            <a:off x="163195" y="547370"/>
+            <a:ext cx="5342255" cy="4542790"/>
+          </a:xfrm>
+          <a:prstGeom prst="rect">
+            <a:avLst/>
+          </a:prstGeom>
+        </p:spPr>
+      </p:pic>
+      <p:pic>
+        <p:nvPicPr>
+          <p:cNvPr id="3" name="Picture 2"/>
+          <p:cNvPicPr>
+            <a:picLocks noChangeAspect="1"/>
+          </p:cNvPicPr>
+          <p:nvPr/>
+        </p:nvPicPr>
+        <p:blipFill>
+          <a:blip r:embed="rId2"/>
+          <a:stretch>
+            <a:fillRect/>
+          </a:stretch>
+        </p:blipFill>
+        <p:spPr>
+          <a:xfrm>
+            <a:off x="5602605" y="610235"/>
+            <a:ext cx="6457950" cy="4291330"/>
+          </a:xfrm>
+          <a:prstGeom prst="rect">
+            <a:avLst/>
+          </a:prstGeom>
+        </p:spPr>
+      </p:pic>
     </p:spTree>
-    <p:extLst>
-      <p:ext uri="{BB962C8B-B14F-4D97-AF65-F5344CB8AC3E}">
-        <p14:creationId xmlns:p14="http://schemas.microsoft.com/office/powerpoint/2010/main" val="685587523"/>
-      </p:ext>
-    </p:extLst>
   </p:cSld>
   <p:clrMapOvr>
     <a:masterClrMapping/>
@@ -7835,13 +7604,7 @@
       </p:grpSpPr>
       <p:sp>
         <p:nvSpPr>
-          <p:cNvPr id="6" name="CuadroTexto 5">
-            <a:extLst>
-              <a:ext uri="{FF2B5EF4-FFF2-40B4-BE49-F238E27FC236}">
-                <a16:creationId xmlns:a16="http://schemas.microsoft.com/office/drawing/2014/main" id="{760BDEAA-FCB8-48C2-A38B-798A653DEACF}"/>
-              </a:ext>
-            </a:extLst>
-          </p:cNvPr>
+          <p:cNvPr id="6" name="CuadroTexto 5"/>
           <p:cNvSpPr txBox="1"/>
           <p:nvPr/>
         </p:nvSpPr>
@@ -7873,25 +7636,28 @@
               </a:rPr>
               <a:t>Random Forest, Resultados del Modelo</a:t>
             </a:r>
-          </a:p>
-        </p:txBody>
-      </p:sp>
-      <p:sp>
-        <p:nvSpPr>
-          <p:cNvPr id="11" name="CuadroTexto 10">
-            <a:extLst>
-              <a:ext uri="{FF2B5EF4-FFF2-40B4-BE49-F238E27FC236}">
-                <a16:creationId xmlns:a16="http://schemas.microsoft.com/office/drawing/2014/main" id="{C2AD3073-FE99-42C0-9955-C8E48700A0E9}"/>
-              </a:ext>
-            </a:extLst>
-          </p:cNvPr>
+            <a:endParaRPr lang="es-ES" sz="2800" dirty="0">
+              <a:solidFill>
+                <a:schemeClr val="tx1">
+                  <a:lumMod val="85000"/>
+                  <a:lumOff val="15000"/>
+                </a:schemeClr>
+              </a:solidFill>
+              <a:latin typeface="Arial Black" panose="020B0A04020102020204" pitchFamily="34" charset="0"/>
+            </a:endParaRPr>
+          </a:p>
+        </p:txBody>
+      </p:sp>
+      <p:sp>
+        <p:nvSpPr>
+          <p:cNvPr id="11" name="CuadroTexto 10"/>
           <p:cNvSpPr txBox="1"/>
           <p:nvPr/>
         </p:nvSpPr>
         <p:spPr>
           <a:xfrm>
             <a:off x="162961" y="4902317"/>
-            <a:ext cx="2522290" cy="615553"/>
+            <a:ext cx="2522290" cy="614045"/>
           </a:xfrm>
           <a:prstGeom prst="rect">
             <a:avLst/>
@@ -7930,7 +7696,55 @@
                 </a:solidFill>
                 <a:latin typeface="Arial Black" panose="020B0A04020102020204" pitchFamily="34" charset="0"/>
               </a:rPr>
-              <a:t>Exactitud: 77.7%</a:t>
+              <a:t>Exactitud: </a:t>
+            </a:r>
+            <a:r>
+              <a:rPr lang="en-US" altLang="es-ES" sz="1600" b="1" dirty="0">
+                <a:solidFill>
+                  <a:schemeClr val="tx1">
+                    <a:lumMod val="85000"/>
+                    <a:lumOff val="15000"/>
+                  </a:schemeClr>
+                </a:solidFill>
+                <a:latin typeface="Arial Black" panose="020B0A04020102020204" pitchFamily="34" charset="0"/>
+              </a:rPr>
+              <a:t>54</a:t>
+            </a:r>
+            <a:r>
+              <a:rPr lang="es-ES" sz="1600" b="1" dirty="0">
+                <a:solidFill>
+                  <a:schemeClr val="tx1">
+                    <a:lumMod val="85000"/>
+                    <a:lumOff val="15000"/>
+                  </a:schemeClr>
+                </a:solidFill>
+                <a:latin typeface="Arial Black" panose="020B0A04020102020204" pitchFamily="34" charset="0"/>
+              </a:rPr>
+              <a:t>.</a:t>
+            </a:r>
+            <a:r>
+              <a:rPr lang="en-US" altLang="es-ES" sz="1600" b="1" dirty="0">
+                <a:solidFill>
+                  <a:schemeClr val="tx1">
+                    <a:lumMod val="85000"/>
+                    <a:lumOff val="15000"/>
+                  </a:schemeClr>
+                </a:solidFill>
+                <a:latin typeface="Arial Black" panose="020B0A04020102020204" pitchFamily="34" charset="0"/>
+              </a:rPr>
+              <a:t>27</a:t>
+            </a:r>
+            <a:r>
+              <a:rPr lang="es-ES" sz="1600" b="1" dirty="0">
+                <a:solidFill>
+                  <a:schemeClr val="tx1">
+                    <a:lumMod val="85000"/>
+                    <a:lumOff val="15000"/>
+                  </a:schemeClr>
+                </a:solidFill>
+                <a:latin typeface="Arial Black" panose="020B0A04020102020204" pitchFamily="34" charset="0"/>
+              </a:rPr>
+              <a:t>%</a:t>
             </a:r>
             <a:endParaRPr lang="es-ES" sz="1600" dirty="0">
               <a:solidFill>
@@ -7946,20 +7760,14 @@
       </p:sp>
       <p:sp>
         <p:nvSpPr>
-          <p:cNvPr id="12" name="CuadroTexto 11">
-            <a:extLst>
-              <a:ext uri="{FF2B5EF4-FFF2-40B4-BE49-F238E27FC236}">
-                <a16:creationId xmlns:a16="http://schemas.microsoft.com/office/drawing/2014/main" id="{D1F281FE-D55B-4CCD-A6A4-BA901175659E}"/>
-              </a:ext>
-            </a:extLst>
-          </p:cNvPr>
+          <p:cNvPr id="12" name="CuadroTexto 11"/>
           <p:cNvSpPr txBox="1"/>
           <p:nvPr/>
         </p:nvSpPr>
         <p:spPr>
           <a:xfrm>
             <a:off x="162961" y="5535515"/>
-            <a:ext cx="11866077" cy="584775"/>
+            <a:ext cx="11866077" cy="583565"/>
           </a:xfrm>
           <a:prstGeom prst="rect">
             <a:avLst/>
@@ -7986,11 +7794,10 @@
               <a:buSzTx/>
               <a:buFont typeface="Arial" panose="020B0604020202020204" pitchFamily="34" charset="0"/>
               <a:buChar char="•"/>
-              <a:tabLst/>
               <a:defRPr/>
             </a:pPr>
             <a:r>
-              <a:rPr kumimoji="0" lang="es-ES" sz="1600" b="0" i="0" u="none" strike="noStrike" kern="1200" cap="none" spc="0" normalizeH="0" baseline="0" noProof="0" dirty="0">
+              <a:rPr kumimoji="0" lang="en-US" sz="1600" b="0" i="0" u="none" strike="noStrike" kern="1200" cap="none" spc="0" normalizeH="0" baseline="0" noProof="0" dirty="0">
                 <a:ln>
                   <a:noFill/>
                 </a:ln>
@@ -8007,27 +7814,138 @@
                 <a:ea typeface="+mn-ea"/>
                 <a:cs typeface="+mn-cs"/>
               </a:rPr>
-              <a:t>Comportamiento: Maximiza la estabilidad enfocándose casi exclusivamente en la clase mayoritaria (Severidad 2), ignorando casi por completo las clases raras para evitar falsos positivos ruidosos.</a:t>
-            </a:r>
-          </a:p>
-        </p:txBody>
-      </p:sp>
-      <p:sp>
-        <p:nvSpPr>
-          <p:cNvPr id="13" name="CuadroTexto 12">
-            <a:extLst>
-              <a:ext uri="{FF2B5EF4-FFF2-40B4-BE49-F238E27FC236}">
-                <a16:creationId xmlns:a16="http://schemas.microsoft.com/office/drawing/2014/main" id="{84C2D0CA-7B32-403F-9178-D62849D59631}"/>
-              </a:ext>
-            </a:extLst>
-          </p:cNvPr>
+              <a:t>Supera al </a:t>
+            </a:r>
+            <a:r>
+              <a:rPr kumimoji="0" lang="" sz="1600" b="0" i="0" u="none" strike="noStrike" kern="1200" cap="none" spc="0" normalizeH="0" baseline="0" noProof="0" dirty="0">
+                <a:ln>
+                  <a:noFill/>
+                </a:ln>
+                <a:solidFill>
+                  <a:schemeClr val="tx1">
+                    <a:lumMod val="85000"/>
+                    <a:lumOff val="15000"/>
+                  </a:schemeClr>
+                </a:solidFill>
+                <a:effectLst/>
+                <a:uLnTx/>
+                <a:uFillTx/>
+                <a:latin typeface="Arial Black" panose="020B0A04020102020204" pitchFamily="34" charset="0"/>
+                <a:ea typeface="+mn-ea"/>
+                <a:cs typeface="+mn-cs"/>
+              </a:rPr>
+              <a:t>Árbol de Decisión </a:t>
+            </a:r>
+            <a:r>
+              <a:rPr kumimoji="0" lang="en-US" altLang="en-US" sz="1600" b="0" i="0" u="none" strike="noStrike" kern="1200" cap="none" spc="0" normalizeH="0" baseline="0" noProof="0" dirty="0">
+                <a:ln>
+                  <a:noFill/>
+                </a:ln>
+                <a:solidFill>
+                  <a:schemeClr val="tx1">
+                    <a:lumMod val="85000"/>
+                    <a:lumOff val="15000"/>
+                  </a:schemeClr>
+                </a:solidFill>
+                <a:effectLst/>
+                <a:uLnTx/>
+                <a:uFillTx/>
+                <a:latin typeface="Arial Black" panose="020B0A04020102020204" pitchFamily="34" charset="0"/>
+                <a:ea typeface="+mn-ea"/>
+                <a:cs typeface="+mn-cs"/>
+              </a:rPr>
+              <a:t>al combinar múltiples árboles entrenados en muestras bootstrap con selección aleatoria de features</a:t>
+            </a:r>
+            <a:r>
+              <a:rPr kumimoji="0" lang="" altLang="en-US" sz="1600" b="0" i="0" u="none" strike="noStrike" kern="1200" cap="none" spc="0" normalizeH="0" baseline="0" noProof="0" dirty="0">
+                <a:ln>
+                  <a:noFill/>
+                </a:ln>
+                <a:solidFill>
+                  <a:schemeClr val="tx1">
+                    <a:lumMod val="85000"/>
+                    <a:lumOff val="15000"/>
+                  </a:schemeClr>
+                </a:solidFill>
+                <a:effectLst/>
+                <a:uLnTx/>
+                <a:uFillTx/>
+                <a:latin typeface="Arial Black" panose="020B0A04020102020204" pitchFamily="34" charset="0"/>
+                <a:ea typeface="+mn-ea"/>
+                <a:cs typeface="+mn-cs"/>
+              </a:rPr>
+              <a:t> </a:t>
+            </a:r>
+            <a:r>
+              <a:rPr kumimoji="0" lang="en-US" altLang="en-US" sz="1600" b="0" i="0" u="none" strike="noStrike" kern="1200" cap="none" spc="0" normalizeH="0" baseline="0" noProof="0" dirty="0">
+                <a:ln>
+                  <a:noFill/>
+                </a:ln>
+                <a:solidFill>
+                  <a:schemeClr val="tx1">
+                    <a:lumMod val="85000"/>
+                    <a:lumOff val="15000"/>
+                  </a:schemeClr>
+                </a:solidFill>
+                <a:effectLst/>
+                <a:uLnTx/>
+                <a:uFillTx/>
+                <a:latin typeface="Arial Black" panose="020B0A04020102020204" pitchFamily="34" charset="0"/>
+                <a:ea typeface="+mn-ea"/>
+                <a:cs typeface="+mn-cs"/>
+              </a:rPr>
+              <a:t>reduce la varianza y mejora la estabilidad predictiva.</a:t>
+            </a:r>
+            <a:r>
+              <a:rPr kumimoji="0" lang="en-US" altLang="es-ES" sz="1600" b="0" i="0" u="none" strike="noStrike" kern="1200" cap="none" spc="0" normalizeH="0" baseline="0" noProof="0" dirty="0">
+                <a:ln>
+                  <a:noFill/>
+                </a:ln>
+                <a:solidFill>
+                  <a:schemeClr val="tx1">
+                    <a:lumMod val="85000"/>
+                    <a:lumOff val="15000"/>
+                  </a:schemeClr>
+                </a:solidFill>
+                <a:effectLst/>
+                <a:uLnTx/>
+                <a:uFillTx/>
+                <a:latin typeface="Arial Black" panose="020B0A04020102020204" pitchFamily="34" charset="0"/>
+                <a:ea typeface="+mn-ea"/>
+                <a:cs typeface="+mn-cs"/>
+              </a:rPr>
+              <a:t> </a:t>
+            </a:r>
+            <a:endParaRPr kumimoji="0" lang="en-US" altLang="es-ES" sz="1600" b="0" i="0" u="none" strike="noStrike" kern="1200" cap="none" spc="0" normalizeH="0" baseline="0" noProof="0" dirty="0">
+              <a:ln>
+                <a:noFill/>
+              </a:ln>
+              <a:solidFill>
+                <a:schemeClr val="tx1">
+                  <a:lumMod val="85000"/>
+                  <a:lumOff val="15000"/>
+                </a:schemeClr>
+              </a:solidFill>
+              <a:effectLst/>
+              <a:uLnTx/>
+              <a:uFillTx/>
+              <a:latin typeface="Arial Black" panose="020B0A04020102020204" pitchFamily="34" charset="0"/>
+              <a:ea typeface="+mn-ea"/>
+              <a:cs typeface="+mn-cs"/>
+            </a:endParaRPr>
+          </a:p>
+        </p:txBody>
+      </p:sp>
+      <p:sp>
+        <p:nvSpPr>
+          <p:cNvPr id="13" name="CuadroTexto 12"/>
           <p:cNvSpPr txBox="1"/>
           <p:nvPr/>
         </p:nvSpPr>
         <p:spPr>
           <a:xfrm>
             <a:off x="162961" y="6137935"/>
-            <a:ext cx="11897350" cy="584775"/>
+            <a:ext cx="11897350" cy="583565"/>
           </a:xfrm>
           <a:prstGeom prst="rect">
             <a:avLst/>
@@ -8054,11 +7972,10 @@
               <a:buSzTx/>
               <a:buFont typeface="Arial" panose="020B0604020202020204" pitchFamily="34" charset="0"/>
               <a:buChar char="•"/>
-              <a:tabLst/>
               <a:defRPr/>
             </a:pPr>
             <a:r>
-              <a:rPr kumimoji="0" lang="es-ES" sz="1600" b="0" i="0" u="none" strike="noStrike" kern="1200" cap="none" spc="0" normalizeH="0" baseline="0" noProof="0" dirty="0">
+              <a:rPr kumimoji="0" lang="" altLang="es-ES" sz="1600" b="0" i="0" u="none" strike="noStrike" kern="1200" cap="none" spc="0" normalizeH="0" baseline="0" noProof="0" dirty="0">
                 <a:ln>
                   <a:noFill/>
                 </a:ln>
@@ -8075,41 +7992,46 @@
                 <a:ea typeface="+mn-ea"/>
                 <a:cs typeface="+mn-cs"/>
               </a:rPr>
-              <a:t>Jerarquía de Riesgo: Confirma que la Infraestructura Física (Semáforos, Cruces, Señales de Alto) domina sobre las condiciones temporales como predictor de severidad.</a:t>
-            </a:r>
+              <a:t>Mantiene el sesgo hacia la predicción de la severidad 1 aunque en menor cantidad y mantiene a Mes, Estado y Presencia de Semáforo como varibles más importantes a la hora de predecir.</a:t>
+            </a:r>
+            <a:endParaRPr kumimoji="0" lang="" altLang="es-ES" sz="1600" b="0" i="0" u="none" strike="noStrike" kern="1200" cap="none" spc="0" normalizeH="0" baseline="0" noProof="0" dirty="0">
+              <a:ln>
+                <a:noFill/>
+              </a:ln>
+              <a:solidFill>
+                <a:schemeClr val="tx1">
+                  <a:lumMod val="85000"/>
+                  <a:lumOff val="15000"/>
+                </a:schemeClr>
+              </a:solidFill>
+              <a:effectLst/>
+              <a:uLnTx/>
+              <a:uFillTx/>
+              <a:latin typeface="Arial Black" panose="020B0A04020102020204" pitchFamily="34" charset="0"/>
+              <a:ea typeface="+mn-ea"/>
+              <a:cs typeface="+mn-cs"/>
+            </a:endParaRPr>
           </a:p>
         </p:txBody>
       </p:sp>
       <p:pic>
         <p:nvPicPr>
-          <p:cNvPr id="3" name="Imagen 2">
-            <a:extLst>
-              <a:ext uri="{FF2B5EF4-FFF2-40B4-BE49-F238E27FC236}">
-                <a16:creationId xmlns:a16="http://schemas.microsoft.com/office/drawing/2014/main" id="{94257077-2600-4359-9FD3-0F31D24EAA03}"/>
-              </a:ext>
-            </a:extLst>
-          </p:cNvPr>
+          <p:cNvPr id="2" name="Picture 1"/>
           <p:cNvPicPr>
             <a:picLocks noChangeAspect="1"/>
           </p:cNvPicPr>
           <p:nvPr/>
         </p:nvPicPr>
         <p:blipFill>
-          <a:blip r:embed="rId2">
-            <a:extLst>
-              <a:ext uri="{28A0092B-C50C-407E-A947-70E740481C1C}">
-                <a14:useLocalDpi xmlns:a14="http://schemas.microsoft.com/office/drawing/2010/main" val="0"/>
-              </a:ext>
-            </a:extLst>
-          </a:blip>
+          <a:blip r:embed="rId1"/>
           <a:stretch>
             <a:fillRect/>
           </a:stretch>
         </p:blipFill>
         <p:spPr>
           <a:xfrm>
-            <a:off x="233667" y="761694"/>
-            <a:ext cx="5076897" cy="4317275"/>
+            <a:off x="15875" y="614680"/>
+            <a:ext cx="5238115" cy="4455160"/>
           </a:xfrm>
           <a:prstGeom prst="rect">
             <a:avLst/>
@@ -8118,34 +8040,22 @@
       </p:pic>
       <p:pic>
         <p:nvPicPr>
-          <p:cNvPr id="5" name="Imagen 4">
-            <a:extLst>
-              <a:ext uri="{FF2B5EF4-FFF2-40B4-BE49-F238E27FC236}">
-                <a16:creationId xmlns:a16="http://schemas.microsoft.com/office/drawing/2014/main" id="{A9BCAD4B-EC08-4AD3-8E61-2DCDA87B70DE}"/>
-              </a:ext>
-            </a:extLst>
-          </p:cNvPr>
+          <p:cNvPr id="4" name="Picture 3"/>
           <p:cNvPicPr>
             <a:picLocks noChangeAspect="1"/>
           </p:cNvPicPr>
           <p:nvPr/>
         </p:nvPicPr>
         <p:blipFill>
-          <a:blip r:embed="rId3">
-            <a:extLst>
-              <a:ext uri="{28A0092B-C50C-407E-A947-70E740481C1C}">
-                <a14:useLocalDpi xmlns:a14="http://schemas.microsoft.com/office/drawing/2010/main" val="0"/>
-              </a:ext>
-            </a:extLst>
-          </a:blip>
+          <a:blip r:embed="rId2"/>
           <a:stretch>
             <a:fillRect/>
           </a:stretch>
         </p:blipFill>
         <p:spPr>
           <a:xfrm>
-            <a:off x="5544231" y="740708"/>
-            <a:ext cx="6516080" cy="4329439"/>
+            <a:off x="5222875" y="548005"/>
+            <a:ext cx="6805930" cy="4521835"/>
           </a:xfrm>
           <a:prstGeom prst="rect">
             <a:avLst/>
@@ -8153,11 +8063,6 @@
         </p:spPr>
       </p:pic>
     </p:spTree>
-    <p:extLst>
-      <p:ext uri="{BB962C8B-B14F-4D97-AF65-F5344CB8AC3E}">
-        <p14:creationId xmlns:p14="http://schemas.microsoft.com/office/powerpoint/2010/main" val="611915844"/>
-      </p:ext>
-    </p:extLst>
   </p:cSld>
   <p:clrMapOvr>
     <a:masterClrMapping/>
@@ -8192,13 +8097,7 @@
       </p:grpSpPr>
       <p:sp>
         <p:nvSpPr>
-          <p:cNvPr id="4" name="CuadroTexto 3">
-            <a:extLst>
-              <a:ext uri="{FF2B5EF4-FFF2-40B4-BE49-F238E27FC236}">
-                <a16:creationId xmlns:a16="http://schemas.microsoft.com/office/drawing/2014/main" id="{F950E492-DD1B-4C19-94F6-BEE41D8887D6}"/>
-              </a:ext>
-            </a:extLst>
-          </p:cNvPr>
+          <p:cNvPr id="4" name="CuadroTexto 3"/>
           <p:cNvSpPr txBox="1"/>
           <p:nvPr/>
         </p:nvSpPr>
@@ -8242,136 +8141,149 @@
           </a:p>
         </p:txBody>
       </p:sp>
+      <p:sp>
+        <p:nvSpPr>
+          <p:cNvPr id="7" name="CuadroTexto 6"/>
+          <p:cNvSpPr txBox="1"/>
+          <p:nvPr/>
+        </p:nvSpPr>
+        <p:spPr>
+          <a:xfrm>
+            <a:off x="310393" y="721453"/>
+            <a:ext cx="5494789" cy="1476375"/>
+          </a:xfrm>
+          <a:prstGeom prst="rect">
+            <a:avLst/>
+          </a:prstGeom>
+          <a:noFill/>
+        </p:spPr>
+        <p:txBody>
+          <a:bodyPr wrap="square" rtlCol="0">
+            <a:spAutoFit/>
+          </a:bodyPr>
+          <a:lstStyle/>
+          <a:p>
+            <a:pPr algn="just"/>
+            <a:r>
+              <a:rPr lang="es-ES" dirty="0">
+                <a:solidFill>
+                  <a:schemeClr val="tx1">
+                    <a:lumMod val="85000"/>
+                    <a:lumOff val="15000"/>
+                  </a:schemeClr>
+                </a:solidFill>
+                <a:latin typeface="Arial Black" panose="020B0A04020102020204" pitchFamily="34" charset="0"/>
+              </a:rPr>
+              <a:t>Ambos modelos tienen una exactitud similar (~</a:t>
+            </a:r>
+            <a:r>
+              <a:rPr lang="en-US" altLang="es-ES" dirty="0">
+                <a:solidFill>
+                  <a:schemeClr val="tx1">
+                    <a:lumMod val="85000"/>
+                    <a:lumOff val="15000"/>
+                  </a:schemeClr>
+                </a:solidFill>
+                <a:latin typeface="Arial Black" panose="020B0A04020102020204" pitchFamily="34" charset="0"/>
+              </a:rPr>
+              <a:t>53</a:t>
+            </a:r>
+            <a:r>
+              <a:rPr lang="es-ES" dirty="0">
+                <a:solidFill>
+                  <a:schemeClr val="tx1">
+                    <a:lumMod val="85000"/>
+                    <a:lumOff val="15000"/>
+                  </a:schemeClr>
+                </a:solidFill>
+                <a:latin typeface="Arial Black" panose="020B0A04020102020204" pitchFamily="34" charset="0"/>
+              </a:rPr>
+              <a:t>%), pero Random Forest es más confiable para un entorno crítico de seguridad vial porque sus predicciones son más estables ante datos nuevos</a:t>
+            </a:r>
+            <a:endParaRPr lang="es-ES" dirty="0">
+              <a:solidFill>
+                <a:schemeClr val="tx1">
+                  <a:lumMod val="85000"/>
+                  <a:lumOff val="15000"/>
+                </a:schemeClr>
+              </a:solidFill>
+              <a:latin typeface="Arial Black" panose="020B0A04020102020204" pitchFamily="34" charset="0"/>
+            </a:endParaRPr>
+          </a:p>
+        </p:txBody>
+      </p:sp>
+      <p:sp>
+        <p:nvSpPr>
+          <p:cNvPr id="8" name="CuadroTexto 7"/>
+          <p:cNvSpPr txBox="1"/>
+          <p:nvPr/>
+        </p:nvSpPr>
+        <p:spPr>
+          <a:xfrm>
+            <a:off x="6238613" y="738231"/>
+            <a:ext cx="5494789" cy="1200329"/>
+          </a:xfrm>
+          <a:prstGeom prst="rect">
+            <a:avLst/>
+          </a:prstGeom>
+          <a:noFill/>
+        </p:spPr>
+        <p:txBody>
+          <a:bodyPr wrap="square" rtlCol="0">
+            <a:spAutoFit/>
+          </a:bodyPr>
+          <a:lstStyle/>
+          <a:p>
+            <a:pPr algn="just"/>
+            <a:r>
+              <a:rPr lang="es-ES" dirty="0">
+                <a:solidFill>
+                  <a:schemeClr val="tx1">
+                    <a:lumMod val="85000"/>
+                    <a:lumOff val="15000"/>
+                  </a:schemeClr>
+                </a:solidFill>
+                <a:latin typeface="Arial Black" panose="020B0A04020102020204" pitchFamily="34" charset="0"/>
+              </a:rPr>
+              <a:t>El Árbol de Decisión es útil para explicar por qué ocurren los accidentes, mientras que el Random Forest es mejor para predecir con confianza</a:t>
+            </a:r>
+            <a:endParaRPr lang="es-ES" dirty="0">
+              <a:solidFill>
+                <a:schemeClr val="tx1">
+                  <a:lumMod val="85000"/>
+                  <a:lumOff val="15000"/>
+                </a:schemeClr>
+              </a:solidFill>
+              <a:latin typeface="Arial Black" panose="020B0A04020102020204" pitchFamily="34" charset="0"/>
+            </a:endParaRPr>
+          </a:p>
+        </p:txBody>
+      </p:sp>
       <p:pic>
         <p:nvPicPr>
-          <p:cNvPr id="6" name="Imagen 5">
-            <a:extLst>
-              <a:ext uri="{FF2B5EF4-FFF2-40B4-BE49-F238E27FC236}">
-                <a16:creationId xmlns:a16="http://schemas.microsoft.com/office/drawing/2014/main" id="{A3429452-A987-44E9-A564-E2F666CAE41A}"/>
-              </a:ext>
-            </a:extLst>
-          </p:cNvPr>
+          <p:cNvPr id="2" name="Picture 1"/>
           <p:cNvPicPr>
             <a:picLocks noChangeAspect="1"/>
           </p:cNvPicPr>
           <p:nvPr/>
         </p:nvPicPr>
         <p:blipFill>
-          <a:blip r:embed="rId2">
-            <a:extLst>
-              <a:ext uri="{28A0092B-C50C-407E-A947-70E740481C1C}">
-                <a14:useLocalDpi xmlns:a14="http://schemas.microsoft.com/office/drawing/2010/main" val="0"/>
-              </a:ext>
-            </a:extLst>
-          </a:blip>
+          <a:blip r:embed="rId1"/>
           <a:stretch>
             <a:fillRect/>
           </a:stretch>
         </p:blipFill>
         <p:spPr>
           <a:xfrm>
-            <a:off x="-1" y="2340528"/>
-            <a:ext cx="12192001" cy="4517472"/>
+            <a:off x="0" y="2334260"/>
+            <a:ext cx="12192000" cy="4523740"/>
           </a:xfrm>
           <a:prstGeom prst="rect">
             <a:avLst/>
           </a:prstGeom>
         </p:spPr>
       </p:pic>
-      <p:sp>
-        <p:nvSpPr>
-          <p:cNvPr id="7" name="CuadroTexto 6">
-            <a:extLst>
-              <a:ext uri="{FF2B5EF4-FFF2-40B4-BE49-F238E27FC236}">
-                <a16:creationId xmlns:a16="http://schemas.microsoft.com/office/drawing/2014/main" id="{5B967E2B-F6C3-4ADC-A3ED-4B8A08D2BAA5}"/>
-              </a:ext>
-            </a:extLst>
-          </p:cNvPr>
-          <p:cNvSpPr txBox="1"/>
-          <p:nvPr/>
-        </p:nvSpPr>
-        <p:spPr>
-          <a:xfrm>
-            <a:off x="310393" y="721453"/>
-            <a:ext cx="5494789" cy="1477328"/>
-          </a:xfrm>
-          <a:prstGeom prst="rect">
-            <a:avLst/>
-          </a:prstGeom>
-          <a:noFill/>
-        </p:spPr>
-        <p:txBody>
-          <a:bodyPr wrap="square" rtlCol="0">
-            <a:spAutoFit/>
-          </a:bodyPr>
-          <a:lstStyle/>
-          <a:p>
-            <a:pPr algn="just"/>
-            <a:r>
-              <a:rPr lang="es-ES" dirty="0">
-                <a:solidFill>
-                  <a:schemeClr val="tx1">
-                    <a:lumMod val="85000"/>
-                    <a:lumOff val="15000"/>
-                  </a:schemeClr>
-                </a:solidFill>
-                <a:latin typeface="Arial Black" panose="020B0A04020102020204" pitchFamily="34" charset="0"/>
-              </a:rPr>
-              <a:t>Ambos modelos tienen una exactitud similar (~78%), pero Random Forest es más confiable para un entorno crítico de seguridad vial porque sus predicciones son más estables ante datos nuevos</a:t>
-            </a:r>
-          </a:p>
-        </p:txBody>
-      </p:sp>
-      <p:sp>
-        <p:nvSpPr>
-          <p:cNvPr id="8" name="CuadroTexto 7">
-            <a:extLst>
-              <a:ext uri="{FF2B5EF4-FFF2-40B4-BE49-F238E27FC236}">
-                <a16:creationId xmlns:a16="http://schemas.microsoft.com/office/drawing/2014/main" id="{7FF07579-2130-4527-A314-5D211C5AF582}"/>
-              </a:ext>
-            </a:extLst>
-          </p:cNvPr>
-          <p:cNvSpPr txBox="1"/>
-          <p:nvPr/>
-        </p:nvSpPr>
-        <p:spPr>
-          <a:xfrm>
-            <a:off x="6238613" y="738231"/>
-            <a:ext cx="5494789" cy="1200329"/>
-          </a:xfrm>
-          <a:prstGeom prst="rect">
-            <a:avLst/>
-          </a:prstGeom>
-          <a:noFill/>
-        </p:spPr>
-        <p:txBody>
-          <a:bodyPr wrap="square" rtlCol="0">
-            <a:spAutoFit/>
-          </a:bodyPr>
-          <a:lstStyle/>
-          <a:p>
-            <a:pPr algn="just"/>
-            <a:r>
-              <a:rPr lang="es-ES" dirty="0">
-                <a:solidFill>
-                  <a:schemeClr val="tx1">
-                    <a:lumMod val="85000"/>
-                    <a:lumOff val="15000"/>
-                  </a:schemeClr>
-                </a:solidFill>
-                <a:latin typeface="Arial Black" panose="020B0A04020102020204" pitchFamily="34" charset="0"/>
-              </a:rPr>
-              <a:t>El Árbol de Decisión es útil para explicar por qué ocurren los accidentes, mientras que el Random Forest es mejor para predecir con confianza</a:t>
-            </a:r>
-          </a:p>
-        </p:txBody>
-      </p:sp>
     </p:spTree>
-    <p:extLst>
-      <p:ext uri="{BB962C8B-B14F-4D97-AF65-F5344CB8AC3E}">
-        <p14:creationId xmlns:p14="http://schemas.microsoft.com/office/powerpoint/2010/main" val="4062437917"/>
-      </p:ext>
-    </p:extLst>
   </p:cSld>
   <p:clrMapOvr>
     <a:masterClrMapping/>
@@ -8398,20 +8310,14 @@
       </p:grpSpPr>
       <p:pic>
         <p:nvPicPr>
-          <p:cNvPr id="18" name="Imagen 17">
-            <a:extLst>
-              <a:ext uri="{FF2B5EF4-FFF2-40B4-BE49-F238E27FC236}">
-                <a16:creationId xmlns:a16="http://schemas.microsoft.com/office/drawing/2014/main" id="{DADF71B5-6B23-4E56-B76E-E15D83E4331E}"/>
-              </a:ext>
-            </a:extLst>
-          </p:cNvPr>
+          <p:cNvPr id="18" name="Imagen 17"/>
           <p:cNvPicPr>
             <a:picLocks noChangeAspect="1"/>
           </p:cNvPicPr>
           <p:nvPr/>
         </p:nvPicPr>
         <p:blipFill>
-          <a:blip r:embed="rId2">
+          <a:blip r:embed="rId1">
             <a:extLst>
               <a:ext uri="{28A0092B-C50C-407E-A947-70E740481C1C}">
                 <a14:useLocalDpi xmlns:a14="http://schemas.microsoft.com/office/drawing/2010/main" val="0"/>
@@ -8434,13 +8340,7 @@
       </p:pic>
       <p:sp>
         <p:nvSpPr>
-          <p:cNvPr id="26" name="Rectángulo 25">
-            <a:extLst>
-              <a:ext uri="{FF2B5EF4-FFF2-40B4-BE49-F238E27FC236}">
-                <a16:creationId xmlns:a16="http://schemas.microsoft.com/office/drawing/2014/main" id="{0CDAE7C5-C8B1-49C9-97F3-B5376EF02965}"/>
-              </a:ext>
-            </a:extLst>
-          </p:cNvPr>
+          <p:cNvPr id="26" name="Rectángulo 25"/>
           <p:cNvSpPr/>
           <p:nvPr/>
         </p:nvSpPr>
@@ -8486,13 +8386,7 @@
       </p:sp>
       <p:sp>
         <p:nvSpPr>
-          <p:cNvPr id="8" name="CuadroTexto 7">
-            <a:extLst>
-              <a:ext uri="{FF2B5EF4-FFF2-40B4-BE49-F238E27FC236}">
-                <a16:creationId xmlns:a16="http://schemas.microsoft.com/office/drawing/2014/main" id="{B64CDC41-F375-44A9-9B2F-036A1E793BE9}"/>
-              </a:ext>
-            </a:extLst>
-          </p:cNvPr>
+          <p:cNvPr id="8" name="CuadroTexto 7"/>
           <p:cNvSpPr txBox="1"/>
           <p:nvPr/>
         </p:nvSpPr>
@@ -8538,13 +8432,225 @@
       </p:sp>
       <p:pic>
         <p:nvPicPr>
-          <p:cNvPr id="7" name="Imagen 6">
+          <p:cNvPr id="7" name="Imagen 6"/>
+          <p:cNvPicPr>
+            <a:picLocks noChangeAspect="1"/>
+          </p:cNvPicPr>
+          <p:nvPr/>
+        </p:nvPicPr>
+        <p:blipFill>
+          <a:blip r:embed="rId2">
             <a:extLst>
-              <a:ext uri="{FF2B5EF4-FFF2-40B4-BE49-F238E27FC236}">
-                <a16:creationId xmlns:a16="http://schemas.microsoft.com/office/drawing/2014/main" id="{072BDB74-2D28-4614-A05F-161BA9E44519}"/>
+              <a:ext uri="{28A0092B-C50C-407E-A947-70E740481C1C}">
+                <a14:useLocalDpi xmlns:a14="http://schemas.microsoft.com/office/drawing/2010/main" val="0"/>
               </a:ext>
             </a:extLst>
-          </p:cNvPr>
+          </a:blip>
+          <a:stretch>
+            <a:fillRect/>
+          </a:stretch>
+        </p:blipFill>
+        <p:spPr>
+          <a:xfrm>
+            <a:off x="4883951" y="581866"/>
+            <a:ext cx="7308049" cy="2787830"/>
+          </a:xfrm>
+          <a:prstGeom prst="rect">
+            <a:avLst/>
+          </a:prstGeom>
+        </p:spPr>
+      </p:pic>
+      <p:sp>
+        <p:nvSpPr>
+          <p:cNvPr id="19" name="CuadroTexto 18"/>
+          <p:cNvSpPr txBox="1"/>
+          <p:nvPr/>
+        </p:nvSpPr>
+        <p:spPr>
+          <a:xfrm>
+            <a:off x="60477" y="4189233"/>
+            <a:ext cx="6732209" cy="784830"/>
+          </a:xfrm>
+          <a:prstGeom prst="rect">
+            <a:avLst/>
+          </a:prstGeom>
+          <a:noFill/>
+        </p:spPr>
+        <p:txBody>
+          <a:bodyPr wrap="square" rtlCol="0">
+            <a:spAutoFit/>
+          </a:bodyPr>
+          <a:lstStyle/>
+          <a:p>
+            <a:pPr algn="just"/>
+            <a:r>
+              <a:rPr lang="es-ES" sz="1500" dirty="0">
+                <a:solidFill>
+                  <a:schemeClr val="tx1">
+                    <a:lumMod val="85000"/>
+                    <a:lumOff val="15000"/>
+                  </a:schemeClr>
+                </a:solidFill>
+                <a:latin typeface="Arial Black" panose="020B0A04020102020204" pitchFamily="34" charset="0"/>
+              </a:rPr>
+              <a:t>PC1 concentra la información térmica (temperatura y sensación térmica), reflejando las condiciones generales de calor</a:t>
+            </a:r>
+            <a:endParaRPr lang="es-ES" sz="1500" dirty="0">
+              <a:solidFill>
+                <a:schemeClr val="tx1">
+                  <a:lumMod val="85000"/>
+                  <a:lumOff val="15000"/>
+                </a:schemeClr>
+              </a:solidFill>
+              <a:latin typeface="Arial Black" panose="020B0A04020102020204" pitchFamily="34" charset="0"/>
+            </a:endParaRPr>
+          </a:p>
+        </p:txBody>
+      </p:sp>
+      <p:sp>
+        <p:nvSpPr>
+          <p:cNvPr id="20" name="CuadroTexto 19"/>
+          <p:cNvSpPr txBox="1"/>
+          <p:nvPr/>
+        </p:nvSpPr>
+        <p:spPr>
+          <a:xfrm>
+            <a:off x="53602" y="4943994"/>
+            <a:ext cx="6732209" cy="553998"/>
+          </a:xfrm>
+          <a:prstGeom prst="rect">
+            <a:avLst/>
+          </a:prstGeom>
+          <a:noFill/>
+        </p:spPr>
+        <p:txBody>
+          <a:bodyPr wrap="square" rtlCol="0">
+            <a:spAutoFit/>
+          </a:bodyPr>
+          <a:lstStyle/>
+          <a:p>
+            <a:pPr algn="just"/>
+            <a:r>
+              <a:rPr lang="es-ES" sz="1500" dirty="0">
+                <a:solidFill>
+                  <a:schemeClr val="tx1">
+                    <a:lumMod val="85000"/>
+                    <a:lumOff val="15000"/>
+                  </a:schemeClr>
+                </a:solidFill>
+                <a:latin typeface="Arial Black" panose="020B0A04020102020204" pitchFamily="34" charset="0"/>
+              </a:rPr>
+              <a:t>PC2 combina humedad y presión frente al viento, capturando la dinámica atmosférica</a:t>
+            </a:r>
+            <a:endParaRPr lang="es-ES" sz="1500" dirty="0">
+              <a:solidFill>
+                <a:schemeClr val="tx1">
+                  <a:lumMod val="85000"/>
+                  <a:lumOff val="15000"/>
+                </a:schemeClr>
+              </a:solidFill>
+              <a:latin typeface="Arial Black" panose="020B0A04020102020204" pitchFamily="34" charset="0"/>
+            </a:endParaRPr>
+          </a:p>
+        </p:txBody>
+      </p:sp>
+      <p:sp>
+        <p:nvSpPr>
+          <p:cNvPr id="21" name="CuadroTexto 20"/>
+          <p:cNvSpPr txBox="1"/>
+          <p:nvPr/>
+        </p:nvSpPr>
+        <p:spPr>
+          <a:xfrm>
+            <a:off x="60477" y="5571848"/>
+            <a:ext cx="6725334" cy="553998"/>
+          </a:xfrm>
+          <a:prstGeom prst="rect">
+            <a:avLst/>
+          </a:prstGeom>
+          <a:noFill/>
+        </p:spPr>
+        <p:txBody>
+          <a:bodyPr wrap="square" rtlCol="0">
+            <a:spAutoFit/>
+          </a:bodyPr>
+          <a:lstStyle/>
+          <a:p>
+            <a:pPr algn="just"/>
+            <a:r>
+              <a:rPr lang="es-ES" sz="1500" dirty="0">
+                <a:solidFill>
+                  <a:schemeClr val="tx1">
+                    <a:lumMod val="85000"/>
+                    <a:lumOff val="15000"/>
+                  </a:schemeClr>
+                </a:solidFill>
+                <a:latin typeface="Arial Black" panose="020B0A04020102020204" pitchFamily="34" charset="0"/>
+              </a:rPr>
+              <a:t>PC3 representa escenarios de precipitación y viento asociados a baja visibilidad, es decir, condiciones adversas</a:t>
+            </a:r>
+            <a:endParaRPr lang="es-ES" sz="1500" dirty="0">
+              <a:solidFill>
+                <a:schemeClr val="tx1">
+                  <a:lumMod val="85000"/>
+                  <a:lumOff val="15000"/>
+                </a:schemeClr>
+              </a:solidFill>
+              <a:latin typeface="Arial Black" panose="020B0A04020102020204" pitchFamily="34" charset="0"/>
+            </a:endParaRPr>
+          </a:p>
+        </p:txBody>
+      </p:sp>
+      <p:sp>
+        <p:nvSpPr>
+          <p:cNvPr id="22" name="CuadroTexto 21"/>
+          <p:cNvSpPr txBox="1"/>
+          <p:nvPr/>
+        </p:nvSpPr>
+        <p:spPr>
+          <a:xfrm>
+            <a:off x="53602" y="6185150"/>
+            <a:ext cx="6648649" cy="553998"/>
+          </a:xfrm>
+          <a:prstGeom prst="rect">
+            <a:avLst/>
+          </a:prstGeom>
+          <a:noFill/>
+        </p:spPr>
+        <p:txBody>
+          <a:bodyPr wrap="square" rtlCol="0">
+            <a:spAutoFit/>
+          </a:bodyPr>
+          <a:lstStyle/>
+          <a:p>
+            <a:pPr algn="just"/>
+            <a:r>
+              <a:rPr lang="es-ES" sz="1500" dirty="0">
+                <a:solidFill>
+                  <a:schemeClr val="tx1">
+                    <a:lumMod val="85000"/>
+                    <a:lumOff val="15000"/>
+                  </a:schemeClr>
+                </a:solidFill>
+                <a:latin typeface="Arial Black" panose="020B0A04020102020204" pitchFamily="34" charset="0"/>
+              </a:rPr>
+              <a:t>PC4 y PC5 recogen variaciones adicionales de presión, viento y visibilidad, funcionando como componentes residuales</a:t>
+            </a:r>
+            <a:endParaRPr lang="es-ES" sz="1500" dirty="0">
+              <a:solidFill>
+                <a:schemeClr val="tx1">
+                  <a:lumMod val="85000"/>
+                  <a:lumOff val="15000"/>
+                </a:schemeClr>
+              </a:solidFill>
+              <a:latin typeface="Arial Black" panose="020B0A04020102020204" pitchFamily="34" charset="0"/>
+            </a:endParaRPr>
+          </a:p>
+        </p:txBody>
+      </p:sp>
+      <p:pic>
+        <p:nvPicPr>
+          <p:cNvPr id="24" name="Imagen 23"/>
           <p:cNvPicPr>
             <a:picLocks noChangeAspect="1"/>
           </p:cNvPicPr>
@@ -8564,218 +8670,6 @@
         </p:blipFill>
         <p:spPr>
           <a:xfrm>
-            <a:off x="4883951" y="581866"/>
-            <a:ext cx="7308049" cy="2787830"/>
-          </a:xfrm>
-          <a:prstGeom prst="rect">
-            <a:avLst/>
-          </a:prstGeom>
-        </p:spPr>
-      </p:pic>
-      <p:sp>
-        <p:nvSpPr>
-          <p:cNvPr id="19" name="CuadroTexto 18">
-            <a:extLst>
-              <a:ext uri="{FF2B5EF4-FFF2-40B4-BE49-F238E27FC236}">
-                <a16:creationId xmlns:a16="http://schemas.microsoft.com/office/drawing/2014/main" id="{41B9C820-83DA-40BC-A780-F26A0E0CF4C0}"/>
-              </a:ext>
-            </a:extLst>
-          </p:cNvPr>
-          <p:cNvSpPr txBox="1"/>
-          <p:nvPr/>
-        </p:nvSpPr>
-        <p:spPr>
-          <a:xfrm>
-            <a:off x="60477" y="4189233"/>
-            <a:ext cx="6732209" cy="784830"/>
-          </a:xfrm>
-          <a:prstGeom prst="rect">
-            <a:avLst/>
-          </a:prstGeom>
-          <a:noFill/>
-        </p:spPr>
-        <p:txBody>
-          <a:bodyPr wrap="square" rtlCol="0">
-            <a:spAutoFit/>
-          </a:bodyPr>
-          <a:lstStyle/>
-          <a:p>
-            <a:pPr algn="just"/>
-            <a:r>
-              <a:rPr lang="es-ES" sz="1500" dirty="0">
-                <a:solidFill>
-                  <a:schemeClr val="tx1">
-                    <a:lumMod val="85000"/>
-                    <a:lumOff val="15000"/>
-                  </a:schemeClr>
-                </a:solidFill>
-                <a:latin typeface="Arial Black" panose="020B0A04020102020204" pitchFamily="34" charset="0"/>
-              </a:rPr>
-              <a:t>PC1 concentra la información térmica (temperatura y sensación térmica), reflejando las condiciones generales de calor</a:t>
-            </a:r>
-          </a:p>
-        </p:txBody>
-      </p:sp>
-      <p:sp>
-        <p:nvSpPr>
-          <p:cNvPr id="20" name="CuadroTexto 19">
-            <a:extLst>
-              <a:ext uri="{FF2B5EF4-FFF2-40B4-BE49-F238E27FC236}">
-                <a16:creationId xmlns:a16="http://schemas.microsoft.com/office/drawing/2014/main" id="{B7111678-C46A-4396-8670-361A01E2BE34}"/>
-              </a:ext>
-            </a:extLst>
-          </p:cNvPr>
-          <p:cNvSpPr txBox="1"/>
-          <p:nvPr/>
-        </p:nvSpPr>
-        <p:spPr>
-          <a:xfrm>
-            <a:off x="53602" y="4943994"/>
-            <a:ext cx="6732209" cy="553998"/>
-          </a:xfrm>
-          <a:prstGeom prst="rect">
-            <a:avLst/>
-          </a:prstGeom>
-          <a:noFill/>
-        </p:spPr>
-        <p:txBody>
-          <a:bodyPr wrap="square" rtlCol="0">
-            <a:spAutoFit/>
-          </a:bodyPr>
-          <a:lstStyle/>
-          <a:p>
-            <a:pPr algn="just"/>
-            <a:r>
-              <a:rPr lang="es-ES" sz="1500" dirty="0">
-                <a:solidFill>
-                  <a:schemeClr val="tx1">
-                    <a:lumMod val="85000"/>
-                    <a:lumOff val="15000"/>
-                  </a:schemeClr>
-                </a:solidFill>
-                <a:latin typeface="Arial Black" panose="020B0A04020102020204" pitchFamily="34" charset="0"/>
-              </a:rPr>
-              <a:t>PC2 combina humedad y presión frente al viento, capturando la dinámica atmosférica</a:t>
-            </a:r>
-          </a:p>
-        </p:txBody>
-      </p:sp>
-      <p:sp>
-        <p:nvSpPr>
-          <p:cNvPr id="21" name="CuadroTexto 20">
-            <a:extLst>
-              <a:ext uri="{FF2B5EF4-FFF2-40B4-BE49-F238E27FC236}">
-                <a16:creationId xmlns:a16="http://schemas.microsoft.com/office/drawing/2014/main" id="{4CCC24E1-13C0-4B12-A56C-5C63AD05A1FE}"/>
-              </a:ext>
-            </a:extLst>
-          </p:cNvPr>
-          <p:cNvSpPr txBox="1"/>
-          <p:nvPr/>
-        </p:nvSpPr>
-        <p:spPr>
-          <a:xfrm>
-            <a:off x="60477" y="5571848"/>
-            <a:ext cx="6725334" cy="553998"/>
-          </a:xfrm>
-          <a:prstGeom prst="rect">
-            <a:avLst/>
-          </a:prstGeom>
-          <a:noFill/>
-        </p:spPr>
-        <p:txBody>
-          <a:bodyPr wrap="square" rtlCol="0">
-            <a:spAutoFit/>
-          </a:bodyPr>
-          <a:lstStyle/>
-          <a:p>
-            <a:pPr algn="just"/>
-            <a:r>
-              <a:rPr lang="es-ES" sz="1500" dirty="0">
-                <a:solidFill>
-                  <a:schemeClr val="tx1">
-                    <a:lumMod val="85000"/>
-                    <a:lumOff val="15000"/>
-                  </a:schemeClr>
-                </a:solidFill>
-                <a:latin typeface="Arial Black" panose="020B0A04020102020204" pitchFamily="34" charset="0"/>
-              </a:rPr>
-              <a:t>PC3 representa escenarios de precipitación y viento asociados a baja visibilidad, es decir, condiciones adversas</a:t>
-            </a:r>
-          </a:p>
-        </p:txBody>
-      </p:sp>
-      <p:sp>
-        <p:nvSpPr>
-          <p:cNvPr id="22" name="CuadroTexto 21">
-            <a:extLst>
-              <a:ext uri="{FF2B5EF4-FFF2-40B4-BE49-F238E27FC236}">
-                <a16:creationId xmlns:a16="http://schemas.microsoft.com/office/drawing/2014/main" id="{4BC0B8DC-E765-42F6-A82E-55498F06AD5E}"/>
-              </a:ext>
-            </a:extLst>
-          </p:cNvPr>
-          <p:cNvSpPr txBox="1"/>
-          <p:nvPr/>
-        </p:nvSpPr>
-        <p:spPr>
-          <a:xfrm>
-            <a:off x="53602" y="6185150"/>
-            <a:ext cx="6648649" cy="553998"/>
-          </a:xfrm>
-          <a:prstGeom prst="rect">
-            <a:avLst/>
-          </a:prstGeom>
-          <a:noFill/>
-        </p:spPr>
-        <p:txBody>
-          <a:bodyPr wrap="square" rtlCol="0">
-            <a:spAutoFit/>
-          </a:bodyPr>
-          <a:lstStyle/>
-          <a:p>
-            <a:pPr algn="just"/>
-            <a:r>
-              <a:rPr lang="es-ES" sz="1500" dirty="0">
-                <a:solidFill>
-                  <a:schemeClr val="tx1">
-                    <a:lumMod val="85000"/>
-                    <a:lumOff val="15000"/>
-                  </a:schemeClr>
-                </a:solidFill>
-                <a:latin typeface="Arial Black" panose="020B0A04020102020204" pitchFamily="34" charset="0"/>
-              </a:rPr>
-              <a:t>PC4 y PC5 recogen variaciones adicionales de presión, viento y visibilidad, funcionando como componentes residuales</a:t>
-            </a:r>
-          </a:p>
-        </p:txBody>
-      </p:sp>
-      <p:pic>
-        <p:nvPicPr>
-          <p:cNvPr id="24" name="Imagen 23">
-            <a:extLst>
-              <a:ext uri="{FF2B5EF4-FFF2-40B4-BE49-F238E27FC236}">
-                <a16:creationId xmlns:a16="http://schemas.microsoft.com/office/drawing/2014/main" id="{81AE9706-D186-49ED-BF9C-D15353A5D1B5}"/>
-              </a:ext>
-            </a:extLst>
-          </p:cNvPr>
-          <p:cNvPicPr>
-            <a:picLocks noChangeAspect="1"/>
-          </p:cNvPicPr>
-          <p:nvPr/>
-        </p:nvPicPr>
-        <p:blipFill>
-          <a:blip r:embed="rId4">
-            <a:extLst>
-              <a:ext uri="{28A0092B-C50C-407E-A947-70E740481C1C}">
-                <a14:useLocalDpi xmlns:a14="http://schemas.microsoft.com/office/drawing/2010/main" val="0"/>
-              </a:ext>
-            </a:extLst>
-          </a:blip>
-          <a:stretch>
-            <a:fillRect/>
-          </a:stretch>
-        </p:blipFill>
-        <p:spPr>
-          <a:xfrm>
             <a:off x="0" y="517164"/>
             <a:ext cx="4816851" cy="3739673"/>
           </a:xfrm>
@@ -8785,11 +8679,6 @@
         </p:spPr>
       </p:pic>
     </p:spTree>
-    <p:extLst>
-      <p:ext uri="{BB962C8B-B14F-4D97-AF65-F5344CB8AC3E}">
-        <p14:creationId xmlns:p14="http://schemas.microsoft.com/office/powerpoint/2010/main" val="2199185777"/>
-      </p:ext>
-    </p:extLst>
   </p:cSld>
   <p:clrMapOvr>
     <a:masterClrMapping/>
@@ -8816,13 +8705,7 @@
       </p:grpSpPr>
       <p:sp>
         <p:nvSpPr>
-          <p:cNvPr id="15" name="Rectángulo 14">
-            <a:extLst>
-              <a:ext uri="{FF2B5EF4-FFF2-40B4-BE49-F238E27FC236}">
-                <a16:creationId xmlns:a16="http://schemas.microsoft.com/office/drawing/2014/main" id="{989E5391-5832-4761-91B9-E19F63C84DC1}"/>
-              </a:ext>
-            </a:extLst>
-          </p:cNvPr>
+          <p:cNvPr id="15" name="Rectángulo 14"/>
           <p:cNvSpPr/>
           <p:nvPr/>
         </p:nvSpPr>
@@ -8868,13 +8751,7 @@
       </p:sp>
       <p:sp>
         <p:nvSpPr>
-          <p:cNvPr id="18" name="CuadroTexto 17">
-            <a:extLst>
-              <a:ext uri="{FF2B5EF4-FFF2-40B4-BE49-F238E27FC236}">
-                <a16:creationId xmlns:a16="http://schemas.microsoft.com/office/drawing/2014/main" id="{12CD8B2B-E30E-45DB-8B26-9B01203FA639}"/>
-              </a:ext>
-            </a:extLst>
-          </p:cNvPr>
+          <p:cNvPr id="18" name="CuadroTexto 17"/>
           <p:cNvSpPr txBox="1"/>
           <p:nvPr/>
         </p:nvSpPr>
@@ -8931,25 +8808,28 @@
               </a:rPr>
               <a:t> principales y severidad</a:t>
             </a:r>
+            <a:endParaRPr lang="es-ES" sz="2400" dirty="0">
+              <a:solidFill>
+                <a:schemeClr val="tx1">
+                  <a:lumMod val="85000"/>
+                  <a:lumOff val="15000"/>
+                </a:schemeClr>
+              </a:solidFill>
+              <a:latin typeface="Arial Black" panose="020B0A04020102020204" pitchFamily="34" charset="0"/>
+            </a:endParaRPr>
           </a:p>
         </p:txBody>
       </p:sp>
       <p:pic>
         <p:nvPicPr>
-          <p:cNvPr id="20" name="Imagen 19">
-            <a:extLst>
-              <a:ext uri="{FF2B5EF4-FFF2-40B4-BE49-F238E27FC236}">
-                <a16:creationId xmlns:a16="http://schemas.microsoft.com/office/drawing/2014/main" id="{C34428AA-F8E0-491C-9310-0F1601A82F4A}"/>
-              </a:ext>
-            </a:extLst>
-          </p:cNvPr>
+          <p:cNvPr id="20" name="Imagen 19"/>
           <p:cNvPicPr>
             <a:picLocks noChangeAspect="1"/>
           </p:cNvPicPr>
           <p:nvPr/>
         </p:nvPicPr>
         <p:blipFill>
-          <a:blip r:embed="rId2">
+          <a:blip r:embed="rId1">
             <a:extLst>
               <a:ext uri="{28A0092B-C50C-407E-A947-70E740481C1C}">
                 <a14:useLocalDpi xmlns:a14="http://schemas.microsoft.com/office/drawing/2010/main" val="0"/>
@@ -8972,13 +8852,7 @@
       </p:pic>
       <p:sp>
         <p:nvSpPr>
-          <p:cNvPr id="21" name="CuadroTexto 20">
-            <a:extLst>
-              <a:ext uri="{FF2B5EF4-FFF2-40B4-BE49-F238E27FC236}">
-                <a16:creationId xmlns:a16="http://schemas.microsoft.com/office/drawing/2014/main" id="{5E353217-054D-4C5D-948C-8CCC557BE0EA}"/>
-              </a:ext>
-            </a:extLst>
-          </p:cNvPr>
+          <p:cNvPr id="21" name="CuadroTexto 20"/>
           <p:cNvSpPr txBox="1"/>
           <p:nvPr/>
         </p:nvSpPr>
@@ -9014,18 +8888,21 @@
               </a:rPr>
               <a:t>Los cinco componentes principales derivados de las variables climáticas presentan correlaciones muy débiles con la severidad de los accidentes (|r| &lt; 0.1)</a:t>
             </a:r>
-          </a:p>
-        </p:txBody>
-      </p:sp>
-      <p:sp>
-        <p:nvSpPr>
-          <p:cNvPr id="22" name="CuadroTexto 21">
-            <a:extLst>
-              <a:ext uri="{FF2B5EF4-FFF2-40B4-BE49-F238E27FC236}">
-                <a16:creationId xmlns:a16="http://schemas.microsoft.com/office/drawing/2014/main" id="{077D535E-F6A7-4299-A4E9-9D8183E1AA6D}"/>
-              </a:ext>
-            </a:extLst>
-          </p:cNvPr>
+            <a:endParaRPr lang="es-ES" dirty="0">
+              <a:solidFill>
+                <a:schemeClr val="tx1">
+                  <a:lumMod val="85000"/>
+                  <a:lumOff val="15000"/>
+                </a:schemeClr>
+              </a:solidFill>
+              <a:latin typeface="Arial Black" panose="020B0A04020102020204" pitchFamily="34" charset="0"/>
+            </a:endParaRPr>
+          </a:p>
+        </p:txBody>
+      </p:sp>
+      <p:sp>
+        <p:nvSpPr>
+          <p:cNvPr id="22" name="CuadroTexto 21"/>
           <p:cNvSpPr txBox="1"/>
           <p:nvPr/>
         </p:nvSpPr>
@@ -9061,15 +8938,19 @@
               </a:rPr>
               <a:t>Este resultado confirma que, aunque el PCA logra una reducción efectiva de 7 a 5 variables conservando aproximadamente 91% de la varianza total, las condiciones climáticas no son un factor determinante en la gravedad de los accidentes</a:t>
             </a:r>
+            <a:endParaRPr lang="es-ES" dirty="0">
+              <a:solidFill>
+                <a:schemeClr val="tx1">
+                  <a:lumMod val="85000"/>
+                  <a:lumOff val="15000"/>
+                </a:schemeClr>
+              </a:solidFill>
+              <a:latin typeface="Arial Black" panose="020B0A04020102020204" pitchFamily="34" charset="0"/>
+            </a:endParaRPr>
           </a:p>
         </p:txBody>
       </p:sp>
     </p:spTree>
-    <p:extLst>
-      <p:ext uri="{BB962C8B-B14F-4D97-AF65-F5344CB8AC3E}">
-        <p14:creationId xmlns:p14="http://schemas.microsoft.com/office/powerpoint/2010/main" val="2111655875"/>
-      </p:ext>
-    </p:extLst>
   </p:cSld>
   <p:clrMapOvr>
     <a:masterClrMapping/>
@@ -9120,7 +9001,7 @@
     </a:clrScheme>
     <a:fontScheme name="Office">
       <a:majorFont>
-        <a:latin typeface="Calibri Light" panose="020F0302020204030204"/>
+        <a:latin typeface="Calibri Light"/>
         <a:ea typeface=""/>
         <a:cs typeface=""/>
         <a:font script="Jpan" typeface="游ゴシック Light"/>
@@ -9153,26 +9034,9 @@
         <a:font script="Viet" typeface="Times New Roman"/>
         <a:font script="Uigh" typeface="Microsoft Uighur"/>
         <a:font script="Geor" typeface="Sylfaen"/>
-        <a:font script="Armn" typeface="Arial"/>
-        <a:font script="Bugi" typeface="Leelawadee UI"/>
-        <a:font script="Bopo" typeface="Microsoft JhengHei"/>
-        <a:font script="Java" typeface="Javanese Text"/>
-        <a:font script="Lisu" typeface="Segoe UI"/>
-        <a:font script="Mymr" typeface="Myanmar Text"/>
-        <a:font script="Nkoo" typeface="Ebrima"/>
-        <a:font script="Olck" typeface="Nirmala UI"/>
-        <a:font script="Osma" typeface="Ebrima"/>
-        <a:font script="Phag" typeface="Phagspa"/>
-        <a:font script="Syrn" typeface="Estrangelo Edessa"/>
-        <a:font script="Syrj" typeface="Estrangelo Edessa"/>
-        <a:font script="Syre" typeface="Estrangelo Edessa"/>
-        <a:font script="Sora" typeface="Nirmala UI"/>
-        <a:font script="Tale" typeface="Microsoft Tai Le"/>
-        <a:font script="Talu" typeface="Microsoft New Tai Lue"/>
-        <a:font script="Tfng" typeface="Ebrima"/>
       </a:majorFont>
       <a:minorFont>
-        <a:latin typeface="Calibri" panose="020F0502020204030204"/>
+        <a:latin typeface="Calibri"/>
         <a:ea typeface=""/>
         <a:cs typeface=""/>
         <a:font script="Jpan" typeface="游ゴシック"/>
@@ -9205,23 +9069,6 @@
         <a:font script="Viet" typeface="Arial"/>
         <a:font script="Uigh" typeface="Microsoft Uighur"/>
         <a:font script="Geor" typeface="Sylfaen"/>
-        <a:font script="Armn" typeface="Arial"/>
-        <a:font script="Bugi" typeface="Leelawadee UI"/>
-        <a:font script="Bopo" typeface="Microsoft JhengHei"/>
-        <a:font script="Java" typeface="Javanese Text"/>
-        <a:font script="Lisu" typeface="Segoe UI"/>
-        <a:font script="Mymr" typeface="Myanmar Text"/>
-        <a:font script="Nkoo" typeface="Ebrima"/>
-        <a:font script="Olck" typeface="Nirmala UI"/>
-        <a:font script="Osma" typeface="Ebrima"/>
-        <a:font script="Phag" typeface="Phagspa"/>
-        <a:font script="Syrn" typeface="Estrangelo Edessa"/>
-        <a:font script="Syrj" typeface="Estrangelo Edessa"/>
-        <a:font script="Syre" typeface="Estrangelo Edessa"/>
-        <a:font script="Sora" typeface="Nirmala UI"/>
-        <a:font script="Tale" typeface="Microsoft Tai Le"/>
-        <a:font script="Talu" typeface="Microsoft New Tai Lue"/>
-        <a:font script="Tfng" typeface="Ebrima"/>
       </a:minorFont>
     </a:fontScheme>
     <a:fmtScheme name="Office">
@@ -9362,8 +9209,6 @@
       </a:bgFillStyleLst>
     </a:fmtScheme>
   </a:themeElements>
-  <a:objectDefaults/>
-  <a:extraClrSchemeLst/>
   <a:extLst>
     <a:ext uri="{05A4C25C-085E-4340-85A3-A5531E510DB2}">
       <thm15:themeFamily xmlns:thm15="http://schemas.microsoft.com/office/thememl/2012/main" name="Office Theme" id="{62F939B6-93AF-4DB8-9C6B-D6C7DFDC589F}" vid="{4A3C46E8-61CC-4603-A589-7422A47A8E4A}"/>

--- a/Presentación.pptx
+++ b/Presentación.pptx
@@ -5,18 +5,18 @@
     <p:sldMasterId id="2147483648" r:id="rId1"/>
   </p:sldMasterIdLst>
   <p:sldIdLst>
-    <p:sldId id="256" r:id="rId3"/>
-    <p:sldId id="257" r:id="rId4"/>
-    <p:sldId id="264" r:id="rId5"/>
-    <p:sldId id="265" r:id="rId6"/>
-    <p:sldId id="258" r:id="rId7"/>
-    <p:sldId id="259" r:id="rId8"/>
-    <p:sldId id="260" r:id="rId9"/>
-    <p:sldId id="261" r:id="rId10"/>
-    <p:sldId id="262" r:id="rId11"/>
-    <p:sldId id="263" r:id="rId12"/>
-    <p:sldId id="266" r:id="rId13"/>
-    <p:sldId id="267" r:id="rId14"/>
+    <p:sldId id="256" r:id="rId2"/>
+    <p:sldId id="257" r:id="rId3"/>
+    <p:sldId id="264" r:id="rId4"/>
+    <p:sldId id="265" r:id="rId5"/>
+    <p:sldId id="258" r:id="rId6"/>
+    <p:sldId id="259" r:id="rId7"/>
+    <p:sldId id="260" r:id="rId8"/>
+    <p:sldId id="261" r:id="rId9"/>
+    <p:sldId id="262" r:id="rId10"/>
+    <p:sldId id="263" r:id="rId11"/>
+    <p:sldId id="266" r:id="rId12"/>
+    <p:sldId id="267" r:id="rId13"/>
   </p:sldIdLst>
   <p:sldSz cx="12192000" cy="6858000"/>
   <p:notesSz cx="6858000" cy="9144000"/>
@@ -115,6 +115,11 @@
       </a:defRPr>
     </a:lvl9pPr>
   </p:defaultTextStyle>
+  <p:extLst>
+    <p:ext uri="{EFAFB233-063F-42B5-8137-9DF3F51BA10A}">
+      <p15:sldGuideLst xmlns:p15="http://schemas.microsoft.com/office/powerpoint/2012/main"/>
+    </p:ext>
+  </p:extLst>
 </p:presentation>
 </file>
 
@@ -163,7 +168,6 @@
               <a:rPr lang="es-ES"/>
               <a:t>Haga clic para modificar el estilo de título del patrón</a:t>
             </a:r>
-            <a:endParaRPr lang="es-ES"/>
           </a:p>
         </p:txBody>
       </p:sp>
@@ -228,7 +232,6 @@
               <a:rPr lang="es-ES"/>
               <a:t>Haga clic para modificar el estilo de subtítulo del patrón</a:t>
             </a:r>
-            <a:endParaRPr lang="es-ES"/>
           </a:p>
         </p:txBody>
       </p:sp>
@@ -249,6 +252,7 @@
           <a:p>
             <a:fld id="{6FEB4CCE-9E5C-4D7B-92E4-7FB210B21D7A}" type="datetimeFigureOut">
               <a:rPr lang="es-ES" smtClean="0"/>
+              <a:t>18/01/2026</a:t>
             </a:fld>
             <a:endParaRPr lang="es-ES"/>
           </a:p>
@@ -290,6 +294,7 @@
           <a:p>
             <a:fld id="{2C54D487-8D63-415A-B3B9-DEFE2730CE83}" type="slidenum">
               <a:rPr lang="es-ES" smtClean="0"/>
+              <a:t>‹Nº›</a:t>
             </a:fld>
             <a:endParaRPr lang="es-ES"/>
           </a:p>
@@ -339,7 +344,6 @@
               <a:rPr lang="es-ES"/>
               <a:t>Haga clic para modificar el estilo de título del patrón</a:t>
             </a:r>
-            <a:endParaRPr lang="es-ES"/>
           </a:p>
         </p:txBody>
       </p:sp>
@@ -363,7 +367,6 @@
               <a:rPr lang="es-ES"/>
               <a:t>Haga clic para modificar los estilos de texto del patrón</a:t>
             </a:r>
-            <a:endParaRPr lang="es-ES"/>
           </a:p>
           <a:p>
             <a:pPr lvl="1"/>
@@ -371,7 +374,6 @@
               <a:rPr lang="es-ES"/>
               <a:t>Segundo nivel</a:t>
             </a:r>
-            <a:endParaRPr lang="es-ES"/>
           </a:p>
           <a:p>
             <a:pPr lvl="2"/>
@@ -379,7 +381,6 @@
               <a:rPr lang="es-ES"/>
               <a:t>Tercer nivel</a:t>
             </a:r>
-            <a:endParaRPr lang="es-ES"/>
           </a:p>
           <a:p>
             <a:pPr lvl="3"/>
@@ -387,7 +388,6 @@
               <a:rPr lang="es-ES"/>
               <a:t>Cuarto nivel</a:t>
             </a:r>
-            <a:endParaRPr lang="es-ES"/>
           </a:p>
           <a:p>
             <a:pPr lvl="4"/>
@@ -395,7 +395,6 @@
               <a:rPr lang="es-ES"/>
               <a:t>Quinto nivel</a:t>
             </a:r>
-            <a:endParaRPr lang="es-ES"/>
           </a:p>
         </p:txBody>
       </p:sp>
@@ -416,6 +415,7 @@
           <a:p>
             <a:fld id="{6FEB4CCE-9E5C-4D7B-92E4-7FB210B21D7A}" type="datetimeFigureOut">
               <a:rPr lang="es-ES" smtClean="0"/>
+              <a:t>18/01/2026</a:t>
             </a:fld>
             <a:endParaRPr lang="es-ES"/>
           </a:p>
@@ -457,6 +457,7 @@
           <a:p>
             <a:fld id="{2C54D487-8D63-415A-B3B9-DEFE2730CE83}" type="slidenum">
               <a:rPr lang="es-ES" smtClean="0"/>
+              <a:t>‹Nº›</a:t>
             </a:fld>
             <a:endParaRPr lang="es-ES"/>
           </a:p>
@@ -511,7 +512,6 @@
               <a:rPr lang="es-ES"/>
               <a:t>Haga clic para modificar el estilo de título del patrón</a:t>
             </a:r>
-            <a:endParaRPr lang="es-ES"/>
           </a:p>
         </p:txBody>
       </p:sp>
@@ -540,7 +540,6 @@
               <a:rPr lang="es-ES"/>
               <a:t>Haga clic para modificar los estilos de texto del patrón</a:t>
             </a:r>
-            <a:endParaRPr lang="es-ES"/>
           </a:p>
           <a:p>
             <a:pPr lvl="1"/>
@@ -548,7 +547,6 @@
               <a:rPr lang="es-ES"/>
               <a:t>Segundo nivel</a:t>
             </a:r>
-            <a:endParaRPr lang="es-ES"/>
           </a:p>
           <a:p>
             <a:pPr lvl="2"/>
@@ -556,7 +554,6 @@
               <a:rPr lang="es-ES"/>
               <a:t>Tercer nivel</a:t>
             </a:r>
-            <a:endParaRPr lang="es-ES"/>
           </a:p>
           <a:p>
             <a:pPr lvl="3"/>
@@ -564,7 +561,6 @@
               <a:rPr lang="es-ES"/>
               <a:t>Cuarto nivel</a:t>
             </a:r>
-            <a:endParaRPr lang="es-ES"/>
           </a:p>
           <a:p>
             <a:pPr lvl="4"/>
@@ -572,7 +568,6 @@
               <a:rPr lang="es-ES"/>
               <a:t>Quinto nivel</a:t>
             </a:r>
-            <a:endParaRPr lang="es-ES"/>
           </a:p>
         </p:txBody>
       </p:sp>
@@ -593,6 +588,7 @@
           <a:p>
             <a:fld id="{6FEB4CCE-9E5C-4D7B-92E4-7FB210B21D7A}" type="datetimeFigureOut">
               <a:rPr lang="es-ES" smtClean="0"/>
+              <a:t>18/01/2026</a:t>
             </a:fld>
             <a:endParaRPr lang="es-ES"/>
           </a:p>
@@ -634,6 +630,7 @@
           <a:p>
             <a:fld id="{2C54D487-8D63-415A-B3B9-DEFE2730CE83}" type="slidenum">
               <a:rPr lang="es-ES" smtClean="0"/>
+              <a:t>‹Nº›</a:t>
             </a:fld>
             <a:endParaRPr lang="es-ES"/>
           </a:p>
@@ -683,7 +680,6 @@
               <a:rPr lang="es-ES"/>
               <a:t>Haga clic para modificar el estilo de título del patrón</a:t>
             </a:r>
-            <a:endParaRPr lang="es-ES"/>
           </a:p>
         </p:txBody>
       </p:sp>
@@ -707,7 +703,6 @@
               <a:rPr lang="es-ES"/>
               <a:t>Haga clic para modificar los estilos de texto del patrón</a:t>
             </a:r>
-            <a:endParaRPr lang="es-ES"/>
           </a:p>
           <a:p>
             <a:pPr lvl="1"/>
@@ -715,7 +710,6 @@
               <a:rPr lang="es-ES"/>
               <a:t>Segundo nivel</a:t>
             </a:r>
-            <a:endParaRPr lang="es-ES"/>
           </a:p>
           <a:p>
             <a:pPr lvl="2"/>
@@ -723,7 +717,6 @@
               <a:rPr lang="es-ES"/>
               <a:t>Tercer nivel</a:t>
             </a:r>
-            <a:endParaRPr lang="es-ES"/>
           </a:p>
           <a:p>
             <a:pPr lvl="3"/>
@@ -731,7 +724,6 @@
               <a:rPr lang="es-ES"/>
               <a:t>Cuarto nivel</a:t>
             </a:r>
-            <a:endParaRPr lang="es-ES"/>
           </a:p>
           <a:p>
             <a:pPr lvl="4"/>
@@ -739,7 +731,6 @@
               <a:rPr lang="es-ES"/>
               <a:t>Quinto nivel</a:t>
             </a:r>
-            <a:endParaRPr lang="es-ES"/>
           </a:p>
         </p:txBody>
       </p:sp>
@@ -760,6 +751,7 @@
           <a:p>
             <a:fld id="{6FEB4CCE-9E5C-4D7B-92E4-7FB210B21D7A}" type="datetimeFigureOut">
               <a:rPr lang="es-ES" smtClean="0"/>
+              <a:t>18/01/2026</a:t>
             </a:fld>
             <a:endParaRPr lang="es-ES"/>
           </a:p>
@@ -801,6 +793,7 @@
           <a:p>
             <a:fld id="{2C54D487-8D63-415A-B3B9-DEFE2730CE83}" type="slidenum">
               <a:rPr lang="es-ES" smtClean="0"/>
+              <a:t>‹Nº›</a:t>
             </a:fld>
             <a:endParaRPr lang="es-ES"/>
           </a:p>
@@ -859,7 +852,6 @@
               <a:rPr lang="es-ES"/>
               <a:t>Haga clic para modificar el estilo de título del patrón</a:t>
             </a:r>
-            <a:endParaRPr lang="es-ES"/>
           </a:p>
         </p:txBody>
       </p:sp>
@@ -979,7 +971,6 @@
               <a:rPr lang="es-ES"/>
               <a:t>Haga clic para modificar los estilos de texto del patrón</a:t>
             </a:r>
-            <a:endParaRPr lang="es-ES"/>
           </a:p>
         </p:txBody>
       </p:sp>
@@ -1000,6 +991,7 @@
           <a:p>
             <a:fld id="{6FEB4CCE-9E5C-4D7B-92E4-7FB210B21D7A}" type="datetimeFigureOut">
               <a:rPr lang="es-ES" smtClean="0"/>
+              <a:t>18/01/2026</a:t>
             </a:fld>
             <a:endParaRPr lang="es-ES"/>
           </a:p>
@@ -1041,6 +1033,7 @@
           <a:p>
             <a:fld id="{2C54D487-8D63-415A-B3B9-DEFE2730CE83}" type="slidenum">
               <a:rPr lang="es-ES" smtClean="0"/>
+              <a:t>‹Nº›</a:t>
             </a:fld>
             <a:endParaRPr lang="es-ES"/>
           </a:p>
@@ -1090,7 +1083,6 @@
               <a:rPr lang="es-ES"/>
               <a:t>Haga clic para modificar el estilo de título del patrón</a:t>
             </a:r>
-            <a:endParaRPr lang="es-ES"/>
           </a:p>
         </p:txBody>
       </p:sp>
@@ -1119,7 +1111,6 @@
               <a:rPr lang="es-ES"/>
               <a:t>Haga clic para modificar los estilos de texto del patrón</a:t>
             </a:r>
-            <a:endParaRPr lang="es-ES"/>
           </a:p>
           <a:p>
             <a:pPr lvl="1"/>
@@ -1127,7 +1118,6 @@
               <a:rPr lang="es-ES"/>
               <a:t>Segundo nivel</a:t>
             </a:r>
-            <a:endParaRPr lang="es-ES"/>
           </a:p>
           <a:p>
             <a:pPr lvl="2"/>
@@ -1135,7 +1125,6 @@
               <a:rPr lang="es-ES"/>
               <a:t>Tercer nivel</a:t>
             </a:r>
-            <a:endParaRPr lang="es-ES"/>
           </a:p>
           <a:p>
             <a:pPr lvl="3"/>
@@ -1143,7 +1132,6 @@
               <a:rPr lang="es-ES"/>
               <a:t>Cuarto nivel</a:t>
             </a:r>
-            <a:endParaRPr lang="es-ES"/>
           </a:p>
           <a:p>
             <a:pPr lvl="4"/>
@@ -1151,7 +1139,6 @@
               <a:rPr lang="es-ES"/>
               <a:t>Quinto nivel</a:t>
             </a:r>
-            <a:endParaRPr lang="es-ES"/>
           </a:p>
         </p:txBody>
       </p:sp>
@@ -1180,7 +1167,6 @@
               <a:rPr lang="es-ES"/>
               <a:t>Haga clic para modificar los estilos de texto del patrón</a:t>
             </a:r>
-            <a:endParaRPr lang="es-ES"/>
           </a:p>
           <a:p>
             <a:pPr lvl="1"/>
@@ -1188,7 +1174,6 @@
               <a:rPr lang="es-ES"/>
               <a:t>Segundo nivel</a:t>
             </a:r>
-            <a:endParaRPr lang="es-ES"/>
           </a:p>
           <a:p>
             <a:pPr lvl="2"/>
@@ -1196,7 +1181,6 @@
               <a:rPr lang="es-ES"/>
               <a:t>Tercer nivel</a:t>
             </a:r>
-            <a:endParaRPr lang="es-ES"/>
           </a:p>
           <a:p>
             <a:pPr lvl="3"/>
@@ -1204,7 +1188,6 @@
               <a:rPr lang="es-ES"/>
               <a:t>Cuarto nivel</a:t>
             </a:r>
-            <a:endParaRPr lang="es-ES"/>
           </a:p>
           <a:p>
             <a:pPr lvl="4"/>
@@ -1212,7 +1195,6 @@
               <a:rPr lang="es-ES"/>
               <a:t>Quinto nivel</a:t>
             </a:r>
-            <a:endParaRPr lang="es-ES"/>
           </a:p>
         </p:txBody>
       </p:sp>
@@ -1233,6 +1215,7 @@
           <a:p>
             <a:fld id="{6FEB4CCE-9E5C-4D7B-92E4-7FB210B21D7A}" type="datetimeFigureOut">
               <a:rPr lang="es-ES" smtClean="0"/>
+              <a:t>18/01/2026</a:t>
             </a:fld>
             <a:endParaRPr lang="es-ES"/>
           </a:p>
@@ -1274,6 +1257,7 @@
           <a:p>
             <a:fld id="{2C54D487-8D63-415A-B3B9-DEFE2730CE83}" type="slidenum">
               <a:rPr lang="es-ES" smtClean="0"/>
+              <a:t>‹Nº›</a:t>
             </a:fld>
             <a:endParaRPr lang="es-ES"/>
           </a:p>
@@ -1328,7 +1312,6 @@
               <a:rPr lang="es-ES"/>
               <a:t>Haga clic para modificar el estilo de título del patrón</a:t>
             </a:r>
-            <a:endParaRPr lang="es-ES"/>
           </a:p>
         </p:txBody>
       </p:sp>
@@ -1394,7 +1377,6 @@
               <a:rPr lang="es-ES"/>
               <a:t>Haga clic para modificar los estilos de texto del patrón</a:t>
             </a:r>
-            <a:endParaRPr lang="es-ES"/>
           </a:p>
         </p:txBody>
       </p:sp>
@@ -1423,7 +1405,6 @@
               <a:rPr lang="es-ES"/>
               <a:t>Haga clic para modificar los estilos de texto del patrón</a:t>
             </a:r>
-            <a:endParaRPr lang="es-ES"/>
           </a:p>
           <a:p>
             <a:pPr lvl="1"/>
@@ -1431,7 +1412,6 @@
               <a:rPr lang="es-ES"/>
               <a:t>Segundo nivel</a:t>
             </a:r>
-            <a:endParaRPr lang="es-ES"/>
           </a:p>
           <a:p>
             <a:pPr lvl="2"/>
@@ -1439,7 +1419,6 @@
               <a:rPr lang="es-ES"/>
               <a:t>Tercer nivel</a:t>
             </a:r>
-            <a:endParaRPr lang="es-ES"/>
           </a:p>
           <a:p>
             <a:pPr lvl="3"/>
@@ -1447,7 +1426,6 @@
               <a:rPr lang="es-ES"/>
               <a:t>Cuarto nivel</a:t>
             </a:r>
-            <a:endParaRPr lang="es-ES"/>
           </a:p>
           <a:p>
             <a:pPr lvl="4"/>
@@ -1455,7 +1433,6 @@
               <a:rPr lang="es-ES"/>
               <a:t>Quinto nivel</a:t>
             </a:r>
-            <a:endParaRPr lang="es-ES"/>
           </a:p>
         </p:txBody>
       </p:sp>
@@ -1521,7 +1498,6 @@
               <a:rPr lang="es-ES"/>
               <a:t>Haga clic para modificar los estilos de texto del patrón</a:t>
             </a:r>
-            <a:endParaRPr lang="es-ES"/>
           </a:p>
         </p:txBody>
       </p:sp>
@@ -1550,7 +1526,6 @@
               <a:rPr lang="es-ES"/>
               <a:t>Haga clic para modificar los estilos de texto del patrón</a:t>
             </a:r>
-            <a:endParaRPr lang="es-ES"/>
           </a:p>
           <a:p>
             <a:pPr lvl="1"/>
@@ -1558,7 +1533,6 @@
               <a:rPr lang="es-ES"/>
               <a:t>Segundo nivel</a:t>
             </a:r>
-            <a:endParaRPr lang="es-ES"/>
           </a:p>
           <a:p>
             <a:pPr lvl="2"/>
@@ -1566,7 +1540,6 @@
               <a:rPr lang="es-ES"/>
               <a:t>Tercer nivel</a:t>
             </a:r>
-            <a:endParaRPr lang="es-ES"/>
           </a:p>
           <a:p>
             <a:pPr lvl="3"/>
@@ -1574,7 +1547,6 @@
               <a:rPr lang="es-ES"/>
               <a:t>Cuarto nivel</a:t>
             </a:r>
-            <a:endParaRPr lang="es-ES"/>
           </a:p>
           <a:p>
             <a:pPr lvl="4"/>
@@ -1582,7 +1554,6 @@
               <a:rPr lang="es-ES"/>
               <a:t>Quinto nivel</a:t>
             </a:r>
-            <a:endParaRPr lang="es-ES"/>
           </a:p>
         </p:txBody>
       </p:sp>
@@ -1603,6 +1574,7 @@
           <a:p>
             <a:fld id="{6FEB4CCE-9E5C-4D7B-92E4-7FB210B21D7A}" type="datetimeFigureOut">
               <a:rPr lang="es-ES" smtClean="0"/>
+              <a:t>18/01/2026</a:t>
             </a:fld>
             <a:endParaRPr lang="es-ES"/>
           </a:p>
@@ -1644,6 +1616,7 @@
           <a:p>
             <a:fld id="{2C54D487-8D63-415A-B3B9-DEFE2730CE83}" type="slidenum">
               <a:rPr lang="es-ES" smtClean="0"/>
+              <a:t>‹Nº›</a:t>
             </a:fld>
             <a:endParaRPr lang="es-ES"/>
           </a:p>
@@ -1693,7 +1666,6 @@
               <a:rPr lang="es-ES"/>
               <a:t>Haga clic para modificar el estilo de título del patrón</a:t>
             </a:r>
-            <a:endParaRPr lang="es-ES"/>
           </a:p>
         </p:txBody>
       </p:sp>
@@ -1714,6 +1686,7 @@
           <a:p>
             <a:fld id="{6FEB4CCE-9E5C-4D7B-92E4-7FB210B21D7A}" type="datetimeFigureOut">
               <a:rPr lang="es-ES" smtClean="0"/>
+              <a:t>18/01/2026</a:t>
             </a:fld>
             <a:endParaRPr lang="es-ES"/>
           </a:p>
@@ -1755,6 +1728,7 @@
           <a:p>
             <a:fld id="{2C54D487-8D63-415A-B3B9-DEFE2730CE83}" type="slidenum">
               <a:rPr lang="es-ES" smtClean="0"/>
+              <a:t>‹Nº›</a:t>
             </a:fld>
             <a:endParaRPr lang="es-ES"/>
           </a:p>
@@ -1802,6 +1776,7 @@
           <a:p>
             <a:fld id="{6FEB4CCE-9E5C-4D7B-92E4-7FB210B21D7A}" type="datetimeFigureOut">
               <a:rPr lang="es-ES" smtClean="0"/>
+              <a:t>18/01/2026</a:t>
             </a:fld>
             <a:endParaRPr lang="es-ES"/>
           </a:p>
@@ -1843,6 +1818,7 @@
           <a:p>
             <a:fld id="{2C54D487-8D63-415A-B3B9-DEFE2730CE83}" type="slidenum">
               <a:rPr lang="es-ES" smtClean="0"/>
+              <a:t>‹Nº›</a:t>
             </a:fld>
             <a:endParaRPr lang="es-ES"/>
           </a:p>
@@ -1901,7 +1877,6 @@
               <a:rPr lang="es-ES"/>
               <a:t>Haga clic para modificar el estilo de título del patrón</a:t>
             </a:r>
-            <a:endParaRPr lang="es-ES"/>
           </a:p>
         </p:txBody>
       </p:sp>
@@ -1958,7 +1933,6 @@
               <a:rPr lang="es-ES"/>
               <a:t>Haga clic para modificar los estilos de texto del patrón</a:t>
             </a:r>
-            <a:endParaRPr lang="es-ES"/>
           </a:p>
           <a:p>
             <a:pPr lvl="1"/>
@@ -1966,7 +1940,6 @@
               <a:rPr lang="es-ES"/>
               <a:t>Segundo nivel</a:t>
             </a:r>
-            <a:endParaRPr lang="es-ES"/>
           </a:p>
           <a:p>
             <a:pPr lvl="2"/>
@@ -1974,7 +1947,6 @@
               <a:rPr lang="es-ES"/>
               <a:t>Tercer nivel</a:t>
             </a:r>
-            <a:endParaRPr lang="es-ES"/>
           </a:p>
           <a:p>
             <a:pPr lvl="3"/>
@@ -1982,7 +1954,6 @@
               <a:rPr lang="es-ES"/>
               <a:t>Cuarto nivel</a:t>
             </a:r>
-            <a:endParaRPr lang="es-ES"/>
           </a:p>
           <a:p>
             <a:pPr lvl="4"/>
@@ -1990,7 +1961,6 @@
               <a:rPr lang="es-ES"/>
               <a:t>Quinto nivel</a:t>
             </a:r>
-            <a:endParaRPr lang="es-ES"/>
           </a:p>
         </p:txBody>
       </p:sp>
@@ -2056,7 +2026,6 @@
               <a:rPr lang="es-ES"/>
               <a:t>Haga clic para modificar los estilos de texto del patrón</a:t>
             </a:r>
-            <a:endParaRPr lang="es-ES"/>
           </a:p>
         </p:txBody>
       </p:sp>
@@ -2077,6 +2046,7 @@
           <a:p>
             <a:fld id="{6FEB4CCE-9E5C-4D7B-92E4-7FB210B21D7A}" type="datetimeFigureOut">
               <a:rPr lang="es-ES" smtClean="0"/>
+              <a:t>18/01/2026</a:t>
             </a:fld>
             <a:endParaRPr lang="es-ES"/>
           </a:p>
@@ -2118,6 +2088,7 @@
           <a:p>
             <a:fld id="{2C54D487-8D63-415A-B3B9-DEFE2730CE83}" type="slidenum">
               <a:rPr lang="es-ES" smtClean="0"/>
+              <a:t>‹Nº›</a:t>
             </a:fld>
             <a:endParaRPr lang="es-ES"/>
           </a:p>
@@ -2176,7 +2147,6 @@
               <a:rPr lang="es-ES"/>
               <a:t>Haga clic para modificar el estilo de título del patrón</a:t>
             </a:r>
-            <a:endParaRPr lang="es-ES"/>
           </a:p>
         </p:txBody>
       </p:sp>
@@ -2303,7 +2273,6 @@
               <a:rPr lang="es-ES"/>
               <a:t>Haga clic para modificar los estilos de texto del patrón</a:t>
             </a:r>
-            <a:endParaRPr lang="es-ES"/>
           </a:p>
         </p:txBody>
       </p:sp>
@@ -2324,6 +2293,7 @@
           <a:p>
             <a:fld id="{6FEB4CCE-9E5C-4D7B-92E4-7FB210B21D7A}" type="datetimeFigureOut">
               <a:rPr lang="es-ES" smtClean="0"/>
+              <a:t>18/01/2026</a:t>
             </a:fld>
             <a:endParaRPr lang="es-ES"/>
           </a:p>
@@ -2365,6 +2335,7 @@
           <a:p>
             <a:fld id="{2C54D487-8D63-415A-B3B9-DEFE2730CE83}" type="slidenum">
               <a:rPr lang="es-ES" smtClean="0"/>
+              <a:t>‹Nº›</a:t>
             </a:fld>
             <a:endParaRPr lang="es-ES"/>
           </a:p>
@@ -2429,7 +2400,6 @@
               <a:rPr lang="es-ES"/>
               <a:t>Haga clic para modificar el estilo de título del patrón</a:t>
             </a:r>
-            <a:endParaRPr lang="es-ES"/>
           </a:p>
         </p:txBody>
       </p:sp>
@@ -2463,7 +2433,6 @@
               <a:rPr lang="es-ES"/>
               <a:t>Haga clic para modificar los estilos de texto del patrón</a:t>
             </a:r>
-            <a:endParaRPr lang="es-ES"/>
           </a:p>
           <a:p>
             <a:pPr lvl="1"/>
@@ -2471,7 +2440,6 @@
               <a:rPr lang="es-ES"/>
               <a:t>Segundo nivel</a:t>
             </a:r>
-            <a:endParaRPr lang="es-ES"/>
           </a:p>
           <a:p>
             <a:pPr lvl="2"/>
@@ -2479,7 +2447,6 @@
               <a:rPr lang="es-ES"/>
               <a:t>Tercer nivel</a:t>
             </a:r>
-            <a:endParaRPr lang="es-ES"/>
           </a:p>
           <a:p>
             <a:pPr lvl="3"/>
@@ -2487,7 +2454,6 @@
               <a:rPr lang="es-ES"/>
               <a:t>Cuarto nivel</a:t>
             </a:r>
-            <a:endParaRPr lang="es-ES"/>
           </a:p>
           <a:p>
             <a:pPr lvl="4"/>
@@ -2495,7 +2461,6 @@
               <a:rPr lang="es-ES"/>
               <a:t>Quinto nivel</a:t>
             </a:r>
-            <a:endParaRPr lang="es-ES"/>
           </a:p>
         </p:txBody>
       </p:sp>
@@ -2534,6 +2499,7 @@
           <a:p>
             <a:fld id="{6FEB4CCE-9E5C-4D7B-92E4-7FB210B21D7A}" type="datetimeFigureOut">
               <a:rPr lang="es-ES" smtClean="0"/>
+              <a:t>18/01/2026</a:t>
             </a:fld>
             <a:endParaRPr lang="es-ES"/>
           </a:p>
@@ -2611,6 +2577,7 @@
           <a:p>
             <a:fld id="{2C54D487-8D63-415A-B3B9-DEFE2730CE83}" type="slidenum">
               <a:rPr lang="es-ES" smtClean="0"/>
+              <a:t>‹Nº›</a:t>
             </a:fld>
             <a:endParaRPr lang="es-ES"/>
           </a:p>
@@ -3196,12 +3163,6 @@
               </a:rPr>
               <a:t> </a:t>
             </a:r>
-            <a:endParaRPr lang="en-US" sz="3200" dirty="0">
-              <a:solidFill>
-                <a:schemeClr val="bg1"/>
-              </a:solidFill>
-              <a:latin typeface="Arial Black" panose="020B0A04020102020204" pitchFamily="34" charset="0"/>
-            </a:endParaRPr>
           </a:p>
           <a:p>
             <a:pPr algn="ctr"/>
@@ -3273,12 +3234,6 @@
               </a:rPr>
               <a:t>Enero 2026</a:t>
             </a:r>
-            <a:endParaRPr lang="es-ES" sz="2000" dirty="0">
-              <a:solidFill>
-                <a:schemeClr val="bg1"/>
-              </a:solidFill>
-              <a:latin typeface="Arial Black" panose="020B0A04020102020204" pitchFamily="34" charset="0"/>
-            </a:endParaRPr>
           </a:p>
           <a:p>
             <a:pPr algn="ctr"/>
@@ -3300,12 +3255,6 @@
               </a:rPr>
               <a:t>Kelen Alfaro García            Adriana Boué García       Carlos Mazorra Matos</a:t>
             </a:r>
-            <a:endParaRPr lang="es-ES" sz="2000" dirty="0">
-              <a:solidFill>
-                <a:schemeClr val="bg1"/>
-              </a:solidFill>
-              <a:latin typeface="Arial Black" panose="020B0A04020102020204" pitchFamily="34" charset="0"/>
-            </a:endParaRPr>
           </a:p>
           <a:p>
             <a:pPr algn="ctr"/>
@@ -3353,16 +3302,6 @@
               </a:rPr>
               <a:t>Preguntas de Investigación</a:t>
             </a:r>
-            <a:endParaRPr lang="es-ES" sz="2800" b="0" dirty="0">
-              <a:solidFill>
-                <a:schemeClr val="tx1">
-                  <a:lumMod val="85000"/>
-                  <a:lumOff val="15000"/>
-                </a:schemeClr>
-              </a:solidFill>
-              <a:effectLst/>
-              <a:latin typeface="Arial Black" panose="020B0A04020102020204" pitchFamily="34" charset="0"/>
-            </a:endParaRPr>
           </a:p>
         </p:txBody>
       </p:sp>
@@ -3399,13 +3338,6 @@
               </a:rPr>
               <a:t>¿Qué factores ambientales y temporales están más fuertemente asociados con la severidad de los accidentes de tráfico?</a:t>
             </a:r>
-            <a:endParaRPr lang="es-ES" dirty="0">
-              <a:solidFill>
-                <a:schemeClr val="bg1"/>
-              </a:solidFill>
-              <a:effectLst/>
-              <a:latin typeface="Arial Black" panose="020B0A04020102020204" pitchFamily="34" charset="0"/>
-            </a:endParaRPr>
           </a:p>
         </p:txBody>
       </p:sp>
@@ -3540,15 +3472,6 @@
               </a:rPr>
               <a:t>Principales Variables</a:t>
             </a:r>
-            <a:endParaRPr lang="es-ES" sz="2800" dirty="0">
-              <a:solidFill>
-                <a:schemeClr val="tx1">
-                  <a:lumMod val="85000"/>
-                  <a:lumOff val="15000"/>
-                </a:schemeClr>
-              </a:solidFill>
-              <a:latin typeface="Arial Black" panose="020B0A04020102020204" pitchFamily="34" charset="0"/>
-            </a:endParaRPr>
           </a:p>
         </p:txBody>
       </p:sp>
@@ -3883,23 +3806,6 @@
               </a:rPr>
               <a:t> </a:t>
             </a:r>
-            <a:endParaRPr kumimoji="0" lang="es-ES" altLang="es-ES" b="0" i="0" u="none" strike="noStrike" kern="1200" cap="none" spc="0" normalizeH="0" baseline="0" noProof="0" dirty="0">
-              <a:ln>
-                <a:noFill/>
-              </a:ln>
-              <a:solidFill>
-                <a:schemeClr val="tx1">
-                  <a:lumMod val="85000"/>
-                  <a:lumOff val="15000"/>
-                </a:schemeClr>
-              </a:solidFill>
-              <a:effectLst/>
-              <a:uLnTx/>
-              <a:uFillTx/>
-              <a:latin typeface="Arial Black" panose="020B0A04020102020204" pitchFamily="34" charset="0"/>
-              <a:ea typeface="+mn-ea"/>
-              <a:cs typeface="+mn-cs"/>
-            </a:endParaRPr>
           </a:p>
         </p:txBody>
       </p:sp>
@@ -3912,13 +3818,13 @@
           <p:nvPr/>
         </p:nvPicPr>
         <p:blipFill>
-          <a:blip r:embed="rId1">
+          <a:blip r:embed="rId2">
             <a:extLst>
               <a:ext uri="{28A0092B-C50C-407E-A947-70E740481C1C}">
                 <a14:useLocalDpi xmlns:a14="http://schemas.microsoft.com/office/drawing/2010/main" val="0"/>
               </a:ext>
               <a:ext uri="{96DAC541-7B7A-43D3-8B79-37D633B846F1}">
-                <asvg:svgBlip xmlns:asvg="http://schemas.microsoft.com/office/drawing/2016/SVG/main" r:embed="rId2"/>
+                <asvg:svgBlip xmlns:asvg="http://schemas.microsoft.com/office/drawing/2016/SVG/main" r:embed="rId3"/>
               </a:ext>
             </a:extLst>
           </a:blip>
@@ -3945,13 +3851,13 @@
           <p:nvPr/>
         </p:nvPicPr>
         <p:blipFill>
-          <a:blip r:embed="rId3">
+          <a:blip r:embed="rId4">
             <a:extLst>
               <a:ext uri="{28A0092B-C50C-407E-A947-70E740481C1C}">
                 <a14:useLocalDpi xmlns:a14="http://schemas.microsoft.com/office/drawing/2010/main" val="0"/>
               </a:ext>
               <a:ext uri="{96DAC541-7B7A-43D3-8B79-37D633B846F1}">
-                <asvg:svgBlip xmlns:asvg="http://schemas.microsoft.com/office/drawing/2016/SVG/main" r:embed="rId4"/>
+                <asvg:svgBlip xmlns:asvg="http://schemas.microsoft.com/office/drawing/2016/SVG/main" r:embed="rId5"/>
               </a:ext>
             </a:extLst>
           </a:blip>
@@ -3978,13 +3884,13 @@
           <p:nvPr/>
         </p:nvPicPr>
         <p:blipFill>
-          <a:blip r:embed="rId5">
+          <a:blip r:embed="rId6">
             <a:extLst>
               <a:ext uri="{28A0092B-C50C-407E-A947-70E740481C1C}">
                 <a14:useLocalDpi xmlns:a14="http://schemas.microsoft.com/office/drawing/2010/main" val="0"/>
               </a:ext>
               <a:ext uri="{96DAC541-7B7A-43D3-8B79-37D633B846F1}">
-                <asvg:svgBlip xmlns:asvg="http://schemas.microsoft.com/office/drawing/2016/SVG/main" r:embed="rId6"/>
+                <asvg:svgBlip xmlns:asvg="http://schemas.microsoft.com/office/drawing/2016/SVG/main" r:embed="rId7"/>
               </a:ext>
             </a:extLst>
           </a:blip>
@@ -4011,13 +3917,13 @@
           <p:nvPr/>
         </p:nvPicPr>
         <p:blipFill>
-          <a:blip r:embed="rId7">
+          <a:blip r:embed="rId8">
             <a:extLst>
               <a:ext uri="{28A0092B-C50C-407E-A947-70E740481C1C}">
                 <a14:useLocalDpi xmlns:a14="http://schemas.microsoft.com/office/drawing/2010/main" val="0"/>
               </a:ext>
               <a:ext uri="{96DAC541-7B7A-43D3-8B79-37D633B846F1}">
-                <asvg:svgBlip xmlns:asvg="http://schemas.microsoft.com/office/drawing/2016/SVG/main" r:embed="rId8"/>
+                <asvg:svgBlip xmlns:asvg="http://schemas.microsoft.com/office/drawing/2016/SVG/main" r:embed="rId9"/>
               </a:ext>
             </a:extLst>
           </a:blip>
@@ -4044,13 +3950,13 @@
           <p:nvPr/>
         </p:nvPicPr>
         <p:blipFill>
-          <a:blip r:embed="rId9">
+          <a:blip r:embed="rId10">
             <a:extLst>
               <a:ext uri="{28A0092B-C50C-407E-A947-70E740481C1C}">
                 <a14:useLocalDpi xmlns:a14="http://schemas.microsoft.com/office/drawing/2010/main" val="0"/>
               </a:ext>
               <a:ext uri="{96DAC541-7B7A-43D3-8B79-37D633B846F1}">
-                <asvg:svgBlip xmlns:asvg="http://schemas.microsoft.com/office/drawing/2016/SVG/main" r:embed="rId10"/>
+                <asvg:svgBlip xmlns:asvg="http://schemas.microsoft.com/office/drawing/2016/SVG/main" r:embed="rId11"/>
               </a:ext>
             </a:extLst>
           </a:blip>
@@ -4077,13 +3983,13 @@
           <p:nvPr/>
         </p:nvPicPr>
         <p:blipFill>
-          <a:blip r:embed="rId11">
+          <a:blip r:embed="rId12">
             <a:extLst>
               <a:ext uri="{28A0092B-C50C-407E-A947-70E740481C1C}">
                 <a14:useLocalDpi xmlns:a14="http://schemas.microsoft.com/office/drawing/2010/main" val="0"/>
               </a:ext>
               <a:ext uri="{96DAC541-7B7A-43D3-8B79-37D633B846F1}">
-                <asvg:svgBlip xmlns:asvg="http://schemas.microsoft.com/office/drawing/2016/SVG/main" r:embed="rId12"/>
+                <asvg:svgBlip xmlns:asvg="http://schemas.microsoft.com/office/drawing/2016/SVG/main" r:embed="rId13"/>
               </a:ext>
             </a:extLst>
           </a:blip>
@@ -4110,13 +4016,13 @@
           <p:nvPr/>
         </p:nvPicPr>
         <p:blipFill>
-          <a:blip r:embed="rId13">
+          <a:blip r:embed="rId14">
             <a:extLst>
               <a:ext uri="{28A0092B-C50C-407E-A947-70E740481C1C}">
                 <a14:useLocalDpi xmlns:a14="http://schemas.microsoft.com/office/drawing/2010/main" val="0"/>
               </a:ext>
               <a:ext uri="{96DAC541-7B7A-43D3-8B79-37D633B846F1}">
-                <asvg:svgBlip xmlns:asvg="http://schemas.microsoft.com/office/drawing/2016/SVG/main" r:embed="rId14"/>
+                <asvg:svgBlip xmlns:asvg="http://schemas.microsoft.com/office/drawing/2016/SVG/main" r:embed="rId15"/>
               </a:ext>
             </a:extLst>
           </a:blip>
@@ -4143,13 +4049,13 @@
           <p:nvPr/>
         </p:nvPicPr>
         <p:blipFill>
-          <a:blip r:embed="rId15">
+          <a:blip r:embed="rId16">
             <a:extLst>
               <a:ext uri="{28A0092B-C50C-407E-A947-70E740481C1C}">
                 <a14:useLocalDpi xmlns:a14="http://schemas.microsoft.com/office/drawing/2010/main" val="0"/>
               </a:ext>
               <a:ext uri="{96DAC541-7B7A-43D3-8B79-37D633B846F1}">
-                <asvg:svgBlip xmlns:asvg="http://schemas.microsoft.com/office/drawing/2016/SVG/main" r:embed="rId16"/>
+                <asvg:svgBlip xmlns:asvg="http://schemas.microsoft.com/office/drawing/2016/SVG/main" r:embed="rId17"/>
               </a:ext>
             </a:extLst>
           </a:blip>
@@ -4176,13 +4082,13 @@
           <p:nvPr/>
         </p:nvPicPr>
         <p:blipFill>
-          <a:blip r:embed="rId17">
+          <a:blip r:embed="rId18">
             <a:extLst>
               <a:ext uri="{28A0092B-C50C-407E-A947-70E740481C1C}">
                 <a14:useLocalDpi xmlns:a14="http://schemas.microsoft.com/office/drawing/2010/main" val="0"/>
               </a:ext>
               <a:ext uri="{96DAC541-7B7A-43D3-8B79-37D633B846F1}">
-                <asvg:svgBlip xmlns:asvg="http://schemas.microsoft.com/office/drawing/2016/SVG/main" r:embed="rId18"/>
+                <asvg:svgBlip xmlns:asvg="http://schemas.microsoft.com/office/drawing/2016/SVG/main" r:embed="rId19"/>
               </a:ext>
             </a:extLst>
           </a:blip>
@@ -4301,19 +4207,6 @@
               </a:rPr>
               <a:t> </a:t>
             </a:r>
-            <a:endParaRPr kumimoji="0" lang="es-ES" altLang="es-ES" b="0" i="0" u="none" strike="noStrike" cap="none" normalizeH="0" baseline="0" dirty="0">
-              <a:ln>
-                <a:noFill/>
-              </a:ln>
-              <a:solidFill>
-                <a:schemeClr val="tx1">
-                  <a:lumMod val="85000"/>
-                  <a:lumOff val="15000"/>
-                </a:schemeClr>
-              </a:solidFill>
-              <a:effectLst/>
-              <a:latin typeface="Arial Black" panose="020B0A04020102020204" pitchFamily="34" charset="0"/>
-            </a:endParaRPr>
           </a:p>
         </p:txBody>
       </p:sp>
@@ -4384,19 +4277,6 @@
               </a:rPr>
               <a:t> </a:t>
             </a:r>
-            <a:endParaRPr kumimoji="0" lang="es-ES" altLang="es-ES" sz="1800" b="0" i="0" u="none" strike="noStrike" cap="none" normalizeH="0" baseline="0" dirty="0">
-              <a:ln>
-                <a:noFill/>
-              </a:ln>
-              <a:solidFill>
-                <a:schemeClr val="tx1">
-                  <a:lumMod val="85000"/>
-                  <a:lumOff val="15000"/>
-                </a:schemeClr>
-              </a:solidFill>
-              <a:effectLst/>
-              <a:latin typeface="Arial Black" panose="020B0A04020102020204" pitchFamily="34" charset="0"/>
-            </a:endParaRPr>
           </a:p>
         </p:txBody>
       </p:sp>
@@ -4587,15 +4467,6 @@
               </a:rPr>
               <a:t> de Accidentes: Método del Codo y K-Means</a:t>
             </a:r>
-            <a:endParaRPr lang="es-ES" sz="2800" dirty="0">
-              <a:solidFill>
-                <a:schemeClr val="tx1">
-                  <a:lumMod val="85000"/>
-                  <a:lumOff val="15000"/>
-                </a:schemeClr>
-              </a:solidFill>
-              <a:latin typeface="Arial Black" panose="020B0A04020102020204" pitchFamily="34" charset="0"/>
-            </a:endParaRPr>
           </a:p>
         </p:txBody>
       </p:sp>
@@ -4634,15 +4505,6 @@
               </a:rPr>
               <a:t>El método del codo se utilizó para determinar el número óptimo de clusters, evaluando la compactación mediante el score (−WCSS). </a:t>
             </a:r>
-            <a:endParaRPr lang="es-ES" sz="1400" dirty="0">
-              <a:solidFill>
-                <a:schemeClr val="tx1">
-                  <a:lumMod val="85000"/>
-                  <a:lumOff val="15000"/>
-                </a:schemeClr>
-              </a:solidFill>
-              <a:latin typeface="Arial Black" panose="020B0A04020102020204" pitchFamily="34" charset="0"/>
-            </a:endParaRPr>
           </a:p>
         </p:txBody>
       </p:sp>
@@ -4655,7 +4517,7 @@
           <p:nvPr/>
         </p:nvPicPr>
         <p:blipFill>
-          <a:blip r:embed="rId1">
+          <a:blip r:embed="rId2">
             <a:extLst>
               <a:ext uri="{28A0092B-C50C-407E-A947-70E740481C1C}">
                 <a14:useLocalDpi xmlns:a14="http://schemas.microsoft.com/office/drawing/2010/main" val="0"/>
@@ -4729,15 +4591,6 @@
               </a:rPr>
               <a:t>Los clusters 1 y 3 concentran la mayor parte de las observaciones, lo que indica que el conjunto de datos representan los escenarios más comunes bajo los cuales ocurren los accidentes de tráfico.</a:t>
             </a:r>
-            <a:endParaRPr lang="es-ES" sz="1400" dirty="0">
-              <a:solidFill>
-                <a:schemeClr val="tx1">
-                  <a:lumMod val="85000"/>
-                  <a:lumOff val="15000"/>
-                </a:schemeClr>
-              </a:solidFill>
-              <a:latin typeface="Arial Black" panose="020B0A04020102020204" pitchFamily="34" charset="0"/>
-            </a:endParaRPr>
           </a:p>
           <a:p>
             <a:pPr marL="285750" indent="-285750" algn="just">
@@ -4771,15 +4624,6 @@
               </a:rPr>
               <a:t>El cluster 0 presenta un tamaño intermedio, lo que sugiere que este grupo podría estar asociado a condiciones particulares, como variaciones en la duración del evento, la infraestructura vial o el horario.</a:t>
             </a:r>
-            <a:endParaRPr lang="es-ES" sz="1400" dirty="0">
-              <a:solidFill>
-                <a:schemeClr val="tx1">
-                  <a:lumMod val="85000"/>
-                  <a:lumOff val="15000"/>
-                </a:schemeClr>
-              </a:solidFill>
-              <a:latin typeface="Arial Black" panose="020B0A04020102020204" pitchFamily="34" charset="0"/>
-            </a:endParaRPr>
           </a:p>
           <a:p>
             <a:pPr marL="285750" indent="-285750" algn="just">
@@ -4813,15 +4657,6 @@
               </a:rPr>
               <a:t>El cluster 2 agrupa un número muy reducido de observaciones, representando una fracción mínima del total. La presencia de este cluster indica la existencia de eventos atípicos o extremos que difieren significativamente del comportamiento general. </a:t>
             </a:r>
-            <a:endParaRPr lang="es-ES" sz="1400" dirty="0">
-              <a:solidFill>
-                <a:schemeClr val="tx1">
-                  <a:lumMod val="85000"/>
-                  <a:lumOff val="15000"/>
-                </a:schemeClr>
-              </a:solidFill>
-              <a:latin typeface="Arial Black" panose="020B0A04020102020204" pitchFamily="34" charset="0"/>
-            </a:endParaRPr>
           </a:p>
         </p:txBody>
       </p:sp>
@@ -4860,15 +4695,6 @@
               </a:rPr>
               <a:t>El algoritmo K-Means se aplicó con k = 4 sobre datos estandarizados, agrupando los accidentes en clusters con características homogéneas. La distribución resultante es desigual:</a:t>
             </a:r>
-            <a:endParaRPr lang="es-ES" sz="1400" dirty="0">
-              <a:solidFill>
-                <a:schemeClr val="tx1">
-                  <a:lumMod val="85000"/>
-                  <a:lumOff val="15000"/>
-                </a:schemeClr>
-              </a:solidFill>
-              <a:latin typeface="Arial Black" panose="020B0A04020102020204" pitchFamily="34" charset="0"/>
-            </a:endParaRPr>
           </a:p>
         </p:txBody>
       </p:sp>
@@ -4906,7 +4732,7 @@
           <p:nvPr/>
         </p:nvPicPr>
         <p:blipFill>
-          <a:blip r:embed="rId1">
+          <a:blip r:embed="rId2">
             <a:extLst>
               <a:ext uri="{28A0092B-C50C-407E-A947-70E740481C1C}">
                 <a14:useLocalDpi xmlns:a14="http://schemas.microsoft.com/office/drawing/2010/main" val="0"/>
@@ -4965,15 +4791,6 @@
               </a:rPr>
               <a:t>Distribución de Temperatura: El Cluster 1 tiene la base más ancha en temperaturas bajas, lo que respalda su perfil asociado a condiciones climáticas más frías o matutinas.</a:t>
             </a:r>
-            <a:endParaRPr lang="es-ES" sz="1400" dirty="0">
-              <a:solidFill>
-                <a:schemeClr val="tx1">
-                  <a:lumMod val="85000"/>
-                  <a:lumOff val="15000"/>
-                </a:schemeClr>
-              </a:solidFill>
-              <a:latin typeface="Arial Black" panose="020B0A04020102020204" pitchFamily="34" charset="0"/>
-            </a:endParaRPr>
           </a:p>
         </p:txBody>
       </p:sp>
@@ -5012,15 +4829,6 @@
               </a:rPr>
               <a:t>La imagen muestra la distribución de variables clave por cluster mediante gráficos tipo violín, lo que permite visualizar la densidad y variabilidad interna de cada grupo:</a:t>
             </a:r>
-            <a:endParaRPr lang="es-ES" sz="1400" dirty="0">
-              <a:solidFill>
-                <a:schemeClr val="tx1">
-                  <a:lumMod val="85000"/>
-                  <a:lumOff val="15000"/>
-                </a:schemeClr>
-              </a:solidFill>
-              <a:latin typeface="Arial Black" panose="020B0A04020102020204" pitchFamily="34" charset="0"/>
-            </a:endParaRPr>
           </a:p>
         </p:txBody>
       </p:sp>
@@ -5062,15 +4870,6 @@
               </a:rPr>
               <a:t>Distribución de Severidad: Es el gráfico más revelador. Confirma que el Cluster 0 es el único enfocado en accidentes de alta gravedad (niveles 3 y 4), mientras que los clusters 1, 2 y 3 están masivamente concentrados en la severidad 2</a:t>
             </a:r>
-            <a:endParaRPr lang="es-ES" sz="1400" dirty="0">
-              <a:solidFill>
-                <a:schemeClr val="tx1">
-                  <a:lumMod val="85000"/>
-                  <a:lumOff val="15000"/>
-                </a:schemeClr>
-              </a:solidFill>
-              <a:latin typeface="Arial Black" panose="020B0A04020102020204" pitchFamily="34" charset="0"/>
-            </a:endParaRPr>
           </a:p>
         </p:txBody>
       </p:sp>
@@ -5112,15 +4911,6 @@
               </a:rPr>
               <a:t>Distribución de Humedad: El Cluster 3 se diferencia claramente por presentar los niveles de humedad más altos y constantes, lo que lo define como el perfil de accidentes en condiciones húmedas.</a:t>
             </a:r>
-            <a:endParaRPr lang="es-ES" sz="1400" dirty="0">
-              <a:solidFill>
-                <a:schemeClr val="tx1">
-                  <a:lumMod val="85000"/>
-                  <a:lumOff val="15000"/>
-                </a:schemeClr>
-              </a:solidFill>
-              <a:latin typeface="Arial Black" panose="020B0A04020102020204" pitchFamily="34" charset="0"/>
-            </a:endParaRPr>
           </a:p>
         </p:txBody>
       </p:sp>
@@ -5162,15 +4952,6 @@
               </a:rPr>
               <a:t>Distribución de duración: Aquí vemos por qué el Cluster 2 es el de "eventos atípicos". Su "cola" es mucho más larga que las demás, lo que indica accidentes que bloquearon el tráfico por tiempos extremadamente prolongados.</a:t>
             </a:r>
-            <a:endParaRPr lang="es-ES" sz="1400" dirty="0">
-              <a:solidFill>
-                <a:schemeClr val="tx1">
-                  <a:lumMod val="85000"/>
-                  <a:lumOff val="15000"/>
-                </a:schemeClr>
-              </a:solidFill>
-              <a:latin typeface="Arial Black" panose="020B0A04020102020204" pitchFamily="34" charset="0"/>
-            </a:endParaRPr>
           </a:p>
         </p:txBody>
       </p:sp>
@@ -5212,15 +4993,6 @@
               </a:rPr>
               <a:t>Distribución de Hora de Inicio: El Cluster 1 muestra un pico en las primeras horas de la mañana. El Cluster 0 (el más severo) ocurre predominantemente alrededor del mediodía y el Cluster 2 se inclina hacia la tarde-noche</a:t>
             </a:r>
-            <a:endParaRPr lang="es-ES" sz="1400" dirty="0">
-              <a:solidFill>
-                <a:schemeClr val="tx1">
-                  <a:lumMod val="85000"/>
-                  <a:lumOff val="15000"/>
-                </a:schemeClr>
-              </a:solidFill>
-              <a:latin typeface="Arial Black" panose="020B0A04020102020204" pitchFamily="34" charset="0"/>
-            </a:endParaRPr>
           </a:p>
         </p:txBody>
       </p:sp>
@@ -5465,12 +5237,6 @@
               </a:rPr>
               <a:t>Pregunta 1: ¿Qué factores ambientales y temporales están más fuertemente asociados con la severidad de los accidentes de tráfico?</a:t>
             </a:r>
-            <a:endParaRPr lang="es-ES" sz="1400" dirty="0">
-              <a:solidFill>
-                <a:schemeClr val="bg1"/>
-              </a:solidFill>
-              <a:latin typeface="Arial Black" panose="020B0A04020102020204" pitchFamily="34" charset="0"/>
-            </a:endParaRPr>
           </a:p>
         </p:txBody>
       </p:sp>
@@ -5506,12 +5272,6 @@
               </a:rPr>
               <a:t>Pregunta 2: ¿Existen patrones temporales significativos en la ocurrencia de accidentes (hora del día, día de la semana, estacionalidad)?</a:t>
             </a:r>
-            <a:endParaRPr lang="es-ES" sz="1400" dirty="0">
-              <a:solidFill>
-                <a:schemeClr val="bg1"/>
-              </a:solidFill>
-              <a:latin typeface="Arial Black" panose="020B0A04020102020204" pitchFamily="34" charset="0"/>
-            </a:endParaRPr>
           </a:p>
         </p:txBody>
       </p:sp>
@@ -5547,12 +5307,6 @@
               </a:rPr>
               <a:t>Pregunta 3: ¿Cómo varían las características de los accidentes entre diferentes estados y condiciones climáticas?</a:t>
             </a:r>
-            <a:endParaRPr lang="es-ES" sz="1400" dirty="0">
-              <a:solidFill>
-                <a:schemeClr val="bg1"/>
-              </a:solidFill>
-              <a:latin typeface="Arial Black" panose="020B0A04020102020204" pitchFamily="34" charset="0"/>
-            </a:endParaRPr>
           </a:p>
         </p:txBody>
       </p:sp>
@@ -5618,12 +5372,6 @@
               </a:rPr>
               <a:t>reflejando que los meses de mayor demanda y variabilidad climática concentran los mayores impactos</a:t>
             </a:r>
-            <a:endParaRPr lang="en-US" altLang="en-US" sz="1400" dirty="0">
-              <a:solidFill>
-                <a:schemeClr val="bg1"/>
-              </a:solidFill>
-              <a:latin typeface="Arial Black" panose="020B0A04020102020204" pitchFamily="34" charset="0"/>
-            </a:endParaRPr>
           </a:p>
           <a:p>
             <a:pPr marL="285750" indent="-285750" algn="just">
@@ -5730,12 +5478,6 @@
               </a:rPr>
               <a:t>.</a:t>
             </a:r>
-            <a:endParaRPr lang="es-ES" sz="1400" dirty="0">
-              <a:solidFill>
-                <a:schemeClr val="bg1"/>
-              </a:solidFill>
-              <a:latin typeface="Arial Black" panose="020B0A04020102020204" pitchFamily="34" charset="0"/>
-            </a:endParaRPr>
           </a:p>
           <a:p>
             <a:pPr marL="285750" indent="-285750" algn="just">
@@ -5751,12 +5493,6 @@
               </a:rPr>
               <a:t>El clima y el tiempo no predicen severidad por sí solos; actúan como factores moderadores dentro de contextos de infraestructura.</a:t>
             </a:r>
-            <a:endParaRPr lang="es-ES" sz="1400" dirty="0">
-              <a:solidFill>
-                <a:schemeClr val="bg1"/>
-              </a:solidFill>
-              <a:latin typeface="Arial Black" panose="020B0A04020102020204" pitchFamily="34" charset="0"/>
-            </a:endParaRPr>
           </a:p>
         </p:txBody>
       </p:sp>
@@ -5795,12 +5531,6 @@
               </a:rPr>
               <a:t>Existen patrones temporales claros en la frecuencia de accidentes (horas pico, días laborales, estacionalidad).</a:t>
             </a:r>
-            <a:endParaRPr lang="es-ES" sz="1400" dirty="0">
-              <a:solidFill>
-                <a:schemeClr val="bg1"/>
-              </a:solidFill>
-              <a:latin typeface="Arial Black" panose="020B0A04020102020204" pitchFamily="34" charset="0"/>
-            </a:endParaRPr>
           </a:p>
           <a:p>
             <a:pPr marL="285750" indent="-285750" algn="just">
@@ -5816,12 +5546,6 @@
               </a:rPr>
               <a:t>La influencia temporal en la severidad es secundaria y está mediada por el volumen de tráfico y la infraestructura.</a:t>
             </a:r>
-            <a:endParaRPr lang="es-ES" sz="1400" dirty="0">
-              <a:solidFill>
-                <a:schemeClr val="bg1"/>
-              </a:solidFill>
-              <a:latin typeface="Arial Black" panose="020B0A04020102020204" pitchFamily="34" charset="0"/>
-            </a:endParaRPr>
           </a:p>
           <a:p>
             <a:pPr marL="285750" indent="-285750" algn="just">
@@ -5837,12 +5561,6 @@
               </a:rPr>
               <a:t>El tiempo explica cuándo ocurren los accidentes, no qué tan severos son.</a:t>
             </a:r>
-            <a:endParaRPr lang="es-ES" sz="1400" dirty="0">
-              <a:solidFill>
-                <a:schemeClr val="bg1"/>
-              </a:solidFill>
-              <a:latin typeface="Arial Black" panose="020B0A04020102020204" pitchFamily="34" charset="0"/>
-            </a:endParaRPr>
           </a:p>
         </p:txBody>
       </p:sp>
@@ -5881,12 +5599,6 @@
               </a:rPr>
               <a:t>Hay fuertes diferencias regionales: el estado es uno de los predictores más importantes de severidad.</a:t>
             </a:r>
-            <a:endParaRPr lang="es-ES" sz="1400" dirty="0">
-              <a:solidFill>
-                <a:schemeClr val="bg1"/>
-              </a:solidFill>
-              <a:latin typeface="Arial Black" panose="020B0A04020102020204" pitchFamily="34" charset="0"/>
-            </a:endParaRPr>
           </a:p>
           <a:p>
             <a:pPr marL="285750" indent="-285750" algn="just">
@@ -5914,12 +5626,6 @@
               </a:rPr>
               <a:t>Las condiciones climáticas muestran efectos contextuales y no universales.</a:t>
             </a:r>
-            <a:endParaRPr lang="es-ES" sz="1400" dirty="0">
-              <a:solidFill>
-                <a:schemeClr val="bg1"/>
-              </a:solidFill>
-              <a:latin typeface="Arial Black" panose="020B0A04020102020204" pitchFamily="34" charset="0"/>
-            </a:endParaRPr>
           </a:p>
           <a:p>
             <a:pPr marL="285750" indent="-285750" algn="just">
@@ -5947,12 +5653,6 @@
               </a:rPr>
               <a:t>No existe una política de seguridad vial única: las intervenciones deben ser específicas por estado.</a:t>
             </a:r>
-            <a:endParaRPr lang="es-ES" sz="1400" dirty="0">
-              <a:solidFill>
-                <a:schemeClr val="bg1"/>
-              </a:solidFill>
-              <a:latin typeface="Arial Black" panose="020B0A04020102020204" pitchFamily="34" charset="0"/>
-            </a:endParaRPr>
           </a:p>
         </p:txBody>
       </p:sp>
@@ -6069,51 +5769,12 @@
               </a:rPr>
               <a:t>Severidad y Clima: Resultados del Análisis</a:t>
             </a:r>
-            <a:endParaRPr lang="es-ES" sz="2800" b="1" dirty="0">
-              <a:solidFill>
-                <a:schemeClr val="tx1">
-                  <a:lumMod val="85000"/>
-                  <a:lumOff val="15000"/>
-                </a:schemeClr>
-              </a:solidFill>
-              <a:latin typeface="Arial Black" panose="020B0A04020102020204" pitchFamily="34" charset="0"/>
-            </a:endParaRPr>
           </a:p>
         </p:txBody>
       </p:sp>
       <p:pic>
         <p:nvPicPr>
           <p:cNvPr id="18" name="Imagen 17"/>
-          <p:cNvPicPr>
-            <a:picLocks noChangeAspect="1"/>
-          </p:cNvPicPr>
-          <p:nvPr/>
-        </p:nvPicPr>
-        <p:blipFill>
-          <a:blip r:embed="rId1">
-            <a:extLst>
-              <a:ext uri="{28A0092B-C50C-407E-A947-70E740481C1C}">
-                <a14:useLocalDpi xmlns:a14="http://schemas.microsoft.com/office/drawing/2010/main" val="0"/>
-              </a:ext>
-            </a:extLst>
-          </a:blip>
-          <a:stretch>
-            <a:fillRect/>
-          </a:stretch>
-        </p:blipFill>
-        <p:spPr>
-          <a:xfrm>
-            <a:off x="137890" y="738231"/>
-            <a:ext cx="4994694" cy="3889331"/>
-          </a:xfrm>
-          <a:prstGeom prst="rect">
-            <a:avLst/>
-          </a:prstGeom>
-        </p:spPr>
-      </p:pic>
-      <p:pic>
-        <p:nvPicPr>
-          <p:cNvPr id="20" name="Imagen 19"/>
           <p:cNvPicPr>
             <a:picLocks noChangeAspect="1"/>
           </p:cNvPicPr>
@@ -6133,6 +5794,36 @@
         </p:blipFill>
         <p:spPr>
           <a:xfrm>
+            <a:off x="137890" y="738231"/>
+            <a:ext cx="4994694" cy="3889331"/>
+          </a:xfrm>
+          <a:prstGeom prst="rect">
+            <a:avLst/>
+          </a:prstGeom>
+        </p:spPr>
+      </p:pic>
+      <p:pic>
+        <p:nvPicPr>
+          <p:cNvPr id="20" name="Imagen 19"/>
+          <p:cNvPicPr>
+            <a:picLocks noChangeAspect="1"/>
+          </p:cNvPicPr>
+          <p:nvPr/>
+        </p:nvPicPr>
+        <p:blipFill>
+          <a:blip r:embed="rId3">
+            <a:extLst>
+              <a:ext uri="{28A0092B-C50C-407E-A947-70E740481C1C}">
+                <a14:useLocalDpi xmlns:a14="http://schemas.microsoft.com/office/drawing/2010/main" val="0"/>
+              </a:ext>
+            </a:extLst>
+          </a:blip>
+          <a:stretch>
+            <a:fillRect/>
+          </a:stretch>
+        </p:blipFill>
+        <p:spPr>
+          <a:xfrm>
             <a:off x="5270473" y="1056818"/>
             <a:ext cx="6553926" cy="3570744"/>
           </a:xfrm>
@@ -6179,15 +5870,6 @@
               </a:rPr>
               <a:t>El mapa de calor de correlaciones confirma que la severidad tiene correlaciones muy bajas con variables climáticas y de distancia (|r| &lt; 0.1)</a:t>
             </a:r>
-            <a:endParaRPr lang="es-ES" sz="1600" dirty="0">
-              <a:solidFill>
-                <a:schemeClr val="tx1">
-                  <a:lumMod val="85000"/>
-                  <a:lumOff val="15000"/>
-                </a:schemeClr>
-              </a:solidFill>
-              <a:latin typeface="Arial Black" panose="020B0A04020102020204" pitchFamily="34" charset="0"/>
-            </a:endParaRPr>
           </a:p>
         </p:txBody>
       </p:sp>
@@ -6229,15 +5911,6 @@
               </a:rPr>
               <a:t>La gráfica de severidad por las 8 condiciones climáticas más frecuentes muestra que la mediana de severidad se mantiene en nivel 2 para todas las condiciones. No se observan diferencias sustanciales entre condiciones como "Fair", "Cloudy", "Rain" u otras, lo que indica que el tipo de clima registrado no discrimina significativamente la gravedad del accidente</a:t>
             </a:r>
-            <a:endParaRPr lang="es-ES" sz="1600" dirty="0">
-              <a:solidFill>
-                <a:schemeClr val="tx1">
-                  <a:lumMod val="85000"/>
-                  <a:lumOff val="15000"/>
-                </a:schemeClr>
-              </a:solidFill>
-              <a:latin typeface="Arial Black" panose="020B0A04020102020204" pitchFamily="34" charset="0"/>
-            </a:endParaRPr>
           </a:p>
         </p:txBody>
       </p:sp>
@@ -6275,7 +5948,7 @@
           <p:nvPr/>
         </p:nvPicPr>
         <p:blipFill>
-          <a:blip r:embed="rId1">
+          <a:blip r:embed="rId2">
             <a:extLst>
               <a:ext uri="{28A0092B-C50C-407E-A947-70E740481C1C}">
                 <a14:useLocalDpi xmlns:a14="http://schemas.microsoft.com/office/drawing/2010/main" val="0"/>
@@ -6389,15 +6062,6 @@
               </a:rPr>
               <a:t>El conteo de accidentes por hora revela un patrón claramente asociado a los ciclos de actividad vehicular diaria. Se identifican dos picos principales:</a:t>
             </a:r>
-            <a:endParaRPr lang="es-ES" sz="1400" dirty="0">
-              <a:solidFill>
-                <a:schemeClr val="tx1">
-                  <a:lumMod val="85000"/>
-                  <a:lumOff val="15000"/>
-                </a:schemeClr>
-              </a:solidFill>
-              <a:latin typeface="Arial Black" panose="020B0A04020102020204" pitchFamily="34" charset="0"/>
-            </a:endParaRPr>
           </a:p>
           <a:p>
             <a:pPr algn="just"/>
@@ -6413,15 +6077,6 @@
               </a:rPr>
               <a:t> - Pico matutino (6:00 - 9:00): Corresponde a las horas de desplazamiento hacia el trabajo y escuelas.</a:t>
             </a:r>
-            <a:endParaRPr lang="es-ES" sz="1400" dirty="0">
-              <a:solidFill>
-                <a:schemeClr val="tx1">
-                  <a:lumMod val="85000"/>
-                  <a:lumOff val="15000"/>
-                </a:schemeClr>
-              </a:solidFill>
-              <a:latin typeface="Arial Black" panose="020B0A04020102020204" pitchFamily="34" charset="0"/>
-            </a:endParaRPr>
           </a:p>
           <a:p>
             <a:pPr algn="just"/>
@@ -6437,15 +6092,6 @@
               </a:rPr>
               <a:t> - Pico vespertino (15:00 - 18:00): Coincide con el regreso a casa y la salida de actividades laborales.</a:t>
             </a:r>
-            <a:endParaRPr lang="es-ES" sz="1400" dirty="0">
-              <a:solidFill>
-                <a:schemeClr val="tx1">
-                  <a:lumMod val="85000"/>
-                  <a:lumOff val="15000"/>
-                </a:schemeClr>
-              </a:solidFill>
-              <a:latin typeface="Arial Black" panose="020B0A04020102020204" pitchFamily="34" charset="0"/>
-            </a:endParaRPr>
           </a:p>
         </p:txBody>
       </p:sp>
@@ -6484,15 +6130,6 @@
               </a:rPr>
               <a:t>- La severidad 2 domina en todas las horas, manteniendo el patrón general del dataset</a:t>
             </a:r>
-            <a:endParaRPr lang="es-ES" sz="1400" dirty="0">
-              <a:solidFill>
-                <a:schemeClr val="tx1">
-                  <a:lumMod val="85000"/>
-                  <a:lumOff val="15000"/>
-                </a:schemeClr>
-              </a:solidFill>
-              <a:latin typeface="Arial Black" panose="020B0A04020102020204" pitchFamily="34" charset="0"/>
-            </a:endParaRPr>
           </a:p>
         </p:txBody>
       </p:sp>
@@ -6505,7 +6142,7 @@
           <p:nvPr/>
         </p:nvPicPr>
         <p:blipFill>
-          <a:blip r:embed="rId2"/>
+          <a:blip r:embed="rId3"/>
           <a:stretch>
             <a:fillRect/>
           </a:stretch>
@@ -6555,15 +6192,6 @@
               </a:rPr>
               <a:t>- La severidad promedio se mantiene cercana al nivel 2 en todos los estados, consistente con el patrón general del dataset.</a:t>
             </a:r>
-            <a:endParaRPr lang="es-ES" sz="1400" dirty="0">
-              <a:solidFill>
-                <a:schemeClr val="tx1">
-                  <a:lumMod val="85000"/>
-                  <a:lumOff val="15000"/>
-                </a:schemeClr>
-              </a:solidFill>
-              <a:latin typeface="Arial Black" panose="020B0A04020102020204" pitchFamily="34" charset="0"/>
-            </a:endParaRPr>
           </a:p>
           <a:p>
             <a:pPr algn="just"/>
@@ -6579,15 +6207,6 @@
               </a:rPr>
               <a:t> - Sin embargo, existen variaciones notables: algunos estados muestran severidad promedio ligeramente superior (más cerca de 2.3-2.4) mientras otros están más cerca de 2.0.</a:t>
             </a:r>
-            <a:endParaRPr lang="es-ES" sz="1400" dirty="0">
-              <a:solidFill>
-                <a:schemeClr val="tx1">
-                  <a:lumMod val="85000"/>
-                  <a:lumOff val="15000"/>
-                </a:schemeClr>
-              </a:solidFill>
-              <a:latin typeface="Arial Black" panose="020B0A04020102020204" pitchFamily="34" charset="0"/>
-            </a:endParaRPr>
           </a:p>
           <a:p>
             <a:pPr algn="just"/>
@@ -6603,15 +6222,6 @@
               </a:rPr>
               <a:t> - No hay una correlación directa entre el volumen de accidentes y la severidad promedio. Por ejemplo, California tiene muchos accidentes pero no necesariamente la mayor severidad promedio</a:t>
             </a:r>
-            <a:endParaRPr lang="es-ES" sz="1400" dirty="0">
-              <a:solidFill>
-                <a:schemeClr val="tx1">
-                  <a:lumMod val="85000"/>
-                  <a:lumOff val="15000"/>
-                </a:schemeClr>
-              </a:solidFill>
-              <a:latin typeface="Arial Black" panose="020B0A04020102020204" pitchFamily="34" charset="0"/>
-            </a:endParaRPr>
           </a:p>
         </p:txBody>
       </p:sp>
@@ -6705,7 +6315,7 @@
           <p:nvPr/>
         </p:nvPicPr>
         <p:blipFill>
-          <a:blip r:embed="rId1">
+          <a:blip r:embed="rId2">
             <a:extLst>
               <a:ext uri="{28A0092B-C50C-407E-A947-70E740481C1C}">
                 <a14:useLocalDpi xmlns:a14="http://schemas.microsoft.com/office/drawing/2010/main" val="0"/>
@@ -6757,12 +6367,6 @@
               </a:rPr>
               <a:t>Relación entre Severidad y Duración </a:t>
             </a:r>
-            <a:endParaRPr lang="es-ES" sz="2400" dirty="0">
-              <a:solidFill>
-                <a:schemeClr val="bg1"/>
-              </a:solidFill>
-              <a:latin typeface="Arial Black" panose="020B0A04020102020204" pitchFamily="34" charset="0"/>
-            </a:endParaRPr>
           </a:p>
         </p:txBody>
       </p:sp>
@@ -6801,15 +6405,6 @@
               </a:rPr>
               <a:t>Observaciones principales</a:t>
             </a:r>
-            <a:endParaRPr lang="es-ES" sz="2000" dirty="0">
-              <a:solidFill>
-                <a:schemeClr val="tx1">
-                  <a:lumMod val="85000"/>
-                  <a:lumOff val="15000"/>
-                </a:schemeClr>
-              </a:solidFill>
-              <a:latin typeface="Arial Black" panose="020B0A04020102020204" pitchFamily="34" charset="0"/>
-            </a:endParaRPr>
           </a:p>
           <a:p>
             <a:pPr algn="just"/>
@@ -6837,15 +6432,6 @@
               </a:rPr>
               <a:t>- Tendencia creciente: A medida que aumenta el nivel de severidad, la duración mediana del accidente también incrementa. Los accidentes de severidad 4 tienen una duración notablemente mayor que los de severidad 1 o 2.</a:t>
             </a:r>
-            <a:endParaRPr lang="es-ES" dirty="0">
-              <a:solidFill>
-                <a:schemeClr val="tx1">
-                  <a:lumMod val="85000"/>
-                  <a:lumOff val="15000"/>
-                </a:schemeClr>
-              </a:solidFill>
-              <a:latin typeface="Arial Black" panose="020B0A04020102020204" pitchFamily="34" charset="0"/>
-            </a:endParaRPr>
           </a:p>
           <a:p>
             <a:pPr algn="just"/>
@@ -6873,15 +6459,6 @@
               </a:rPr>
               <a:t>- Mayor dispersión en severidades altas: Los accidentes más graves (severidad 3 y 4) muestran cajas más amplias y bigotes más extensos, indicando mayor variabilidad en los tiempos de resolución.</a:t>
             </a:r>
-            <a:endParaRPr lang="es-ES" dirty="0">
-              <a:solidFill>
-                <a:schemeClr val="tx1">
-                  <a:lumMod val="85000"/>
-                  <a:lumOff val="15000"/>
-                </a:schemeClr>
-              </a:solidFill>
-              <a:latin typeface="Arial Black" panose="020B0A04020102020204" pitchFamily="34" charset="0"/>
-            </a:endParaRPr>
           </a:p>
           <a:p>
             <a:pPr algn="just"/>
@@ -6909,15 +6486,6 @@
               </a:rPr>
               <a:t>- Outliers en todos los niveles: Se observan valores atípicos en todas las categorías, pero son más frecuentes y extremos en severidades bajas, posiblemente debido al mayor volumen de datos en esas categorías.</a:t>
             </a:r>
-            <a:endParaRPr lang="es-ES" dirty="0">
-              <a:solidFill>
-                <a:schemeClr val="tx1">
-                  <a:lumMod val="85000"/>
-                  <a:lumOff val="15000"/>
-                </a:schemeClr>
-              </a:solidFill>
-              <a:latin typeface="Arial Black" panose="020B0A04020102020204" pitchFamily="34" charset="0"/>
-            </a:endParaRPr>
           </a:p>
         </p:txBody>
       </p:sp>
@@ -6980,15 +6548,6 @@
               </a:rPr>
               <a:t>La duración en este dataset representa el tiempo que el incidente afectó el tráfico (desde `Start Time` hasta `End Time`), no necesariamente la gravedad de las lesiones. Por ello, esta variable podría considerarse más como una **consecuencia de la severidad** que como un predictor independiente</a:t>
             </a:r>
-            <a:endParaRPr lang="es-ES" sz="1400" dirty="0">
-              <a:solidFill>
-                <a:schemeClr val="tx1">
-                  <a:lumMod val="85000"/>
-                  <a:lumOff val="15000"/>
-                </a:schemeClr>
-              </a:solidFill>
-              <a:latin typeface="Arial Black" panose="020B0A04020102020204" pitchFamily="34" charset="0"/>
-            </a:endParaRPr>
           </a:p>
         </p:txBody>
       </p:sp>
@@ -7051,15 +6610,6 @@
               </a:rPr>
               <a:t>Árbol de Decisión, Resultados del Modelo</a:t>
             </a:r>
-            <a:endParaRPr lang="es-ES" sz="2800" dirty="0">
-              <a:solidFill>
-                <a:schemeClr val="tx1">
-                  <a:lumMod val="85000"/>
-                  <a:lumOff val="15000"/>
-                </a:schemeClr>
-              </a:solidFill>
-              <a:latin typeface="Arial Black" panose="020B0A04020102020204" pitchFamily="34" charset="0"/>
-            </a:endParaRPr>
           </a:p>
         </p:txBody>
       </p:sp>
@@ -7291,23 +6841,6 @@
               </a:rPr>
               <a:t>sugiere que los accidentes con menor impacto en tráfico tienen características más distintivas y predecibles que los de alto impacto</a:t>
             </a:r>
-            <a:endParaRPr kumimoji="0" lang="en-US" altLang="en-US" sz="1600" b="0" i="0" u="none" strike="noStrike" kern="1200" cap="none" spc="0" normalizeH="0" baseline="0" noProof="0" dirty="0">
-              <a:ln>
-                <a:noFill/>
-              </a:ln>
-              <a:solidFill>
-                <a:schemeClr val="tx1">
-                  <a:lumMod val="85000"/>
-                  <a:lumOff val="15000"/>
-                </a:schemeClr>
-              </a:solidFill>
-              <a:effectLst/>
-              <a:uLnTx/>
-              <a:uFillTx/>
-              <a:latin typeface="Arial Black" panose="020B0A04020102020204" pitchFamily="34" charset="0"/>
-              <a:ea typeface="+mn-ea"/>
-              <a:cs typeface="+mn-cs"/>
-            </a:endParaRPr>
           </a:p>
         </p:txBody>
       </p:sp>
@@ -7509,23 +7042,6 @@
               </a:rPr>
               <a:t> como las variables más importantes para dividir los datos.</a:t>
             </a:r>
-            <a:endParaRPr kumimoji="0" lang="es-ES" sz="1600" b="0" i="0" u="none" strike="noStrike" kern="1200" cap="none" spc="0" normalizeH="0" baseline="0" noProof="0" dirty="0">
-              <a:ln>
-                <a:noFill/>
-              </a:ln>
-              <a:solidFill>
-                <a:schemeClr val="tx1">
-                  <a:lumMod val="85000"/>
-                  <a:lumOff val="15000"/>
-                </a:schemeClr>
-              </a:solidFill>
-              <a:effectLst/>
-              <a:uLnTx/>
-              <a:uFillTx/>
-              <a:latin typeface="Arial Black" panose="020B0A04020102020204" pitchFamily="34" charset="0"/>
-              <a:ea typeface="+mn-ea"/>
-              <a:cs typeface="+mn-cs"/>
-            </a:endParaRPr>
           </a:p>
         </p:txBody>
       </p:sp>
@@ -7538,7 +7054,7 @@
           <p:nvPr/>
         </p:nvPicPr>
         <p:blipFill>
-          <a:blip r:embed="rId1"/>
+          <a:blip r:embed="rId2"/>
           <a:stretch>
             <a:fillRect/>
           </a:stretch>
@@ -7562,7 +7078,7 @@
           <p:nvPr/>
         </p:nvPicPr>
         <p:blipFill>
-          <a:blip r:embed="rId2"/>
+          <a:blip r:embed="rId3"/>
           <a:stretch>
             <a:fillRect/>
           </a:stretch>
@@ -7636,15 +7152,6 @@
               </a:rPr>
               <a:t>Random Forest, Resultados del Modelo</a:t>
             </a:r>
-            <a:endParaRPr lang="es-ES" sz="2800" dirty="0">
-              <a:solidFill>
-                <a:schemeClr val="tx1">
-                  <a:lumMod val="85000"/>
-                  <a:lumOff val="15000"/>
-                </a:schemeClr>
-              </a:solidFill>
-              <a:latin typeface="Arial Black" panose="020B0A04020102020204" pitchFamily="34" charset="0"/>
-            </a:endParaRPr>
           </a:p>
         </p:txBody>
       </p:sp>
@@ -7916,23 +7423,6 @@
               </a:rPr>
               <a:t> </a:t>
             </a:r>
-            <a:endParaRPr kumimoji="0" lang="en-US" altLang="es-ES" sz="1600" b="0" i="0" u="none" strike="noStrike" kern="1200" cap="none" spc="0" normalizeH="0" baseline="0" noProof="0" dirty="0">
-              <a:ln>
-                <a:noFill/>
-              </a:ln>
-              <a:solidFill>
-                <a:schemeClr val="tx1">
-                  <a:lumMod val="85000"/>
-                  <a:lumOff val="15000"/>
-                </a:schemeClr>
-              </a:solidFill>
-              <a:effectLst/>
-              <a:uLnTx/>
-              <a:uFillTx/>
-              <a:latin typeface="Arial Black" panose="020B0A04020102020204" pitchFamily="34" charset="0"/>
-              <a:ea typeface="+mn-ea"/>
-              <a:cs typeface="+mn-cs"/>
-            </a:endParaRPr>
           </a:p>
         </p:txBody>
       </p:sp>
@@ -7994,23 +7484,6 @@
               </a:rPr>
               <a:t>Mantiene el sesgo hacia la predicción de la severidad 1 aunque en menor cantidad y mantiene a Mes, Estado y Presencia de Semáforo como varibles más importantes a la hora de predecir.</a:t>
             </a:r>
-            <a:endParaRPr kumimoji="0" lang="" altLang="es-ES" sz="1600" b="0" i="0" u="none" strike="noStrike" kern="1200" cap="none" spc="0" normalizeH="0" baseline="0" noProof="0" dirty="0">
-              <a:ln>
-                <a:noFill/>
-              </a:ln>
-              <a:solidFill>
-                <a:schemeClr val="tx1">
-                  <a:lumMod val="85000"/>
-                  <a:lumOff val="15000"/>
-                </a:schemeClr>
-              </a:solidFill>
-              <a:effectLst/>
-              <a:uLnTx/>
-              <a:uFillTx/>
-              <a:latin typeface="Arial Black" panose="020B0A04020102020204" pitchFamily="34" charset="0"/>
-              <a:ea typeface="+mn-ea"/>
-              <a:cs typeface="+mn-cs"/>
-            </a:endParaRPr>
           </a:p>
         </p:txBody>
       </p:sp>
@@ -8023,7 +7496,7 @@
           <p:nvPr/>
         </p:nvPicPr>
         <p:blipFill>
-          <a:blip r:embed="rId1"/>
+          <a:blip r:embed="rId2"/>
           <a:stretch>
             <a:fillRect/>
           </a:stretch>
@@ -8047,7 +7520,7 @@
           <p:nvPr/>
         </p:nvPicPr>
         <p:blipFill>
-          <a:blip r:embed="rId2"/>
+          <a:blip r:embed="rId3"/>
           <a:stretch>
             <a:fillRect/>
           </a:stretch>
@@ -8200,15 +7673,6 @@
               </a:rPr>
               <a:t>%), pero Random Forest es más confiable para un entorno crítico de seguridad vial porque sus predicciones son más estables ante datos nuevos</a:t>
             </a:r>
-            <a:endParaRPr lang="es-ES" dirty="0">
-              <a:solidFill>
-                <a:schemeClr val="tx1">
-                  <a:lumMod val="85000"/>
-                  <a:lumOff val="15000"/>
-                </a:schemeClr>
-              </a:solidFill>
-              <a:latin typeface="Arial Black" panose="020B0A04020102020204" pitchFamily="34" charset="0"/>
-            </a:endParaRPr>
           </a:p>
         </p:txBody>
       </p:sp>
@@ -8247,15 +7711,6 @@
               </a:rPr>
               <a:t>El Árbol de Decisión es útil para explicar por qué ocurren los accidentes, mientras que el Random Forest es mejor para predecir con confianza</a:t>
             </a:r>
-            <a:endParaRPr lang="es-ES" dirty="0">
-              <a:solidFill>
-                <a:schemeClr val="tx1">
-                  <a:lumMod val="85000"/>
-                  <a:lumOff val="15000"/>
-                </a:schemeClr>
-              </a:solidFill>
-              <a:latin typeface="Arial Black" panose="020B0A04020102020204" pitchFamily="34" charset="0"/>
-            </a:endParaRPr>
           </a:p>
         </p:txBody>
       </p:sp>
@@ -8268,7 +7723,7 @@
           <p:nvPr/>
         </p:nvPicPr>
         <p:blipFill>
-          <a:blip r:embed="rId1"/>
+          <a:blip r:embed="rId2"/>
           <a:stretch>
             <a:fillRect/>
           </a:stretch>
@@ -8317,7 +7772,7 @@
           <p:nvPr/>
         </p:nvPicPr>
         <p:blipFill>
-          <a:blip r:embed="rId1">
+          <a:blip r:embed="rId2">
             <a:extLst>
               <a:ext uri="{28A0092B-C50C-407E-A947-70E740481C1C}">
                 <a14:useLocalDpi xmlns:a14="http://schemas.microsoft.com/office/drawing/2010/main" val="0"/>
@@ -8439,224 +7894,6 @@
           <p:nvPr/>
         </p:nvPicPr>
         <p:blipFill>
-          <a:blip r:embed="rId2">
-            <a:extLst>
-              <a:ext uri="{28A0092B-C50C-407E-A947-70E740481C1C}">
-                <a14:useLocalDpi xmlns:a14="http://schemas.microsoft.com/office/drawing/2010/main" val="0"/>
-              </a:ext>
-            </a:extLst>
-          </a:blip>
-          <a:stretch>
-            <a:fillRect/>
-          </a:stretch>
-        </p:blipFill>
-        <p:spPr>
-          <a:xfrm>
-            <a:off x="4883951" y="581866"/>
-            <a:ext cx="7308049" cy="2787830"/>
-          </a:xfrm>
-          <a:prstGeom prst="rect">
-            <a:avLst/>
-          </a:prstGeom>
-        </p:spPr>
-      </p:pic>
-      <p:sp>
-        <p:nvSpPr>
-          <p:cNvPr id="19" name="CuadroTexto 18"/>
-          <p:cNvSpPr txBox="1"/>
-          <p:nvPr/>
-        </p:nvSpPr>
-        <p:spPr>
-          <a:xfrm>
-            <a:off x="60477" y="4189233"/>
-            <a:ext cx="6732209" cy="784830"/>
-          </a:xfrm>
-          <a:prstGeom prst="rect">
-            <a:avLst/>
-          </a:prstGeom>
-          <a:noFill/>
-        </p:spPr>
-        <p:txBody>
-          <a:bodyPr wrap="square" rtlCol="0">
-            <a:spAutoFit/>
-          </a:bodyPr>
-          <a:lstStyle/>
-          <a:p>
-            <a:pPr algn="just"/>
-            <a:r>
-              <a:rPr lang="es-ES" sz="1500" dirty="0">
-                <a:solidFill>
-                  <a:schemeClr val="tx1">
-                    <a:lumMod val="85000"/>
-                    <a:lumOff val="15000"/>
-                  </a:schemeClr>
-                </a:solidFill>
-                <a:latin typeface="Arial Black" panose="020B0A04020102020204" pitchFamily="34" charset="0"/>
-              </a:rPr>
-              <a:t>PC1 concentra la información térmica (temperatura y sensación térmica), reflejando las condiciones generales de calor</a:t>
-            </a:r>
-            <a:endParaRPr lang="es-ES" sz="1500" dirty="0">
-              <a:solidFill>
-                <a:schemeClr val="tx1">
-                  <a:lumMod val="85000"/>
-                  <a:lumOff val="15000"/>
-                </a:schemeClr>
-              </a:solidFill>
-              <a:latin typeface="Arial Black" panose="020B0A04020102020204" pitchFamily="34" charset="0"/>
-            </a:endParaRPr>
-          </a:p>
-        </p:txBody>
-      </p:sp>
-      <p:sp>
-        <p:nvSpPr>
-          <p:cNvPr id="20" name="CuadroTexto 19"/>
-          <p:cNvSpPr txBox="1"/>
-          <p:nvPr/>
-        </p:nvSpPr>
-        <p:spPr>
-          <a:xfrm>
-            <a:off x="53602" y="4943994"/>
-            <a:ext cx="6732209" cy="553998"/>
-          </a:xfrm>
-          <a:prstGeom prst="rect">
-            <a:avLst/>
-          </a:prstGeom>
-          <a:noFill/>
-        </p:spPr>
-        <p:txBody>
-          <a:bodyPr wrap="square" rtlCol="0">
-            <a:spAutoFit/>
-          </a:bodyPr>
-          <a:lstStyle/>
-          <a:p>
-            <a:pPr algn="just"/>
-            <a:r>
-              <a:rPr lang="es-ES" sz="1500" dirty="0">
-                <a:solidFill>
-                  <a:schemeClr val="tx1">
-                    <a:lumMod val="85000"/>
-                    <a:lumOff val="15000"/>
-                  </a:schemeClr>
-                </a:solidFill>
-                <a:latin typeface="Arial Black" panose="020B0A04020102020204" pitchFamily="34" charset="0"/>
-              </a:rPr>
-              <a:t>PC2 combina humedad y presión frente al viento, capturando la dinámica atmosférica</a:t>
-            </a:r>
-            <a:endParaRPr lang="es-ES" sz="1500" dirty="0">
-              <a:solidFill>
-                <a:schemeClr val="tx1">
-                  <a:lumMod val="85000"/>
-                  <a:lumOff val="15000"/>
-                </a:schemeClr>
-              </a:solidFill>
-              <a:latin typeface="Arial Black" panose="020B0A04020102020204" pitchFamily="34" charset="0"/>
-            </a:endParaRPr>
-          </a:p>
-        </p:txBody>
-      </p:sp>
-      <p:sp>
-        <p:nvSpPr>
-          <p:cNvPr id="21" name="CuadroTexto 20"/>
-          <p:cNvSpPr txBox="1"/>
-          <p:nvPr/>
-        </p:nvSpPr>
-        <p:spPr>
-          <a:xfrm>
-            <a:off x="60477" y="5571848"/>
-            <a:ext cx="6725334" cy="553998"/>
-          </a:xfrm>
-          <a:prstGeom prst="rect">
-            <a:avLst/>
-          </a:prstGeom>
-          <a:noFill/>
-        </p:spPr>
-        <p:txBody>
-          <a:bodyPr wrap="square" rtlCol="0">
-            <a:spAutoFit/>
-          </a:bodyPr>
-          <a:lstStyle/>
-          <a:p>
-            <a:pPr algn="just"/>
-            <a:r>
-              <a:rPr lang="es-ES" sz="1500" dirty="0">
-                <a:solidFill>
-                  <a:schemeClr val="tx1">
-                    <a:lumMod val="85000"/>
-                    <a:lumOff val="15000"/>
-                  </a:schemeClr>
-                </a:solidFill>
-                <a:latin typeface="Arial Black" panose="020B0A04020102020204" pitchFamily="34" charset="0"/>
-              </a:rPr>
-              <a:t>PC3 representa escenarios de precipitación y viento asociados a baja visibilidad, es decir, condiciones adversas</a:t>
-            </a:r>
-            <a:endParaRPr lang="es-ES" sz="1500" dirty="0">
-              <a:solidFill>
-                <a:schemeClr val="tx1">
-                  <a:lumMod val="85000"/>
-                  <a:lumOff val="15000"/>
-                </a:schemeClr>
-              </a:solidFill>
-              <a:latin typeface="Arial Black" panose="020B0A04020102020204" pitchFamily="34" charset="0"/>
-            </a:endParaRPr>
-          </a:p>
-        </p:txBody>
-      </p:sp>
-      <p:sp>
-        <p:nvSpPr>
-          <p:cNvPr id="22" name="CuadroTexto 21"/>
-          <p:cNvSpPr txBox="1"/>
-          <p:nvPr/>
-        </p:nvSpPr>
-        <p:spPr>
-          <a:xfrm>
-            <a:off x="53602" y="6185150"/>
-            <a:ext cx="6648649" cy="553998"/>
-          </a:xfrm>
-          <a:prstGeom prst="rect">
-            <a:avLst/>
-          </a:prstGeom>
-          <a:noFill/>
-        </p:spPr>
-        <p:txBody>
-          <a:bodyPr wrap="square" rtlCol="0">
-            <a:spAutoFit/>
-          </a:bodyPr>
-          <a:lstStyle/>
-          <a:p>
-            <a:pPr algn="just"/>
-            <a:r>
-              <a:rPr lang="es-ES" sz="1500" dirty="0">
-                <a:solidFill>
-                  <a:schemeClr val="tx1">
-                    <a:lumMod val="85000"/>
-                    <a:lumOff val="15000"/>
-                  </a:schemeClr>
-                </a:solidFill>
-                <a:latin typeface="Arial Black" panose="020B0A04020102020204" pitchFamily="34" charset="0"/>
-              </a:rPr>
-              <a:t>PC4 y PC5 recogen variaciones adicionales de presión, viento y visibilidad, funcionando como componentes residuales</a:t>
-            </a:r>
-            <a:endParaRPr lang="es-ES" sz="1500" dirty="0">
-              <a:solidFill>
-                <a:schemeClr val="tx1">
-                  <a:lumMod val="85000"/>
-                  <a:lumOff val="15000"/>
-                </a:schemeClr>
-              </a:solidFill>
-              <a:latin typeface="Arial Black" panose="020B0A04020102020204" pitchFamily="34" charset="0"/>
-            </a:endParaRPr>
-          </a:p>
-        </p:txBody>
-      </p:sp>
-      <p:pic>
-        <p:nvPicPr>
-          <p:cNvPr id="24" name="Imagen 23"/>
-          <p:cNvPicPr>
-            <a:picLocks noChangeAspect="1"/>
-          </p:cNvPicPr>
-          <p:nvPr/>
-        </p:nvPicPr>
-        <p:blipFill>
           <a:blip r:embed="rId3">
             <a:extLst>
               <a:ext uri="{28A0092B-C50C-407E-A947-70E740481C1C}">
@@ -8670,14 +7907,215 @@
         </p:blipFill>
         <p:spPr>
           <a:xfrm>
-            <a:off x="0" y="517164"/>
-            <a:ext cx="4816851" cy="3739673"/>
+            <a:off x="184951" y="714245"/>
+            <a:ext cx="7308049" cy="2787830"/>
           </a:xfrm>
           <a:prstGeom prst="rect">
             <a:avLst/>
           </a:prstGeom>
         </p:spPr>
       </p:pic>
+      <p:sp>
+        <p:nvSpPr>
+          <p:cNvPr id="19" name="CuadroTexto 18"/>
+          <p:cNvSpPr txBox="1"/>
+          <p:nvPr/>
+        </p:nvSpPr>
+        <p:spPr>
+          <a:xfrm>
+            <a:off x="94344" y="3986033"/>
+            <a:ext cx="6732209" cy="784830"/>
+          </a:xfrm>
+          <a:prstGeom prst="rect">
+            <a:avLst/>
+          </a:prstGeom>
+          <a:noFill/>
+        </p:spPr>
+        <p:txBody>
+          <a:bodyPr wrap="square" rtlCol="0">
+            <a:spAutoFit/>
+          </a:bodyPr>
+          <a:lstStyle/>
+          <a:p>
+            <a:pPr algn="just"/>
+            <a:r>
+              <a:rPr lang="es-ES" sz="1500" dirty="0">
+                <a:solidFill>
+                  <a:schemeClr val="tx1">
+                    <a:lumMod val="85000"/>
+                    <a:lumOff val="15000"/>
+                  </a:schemeClr>
+                </a:solidFill>
+                <a:latin typeface="Arial Black" panose="020B0A04020102020204" pitchFamily="34" charset="0"/>
+              </a:rPr>
+              <a:t>PC1 concentra la información térmica (temperatura y sensación térmica), reflejando las condiciones generales de calor</a:t>
+            </a:r>
+          </a:p>
+        </p:txBody>
+      </p:sp>
+      <p:sp>
+        <p:nvSpPr>
+          <p:cNvPr id="20" name="CuadroTexto 19"/>
+          <p:cNvSpPr txBox="1"/>
+          <p:nvPr/>
+        </p:nvSpPr>
+        <p:spPr>
+          <a:xfrm>
+            <a:off x="87469" y="4740794"/>
+            <a:ext cx="6732209" cy="553998"/>
+          </a:xfrm>
+          <a:prstGeom prst="rect">
+            <a:avLst/>
+          </a:prstGeom>
+          <a:noFill/>
+        </p:spPr>
+        <p:txBody>
+          <a:bodyPr wrap="square" rtlCol="0">
+            <a:spAutoFit/>
+          </a:bodyPr>
+          <a:lstStyle/>
+          <a:p>
+            <a:pPr algn="just"/>
+            <a:r>
+              <a:rPr lang="es-ES" sz="1500" dirty="0">
+                <a:solidFill>
+                  <a:schemeClr val="tx1">
+                    <a:lumMod val="85000"/>
+                    <a:lumOff val="15000"/>
+                  </a:schemeClr>
+                </a:solidFill>
+                <a:latin typeface="Arial Black" panose="020B0A04020102020204" pitchFamily="34" charset="0"/>
+              </a:rPr>
+              <a:t>PC2 combina humedad y presión frente al viento, capturando la dinámica atmosférica</a:t>
+            </a:r>
+          </a:p>
+        </p:txBody>
+      </p:sp>
+      <p:sp>
+        <p:nvSpPr>
+          <p:cNvPr id="21" name="CuadroTexto 20"/>
+          <p:cNvSpPr txBox="1"/>
+          <p:nvPr/>
+        </p:nvSpPr>
+        <p:spPr>
+          <a:xfrm>
+            <a:off x="94344" y="5368648"/>
+            <a:ext cx="6725334" cy="553998"/>
+          </a:xfrm>
+          <a:prstGeom prst="rect">
+            <a:avLst/>
+          </a:prstGeom>
+          <a:noFill/>
+        </p:spPr>
+        <p:txBody>
+          <a:bodyPr wrap="square" rtlCol="0">
+            <a:spAutoFit/>
+          </a:bodyPr>
+          <a:lstStyle/>
+          <a:p>
+            <a:pPr algn="just"/>
+            <a:r>
+              <a:rPr lang="es-ES" sz="1500" dirty="0">
+                <a:solidFill>
+                  <a:schemeClr val="tx1">
+                    <a:lumMod val="85000"/>
+                    <a:lumOff val="15000"/>
+                  </a:schemeClr>
+                </a:solidFill>
+                <a:latin typeface="Arial Black" panose="020B0A04020102020204" pitchFamily="34" charset="0"/>
+              </a:rPr>
+              <a:t>PC3 representa escenarios de precipitación y viento asociados a baja visibilidad, es decir, condiciones adversas</a:t>
+            </a:r>
+          </a:p>
+        </p:txBody>
+      </p:sp>
+      <p:sp>
+        <p:nvSpPr>
+          <p:cNvPr id="22" name="CuadroTexto 21"/>
+          <p:cNvSpPr txBox="1"/>
+          <p:nvPr/>
+        </p:nvSpPr>
+        <p:spPr>
+          <a:xfrm>
+            <a:off x="87469" y="5981950"/>
+            <a:ext cx="6648649" cy="553998"/>
+          </a:xfrm>
+          <a:prstGeom prst="rect">
+            <a:avLst/>
+          </a:prstGeom>
+          <a:noFill/>
+        </p:spPr>
+        <p:txBody>
+          <a:bodyPr wrap="square" rtlCol="0">
+            <a:spAutoFit/>
+          </a:bodyPr>
+          <a:lstStyle/>
+          <a:p>
+            <a:pPr algn="just"/>
+            <a:r>
+              <a:rPr lang="es-ES" sz="1500" dirty="0">
+                <a:solidFill>
+                  <a:schemeClr val="tx1">
+                    <a:lumMod val="85000"/>
+                    <a:lumOff val="15000"/>
+                  </a:schemeClr>
+                </a:solidFill>
+                <a:latin typeface="Arial Black" panose="020B0A04020102020204" pitchFamily="34" charset="0"/>
+              </a:rPr>
+              <a:t>PC4 y PC5 recogen variaciones adicionales de presión, viento y visibilidad, funcionando como componentes residuales</a:t>
+            </a:r>
+          </a:p>
+        </p:txBody>
+      </p:sp>
+      <p:sp>
+        <p:nvSpPr>
+          <p:cNvPr id="2" name="CuadroTexto 1">
+            <a:extLst>
+              <a:ext uri="{FF2B5EF4-FFF2-40B4-BE49-F238E27FC236}">
+                <a16:creationId xmlns:a16="http://schemas.microsoft.com/office/drawing/2014/main" id="{846D838F-CC38-4DD4-955C-44A4A837F957}"/>
+              </a:ext>
+            </a:extLst>
+          </p:cNvPr>
+          <p:cNvSpPr txBox="1"/>
+          <p:nvPr/>
+        </p:nvSpPr>
+        <p:spPr>
+          <a:xfrm>
+            <a:off x="7809567" y="1216397"/>
+            <a:ext cx="3865966" cy="1477328"/>
+          </a:xfrm>
+          <a:prstGeom prst="rect">
+            <a:avLst/>
+          </a:prstGeom>
+          <a:noFill/>
+        </p:spPr>
+        <p:txBody>
+          <a:bodyPr wrap="square" rtlCol="0">
+            <a:spAutoFit/>
+          </a:bodyPr>
+          <a:lstStyle/>
+          <a:p>
+            <a:pPr algn="just"/>
+            <a:r>
+              <a:rPr lang="es-US" sz="1500" dirty="0">
+                <a:latin typeface="Arial Black" panose="020B0A04020102020204" pitchFamily="34" charset="0"/>
+              </a:rPr>
+              <a:t>En la componente 5 se alcanza más del 90% de la varianza acumulada. </a:t>
+            </a:r>
+            <a:r>
+              <a:rPr lang="es-ES" sz="1500" dirty="0">
+                <a:effectLst/>
+                <a:latin typeface="Arial Black" panose="020B0A04020102020204" pitchFamily="34" charset="0"/>
+                <a:ea typeface="Calibri" panose="020F0502020204030204" pitchFamily="34" charset="0"/>
+              </a:rPr>
+              <a:t>Logrando así pasar de un escenario complejo de 7 variables climáticas originales a solo 5 componentes principales</a:t>
+            </a:r>
+            <a:endParaRPr lang="es-ES" sz="1500" dirty="0">
+              <a:latin typeface="Arial Black" panose="020B0A04020102020204" pitchFamily="34" charset="0"/>
+            </a:endParaRPr>
+          </a:p>
+        </p:txBody>
+      </p:sp>
     </p:spTree>
   </p:cSld>
   <p:clrMapOvr>
@@ -8808,15 +8246,6 @@
               </a:rPr>
               <a:t> principales y severidad</a:t>
             </a:r>
-            <a:endParaRPr lang="es-ES" sz="2400" dirty="0">
-              <a:solidFill>
-                <a:schemeClr val="tx1">
-                  <a:lumMod val="85000"/>
-                  <a:lumOff val="15000"/>
-                </a:schemeClr>
-              </a:solidFill>
-              <a:latin typeface="Arial Black" panose="020B0A04020102020204" pitchFamily="34" charset="0"/>
-            </a:endParaRPr>
           </a:p>
         </p:txBody>
       </p:sp>
@@ -8829,7 +8258,7 @@
           <p:nvPr/>
         </p:nvPicPr>
         <p:blipFill>
-          <a:blip r:embed="rId1">
+          <a:blip r:embed="rId2">
             <a:extLst>
               <a:ext uri="{28A0092B-C50C-407E-A947-70E740481C1C}">
                 <a14:useLocalDpi xmlns:a14="http://schemas.microsoft.com/office/drawing/2010/main" val="0"/>
@@ -8888,15 +8317,6 @@
               </a:rPr>
               <a:t>Los cinco componentes principales derivados de las variables climáticas presentan correlaciones muy débiles con la severidad de los accidentes (|r| &lt; 0.1)</a:t>
             </a:r>
-            <a:endParaRPr lang="es-ES" dirty="0">
-              <a:solidFill>
-                <a:schemeClr val="tx1">
-                  <a:lumMod val="85000"/>
-                  <a:lumOff val="15000"/>
-                </a:schemeClr>
-              </a:solidFill>
-              <a:latin typeface="Arial Black" panose="020B0A04020102020204" pitchFamily="34" charset="0"/>
-            </a:endParaRPr>
           </a:p>
         </p:txBody>
       </p:sp>
@@ -8938,15 +8358,6 @@
               </a:rPr>
               <a:t>Este resultado confirma que, aunque el PCA logra una reducción efectiva de 7 a 5 variables conservando aproximadamente 91% de la varianza total, las condiciones climáticas no son un factor determinante en la gravedad de los accidentes</a:t>
             </a:r>
-            <a:endParaRPr lang="es-ES" dirty="0">
-              <a:solidFill>
-                <a:schemeClr val="tx1">
-                  <a:lumMod val="85000"/>
-                  <a:lumOff val="15000"/>
-                </a:schemeClr>
-              </a:solidFill>
-              <a:latin typeface="Arial Black" panose="020B0A04020102020204" pitchFamily="34" charset="0"/>
-            </a:endParaRPr>
           </a:p>
         </p:txBody>
       </p:sp>
@@ -9209,6 +8620,8 @@
       </a:bgFillStyleLst>
     </a:fmtScheme>
   </a:themeElements>
+  <a:objectDefaults/>
+  <a:extraClrSchemeLst/>
   <a:extLst>
     <a:ext uri="{05A4C25C-085E-4340-85A3-A5531E510DB2}">
       <thm15:themeFamily xmlns:thm15="http://schemas.microsoft.com/office/thememl/2012/main" name="Office Theme" id="{62F939B6-93AF-4DB8-9C6B-D6C7DFDC589F}" vid="{4A3C46E8-61CC-4603-A589-7422A47A8E4A}"/>

--- a/Presentación.pptx
+++ b/Presentación.pptx
@@ -252,7 +252,7 @@
           <a:p>
             <a:fld id="{6FEB4CCE-9E5C-4D7B-92E4-7FB210B21D7A}" type="datetimeFigureOut">
               <a:rPr lang="es-ES" smtClean="0"/>
-              <a:t>18/01/2026</a:t>
+              <a:t>19/01/2026</a:t>
             </a:fld>
             <a:endParaRPr lang="es-ES"/>
           </a:p>
@@ -415,7 +415,7 @@
           <a:p>
             <a:fld id="{6FEB4CCE-9E5C-4D7B-92E4-7FB210B21D7A}" type="datetimeFigureOut">
               <a:rPr lang="es-ES" smtClean="0"/>
-              <a:t>18/01/2026</a:t>
+              <a:t>19/01/2026</a:t>
             </a:fld>
             <a:endParaRPr lang="es-ES"/>
           </a:p>
@@ -588,7 +588,7 @@
           <a:p>
             <a:fld id="{6FEB4CCE-9E5C-4D7B-92E4-7FB210B21D7A}" type="datetimeFigureOut">
               <a:rPr lang="es-ES" smtClean="0"/>
-              <a:t>18/01/2026</a:t>
+              <a:t>19/01/2026</a:t>
             </a:fld>
             <a:endParaRPr lang="es-ES"/>
           </a:p>
@@ -751,7 +751,7 @@
           <a:p>
             <a:fld id="{6FEB4CCE-9E5C-4D7B-92E4-7FB210B21D7A}" type="datetimeFigureOut">
               <a:rPr lang="es-ES" smtClean="0"/>
-              <a:t>18/01/2026</a:t>
+              <a:t>19/01/2026</a:t>
             </a:fld>
             <a:endParaRPr lang="es-ES"/>
           </a:p>
@@ -991,7 +991,7 @@
           <a:p>
             <a:fld id="{6FEB4CCE-9E5C-4D7B-92E4-7FB210B21D7A}" type="datetimeFigureOut">
               <a:rPr lang="es-ES" smtClean="0"/>
-              <a:t>18/01/2026</a:t>
+              <a:t>19/01/2026</a:t>
             </a:fld>
             <a:endParaRPr lang="es-ES"/>
           </a:p>
@@ -1215,7 +1215,7 @@
           <a:p>
             <a:fld id="{6FEB4CCE-9E5C-4D7B-92E4-7FB210B21D7A}" type="datetimeFigureOut">
               <a:rPr lang="es-ES" smtClean="0"/>
-              <a:t>18/01/2026</a:t>
+              <a:t>19/01/2026</a:t>
             </a:fld>
             <a:endParaRPr lang="es-ES"/>
           </a:p>
@@ -1574,7 +1574,7 @@
           <a:p>
             <a:fld id="{6FEB4CCE-9E5C-4D7B-92E4-7FB210B21D7A}" type="datetimeFigureOut">
               <a:rPr lang="es-ES" smtClean="0"/>
-              <a:t>18/01/2026</a:t>
+              <a:t>19/01/2026</a:t>
             </a:fld>
             <a:endParaRPr lang="es-ES"/>
           </a:p>
@@ -1686,7 +1686,7 @@
           <a:p>
             <a:fld id="{6FEB4CCE-9E5C-4D7B-92E4-7FB210B21D7A}" type="datetimeFigureOut">
               <a:rPr lang="es-ES" smtClean="0"/>
-              <a:t>18/01/2026</a:t>
+              <a:t>19/01/2026</a:t>
             </a:fld>
             <a:endParaRPr lang="es-ES"/>
           </a:p>
@@ -1776,7 +1776,7 @@
           <a:p>
             <a:fld id="{6FEB4CCE-9E5C-4D7B-92E4-7FB210B21D7A}" type="datetimeFigureOut">
               <a:rPr lang="es-ES" smtClean="0"/>
-              <a:t>18/01/2026</a:t>
+              <a:t>19/01/2026</a:t>
             </a:fld>
             <a:endParaRPr lang="es-ES"/>
           </a:p>
@@ -2046,7 +2046,7 @@
           <a:p>
             <a:fld id="{6FEB4CCE-9E5C-4D7B-92E4-7FB210B21D7A}" type="datetimeFigureOut">
               <a:rPr lang="es-ES" smtClean="0"/>
-              <a:t>18/01/2026</a:t>
+              <a:t>19/01/2026</a:t>
             </a:fld>
             <a:endParaRPr lang="es-ES"/>
           </a:p>
@@ -2293,7 +2293,7 @@
           <a:p>
             <a:fld id="{6FEB4CCE-9E5C-4D7B-92E4-7FB210B21D7A}" type="datetimeFigureOut">
               <a:rPr lang="es-ES" smtClean="0"/>
-              <a:t>18/01/2026</a:t>
+              <a:t>19/01/2026</a:t>
             </a:fld>
             <a:endParaRPr lang="es-ES"/>
           </a:p>
@@ -2499,7 +2499,7 @@
           <a:p>
             <a:fld id="{6FEB4CCE-9E5C-4D7B-92E4-7FB210B21D7A}" type="datetimeFigureOut">
               <a:rPr lang="es-ES" smtClean="0"/>
-              <a:t>18/01/2026</a:t>
+              <a:t>19/01/2026</a:t>
             </a:fld>
             <a:endParaRPr lang="es-ES"/>
           </a:p>
@@ -4546,8 +4546,8 @@
         </p:nvSpPr>
         <p:spPr>
           <a:xfrm>
-            <a:off x="6435755" y="2264464"/>
-            <a:ext cx="5327009" cy="4185761"/>
+            <a:off x="6174297" y="2264464"/>
+            <a:ext cx="5588467" cy="4524315"/>
           </a:xfrm>
           <a:prstGeom prst="rect">
             <a:avLst/>
@@ -4560,11 +4560,8 @@
           </a:bodyPr>
           <a:lstStyle/>
           <a:p>
-            <a:pPr marL="285750" indent="-285750" algn="just">
-              <a:buFont typeface="Wingdings" panose="05000000000000000000" pitchFamily="2" charset="2"/>
-              <a:buChar char="§"/>
-            </a:pPr>
-            <a:endParaRPr lang="es-ES" sz="1400" dirty="0">
+            <a:pPr algn="just"/>
+            <a:endParaRPr lang="es-ES" sz="1200" dirty="0">
               <a:solidFill>
                 <a:schemeClr val="tx1">
                   <a:lumMod val="85000"/>
@@ -4580,16 +4577,16 @@
               <a:buChar char="§"/>
             </a:pPr>
             <a:r>
-              <a:rPr lang="es-ES" sz="1400" dirty="0">
-                <a:solidFill>
-                  <a:schemeClr val="tx1">
-                    <a:lumMod val="85000"/>
-                    <a:lumOff val="15000"/>
-                  </a:schemeClr>
-                </a:solidFill>
-                <a:latin typeface="Arial Black" panose="020B0A04020102020204" pitchFamily="34" charset="0"/>
-              </a:rPr>
-              <a:t>Los clusters 1 y 3 concentran la mayor parte de las observaciones, lo que indica que el conjunto de datos representan los escenarios más comunes bajo los cuales ocurren los accidentes de tráfico.</a:t>
+              <a:rPr lang="es-ES" sz="1200" dirty="0">
+                <a:solidFill>
+                  <a:schemeClr val="tx1">
+                    <a:lumMod val="85000"/>
+                    <a:lumOff val="15000"/>
+                  </a:schemeClr>
+                </a:solidFill>
+                <a:latin typeface="Arial Black" panose="020B0A04020102020204" pitchFamily="34" charset="0"/>
+              </a:rPr>
+              <a:t> El cluster 0 se caracteriza por una mayor severidad promedio, así como por una duración del evento relativamente elevada. Estos accidentes tienden a ocurrir alrededor del mediodía y presentan condiciones climáticas moderadas, con niveles medios de humedad y buena visibilidad. </a:t>
             </a:r>
           </a:p>
           <a:p>
@@ -4597,15 +4594,18 @@
               <a:buFont typeface="Wingdings" panose="05000000000000000000" pitchFamily="2" charset="2"/>
               <a:buChar char="§"/>
             </a:pPr>
-            <a:endParaRPr lang="es-ES" sz="1400" dirty="0">
-              <a:solidFill>
-                <a:schemeClr val="tx1">
-                  <a:lumMod val="85000"/>
-                  <a:lumOff val="15000"/>
-                </a:schemeClr>
-              </a:solidFill>
-              <a:latin typeface="Arial Black" panose="020B0A04020102020204" pitchFamily="34" charset="0"/>
-            </a:endParaRPr>
+            <a:r>
+              <a:rPr lang="es-ES" sz="1200" dirty="0">
+                <a:solidFill>
+                  <a:schemeClr val="tx1">
+                    <a:lumMod val="85000"/>
+                    <a:lumOff val="15000"/>
+                  </a:schemeClr>
+                </a:solidFill>
+                <a:latin typeface="Arial Black" panose="020B0A04020102020204" pitchFamily="34" charset="0"/>
+              </a:rPr>
+              <a:t>El cluster 3 agrupa accidentes de baja severidad, asociados a condiciones climáticas adversas, particularmente alta humedad y menor temperatura, junto con una visibilidad reducida. Estos eventos ocurren mayoritariamente durante las primeras horas del día.</a:t>
+            </a:r>
           </a:p>
           <a:p>
             <a:pPr marL="285750" indent="-285750" algn="just">
@@ -4613,16 +4613,16 @@
               <a:buChar char="§"/>
             </a:pPr>
             <a:r>
-              <a:rPr lang="es-ES" sz="1400" dirty="0">
-                <a:solidFill>
-                  <a:schemeClr val="tx1">
-                    <a:lumMod val="85000"/>
-                    <a:lumOff val="15000"/>
-                  </a:schemeClr>
-                </a:solidFill>
-                <a:latin typeface="Arial Black" panose="020B0A04020102020204" pitchFamily="34" charset="0"/>
-              </a:rPr>
-              <a:t>El cluster 0 presenta un tamaño intermedio, lo que sugiere que este grupo podría estar asociado a condiciones particulares, como variaciones en la duración del evento, la infraestructura vial o el horario.</a:t>
+              <a:rPr lang="es-ES" sz="1200" dirty="0">
+                <a:solidFill>
+                  <a:schemeClr val="tx1">
+                    <a:lumMod val="85000"/>
+                    <a:lumOff val="15000"/>
+                  </a:schemeClr>
+                </a:solidFill>
+                <a:latin typeface="Arial Black" panose="020B0A04020102020204" pitchFamily="34" charset="0"/>
+              </a:rPr>
+              <a:t>El cluster 1 corresponde a un conjunto de eventos atípicos, caracterizados por una duración extremadamente elevada en comparación con el resto de los clusters. Aunque su severidad promedio no es la más alta, la magnitud temporal de estos accidentes indica situaciones excepcionales, como cierres prolongados de vías o incidentes complejos. </a:t>
             </a:r>
           </a:p>
           <a:p>
@@ -4630,32 +4630,17 @@
               <a:buFont typeface="Wingdings" panose="05000000000000000000" pitchFamily="2" charset="2"/>
               <a:buChar char="§"/>
             </a:pPr>
-            <a:endParaRPr lang="es-ES" sz="1400" dirty="0">
-              <a:solidFill>
-                <a:schemeClr val="tx1">
-                  <a:lumMod val="85000"/>
-                  <a:lumOff val="15000"/>
-                </a:schemeClr>
-              </a:solidFill>
-              <a:latin typeface="Arial Black" panose="020B0A04020102020204" pitchFamily="34" charset="0"/>
-            </a:endParaRPr>
-          </a:p>
-          <a:p>
-            <a:pPr marL="285750" indent="-285750" algn="just">
-              <a:buFont typeface="Wingdings" panose="05000000000000000000" pitchFamily="2" charset="2"/>
-              <a:buChar char="§"/>
-            </a:pPr>
-            <a:r>
-              <a:rPr lang="es-ES" sz="1400" dirty="0">
-                <a:solidFill>
-                  <a:schemeClr val="tx1">
-                    <a:lumMod val="85000"/>
-                    <a:lumOff val="15000"/>
-                  </a:schemeClr>
-                </a:solidFill>
-                <a:latin typeface="Arial Black" panose="020B0A04020102020204" pitchFamily="34" charset="0"/>
-              </a:rPr>
-              <a:t>El cluster 2 agrupa un número muy reducido de observaciones, representando una fracción mínima del total. La presencia de este cluster indica la existencia de eventos atípicos o extremos que difieren significativamente del comportamiento general. </a:t>
+            <a:r>
+              <a:rPr lang="es-ES" sz="1200" dirty="0">
+                <a:solidFill>
+                  <a:schemeClr val="tx1">
+                    <a:lumMod val="85000"/>
+                    <a:lumOff val="15000"/>
+                  </a:schemeClr>
+                </a:solidFill>
+                <a:latin typeface="Arial Black" panose="020B0A04020102020204" pitchFamily="34" charset="0"/>
+              </a:rPr>
+              <a:t>El cluster 2 representa el patrón más común de accidentes, con baja severidad promedio, alta visibilidad, temperaturas más elevadas y una mayor presencia de infraestructura vial. Estos eventos se concentran principalmente durante la tarde, lo que sugiere una relación con el tráfico urbano y horarios de alta circulación.</a:t>
             </a:r>
           </a:p>
         </p:txBody>

--- a/Presentación.pptx
+++ b/Presentación.pptx
@@ -7723,6 +7723,36 @@
           </a:prstGeom>
         </p:spPr>
       </p:pic>
+      <p:pic>
+        <p:nvPicPr>
+          <p:cNvPr id="5" name="Imagen 4">
+            <a:extLst>
+              <a:ext uri="{FF2B5EF4-FFF2-40B4-BE49-F238E27FC236}">
+                <a16:creationId xmlns:a16="http://schemas.microsoft.com/office/drawing/2014/main" id="{C4CC0A04-C0FB-47DE-A7A5-81023F7578F7}"/>
+              </a:ext>
+            </a:extLst>
+          </p:cNvPr>
+          <p:cNvPicPr>
+            <a:picLocks noChangeAspect="1"/>
+          </p:cNvPicPr>
+          <p:nvPr/>
+        </p:nvPicPr>
+        <p:blipFill>
+          <a:blip r:embed="rId3"/>
+          <a:stretch>
+            <a:fillRect/>
+          </a:stretch>
+        </p:blipFill>
+        <p:spPr>
+          <a:xfrm>
+            <a:off x="5645427" y="2334260"/>
+            <a:ext cx="6429841" cy="4164496"/>
+          </a:xfrm>
+          <a:prstGeom prst="rect">
+            <a:avLst/>
+          </a:prstGeom>
+        </p:spPr>
+      </p:pic>
     </p:spTree>
   </p:cSld>
   <p:clrMapOvr>
